--- a/Electronics 101.pptx
+++ b/Electronics 101.pptx
@@ -4,6 +4,9 @@
   <p:sldMasterIdLst>
     <p:sldMasterId id="2147483648" r:id="rId1"/>
   </p:sldMasterIdLst>
+  <p:notesMasterIdLst>
+    <p:notesMasterId r:id="rId21"/>
+  </p:notesMasterIdLst>
   <p:sldIdLst>
     <p:sldId id="256" r:id="rId2"/>
     <p:sldId id="257" r:id="rId3"/>
@@ -13,6 +16,17 @@
     <p:sldId id="261" r:id="rId7"/>
     <p:sldId id="263" r:id="rId8"/>
     <p:sldId id="262" r:id="rId9"/>
+    <p:sldId id="269" r:id="rId10"/>
+    <p:sldId id="264" r:id="rId11"/>
+    <p:sldId id="265" r:id="rId12"/>
+    <p:sldId id="266" r:id="rId13"/>
+    <p:sldId id="268" r:id="rId14"/>
+    <p:sldId id="267" r:id="rId15"/>
+    <p:sldId id="270" r:id="rId16"/>
+    <p:sldId id="271" r:id="rId17"/>
+    <p:sldId id="272" r:id="rId18"/>
+    <p:sldId id="274" r:id="rId19"/>
+    <p:sldId id="273" r:id="rId20"/>
   </p:sldIdLst>
   <p:sldSz cx="12192000" cy="6858000"/>
   <p:notesSz cx="6858000" cy="9144000"/>
@@ -111,7 +125,362 @@
       </a:defRPr>
     </a:lvl9pPr>
   </p:defaultTextStyle>
+  <p:extLst>
+    <p:ext uri="{EFAFB233-063F-42B5-8137-9DF3F51BA10A}">
+      <p15:sldGuideLst xmlns:p15="http://schemas.microsoft.com/office/powerpoint/2012/main"/>
+    </p:ext>
+  </p:extLst>
 </p:presentation>
+</file>
+
+<file path=ppt/notesMasters/notesMaster1.xml><?xml version="1.0" encoding="utf-8"?>
+<p:notesMaster xmlns:a="http://schemas.openxmlformats.org/drawingml/2006/main" xmlns:r="http://schemas.openxmlformats.org/officeDocument/2006/relationships" xmlns:p="http://schemas.openxmlformats.org/presentationml/2006/main">
+  <p:cSld>
+    <p:bg>
+      <p:bgRef idx="1001">
+        <a:schemeClr val="bg1"/>
+      </p:bgRef>
+    </p:bg>
+    <p:spTree>
+      <p:nvGrpSpPr>
+        <p:cNvPr id="1" name=""/>
+        <p:cNvGrpSpPr/>
+        <p:nvPr/>
+      </p:nvGrpSpPr>
+      <p:grpSpPr>
+        <a:xfrm>
+          <a:off x="0" y="0"/>
+          <a:ext cx="0" cy="0"/>
+          <a:chOff x="0" y="0"/>
+          <a:chExt cx="0" cy="0"/>
+        </a:xfrm>
+      </p:grpSpPr>
+      <p:sp>
+        <p:nvSpPr>
+          <p:cNvPr id="2" name="Header Placeholder 1"/>
+          <p:cNvSpPr>
+            <a:spLocks noGrp="1"/>
+          </p:cNvSpPr>
+          <p:nvPr>
+            <p:ph type="hdr" sz="quarter"/>
+          </p:nvPr>
+        </p:nvSpPr>
+        <p:spPr>
+          <a:xfrm>
+            <a:off x="0" y="0"/>
+            <a:ext cx="2971800" cy="458788"/>
+          </a:xfrm>
+          <a:prstGeom prst="rect">
+            <a:avLst/>
+          </a:prstGeom>
+        </p:spPr>
+        <p:txBody>
+          <a:bodyPr vert="horz" lIns="91440" tIns="45720" rIns="91440" bIns="45720" rtlCol="0"/>
+          <a:lstStyle>
+            <a:lvl1pPr algn="l">
+              <a:defRPr sz="1200"/>
+            </a:lvl1pPr>
+          </a:lstStyle>
+          <a:p>
+            <a:endParaRPr lang="en-US"/>
+          </a:p>
+        </p:txBody>
+      </p:sp>
+      <p:sp>
+        <p:nvSpPr>
+          <p:cNvPr id="3" name="Date Placeholder 2"/>
+          <p:cNvSpPr>
+            <a:spLocks noGrp="1"/>
+          </p:cNvSpPr>
+          <p:nvPr>
+            <p:ph type="dt" idx="1"/>
+          </p:nvPr>
+        </p:nvSpPr>
+        <p:spPr>
+          <a:xfrm>
+            <a:off x="3884613" y="0"/>
+            <a:ext cx="2971800" cy="458788"/>
+          </a:xfrm>
+          <a:prstGeom prst="rect">
+            <a:avLst/>
+          </a:prstGeom>
+        </p:spPr>
+        <p:txBody>
+          <a:bodyPr vert="horz" lIns="91440" tIns="45720" rIns="91440" bIns="45720" rtlCol="0"/>
+          <a:lstStyle>
+            <a:lvl1pPr algn="r">
+              <a:defRPr sz="1200"/>
+            </a:lvl1pPr>
+          </a:lstStyle>
+          <a:p>
+            <a:fld id="{60E188FA-EECA-4DFD-91D1-D4BBF2A86176}" type="datetimeFigureOut">
+              <a:rPr lang="en-US" smtClean="0"/>
+              <a:t>7/13/2018</a:t>
+            </a:fld>
+            <a:endParaRPr lang="en-US"/>
+          </a:p>
+        </p:txBody>
+      </p:sp>
+      <p:sp>
+        <p:nvSpPr>
+          <p:cNvPr id="4" name="Slide Image Placeholder 3"/>
+          <p:cNvSpPr>
+            <a:spLocks noGrp="1" noRot="1" noChangeAspect="1"/>
+          </p:cNvSpPr>
+          <p:nvPr>
+            <p:ph type="sldImg" idx="2"/>
+          </p:nvPr>
+        </p:nvSpPr>
+        <p:spPr>
+          <a:xfrm>
+            <a:off x="685800" y="1143000"/>
+            <a:ext cx="5486400" cy="3086100"/>
+          </a:xfrm>
+          <a:prstGeom prst="rect">
+            <a:avLst/>
+          </a:prstGeom>
+          <a:noFill/>
+          <a:ln w="12700">
+            <a:solidFill>
+              <a:prstClr val="black"/>
+            </a:solidFill>
+          </a:ln>
+        </p:spPr>
+        <p:txBody>
+          <a:bodyPr vert="horz" lIns="91440" tIns="45720" rIns="91440" bIns="45720" rtlCol="0" anchor="ctr"/>
+          <a:lstStyle/>
+          <a:p>
+            <a:endParaRPr lang="en-US"/>
+          </a:p>
+        </p:txBody>
+      </p:sp>
+      <p:sp>
+        <p:nvSpPr>
+          <p:cNvPr id="5" name="Notes Placeholder 4"/>
+          <p:cNvSpPr>
+            <a:spLocks noGrp="1"/>
+          </p:cNvSpPr>
+          <p:nvPr>
+            <p:ph type="body" sz="quarter" idx="3"/>
+          </p:nvPr>
+        </p:nvSpPr>
+        <p:spPr>
+          <a:xfrm>
+            <a:off x="685800" y="4400550"/>
+            <a:ext cx="5486400" cy="3600450"/>
+          </a:xfrm>
+          <a:prstGeom prst="rect">
+            <a:avLst/>
+          </a:prstGeom>
+        </p:spPr>
+        <p:txBody>
+          <a:bodyPr vert="horz" lIns="91440" tIns="45720" rIns="91440" bIns="45720" rtlCol="0"/>
+          <a:lstStyle/>
+          <a:p>
+            <a:pPr lvl="0"/>
+            <a:r>
+              <a:rPr lang="en-US" smtClean="0"/>
+              <a:t>Edit Master text styles</a:t>
+            </a:r>
+          </a:p>
+          <a:p>
+            <a:pPr lvl="1"/>
+            <a:r>
+              <a:rPr lang="en-US" smtClean="0"/>
+              <a:t>Second level</a:t>
+            </a:r>
+          </a:p>
+          <a:p>
+            <a:pPr lvl="2"/>
+            <a:r>
+              <a:rPr lang="en-US" smtClean="0"/>
+              <a:t>Third level</a:t>
+            </a:r>
+          </a:p>
+          <a:p>
+            <a:pPr lvl="3"/>
+            <a:r>
+              <a:rPr lang="en-US" smtClean="0"/>
+              <a:t>Fourth level</a:t>
+            </a:r>
+          </a:p>
+          <a:p>
+            <a:pPr lvl="4"/>
+            <a:r>
+              <a:rPr lang="en-US" smtClean="0"/>
+              <a:t>Fifth level</a:t>
+            </a:r>
+            <a:endParaRPr lang="en-US"/>
+          </a:p>
+        </p:txBody>
+      </p:sp>
+      <p:sp>
+        <p:nvSpPr>
+          <p:cNvPr id="6" name="Footer Placeholder 5"/>
+          <p:cNvSpPr>
+            <a:spLocks noGrp="1"/>
+          </p:cNvSpPr>
+          <p:nvPr>
+            <p:ph type="ftr" sz="quarter" idx="4"/>
+          </p:nvPr>
+        </p:nvSpPr>
+        <p:spPr>
+          <a:xfrm>
+            <a:off x="0" y="8685213"/>
+            <a:ext cx="2971800" cy="458787"/>
+          </a:xfrm>
+          <a:prstGeom prst="rect">
+            <a:avLst/>
+          </a:prstGeom>
+        </p:spPr>
+        <p:txBody>
+          <a:bodyPr vert="horz" lIns="91440" tIns="45720" rIns="91440" bIns="45720" rtlCol="0" anchor="b"/>
+          <a:lstStyle>
+            <a:lvl1pPr algn="l">
+              <a:defRPr sz="1200"/>
+            </a:lvl1pPr>
+          </a:lstStyle>
+          <a:p>
+            <a:endParaRPr lang="en-US"/>
+          </a:p>
+        </p:txBody>
+      </p:sp>
+      <p:sp>
+        <p:nvSpPr>
+          <p:cNvPr id="7" name="Slide Number Placeholder 6"/>
+          <p:cNvSpPr>
+            <a:spLocks noGrp="1"/>
+          </p:cNvSpPr>
+          <p:nvPr>
+            <p:ph type="sldNum" sz="quarter" idx="5"/>
+          </p:nvPr>
+        </p:nvSpPr>
+        <p:spPr>
+          <a:xfrm>
+            <a:off x="3884613" y="8685213"/>
+            <a:ext cx="2971800" cy="458787"/>
+          </a:xfrm>
+          <a:prstGeom prst="rect">
+            <a:avLst/>
+          </a:prstGeom>
+        </p:spPr>
+        <p:txBody>
+          <a:bodyPr vert="horz" lIns="91440" tIns="45720" rIns="91440" bIns="45720" rtlCol="0" anchor="b"/>
+          <a:lstStyle>
+            <a:lvl1pPr algn="r">
+              <a:defRPr sz="1200"/>
+            </a:lvl1pPr>
+          </a:lstStyle>
+          <a:p>
+            <a:fld id="{8D338014-37AE-42A7-951E-FC06C508646A}" type="slidenum">
+              <a:rPr lang="en-US" smtClean="0"/>
+              <a:t>‹#›</a:t>
+            </a:fld>
+            <a:endParaRPr lang="en-US"/>
+          </a:p>
+        </p:txBody>
+      </p:sp>
+    </p:spTree>
+    <p:extLst>
+      <p:ext uri="{BB962C8B-B14F-4D97-AF65-F5344CB8AC3E}">
+        <p14:creationId xmlns:p14="http://schemas.microsoft.com/office/powerpoint/2010/main" val="2868923955"/>
+      </p:ext>
+    </p:extLst>
+  </p:cSld>
+  <p:clrMap bg1="lt1" tx1="dk1" bg2="lt2" tx2="dk2" accent1="accent1" accent2="accent2" accent3="accent3" accent4="accent4" accent5="accent5" accent6="accent6" hlink="hlink" folHlink="folHlink"/>
+  <p:notesStyle>
+    <a:lvl1pPr marL="0" algn="l" defTabSz="914400" rtl="0" eaLnBrk="1" latinLnBrk="0" hangingPunct="1">
+      <a:defRPr sz="1200" kern="1200">
+        <a:solidFill>
+          <a:schemeClr val="tx1"/>
+        </a:solidFill>
+        <a:latin typeface="+mn-lt"/>
+        <a:ea typeface="+mn-ea"/>
+        <a:cs typeface="+mn-cs"/>
+      </a:defRPr>
+    </a:lvl1pPr>
+    <a:lvl2pPr marL="457200" algn="l" defTabSz="914400" rtl="0" eaLnBrk="1" latinLnBrk="0" hangingPunct="1">
+      <a:defRPr sz="1200" kern="1200">
+        <a:solidFill>
+          <a:schemeClr val="tx1"/>
+        </a:solidFill>
+        <a:latin typeface="+mn-lt"/>
+        <a:ea typeface="+mn-ea"/>
+        <a:cs typeface="+mn-cs"/>
+      </a:defRPr>
+    </a:lvl2pPr>
+    <a:lvl3pPr marL="914400" algn="l" defTabSz="914400" rtl="0" eaLnBrk="1" latinLnBrk="0" hangingPunct="1">
+      <a:defRPr sz="1200" kern="1200">
+        <a:solidFill>
+          <a:schemeClr val="tx1"/>
+        </a:solidFill>
+        <a:latin typeface="+mn-lt"/>
+        <a:ea typeface="+mn-ea"/>
+        <a:cs typeface="+mn-cs"/>
+      </a:defRPr>
+    </a:lvl3pPr>
+    <a:lvl4pPr marL="1371600" algn="l" defTabSz="914400" rtl="0" eaLnBrk="1" latinLnBrk="0" hangingPunct="1">
+      <a:defRPr sz="1200" kern="1200">
+        <a:solidFill>
+          <a:schemeClr val="tx1"/>
+        </a:solidFill>
+        <a:latin typeface="+mn-lt"/>
+        <a:ea typeface="+mn-ea"/>
+        <a:cs typeface="+mn-cs"/>
+      </a:defRPr>
+    </a:lvl4pPr>
+    <a:lvl5pPr marL="1828800" algn="l" defTabSz="914400" rtl="0" eaLnBrk="1" latinLnBrk="0" hangingPunct="1">
+      <a:defRPr sz="1200" kern="1200">
+        <a:solidFill>
+          <a:schemeClr val="tx1"/>
+        </a:solidFill>
+        <a:latin typeface="+mn-lt"/>
+        <a:ea typeface="+mn-ea"/>
+        <a:cs typeface="+mn-cs"/>
+      </a:defRPr>
+    </a:lvl5pPr>
+    <a:lvl6pPr marL="2286000" algn="l" defTabSz="914400" rtl="0" eaLnBrk="1" latinLnBrk="0" hangingPunct="1">
+      <a:defRPr sz="1200" kern="1200">
+        <a:solidFill>
+          <a:schemeClr val="tx1"/>
+        </a:solidFill>
+        <a:latin typeface="+mn-lt"/>
+        <a:ea typeface="+mn-ea"/>
+        <a:cs typeface="+mn-cs"/>
+      </a:defRPr>
+    </a:lvl6pPr>
+    <a:lvl7pPr marL="2743200" algn="l" defTabSz="914400" rtl="0" eaLnBrk="1" latinLnBrk="0" hangingPunct="1">
+      <a:defRPr sz="1200" kern="1200">
+        <a:solidFill>
+          <a:schemeClr val="tx1"/>
+        </a:solidFill>
+        <a:latin typeface="+mn-lt"/>
+        <a:ea typeface="+mn-ea"/>
+        <a:cs typeface="+mn-cs"/>
+      </a:defRPr>
+    </a:lvl7pPr>
+    <a:lvl8pPr marL="3200400" algn="l" defTabSz="914400" rtl="0" eaLnBrk="1" latinLnBrk="0" hangingPunct="1">
+      <a:defRPr sz="1200" kern="1200">
+        <a:solidFill>
+          <a:schemeClr val="tx1"/>
+        </a:solidFill>
+        <a:latin typeface="+mn-lt"/>
+        <a:ea typeface="+mn-ea"/>
+        <a:cs typeface="+mn-cs"/>
+      </a:defRPr>
+    </a:lvl8pPr>
+    <a:lvl9pPr marL="3657600" algn="l" defTabSz="914400" rtl="0" eaLnBrk="1" latinLnBrk="0" hangingPunct="1">
+      <a:defRPr sz="1200" kern="1200">
+        <a:solidFill>
+          <a:schemeClr val="tx1"/>
+        </a:solidFill>
+        <a:latin typeface="+mn-lt"/>
+        <a:ea typeface="+mn-ea"/>
+        <a:cs typeface="+mn-cs"/>
+      </a:defRPr>
+    </a:lvl9pPr>
+  </p:notesStyle>
+</p:notesMaster>
 </file>
 
 <file path=ppt/slideLayouts/slideLayout1.xml><?xml version="1.0" encoding="utf-8"?>
@@ -261,7 +630,7 @@
           <a:p>
             <a:fld id="{23A0FAE5-E8A8-4C94-B105-9978F51B0953}" type="datetimeFigureOut">
               <a:rPr lang="en-US" smtClean="0"/>
-              <a:t>7/5/2018</a:t>
+              <a:t>7/13/2018</a:t>
             </a:fld>
             <a:endParaRPr lang="en-US"/>
           </a:p>
@@ -459,7 +828,7 @@
           <a:p>
             <a:fld id="{23A0FAE5-E8A8-4C94-B105-9978F51B0953}" type="datetimeFigureOut">
               <a:rPr lang="en-US" smtClean="0"/>
-              <a:t>7/5/2018</a:t>
+              <a:t>7/13/2018</a:t>
             </a:fld>
             <a:endParaRPr lang="en-US"/>
           </a:p>
@@ -667,7 +1036,7 @@
           <a:p>
             <a:fld id="{23A0FAE5-E8A8-4C94-B105-9978F51B0953}" type="datetimeFigureOut">
               <a:rPr lang="en-US" smtClean="0"/>
-              <a:t>7/5/2018</a:t>
+              <a:t>7/13/2018</a:t>
             </a:fld>
             <a:endParaRPr lang="en-US"/>
           </a:p>
@@ -865,7 +1234,7 @@
           <a:p>
             <a:fld id="{23A0FAE5-E8A8-4C94-B105-9978F51B0953}" type="datetimeFigureOut">
               <a:rPr lang="en-US" smtClean="0"/>
-              <a:t>7/5/2018</a:t>
+              <a:t>7/13/2018</a:t>
             </a:fld>
             <a:endParaRPr lang="en-US"/>
           </a:p>
@@ -1140,7 +1509,7 @@
           <a:p>
             <a:fld id="{23A0FAE5-E8A8-4C94-B105-9978F51B0953}" type="datetimeFigureOut">
               <a:rPr lang="en-US" smtClean="0"/>
-              <a:t>7/5/2018</a:t>
+              <a:t>7/13/2018</a:t>
             </a:fld>
             <a:endParaRPr lang="en-US"/>
           </a:p>
@@ -1405,7 +1774,7 @@
           <a:p>
             <a:fld id="{23A0FAE5-E8A8-4C94-B105-9978F51B0953}" type="datetimeFigureOut">
               <a:rPr lang="en-US" smtClean="0"/>
-              <a:t>7/5/2018</a:t>
+              <a:t>7/13/2018</a:t>
             </a:fld>
             <a:endParaRPr lang="en-US"/>
           </a:p>
@@ -1817,7 +2186,7 @@
           <a:p>
             <a:fld id="{23A0FAE5-E8A8-4C94-B105-9978F51B0953}" type="datetimeFigureOut">
               <a:rPr lang="en-US" smtClean="0"/>
-              <a:t>7/5/2018</a:t>
+              <a:t>7/13/2018</a:t>
             </a:fld>
             <a:endParaRPr lang="en-US"/>
           </a:p>
@@ -1958,7 +2327,7 @@
           <a:p>
             <a:fld id="{23A0FAE5-E8A8-4C94-B105-9978F51B0953}" type="datetimeFigureOut">
               <a:rPr lang="en-US" smtClean="0"/>
-              <a:t>7/5/2018</a:t>
+              <a:t>7/13/2018</a:t>
             </a:fld>
             <a:endParaRPr lang="en-US"/>
           </a:p>
@@ -2071,7 +2440,7 @@
           <a:p>
             <a:fld id="{23A0FAE5-E8A8-4C94-B105-9978F51B0953}" type="datetimeFigureOut">
               <a:rPr lang="en-US" smtClean="0"/>
-              <a:t>7/5/2018</a:t>
+              <a:t>7/13/2018</a:t>
             </a:fld>
             <a:endParaRPr lang="en-US"/>
           </a:p>
@@ -2382,7 +2751,7 @@
           <a:p>
             <a:fld id="{23A0FAE5-E8A8-4C94-B105-9978F51B0953}" type="datetimeFigureOut">
               <a:rPr lang="en-US" smtClean="0"/>
-              <a:t>7/5/2018</a:t>
+              <a:t>7/13/2018</a:t>
             </a:fld>
             <a:endParaRPr lang="en-US"/>
           </a:p>
@@ -2670,7 +3039,7 @@
           <a:p>
             <a:fld id="{23A0FAE5-E8A8-4C94-B105-9978F51B0953}" type="datetimeFigureOut">
               <a:rPr lang="en-US" smtClean="0"/>
-              <a:t>7/5/2018</a:t>
+              <a:t>7/13/2018</a:t>
             </a:fld>
             <a:endParaRPr lang="en-US"/>
           </a:p>
@@ -2911,7 +3280,7 @@
           <a:p>
             <a:fld id="{23A0FAE5-E8A8-4C94-B105-9978F51B0953}" type="datetimeFigureOut">
               <a:rPr lang="en-US" smtClean="0"/>
-              <a:t>7/5/2018</a:t>
+              <a:t>7/13/2018</a:t>
             </a:fld>
             <a:endParaRPr lang="en-US"/>
           </a:p>
@@ -3391,6 +3760,3594 @@
   <p:clrMapOvr>
     <a:masterClrMapping/>
   </p:clrMapOvr>
+  <p:timing>
+    <p:tnLst>
+      <p:par>
+        <p:cTn id="1" dur="indefinite" restart="never" nodeType="tmRoot"/>
+      </p:par>
+    </p:tnLst>
+  </p:timing>
+</p:sld>
+</file>
+
+<file path=ppt/slides/slide10.xml><?xml version="1.0" encoding="utf-8"?>
+<p:sld xmlns:a="http://schemas.openxmlformats.org/drawingml/2006/main" xmlns:r="http://schemas.openxmlformats.org/officeDocument/2006/relationships" xmlns:p="http://schemas.openxmlformats.org/presentationml/2006/main">
+  <p:cSld>
+    <p:spTree>
+      <p:nvGrpSpPr>
+        <p:cNvPr id="1" name=""/>
+        <p:cNvGrpSpPr/>
+        <p:nvPr/>
+      </p:nvGrpSpPr>
+      <p:grpSpPr>
+        <a:xfrm>
+          <a:off x="0" y="0"/>
+          <a:ext cx="0" cy="0"/>
+          <a:chOff x="0" y="0"/>
+          <a:chExt cx="0" cy="0"/>
+        </a:xfrm>
+      </p:grpSpPr>
+      <p:sp>
+        <p:nvSpPr>
+          <p:cNvPr id="2" name="Title 1"/>
+          <p:cNvSpPr>
+            <a:spLocks noGrp="1"/>
+          </p:cNvSpPr>
+          <p:nvPr>
+            <p:ph type="title"/>
+          </p:nvPr>
+        </p:nvSpPr>
+        <p:spPr/>
+        <p:txBody>
+          <a:bodyPr/>
+          <a:lstStyle/>
+          <a:p>
+            <a:r>
+              <a:rPr lang="en-US" dirty="0" smtClean="0"/>
+              <a:t>Voltage</a:t>
+            </a:r>
+            <a:endParaRPr lang="en-US" dirty="0"/>
+          </a:p>
+        </p:txBody>
+      </p:sp>
+      <p:sp>
+        <p:nvSpPr>
+          <p:cNvPr id="3" name="Content Placeholder 2"/>
+          <p:cNvSpPr>
+            <a:spLocks noGrp="1"/>
+          </p:cNvSpPr>
+          <p:nvPr>
+            <p:ph idx="1"/>
+          </p:nvPr>
+        </p:nvSpPr>
+        <p:spPr>
+          <a:xfrm>
+            <a:off x="838200" y="1825624"/>
+            <a:ext cx="10515600" cy="4876833"/>
+          </a:xfrm>
+        </p:spPr>
+        <p:txBody>
+          <a:bodyPr>
+            <a:normAutofit fontScale="92500" lnSpcReduction="10000"/>
+          </a:bodyPr>
+          <a:lstStyle/>
+          <a:p>
+            <a:r>
+              <a:rPr lang="en-US" dirty="0" smtClean="0"/>
+              <a:t>How difficult it is to move some electrical charge from one point to another</a:t>
+            </a:r>
+          </a:p>
+          <a:p>
+            <a:r>
+              <a:rPr lang="en-US" dirty="0" smtClean="0"/>
+              <a:t>Measured in Volts</a:t>
+            </a:r>
+          </a:p>
+          <a:p>
+            <a:pPr lvl="1"/>
+            <a:r>
+              <a:rPr lang="en-US" dirty="0" smtClean="0"/>
+              <a:t>Symbol: </a:t>
+            </a:r>
+            <a:r>
+              <a:rPr lang="en-US" i="1" dirty="0" smtClean="0"/>
+              <a:t>V</a:t>
+            </a:r>
+            <a:endParaRPr lang="en-US" dirty="0" smtClean="0"/>
+          </a:p>
+          <a:p>
+            <a:r>
+              <a:rPr lang="en-US" dirty="0" smtClean="0"/>
+              <a:t>Always a </a:t>
+            </a:r>
+            <a:r>
+              <a:rPr lang="en-US" b="1" dirty="0" smtClean="0"/>
+              <a:t>relative term</a:t>
+            </a:r>
+            <a:endParaRPr lang="en-US" dirty="0" smtClean="0"/>
+          </a:p>
+          <a:p>
+            <a:pPr lvl="1"/>
+            <a:r>
+              <a:rPr lang="en-US" dirty="0" smtClean="0"/>
+              <a:t>I.e., voltage is between two points</a:t>
+            </a:r>
+          </a:p>
+          <a:p>
+            <a:pPr lvl="1"/>
+            <a:r>
+              <a:rPr lang="en-US" dirty="0" smtClean="0"/>
+              <a:t>If not otherwise specified, voltage is assumed to be relative to the Earth (in electrical engineering) or an infinite distance away from a point charge (physics)</a:t>
+            </a:r>
+          </a:p>
+          <a:p>
+            <a:pPr lvl="1"/>
+            <a:r>
+              <a:rPr lang="en-US" dirty="0" smtClean="0"/>
+              <a:t>Generally speaking, you can choose your reference (ground) to be anything you like, and the math will work out the same</a:t>
+            </a:r>
+          </a:p>
+          <a:p>
+            <a:pPr lvl="1"/>
+            <a:endParaRPr lang="en-US" dirty="0" smtClean="0"/>
+          </a:p>
+          <a:p>
+            <a:pPr lvl="1"/>
+            <a:r>
+              <a:rPr lang="en-US" dirty="0" smtClean="0"/>
+              <a:t>Ground or “Earth ground”:</a:t>
+            </a:r>
+          </a:p>
+          <a:p>
+            <a:pPr lvl="1"/>
+            <a:endParaRPr lang="en-US" dirty="0" smtClean="0"/>
+          </a:p>
+          <a:p>
+            <a:pPr lvl="1"/>
+            <a:r>
+              <a:rPr lang="en-US" dirty="0" smtClean="0"/>
+              <a:t>“Chassis ground”:</a:t>
+            </a:r>
+          </a:p>
+          <a:p>
+            <a:pPr lvl="1"/>
+            <a:endParaRPr lang="en-US" dirty="0"/>
+          </a:p>
+        </p:txBody>
+      </p:sp>
+      <p:pic>
+        <p:nvPicPr>
+          <p:cNvPr id="5" name="Picture 4"/>
+          <p:cNvPicPr>
+            <a:picLocks noChangeAspect="1"/>
+          </p:cNvPicPr>
+          <p:nvPr/>
+        </p:nvPicPr>
+        <p:blipFill rotWithShape="1">
+          <a:blip r:embed="rId2"/>
+          <a:srcRect t="-1" b="6818"/>
+          <a:stretch/>
+        </p:blipFill>
+        <p:spPr>
+          <a:xfrm>
+            <a:off x="3770918" y="5872915"/>
+            <a:ext cx="961338" cy="772982"/>
+          </a:xfrm>
+          <a:prstGeom prst="rect">
+            <a:avLst/>
+          </a:prstGeom>
+        </p:spPr>
+      </p:pic>
+      <p:pic>
+        <p:nvPicPr>
+          <p:cNvPr id="6" name="Picture 5"/>
+          <p:cNvPicPr>
+            <a:picLocks noChangeAspect="1"/>
+          </p:cNvPicPr>
+          <p:nvPr/>
+        </p:nvPicPr>
+        <p:blipFill>
+          <a:blip r:embed="rId3"/>
+          <a:stretch>
+            <a:fillRect/>
+          </a:stretch>
+        </p:blipFill>
+        <p:spPr>
+          <a:xfrm>
+            <a:off x="4831189" y="5139611"/>
+            <a:ext cx="815468" cy="632146"/>
+          </a:xfrm>
+          <a:prstGeom prst="rect">
+            <a:avLst/>
+          </a:prstGeom>
+        </p:spPr>
+      </p:pic>
+    </p:spTree>
+    <p:extLst>
+      <p:ext uri="{BB962C8B-B14F-4D97-AF65-F5344CB8AC3E}">
+        <p14:creationId xmlns:p14="http://schemas.microsoft.com/office/powerpoint/2010/main" val="393767502"/>
+      </p:ext>
+    </p:extLst>
+  </p:cSld>
+  <p:clrMapOvr>
+    <a:masterClrMapping/>
+  </p:clrMapOvr>
+  <p:timing>
+    <p:tnLst>
+      <p:par>
+        <p:cTn id="1" dur="indefinite" restart="never" nodeType="tmRoot"/>
+      </p:par>
+    </p:tnLst>
+  </p:timing>
+</p:sld>
+</file>
+
+<file path=ppt/slides/slide11.xml><?xml version="1.0" encoding="utf-8"?>
+<p:sld xmlns:a="http://schemas.openxmlformats.org/drawingml/2006/main" xmlns:r="http://schemas.openxmlformats.org/officeDocument/2006/relationships" xmlns:p="http://schemas.openxmlformats.org/presentationml/2006/main">
+  <p:cSld>
+    <p:spTree>
+      <p:nvGrpSpPr>
+        <p:cNvPr id="1" name=""/>
+        <p:cNvGrpSpPr/>
+        <p:nvPr/>
+      </p:nvGrpSpPr>
+      <p:grpSpPr>
+        <a:xfrm>
+          <a:off x="0" y="0"/>
+          <a:ext cx="0" cy="0"/>
+          <a:chOff x="0" y="0"/>
+          <a:chExt cx="0" cy="0"/>
+        </a:xfrm>
+      </p:grpSpPr>
+      <p:sp>
+        <p:nvSpPr>
+          <p:cNvPr id="2" name="Title 1"/>
+          <p:cNvSpPr>
+            <a:spLocks noGrp="1"/>
+          </p:cNvSpPr>
+          <p:nvPr>
+            <p:ph type="title"/>
+          </p:nvPr>
+        </p:nvSpPr>
+        <p:spPr/>
+        <p:txBody>
+          <a:bodyPr/>
+          <a:lstStyle/>
+          <a:p>
+            <a:r>
+              <a:rPr lang="en-US" dirty="0" smtClean="0"/>
+              <a:t>Voltage</a:t>
+            </a:r>
+            <a:endParaRPr lang="en-US" dirty="0"/>
+          </a:p>
+        </p:txBody>
+      </p:sp>
+      <p:sp>
+        <p:nvSpPr>
+          <p:cNvPr id="3" name="Content Placeholder 2"/>
+          <p:cNvSpPr>
+            <a:spLocks noGrp="1"/>
+          </p:cNvSpPr>
+          <p:nvPr>
+            <p:ph idx="1"/>
+          </p:nvPr>
+        </p:nvSpPr>
+        <p:spPr/>
+        <p:txBody>
+          <a:bodyPr/>
+          <a:lstStyle/>
+          <a:p>
+            <a:r>
+              <a:rPr lang="en-US" dirty="0" smtClean="0"/>
+              <a:t>This is the symbol for a </a:t>
+            </a:r>
+            <a:r>
+              <a:rPr lang="en-US" i="1" dirty="0" smtClean="0"/>
+              <a:t>cell:</a:t>
+            </a:r>
+          </a:p>
+          <a:p>
+            <a:pPr lvl="1"/>
+            <a:r>
+              <a:rPr lang="en-US" dirty="0" smtClean="0"/>
+              <a:t>Cells generate a constant voltage across their poles</a:t>
+            </a:r>
+          </a:p>
+          <a:p>
+            <a:r>
+              <a:rPr lang="en-US" dirty="0" smtClean="0"/>
+              <a:t>This is the symbol for a </a:t>
+            </a:r>
+            <a:r>
+              <a:rPr lang="en-US" i="1" dirty="0" smtClean="0"/>
+              <a:t>battery</a:t>
+            </a:r>
+            <a:r>
+              <a:rPr lang="en-US" dirty="0" smtClean="0"/>
+              <a:t>:</a:t>
+            </a:r>
+          </a:p>
+          <a:p>
+            <a:pPr lvl="1"/>
+            <a:r>
+              <a:rPr lang="en-US" dirty="0" smtClean="0"/>
+              <a:t>Batteries are made up of several cells</a:t>
+            </a:r>
+          </a:p>
+          <a:p>
+            <a:r>
+              <a:rPr lang="en-US" dirty="0" smtClean="0"/>
+              <a:t>Usually, you just use a battery symbol, with the voltage written next to it:</a:t>
+            </a:r>
+          </a:p>
+          <a:p>
+            <a:endParaRPr lang="en-US" dirty="0" smtClean="0"/>
+          </a:p>
+          <a:p>
+            <a:r>
+              <a:rPr lang="en-US" dirty="0" smtClean="0"/>
+              <a:t>Alternatively, a </a:t>
+            </a:r>
+            <a:r>
+              <a:rPr lang="en-US" i="1" dirty="0" smtClean="0"/>
+              <a:t>constant voltage source </a:t>
+            </a:r>
+            <a:r>
+              <a:rPr lang="en-US" dirty="0" smtClean="0"/>
+              <a:t>symbol may be used:</a:t>
+            </a:r>
+            <a:endParaRPr lang="en-US" dirty="0"/>
+          </a:p>
+        </p:txBody>
+      </p:sp>
+      <p:pic>
+        <p:nvPicPr>
+          <p:cNvPr id="4" name="Picture 3"/>
+          <p:cNvPicPr>
+            <a:picLocks noChangeAspect="1"/>
+          </p:cNvPicPr>
+          <p:nvPr/>
+        </p:nvPicPr>
+        <p:blipFill>
+          <a:blip r:embed="rId2"/>
+          <a:stretch>
+            <a:fillRect/>
+          </a:stretch>
+        </p:blipFill>
+        <p:spPr>
+          <a:xfrm>
+            <a:off x="5252778" y="1526367"/>
+            <a:ext cx="971550" cy="904875"/>
+          </a:xfrm>
+          <a:prstGeom prst="rect">
+            <a:avLst/>
+          </a:prstGeom>
+        </p:spPr>
+      </p:pic>
+      <p:pic>
+        <p:nvPicPr>
+          <p:cNvPr id="5" name="Picture 4"/>
+          <p:cNvPicPr>
+            <a:picLocks noChangeAspect="1"/>
+          </p:cNvPicPr>
+          <p:nvPr/>
+        </p:nvPicPr>
+        <p:blipFill>
+          <a:blip r:embed="rId3"/>
+          <a:stretch>
+            <a:fillRect/>
+          </a:stretch>
+        </p:blipFill>
+        <p:spPr>
+          <a:xfrm>
+            <a:off x="6224328" y="2664007"/>
+            <a:ext cx="1215563" cy="883251"/>
+          </a:xfrm>
+          <a:prstGeom prst="rect">
+            <a:avLst/>
+          </a:prstGeom>
+        </p:spPr>
+      </p:pic>
+      <p:pic>
+        <p:nvPicPr>
+          <p:cNvPr id="6" name="Picture 5"/>
+          <p:cNvPicPr>
+            <a:picLocks noChangeAspect="1"/>
+          </p:cNvPicPr>
+          <p:nvPr/>
+        </p:nvPicPr>
+        <p:blipFill>
+          <a:blip r:embed="rId4"/>
+          <a:stretch>
+            <a:fillRect/>
+          </a:stretch>
+        </p:blipFill>
+        <p:spPr>
+          <a:xfrm>
+            <a:off x="2497368" y="4123112"/>
+            <a:ext cx="749571" cy="668222"/>
+          </a:xfrm>
+          <a:prstGeom prst="rect">
+            <a:avLst/>
+          </a:prstGeom>
+        </p:spPr>
+      </p:pic>
+      <p:sp>
+        <p:nvSpPr>
+          <p:cNvPr id="7" name="TextBox 6"/>
+          <p:cNvSpPr txBox="1"/>
+          <p:nvPr/>
+        </p:nvSpPr>
+        <p:spPr>
+          <a:xfrm>
+            <a:off x="3246939" y="4272557"/>
+            <a:ext cx="603050" cy="369332"/>
+          </a:xfrm>
+          <a:prstGeom prst="rect">
+            <a:avLst/>
+          </a:prstGeom>
+          <a:noFill/>
+        </p:spPr>
+        <p:txBody>
+          <a:bodyPr wrap="none" rtlCol="0">
+            <a:spAutoFit/>
+          </a:bodyPr>
+          <a:lstStyle/>
+          <a:p>
+            <a:r>
+              <a:rPr lang="en-US" dirty="0" smtClean="0"/>
+              <a:t>12 V</a:t>
+            </a:r>
+            <a:endParaRPr lang="en-US" dirty="0"/>
+          </a:p>
+        </p:txBody>
+      </p:sp>
+      <p:pic>
+        <p:nvPicPr>
+          <p:cNvPr id="8" name="Picture 7"/>
+          <p:cNvPicPr>
+            <a:picLocks noChangeAspect="1"/>
+          </p:cNvPicPr>
+          <p:nvPr/>
+        </p:nvPicPr>
+        <p:blipFill>
+          <a:blip r:embed="rId5"/>
+          <a:stretch>
+            <a:fillRect/>
+          </a:stretch>
+        </p:blipFill>
+        <p:spPr>
+          <a:xfrm>
+            <a:off x="1838324" y="5765626"/>
+            <a:ext cx="659044" cy="643227"/>
+          </a:xfrm>
+          <a:prstGeom prst="rect">
+            <a:avLst/>
+          </a:prstGeom>
+        </p:spPr>
+      </p:pic>
+      <p:sp>
+        <p:nvSpPr>
+          <p:cNvPr id="9" name="TextBox 8"/>
+          <p:cNvSpPr txBox="1"/>
+          <p:nvPr/>
+        </p:nvSpPr>
+        <p:spPr>
+          <a:xfrm>
+            <a:off x="2418437" y="5902573"/>
+            <a:ext cx="603050" cy="369332"/>
+          </a:xfrm>
+          <a:prstGeom prst="rect">
+            <a:avLst/>
+          </a:prstGeom>
+          <a:noFill/>
+        </p:spPr>
+        <p:txBody>
+          <a:bodyPr wrap="none" rtlCol="0">
+            <a:spAutoFit/>
+          </a:bodyPr>
+          <a:lstStyle/>
+          <a:p>
+            <a:r>
+              <a:rPr lang="en-US" dirty="0" smtClean="0"/>
+              <a:t>12 V</a:t>
+            </a:r>
+            <a:endParaRPr lang="en-US" dirty="0"/>
+          </a:p>
+        </p:txBody>
+      </p:sp>
+      <p:sp>
+        <p:nvSpPr>
+          <p:cNvPr id="10" name="Oval 9"/>
+          <p:cNvSpPr/>
+          <p:nvPr/>
+        </p:nvSpPr>
+        <p:spPr>
+          <a:xfrm>
+            <a:off x="3554887" y="5792137"/>
+            <a:ext cx="590204" cy="590204"/>
+          </a:xfrm>
+          <a:prstGeom prst="ellipse">
+            <a:avLst/>
+          </a:prstGeom>
+          <a:noFill/>
+          <a:ln w="34925">
+            <a:solidFill>
+              <a:schemeClr val="tx1"/>
+            </a:solidFill>
+          </a:ln>
+        </p:spPr>
+        <p:style>
+          <a:lnRef idx="2">
+            <a:schemeClr val="accent1">
+              <a:shade val="50000"/>
+            </a:schemeClr>
+          </a:lnRef>
+          <a:fillRef idx="1">
+            <a:schemeClr val="accent1"/>
+          </a:fillRef>
+          <a:effectRef idx="0">
+            <a:schemeClr val="accent1"/>
+          </a:effectRef>
+          <a:fontRef idx="minor">
+            <a:schemeClr val="lt1"/>
+          </a:fontRef>
+        </p:style>
+        <p:txBody>
+          <a:bodyPr rtlCol="0" anchor="ctr"/>
+          <a:lstStyle/>
+          <a:p>
+            <a:pPr algn="ctr"/>
+            <a:endParaRPr lang="en-US"/>
+          </a:p>
+        </p:txBody>
+      </p:sp>
+      <p:sp>
+        <p:nvSpPr>
+          <p:cNvPr id="11" name="TextBox 10"/>
+          <p:cNvSpPr txBox="1"/>
+          <p:nvPr/>
+        </p:nvSpPr>
+        <p:spPr>
+          <a:xfrm>
+            <a:off x="4150001" y="5902573"/>
+            <a:ext cx="603050" cy="369332"/>
+          </a:xfrm>
+          <a:prstGeom prst="rect">
+            <a:avLst/>
+          </a:prstGeom>
+          <a:noFill/>
+        </p:spPr>
+        <p:txBody>
+          <a:bodyPr wrap="none" rtlCol="0">
+            <a:spAutoFit/>
+          </a:bodyPr>
+          <a:lstStyle/>
+          <a:p>
+            <a:r>
+              <a:rPr lang="en-US" dirty="0" smtClean="0"/>
+              <a:t>12 V</a:t>
+            </a:r>
+            <a:endParaRPr lang="en-US" dirty="0"/>
+          </a:p>
+        </p:txBody>
+      </p:sp>
+      <p:sp>
+        <p:nvSpPr>
+          <p:cNvPr id="12" name="TextBox 11"/>
+          <p:cNvSpPr txBox="1"/>
+          <p:nvPr/>
+        </p:nvSpPr>
+        <p:spPr>
+          <a:xfrm>
+            <a:off x="3655865" y="5859121"/>
+            <a:ext cx="388248" cy="523220"/>
+          </a:xfrm>
+          <a:prstGeom prst="rect">
+            <a:avLst/>
+          </a:prstGeom>
+          <a:noFill/>
+        </p:spPr>
+        <p:txBody>
+          <a:bodyPr wrap="none" rtlCol="0">
+            <a:spAutoFit/>
+          </a:bodyPr>
+          <a:lstStyle/>
+          <a:p>
+            <a:r>
+              <a:rPr lang="en-US" sz="2800" dirty="0" smtClean="0"/>
+              <a:t>V</a:t>
+            </a:r>
+            <a:endParaRPr lang="en-US" dirty="0"/>
+          </a:p>
+        </p:txBody>
+      </p:sp>
+      <p:cxnSp>
+        <p:nvCxnSpPr>
+          <p:cNvPr id="14" name="Straight Connector 13"/>
+          <p:cNvCxnSpPr>
+            <a:endCxn id="8" idx="0"/>
+          </p:cNvCxnSpPr>
+          <p:nvPr/>
+        </p:nvCxnSpPr>
+        <p:spPr>
+          <a:xfrm>
+            <a:off x="2167846" y="5495827"/>
+            <a:ext cx="0" cy="269799"/>
+          </a:xfrm>
+          <a:prstGeom prst="line">
+            <a:avLst/>
+          </a:prstGeom>
+          <a:ln w="38100">
+            <a:solidFill>
+              <a:schemeClr val="tx1"/>
+            </a:solidFill>
+          </a:ln>
+        </p:spPr>
+        <p:style>
+          <a:lnRef idx="1">
+            <a:schemeClr val="accent1"/>
+          </a:lnRef>
+          <a:fillRef idx="0">
+            <a:schemeClr val="accent1"/>
+          </a:fillRef>
+          <a:effectRef idx="0">
+            <a:schemeClr val="accent1"/>
+          </a:effectRef>
+          <a:fontRef idx="minor">
+            <a:schemeClr val="tx1"/>
+          </a:fontRef>
+        </p:style>
+      </p:cxnSp>
+      <p:cxnSp>
+        <p:nvCxnSpPr>
+          <p:cNvPr id="15" name="Straight Connector 14"/>
+          <p:cNvCxnSpPr/>
+          <p:nvPr/>
+        </p:nvCxnSpPr>
+        <p:spPr>
+          <a:xfrm>
+            <a:off x="2178525" y="6382341"/>
+            <a:ext cx="0" cy="269799"/>
+          </a:xfrm>
+          <a:prstGeom prst="line">
+            <a:avLst/>
+          </a:prstGeom>
+          <a:ln w="38100">
+            <a:solidFill>
+              <a:schemeClr val="tx1"/>
+            </a:solidFill>
+          </a:ln>
+        </p:spPr>
+        <p:style>
+          <a:lnRef idx="1">
+            <a:schemeClr val="accent1"/>
+          </a:lnRef>
+          <a:fillRef idx="0">
+            <a:schemeClr val="accent1"/>
+          </a:fillRef>
+          <a:effectRef idx="0">
+            <a:schemeClr val="accent1"/>
+          </a:effectRef>
+          <a:fontRef idx="minor">
+            <a:schemeClr val="tx1"/>
+          </a:fontRef>
+        </p:style>
+      </p:cxnSp>
+      <p:cxnSp>
+        <p:nvCxnSpPr>
+          <p:cNvPr id="16" name="Straight Connector 15"/>
+          <p:cNvCxnSpPr/>
+          <p:nvPr/>
+        </p:nvCxnSpPr>
+        <p:spPr>
+          <a:xfrm>
+            <a:off x="3849989" y="5495826"/>
+            <a:ext cx="0" cy="269799"/>
+          </a:xfrm>
+          <a:prstGeom prst="line">
+            <a:avLst/>
+          </a:prstGeom>
+          <a:ln w="38100">
+            <a:solidFill>
+              <a:schemeClr val="tx1"/>
+            </a:solidFill>
+          </a:ln>
+        </p:spPr>
+        <p:style>
+          <a:lnRef idx="1">
+            <a:schemeClr val="accent1"/>
+          </a:lnRef>
+          <a:fillRef idx="0">
+            <a:schemeClr val="accent1"/>
+          </a:fillRef>
+          <a:effectRef idx="0">
+            <a:schemeClr val="accent1"/>
+          </a:effectRef>
+          <a:fontRef idx="minor">
+            <a:schemeClr val="tx1"/>
+          </a:fontRef>
+        </p:style>
+      </p:cxnSp>
+      <p:cxnSp>
+        <p:nvCxnSpPr>
+          <p:cNvPr id="17" name="Straight Connector 16"/>
+          <p:cNvCxnSpPr/>
+          <p:nvPr/>
+        </p:nvCxnSpPr>
+        <p:spPr>
+          <a:xfrm>
+            <a:off x="3841814" y="6382340"/>
+            <a:ext cx="0" cy="269799"/>
+          </a:xfrm>
+          <a:prstGeom prst="line">
+            <a:avLst/>
+          </a:prstGeom>
+          <a:ln w="38100">
+            <a:solidFill>
+              <a:schemeClr val="tx1"/>
+            </a:solidFill>
+          </a:ln>
+        </p:spPr>
+        <p:style>
+          <a:lnRef idx="1">
+            <a:schemeClr val="accent1"/>
+          </a:lnRef>
+          <a:fillRef idx="0">
+            <a:schemeClr val="accent1"/>
+          </a:fillRef>
+          <a:effectRef idx="0">
+            <a:schemeClr val="accent1"/>
+          </a:effectRef>
+          <a:fontRef idx="minor">
+            <a:schemeClr val="tx1"/>
+          </a:fontRef>
+        </p:style>
+      </p:cxnSp>
+      <p:sp>
+        <p:nvSpPr>
+          <p:cNvPr id="18" name="TextBox 17"/>
+          <p:cNvSpPr txBox="1"/>
+          <p:nvPr/>
+        </p:nvSpPr>
+        <p:spPr>
+          <a:xfrm>
+            <a:off x="3704597" y="5746636"/>
+            <a:ext cx="274434" cy="307777"/>
+          </a:xfrm>
+          <a:prstGeom prst="rect">
+            <a:avLst/>
+          </a:prstGeom>
+          <a:noFill/>
+        </p:spPr>
+        <p:txBody>
+          <a:bodyPr wrap="none" rtlCol="0">
+            <a:spAutoFit/>
+          </a:bodyPr>
+          <a:lstStyle/>
+          <a:p>
+            <a:r>
+              <a:rPr lang="en-US" sz="1400" dirty="0" smtClean="0"/>
+              <a:t>+</a:t>
+            </a:r>
+            <a:endParaRPr lang="en-US" dirty="0"/>
+          </a:p>
+        </p:txBody>
+      </p:sp>
+      <p:sp>
+        <p:nvSpPr>
+          <p:cNvPr id="19" name="TextBox 18"/>
+          <p:cNvSpPr txBox="1"/>
+          <p:nvPr/>
+        </p:nvSpPr>
+        <p:spPr>
+          <a:xfrm>
+            <a:off x="3732292" y="6118016"/>
+            <a:ext cx="256752" cy="307777"/>
+          </a:xfrm>
+          <a:prstGeom prst="rect">
+            <a:avLst/>
+          </a:prstGeom>
+          <a:noFill/>
+        </p:spPr>
+        <p:txBody>
+          <a:bodyPr wrap="square" rtlCol="0">
+            <a:spAutoFit/>
+          </a:bodyPr>
+          <a:lstStyle/>
+          <a:p>
+            <a:r>
+              <a:rPr lang="en-US" sz="1400" dirty="0"/>
+              <a:t>-</a:t>
+            </a:r>
+            <a:endParaRPr lang="en-US" dirty="0"/>
+          </a:p>
+        </p:txBody>
+      </p:sp>
+    </p:spTree>
+    <p:extLst>
+      <p:ext uri="{BB962C8B-B14F-4D97-AF65-F5344CB8AC3E}">
+        <p14:creationId xmlns:p14="http://schemas.microsoft.com/office/powerpoint/2010/main" val="3312718681"/>
+      </p:ext>
+    </p:extLst>
+  </p:cSld>
+  <p:clrMapOvr>
+    <a:masterClrMapping/>
+  </p:clrMapOvr>
+  <p:timing>
+    <p:tnLst>
+      <p:par>
+        <p:cTn id="1" dur="indefinite" restart="never" nodeType="tmRoot"/>
+      </p:par>
+    </p:tnLst>
+  </p:timing>
+</p:sld>
+</file>
+
+<file path=ppt/slides/slide12.xml><?xml version="1.0" encoding="utf-8"?>
+<p:sld xmlns:a="http://schemas.openxmlformats.org/drawingml/2006/main" xmlns:r="http://schemas.openxmlformats.org/officeDocument/2006/relationships" xmlns:p="http://schemas.openxmlformats.org/presentationml/2006/main">
+  <p:cSld>
+    <p:spTree>
+      <p:nvGrpSpPr>
+        <p:cNvPr id="1" name=""/>
+        <p:cNvGrpSpPr/>
+        <p:nvPr/>
+      </p:nvGrpSpPr>
+      <p:grpSpPr>
+        <a:xfrm>
+          <a:off x="0" y="0"/>
+          <a:ext cx="0" cy="0"/>
+          <a:chOff x="0" y="0"/>
+          <a:chExt cx="0" cy="0"/>
+        </a:xfrm>
+      </p:grpSpPr>
+      <p:sp>
+        <p:nvSpPr>
+          <p:cNvPr id="2" name="Title 1"/>
+          <p:cNvSpPr>
+            <a:spLocks noGrp="1"/>
+          </p:cNvSpPr>
+          <p:nvPr>
+            <p:ph type="title"/>
+          </p:nvPr>
+        </p:nvSpPr>
+        <p:spPr/>
+        <p:txBody>
+          <a:bodyPr/>
+          <a:lstStyle/>
+          <a:p>
+            <a:r>
+              <a:rPr lang="en-US" dirty="0" smtClean="0"/>
+              <a:t>Voltage</a:t>
+            </a:r>
+            <a:endParaRPr lang="en-US" dirty="0"/>
+          </a:p>
+        </p:txBody>
+      </p:sp>
+      <p:sp>
+        <p:nvSpPr>
+          <p:cNvPr id="3" name="Content Placeholder 2"/>
+          <p:cNvSpPr>
+            <a:spLocks noGrp="1"/>
+          </p:cNvSpPr>
+          <p:nvPr>
+            <p:ph idx="1"/>
+          </p:nvPr>
+        </p:nvSpPr>
+        <p:spPr/>
+        <p:txBody>
+          <a:bodyPr/>
+          <a:lstStyle/>
+          <a:p>
+            <a:r>
+              <a:rPr lang="en-US" dirty="0" smtClean="0"/>
+              <a:t>These circuits are identical, just with different choices of ground:</a:t>
+            </a:r>
+            <a:endParaRPr lang="en-US" dirty="0"/>
+          </a:p>
+        </p:txBody>
+      </p:sp>
+      <p:pic>
+        <p:nvPicPr>
+          <p:cNvPr id="4" name="Picture 3"/>
+          <p:cNvPicPr>
+            <a:picLocks noChangeAspect="1"/>
+          </p:cNvPicPr>
+          <p:nvPr/>
+        </p:nvPicPr>
+        <p:blipFill>
+          <a:blip r:embed="rId2">
+            <a:extLst>
+              <a:ext uri="{28A0092B-C50C-407E-A947-70E740481C1C}">
+                <a14:useLocalDpi xmlns:a14="http://schemas.microsoft.com/office/drawing/2010/main" val="0"/>
+              </a:ext>
+            </a:extLst>
+          </a:blip>
+          <a:stretch>
+            <a:fillRect/>
+          </a:stretch>
+        </p:blipFill>
+        <p:spPr>
+          <a:xfrm>
+            <a:off x="2995612" y="2700042"/>
+            <a:ext cx="6200775" cy="3343275"/>
+          </a:xfrm>
+          <a:prstGeom prst="rect">
+            <a:avLst/>
+          </a:prstGeom>
+        </p:spPr>
+      </p:pic>
+    </p:spTree>
+    <p:extLst>
+      <p:ext uri="{BB962C8B-B14F-4D97-AF65-F5344CB8AC3E}">
+        <p14:creationId xmlns:p14="http://schemas.microsoft.com/office/powerpoint/2010/main" val="4024394752"/>
+      </p:ext>
+    </p:extLst>
+  </p:cSld>
+  <p:clrMapOvr>
+    <a:masterClrMapping/>
+  </p:clrMapOvr>
+  <p:timing>
+    <p:tnLst>
+      <p:par>
+        <p:cTn id="1" dur="indefinite" restart="never" nodeType="tmRoot"/>
+      </p:par>
+    </p:tnLst>
+  </p:timing>
+</p:sld>
+</file>
+
+<file path=ppt/slides/slide13.xml><?xml version="1.0" encoding="utf-8"?>
+<p:sld xmlns:a="http://schemas.openxmlformats.org/drawingml/2006/main" xmlns:r="http://schemas.openxmlformats.org/officeDocument/2006/relationships" xmlns:p="http://schemas.openxmlformats.org/presentationml/2006/main">
+  <p:cSld>
+    <p:spTree>
+      <p:nvGrpSpPr>
+        <p:cNvPr id="1" name=""/>
+        <p:cNvGrpSpPr/>
+        <p:nvPr/>
+      </p:nvGrpSpPr>
+      <p:grpSpPr>
+        <a:xfrm>
+          <a:off x="0" y="0"/>
+          <a:ext cx="0" cy="0"/>
+          <a:chOff x="0" y="0"/>
+          <a:chExt cx="0" cy="0"/>
+        </a:xfrm>
+      </p:grpSpPr>
+      <p:sp>
+        <p:nvSpPr>
+          <p:cNvPr id="2" name="Title 1"/>
+          <p:cNvSpPr>
+            <a:spLocks noGrp="1"/>
+          </p:cNvSpPr>
+          <p:nvPr>
+            <p:ph type="title"/>
+          </p:nvPr>
+        </p:nvSpPr>
+        <p:spPr/>
+        <p:txBody>
+          <a:bodyPr/>
+          <a:lstStyle/>
+          <a:p>
+            <a:r>
+              <a:rPr lang="en-US" dirty="0" smtClean="0"/>
+              <a:t>Voltage</a:t>
+            </a:r>
+            <a:endParaRPr lang="en-US" dirty="0"/>
+          </a:p>
+        </p:txBody>
+      </p:sp>
+      <p:sp>
+        <p:nvSpPr>
+          <p:cNvPr id="3" name="Content Placeholder 2"/>
+          <p:cNvSpPr>
+            <a:spLocks noGrp="1"/>
+          </p:cNvSpPr>
+          <p:nvPr>
+            <p:ph idx="1"/>
+          </p:nvPr>
+        </p:nvSpPr>
+        <p:spPr/>
+        <p:txBody>
+          <a:bodyPr/>
+          <a:lstStyle/>
+          <a:p>
+            <a:r>
+              <a:rPr lang="en-US" dirty="0" smtClean="0"/>
+              <a:t>Water analogy:</a:t>
+            </a:r>
+          </a:p>
+          <a:p>
+            <a:pPr lvl="1"/>
+            <a:r>
+              <a:rPr lang="en-US" dirty="0" smtClean="0"/>
+              <a:t>Pressure</a:t>
+            </a:r>
+          </a:p>
+          <a:p>
+            <a:pPr lvl="1"/>
+            <a:r>
+              <a:rPr lang="en-US" dirty="0" smtClean="0"/>
+              <a:t>Similarly, pressure is usually assumed to be with respect to the atmosphere unless otherwise stated</a:t>
+            </a:r>
+          </a:p>
+          <a:p>
+            <a:pPr lvl="1"/>
+            <a:r>
+              <a:rPr lang="en-US" dirty="0" smtClean="0"/>
+              <a:t>E.g., 10 PSI is pressure above atmosphere; -10 PSI is pressure below atmosphere (i.e. vacuum)</a:t>
+            </a:r>
+          </a:p>
+          <a:p>
+            <a:pPr lvl="1"/>
+            <a:r>
+              <a:rPr lang="en-US" dirty="0" smtClean="0"/>
+              <a:t>Atmosphere is the “ground”</a:t>
+            </a:r>
+          </a:p>
+          <a:p>
+            <a:pPr lvl="1"/>
+            <a:r>
+              <a:rPr lang="en-US" dirty="0" smtClean="0"/>
+              <a:t>However, you can also just measure the pressure </a:t>
+            </a:r>
+            <a:r>
+              <a:rPr lang="en-US" i="1" dirty="0" smtClean="0"/>
+              <a:t>between</a:t>
+            </a:r>
+            <a:r>
+              <a:rPr lang="en-US" dirty="0" smtClean="0"/>
+              <a:t> two pipes, without caring about the atmosphere</a:t>
+            </a:r>
+            <a:endParaRPr lang="en-US" dirty="0"/>
+          </a:p>
+        </p:txBody>
+      </p:sp>
+    </p:spTree>
+    <p:extLst>
+      <p:ext uri="{BB962C8B-B14F-4D97-AF65-F5344CB8AC3E}">
+        <p14:creationId xmlns:p14="http://schemas.microsoft.com/office/powerpoint/2010/main" val="2410188864"/>
+      </p:ext>
+    </p:extLst>
+  </p:cSld>
+  <p:clrMapOvr>
+    <a:masterClrMapping/>
+  </p:clrMapOvr>
+  <p:timing>
+    <p:tnLst>
+      <p:par>
+        <p:cTn id="1" dur="indefinite" restart="never" nodeType="tmRoot"/>
+      </p:par>
+    </p:tnLst>
+  </p:timing>
+</p:sld>
+</file>
+
+<file path=ppt/slides/slide14.xml><?xml version="1.0" encoding="utf-8"?>
+<p:sld xmlns:a="http://schemas.openxmlformats.org/drawingml/2006/main" xmlns:r="http://schemas.openxmlformats.org/officeDocument/2006/relationships" xmlns:p="http://schemas.openxmlformats.org/presentationml/2006/main">
+  <p:cSld>
+    <p:spTree>
+      <p:nvGrpSpPr>
+        <p:cNvPr id="1" name=""/>
+        <p:cNvGrpSpPr/>
+        <p:nvPr/>
+      </p:nvGrpSpPr>
+      <p:grpSpPr>
+        <a:xfrm>
+          <a:off x="0" y="0"/>
+          <a:ext cx="0" cy="0"/>
+          <a:chOff x="0" y="0"/>
+          <a:chExt cx="0" cy="0"/>
+        </a:xfrm>
+      </p:grpSpPr>
+      <p:sp>
+        <p:nvSpPr>
+          <p:cNvPr id="2" name="Title 1"/>
+          <p:cNvSpPr>
+            <a:spLocks noGrp="1"/>
+          </p:cNvSpPr>
+          <p:nvPr>
+            <p:ph type="title"/>
+          </p:nvPr>
+        </p:nvSpPr>
+        <p:spPr/>
+        <p:txBody>
+          <a:bodyPr/>
+          <a:lstStyle/>
+          <a:p>
+            <a:r>
+              <a:rPr lang="en-US" dirty="0" smtClean="0"/>
+              <a:t>Resistance</a:t>
+            </a:r>
+            <a:endParaRPr lang="en-US" dirty="0"/>
+          </a:p>
+        </p:txBody>
+      </p:sp>
+      <p:sp>
+        <p:nvSpPr>
+          <p:cNvPr id="3" name="Content Placeholder 2"/>
+          <p:cNvSpPr>
+            <a:spLocks noGrp="1"/>
+          </p:cNvSpPr>
+          <p:nvPr>
+            <p:ph idx="1"/>
+          </p:nvPr>
+        </p:nvSpPr>
+        <p:spPr>
+          <a:xfrm>
+            <a:off x="838200" y="1825625"/>
+            <a:ext cx="10515600" cy="3321410"/>
+          </a:xfrm>
+        </p:spPr>
+        <p:txBody>
+          <a:bodyPr/>
+          <a:lstStyle/>
+          <a:p>
+            <a:r>
+              <a:rPr lang="en-US" i="1" dirty="0" smtClean="0"/>
+              <a:t>Resistance</a:t>
+            </a:r>
+            <a:r>
+              <a:rPr lang="en-US" dirty="0" smtClean="0"/>
+              <a:t>, as the name implies, resists or opposes the flow of current</a:t>
+            </a:r>
+          </a:p>
+          <a:p>
+            <a:r>
+              <a:rPr lang="en-US" dirty="0" smtClean="0"/>
+              <a:t>Imagine a pipe with an </a:t>
+            </a:r>
+            <a:r>
+              <a:rPr lang="en-US" i="1" dirty="0" smtClean="0"/>
+              <a:t>orifice plate</a:t>
+            </a:r>
+            <a:r>
+              <a:rPr lang="en-US" dirty="0" smtClean="0"/>
+              <a:t> (a plate with a hole in it) in the middle</a:t>
+            </a:r>
+          </a:p>
+          <a:p>
+            <a:r>
+              <a:rPr lang="en-US" dirty="0" smtClean="0"/>
+              <a:t>The same </a:t>
+            </a:r>
+            <a:r>
+              <a:rPr lang="en-US" i="1" dirty="0" smtClean="0"/>
+              <a:t>amount </a:t>
+            </a:r>
+            <a:r>
+              <a:rPr lang="en-US" dirty="0" smtClean="0"/>
+              <a:t>of water is flowing on both sides of the plate</a:t>
+            </a:r>
+          </a:p>
+          <a:p>
+            <a:r>
+              <a:rPr lang="en-US" dirty="0" smtClean="0"/>
+              <a:t>However, the plate causes a pressure drop</a:t>
+            </a:r>
+          </a:p>
+          <a:p>
+            <a:r>
+              <a:rPr lang="en-US" dirty="0" smtClean="0"/>
+              <a:t>The pressure drop is proportional to the flow rate</a:t>
+            </a:r>
+          </a:p>
+          <a:p>
+            <a:endParaRPr lang="en-US" i="1" dirty="0"/>
+          </a:p>
+        </p:txBody>
+      </p:sp>
+      <p:grpSp>
+        <p:nvGrpSpPr>
+          <p:cNvPr id="18" name="Group 17"/>
+          <p:cNvGrpSpPr/>
+          <p:nvPr/>
+        </p:nvGrpSpPr>
+        <p:grpSpPr>
+          <a:xfrm>
+            <a:off x="3101417" y="5476975"/>
+            <a:ext cx="4637988" cy="989813"/>
+            <a:chOff x="2762053" y="4647416"/>
+            <a:chExt cx="4637988" cy="989813"/>
+          </a:xfrm>
+        </p:grpSpPr>
+        <p:sp>
+          <p:nvSpPr>
+            <p:cNvPr id="4" name="Rectangle 3"/>
+            <p:cNvSpPr/>
+            <p:nvPr/>
+          </p:nvSpPr>
+          <p:spPr>
+            <a:xfrm>
+              <a:off x="2762054" y="4666268"/>
+              <a:ext cx="4637987" cy="952107"/>
+            </a:xfrm>
+            <a:prstGeom prst="rect">
+              <a:avLst/>
+            </a:prstGeom>
+            <a:solidFill>
+              <a:srgbClr val="8665FF"/>
+            </a:solidFill>
+          </p:spPr>
+          <p:style>
+            <a:lnRef idx="2">
+              <a:schemeClr val="accent1">
+                <a:shade val="50000"/>
+              </a:schemeClr>
+            </a:lnRef>
+            <a:fillRef idx="1">
+              <a:schemeClr val="accent1"/>
+            </a:fillRef>
+            <a:effectRef idx="0">
+              <a:schemeClr val="accent1"/>
+            </a:effectRef>
+            <a:fontRef idx="minor">
+              <a:schemeClr val="lt1"/>
+            </a:fontRef>
+          </p:style>
+          <p:txBody>
+            <a:bodyPr rtlCol="0" anchor="ctr"/>
+            <a:lstStyle/>
+            <a:p>
+              <a:pPr algn="ctr"/>
+              <a:endParaRPr lang="en-US"/>
+            </a:p>
+          </p:txBody>
+        </p:sp>
+        <p:cxnSp>
+          <p:nvCxnSpPr>
+            <p:cNvPr id="6" name="Straight Connector 5"/>
+            <p:cNvCxnSpPr/>
+            <p:nvPr/>
+          </p:nvCxnSpPr>
+          <p:spPr>
+            <a:xfrm>
+              <a:off x="2762054" y="4647416"/>
+              <a:ext cx="4637987" cy="0"/>
+            </a:xfrm>
+            <a:prstGeom prst="line">
+              <a:avLst/>
+            </a:prstGeom>
+            <a:ln w="38100">
+              <a:solidFill>
+                <a:schemeClr val="tx1"/>
+              </a:solidFill>
+            </a:ln>
+          </p:spPr>
+          <p:style>
+            <a:lnRef idx="1">
+              <a:schemeClr val="accent1"/>
+            </a:lnRef>
+            <a:fillRef idx="0">
+              <a:schemeClr val="accent1"/>
+            </a:fillRef>
+            <a:effectRef idx="0">
+              <a:schemeClr val="accent1"/>
+            </a:effectRef>
+            <a:fontRef idx="minor">
+              <a:schemeClr val="tx1"/>
+            </a:fontRef>
+          </p:style>
+        </p:cxnSp>
+        <p:cxnSp>
+          <p:nvCxnSpPr>
+            <p:cNvPr id="7" name="Straight Connector 6"/>
+            <p:cNvCxnSpPr/>
+            <p:nvPr/>
+          </p:nvCxnSpPr>
+          <p:spPr>
+            <a:xfrm>
+              <a:off x="2762053" y="5637229"/>
+              <a:ext cx="4637987" cy="0"/>
+            </a:xfrm>
+            <a:prstGeom prst="line">
+              <a:avLst/>
+            </a:prstGeom>
+            <a:ln w="38100">
+              <a:solidFill>
+                <a:schemeClr val="tx1"/>
+              </a:solidFill>
+            </a:ln>
+          </p:spPr>
+          <p:style>
+            <a:lnRef idx="1">
+              <a:schemeClr val="accent1"/>
+            </a:lnRef>
+            <a:fillRef idx="0">
+              <a:schemeClr val="accent1"/>
+            </a:fillRef>
+            <a:effectRef idx="0">
+              <a:schemeClr val="accent1"/>
+            </a:effectRef>
+            <a:fontRef idx="minor">
+              <a:schemeClr val="tx1"/>
+            </a:fontRef>
+          </p:style>
+        </p:cxnSp>
+        <p:cxnSp>
+          <p:nvCxnSpPr>
+            <p:cNvPr id="12" name="Straight Connector 11"/>
+            <p:cNvCxnSpPr/>
+            <p:nvPr/>
+          </p:nvCxnSpPr>
+          <p:spPr>
+            <a:xfrm>
+              <a:off x="5165889" y="4666268"/>
+              <a:ext cx="0" cy="395926"/>
+            </a:xfrm>
+            <a:prstGeom prst="line">
+              <a:avLst/>
+            </a:prstGeom>
+            <a:ln w="38100">
+              <a:solidFill>
+                <a:schemeClr val="tx1"/>
+              </a:solidFill>
+            </a:ln>
+          </p:spPr>
+          <p:style>
+            <a:lnRef idx="1">
+              <a:schemeClr val="accent1"/>
+            </a:lnRef>
+            <a:fillRef idx="0">
+              <a:schemeClr val="accent1"/>
+            </a:fillRef>
+            <a:effectRef idx="0">
+              <a:schemeClr val="accent1"/>
+            </a:effectRef>
+            <a:fontRef idx="minor">
+              <a:schemeClr val="tx1"/>
+            </a:fontRef>
+          </p:style>
+        </p:cxnSp>
+        <p:cxnSp>
+          <p:nvCxnSpPr>
+            <p:cNvPr id="14" name="Straight Connector 13"/>
+            <p:cNvCxnSpPr/>
+            <p:nvPr/>
+          </p:nvCxnSpPr>
+          <p:spPr>
+            <a:xfrm>
+              <a:off x="5167460" y="5222449"/>
+              <a:ext cx="0" cy="395926"/>
+            </a:xfrm>
+            <a:prstGeom prst="line">
+              <a:avLst/>
+            </a:prstGeom>
+            <a:ln w="38100">
+              <a:solidFill>
+                <a:schemeClr val="tx1"/>
+              </a:solidFill>
+            </a:ln>
+          </p:spPr>
+          <p:style>
+            <a:lnRef idx="1">
+              <a:schemeClr val="accent1"/>
+            </a:lnRef>
+            <a:fillRef idx="0">
+              <a:schemeClr val="accent1"/>
+            </a:fillRef>
+            <a:effectRef idx="0">
+              <a:schemeClr val="accent1"/>
+            </a:effectRef>
+            <a:fontRef idx="minor">
+              <a:schemeClr val="tx1"/>
+            </a:fontRef>
+          </p:style>
+        </p:cxnSp>
+        <p:cxnSp>
+          <p:nvCxnSpPr>
+            <p:cNvPr id="16" name="Straight Arrow Connector 15"/>
+            <p:cNvCxnSpPr/>
+            <p:nvPr/>
+          </p:nvCxnSpPr>
+          <p:spPr>
+            <a:xfrm>
+              <a:off x="3525625" y="5142321"/>
+              <a:ext cx="952107" cy="0"/>
+            </a:xfrm>
+            <a:prstGeom prst="straightConnector1">
+              <a:avLst/>
+            </a:prstGeom>
+            <a:ln w="38100">
+              <a:solidFill>
+                <a:schemeClr val="tx1"/>
+              </a:solidFill>
+              <a:tailEnd type="triangle"/>
+            </a:ln>
+          </p:spPr>
+          <p:style>
+            <a:lnRef idx="1">
+              <a:schemeClr val="accent1"/>
+            </a:lnRef>
+            <a:fillRef idx="0">
+              <a:schemeClr val="accent1"/>
+            </a:fillRef>
+            <a:effectRef idx="0">
+              <a:schemeClr val="accent1"/>
+            </a:effectRef>
+            <a:fontRef idx="minor">
+              <a:schemeClr val="tx1"/>
+            </a:fontRef>
+          </p:style>
+        </p:cxnSp>
+        <p:cxnSp>
+          <p:nvCxnSpPr>
+            <p:cNvPr id="17" name="Straight Arrow Connector 16"/>
+            <p:cNvCxnSpPr/>
+            <p:nvPr/>
+          </p:nvCxnSpPr>
+          <p:spPr>
+            <a:xfrm>
+              <a:off x="5619946" y="5139178"/>
+              <a:ext cx="952107" cy="0"/>
+            </a:xfrm>
+            <a:prstGeom prst="straightConnector1">
+              <a:avLst/>
+            </a:prstGeom>
+            <a:ln w="38100">
+              <a:solidFill>
+                <a:schemeClr val="tx1"/>
+              </a:solidFill>
+              <a:tailEnd type="triangle"/>
+            </a:ln>
+          </p:spPr>
+          <p:style>
+            <a:lnRef idx="1">
+              <a:schemeClr val="accent1"/>
+            </a:lnRef>
+            <a:fillRef idx="0">
+              <a:schemeClr val="accent1"/>
+            </a:fillRef>
+            <a:effectRef idx="0">
+              <a:schemeClr val="accent1"/>
+            </a:effectRef>
+            <a:fontRef idx="minor">
+              <a:schemeClr val="tx1"/>
+            </a:fontRef>
+          </p:style>
+        </p:cxnSp>
+      </p:grpSp>
+      <p:sp>
+        <p:nvSpPr>
+          <p:cNvPr id="19" name="TextBox 18"/>
+          <p:cNvSpPr txBox="1"/>
+          <p:nvPr/>
+        </p:nvSpPr>
+        <p:spPr>
+          <a:xfrm>
+            <a:off x="3506326" y="6485641"/>
+            <a:ext cx="1669431" cy="369332"/>
+          </a:xfrm>
+          <a:prstGeom prst="rect">
+            <a:avLst/>
+          </a:prstGeom>
+          <a:noFill/>
+        </p:spPr>
+        <p:txBody>
+          <a:bodyPr wrap="none" rtlCol="0">
+            <a:spAutoFit/>
+          </a:bodyPr>
+          <a:lstStyle/>
+          <a:p>
+            <a:r>
+              <a:rPr lang="en-US" dirty="0" smtClean="0"/>
+              <a:t>Higher pressure</a:t>
+            </a:r>
+            <a:endParaRPr lang="en-US" dirty="0"/>
+          </a:p>
+        </p:txBody>
+      </p:sp>
+      <p:sp>
+        <p:nvSpPr>
+          <p:cNvPr id="20" name="TextBox 19"/>
+          <p:cNvSpPr txBox="1"/>
+          <p:nvPr/>
+        </p:nvSpPr>
+        <p:spPr>
+          <a:xfrm>
+            <a:off x="5760903" y="6484912"/>
+            <a:ext cx="1623201" cy="369332"/>
+          </a:xfrm>
+          <a:prstGeom prst="rect">
+            <a:avLst/>
+          </a:prstGeom>
+          <a:noFill/>
+        </p:spPr>
+        <p:txBody>
+          <a:bodyPr wrap="none" rtlCol="0">
+            <a:spAutoFit/>
+          </a:bodyPr>
+          <a:lstStyle/>
+          <a:p>
+            <a:r>
+              <a:rPr lang="en-US" dirty="0" smtClean="0"/>
+              <a:t>Lower pressure</a:t>
+            </a:r>
+            <a:endParaRPr lang="en-US" dirty="0"/>
+          </a:p>
+        </p:txBody>
+      </p:sp>
+    </p:spTree>
+    <p:extLst>
+      <p:ext uri="{BB962C8B-B14F-4D97-AF65-F5344CB8AC3E}">
+        <p14:creationId xmlns:p14="http://schemas.microsoft.com/office/powerpoint/2010/main" val="2416882616"/>
+      </p:ext>
+    </p:extLst>
+  </p:cSld>
+  <p:clrMapOvr>
+    <a:masterClrMapping/>
+  </p:clrMapOvr>
+  <p:timing>
+    <p:tnLst>
+      <p:par>
+        <p:cTn id="1" dur="indefinite" restart="never" nodeType="tmRoot"/>
+      </p:par>
+    </p:tnLst>
+  </p:timing>
+</p:sld>
+</file>
+
+<file path=ppt/slides/slide15.xml><?xml version="1.0" encoding="utf-8"?>
+<p:sld xmlns:a="http://schemas.openxmlformats.org/drawingml/2006/main" xmlns:r="http://schemas.openxmlformats.org/officeDocument/2006/relationships" xmlns:p="http://schemas.openxmlformats.org/presentationml/2006/main">
+  <p:cSld>
+    <p:spTree>
+      <p:nvGrpSpPr>
+        <p:cNvPr id="1" name=""/>
+        <p:cNvGrpSpPr/>
+        <p:nvPr/>
+      </p:nvGrpSpPr>
+      <p:grpSpPr>
+        <a:xfrm>
+          <a:off x="0" y="0"/>
+          <a:ext cx="0" cy="0"/>
+          <a:chOff x="0" y="0"/>
+          <a:chExt cx="0" cy="0"/>
+        </a:xfrm>
+      </p:grpSpPr>
+      <p:sp>
+        <p:nvSpPr>
+          <p:cNvPr id="2" name="Title 1"/>
+          <p:cNvSpPr>
+            <a:spLocks noGrp="1"/>
+          </p:cNvSpPr>
+          <p:nvPr>
+            <p:ph type="title"/>
+          </p:nvPr>
+        </p:nvSpPr>
+        <p:spPr/>
+        <p:txBody>
+          <a:bodyPr/>
+          <a:lstStyle/>
+          <a:p>
+            <a:r>
+              <a:rPr lang="en-US" dirty="0" smtClean="0"/>
+              <a:t>Resistance</a:t>
+            </a:r>
+            <a:endParaRPr lang="en-US" dirty="0"/>
+          </a:p>
+        </p:txBody>
+      </p:sp>
+      <p:sp>
+        <p:nvSpPr>
+          <p:cNvPr id="3" name="Content Placeholder 2"/>
+          <p:cNvSpPr>
+            <a:spLocks noGrp="1"/>
+          </p:cNvSpPr>
+          <p:nvPr>
+            <p:ph idx="1"/>
+          </p:nvPr>
+        </p:nvSpPr>
+        <p:spPr/>
+        <p:txBody>
+          <a:bodyPr/>
+          <a:lstStyle/>
+          <a:p>
+            <a:r>
+              <a:rPr lang="en-US" i="1" dirty="0" smtClean="0"/>
+              <a:t>Resistors</a:t>
+            </a:r>
+            <a:r>
+              <a:rPr lang="en-US" dirty="0" smtClean="0"/>
+              <a:t> are discrete components that have a certain amount of resistance</a:t>
+            </a:r>
+          </a:p>
+          <a:p>
+            <a:r>
+              <a:rPr lang="en-US" dirty="0" smtClean="0"/>
+              <a:t>They cause a voltage (pressure) drop that is proportional to the current (flow rate)</a:t>
+            </a:r>
+          </a:p>
+          <a:p>
+            <a:r>
+              <a:rPr lang="en-US" dirty="0" smtClean="0"/>
+              <a:t>The proportionality constant is the resistance (R)</a:t>
+            </a:r>
+          </a:p>
+          <a:p>
+            <a:pPr lvl="1"/>
+            <a:r>
+              <a:rPr lang="en-US" dirty="0" smtClean="0"/>
+              <a:t>E.g., how much voltage drop is generated per amount of current</a:t>
+            </a:r>
+          </a:p>
+          <a:p>
+            <a:pPr lvl="1"/>
+            <a:r>
+              <a:rPr lang="en-US" dirty="0" smtClean="0"/>
+              <a:t>Measured in </a:t>
+            </a:r>
+            <a:r>
+              <a:rPr lang="en-US" i="1" dirty="0"/>
+              <a:t>o</a:t>
+            </a:r>
+            <a:r>
+              <a:rPr lang="en-US" i="1" dirty="0" smtClean="0"/>
+              <a:t>hms</a:t>
+            </a:r>
+          </a:p>
+          <a:p>
+            <a:pPr lvl="1"/>
+            <a:r>
+              <a:rPr lang="en-US" dirty="0" smtClean="0"/>
+              <a:t>Symbol: </a:t>
+            </a:r>
+            <a:r>
+              <a:rPr lang="el-GR" dirty="0" smtClean="0"/>
+              <a:t>Ω</a:t>
+            </a:r>
+            <a:endParaRPr lang="en-US" dirty="0" smtClean="0"/>
+          </a:p>
+          <a:p>
+            <a:pPr lvl="1"/>
+            <a:r>
+              <a:rPr lang="en-US" dirty="0" smtClean="0"/>
+              <a:t>The ohm is defined to be 1 V/A</a:t>
+            </a:r>
+            <a:endParaRPr lang="en-US" dirty="0"/>
+          </a:p>
+        </p:txBody>
+      </p:sp>
+    </p:spTree>
+    <p:extLst>
+      <p:ext uri="{BB962C8B-B14F-4D97-AF65-F5344CB8AC3E}">
+        <p14:creationId xmlns:p14="http://schemas.microsoft.com/office/powerpoint/2010/main" val="2067125140"/>
+      </p:ext>
+    </p:extLst>
+  </p:cSld>
+  <p:clrMapOvr>
+    <a:masterClrMapping/>
+  </p:clrMapOvr>
+  <p:timing>
+    <p:tnLst>
+      <p:par>
+        <p:cTn id="1" dur="indefinite" restart="never" nodeType="tmRoot"/>
+      </p:par>
+    </p:tnLst>
+  </p:timing>
+</p:sld>
+</file>
+
+<file path=ppt/slides/slide16.xml><?xml version="1.0" encoding="utf-8"?>
+<p:sld xmlns:a="http://schemas.openxmlformats.org/drawingml/2006/main" xmlns:r="http://schemas.openxmlformats.org/officeDocument/2006/relationships" xmlns:p="http://schemas.openxmlformats.org/presentationml/2006/main">
+  <p:cSld>
+    <p:spTree>
+      <p:nvGrpSpPr>
+        <p:cNvPr id="1" name=""/>
+        <p:cNvGrpSpPr/>
+        <p:nvPr/>
+      </p:nvGrpSpPr>
+      <p:grpSpPr>
+        <a:xfrm>
+          <a:off x="0" y="0"/>
+          <a:ext cx="0" cy="0"/>
+          <a:chOff x="0" y="0"/>
+          <a:chExt cx="0" cy="0"/>
+        </a:xfrm>
+      </p:grpSpPr>
+      <p:sp>
+        <p:nvSpPr>
+          <p:cNvPr id="2" name="Title 1"/>
+          <p:cNvSpPr>
+            <a:spLocks noGrp="1"/>
+          </p:cNvSpPr>
+          <p:nvPr>
+            <p:ph type="title"/>
+          </p:nvPr>
+        </p:nvSpPr>
+        <p:spPr/>
+        <p:txBody>
+          <a:bodyPr/>
+          <a:lstStyle/>
+          <a:p>
+            <a:r>
+              <a:rPr lang="en-US" dirty="0" smtClean="0"/>
+              <a:t>Resistance</a:t>
+            </a:r>
+            <a:endParaRPr lang="en-US" dirty="0"/>
+          </a:p>
+        </p:txBody>
+      </p:sp>
+      <mc:AlternateContent xmlns:mc="http://schemas.openxmlformats.org/markup-compatibility/2006">
+        <mc:Choice xmlns:a14="http://schemas.microsoft.com/office/drawing/2010/main" Requires="a14">
+          <p:sp>
+            <p:nvSpPr>
+              <p:cNvPr id="3" name="Content Placeholder 2"/>
+              <p:cNvSpPr>
+                <a:spLocks noGrp="1"/>
+              </p:cNvSpPr>
+              <p:nvPr>
+                <p:ph idx="1"/>
+              </p:nvPr>
+            </p:nvSpPr>
+            <p:spPr/>
+            <p:txBody>
+              <a:bodyPr/>
+              <a:lstStyle/>
+              <a:p>
+                <a:r>
+                  <a:rPr lang="en-US" dirty="0" smtClean="0"/>
+                  <a:t>That is, if you pass a current of 1 A through a 1 </a:t>
+                </a:r>
+                <a:r>
+                  <a:rPr lang="el-GR" dirty="0" smtClean="0"/>
+                  <a:t>Ω</a:t>
+                </a:r>
+                <a:r>
+                  <a:rPr lang="en-US" dirty="0" smtClean="0"/>
+                  <a:t> resistor, it will create a voltage drop of 1 V</a:t>
+                </a:r>
+              </a:p>
+              <a:p>
+                <a:r>
+                  <a:rPr lang="en-US" dirty="0" smtClean="0"/>
+                  <a:t>Likewise, if you apply a voltage of 1 V across a resistor, 1 A will flow through it</a:t>
+                </a:r>
+              </a:p>
+              <a:p>
+                <a:r>
+                  <a:rPr lang="en-US" dirty="0" smtClean="0"/>
+                  <a:t>This is known as </a:t>
+                </a:r>
+                <a:r>
+                  <a:rPr lang="en-US" i="1" dirty="0" smtClean="0"/>
+                  <a:t>Ohm’s Law</a:t>
+                </a:r>
+                <a:r>
+                  <a:rPr lang="en-US" dirty="0" smtClean="0"/>
+                  <a:t>: </a:t>
+                </a:r>
+                <a14:m>
+                  <m:oMath xmlns:m="http://schemas.openxmlformats.org/officeDocument/2006/math">
+                    <m:r>
+                      <a:rPr lang="en-US" b="0" i="1" smtClean="0">
+                        <a:solidFill>
+                          <a:srgbClr val="FF0000"/>
+                        </a:solidFill>
+                        <a:latin typeface="Cambria Math" panose="02040503050406030204" pitchFamily="18" charset="0"/>
+                      </a:rPr>
+                      <m:t>𝑉</m:t>
+                    </m:r>
+                    <m:r>
+                      <a:rPr lang="en-US" b="0" i="1" smtClean="0">
+                        <a:solidFill>
+                          <a:srgbClr val="FF0000"/>
+                        </a:solidFill>
+                        <a:latin typeface="Cambria Math" panose="02040503050406030204" pitchFamily="18" charset="0"/>
+                      </a:rPr>
+                      <m:t>=</m:t>
+                    </m:r>
+                    <m:r>
+                      <a:rPr lang="en-US" b="0" i="1" smtClean="0">
+                        <a:solidFill>
+                          <a:srgbClr val="FF0000"/>
+                        </a:solidFill>
+                        <a:latin typeface="Cambria Math" panose="02040503050406030204" pitchFamily="18" charset="0"/>
+                      </a:rPr>
+                      <m:t>𝐼</m:t>
+                    </m:r>
+                    <m:r>
+                      <a:rPr lang="en-US" b="0" i="1" smtClean="0">
+                        <a:solidFill>
+                          <a:srgbClr val="FF0000"/>
+                        </a:solidFill>
+                        <a:latin typeface="Cambria Math" panose="02040503050406030204" pitchFamily="18" charset="0"/>
+                        <a:ea typeface="Cambria Math" panose="02040503050406030204" pitchFamily="18" charset="0"/>
+                      </a:rPr>
+                      <m:t>∙</m:t>
+                    </m:r>
+                    <m:r>
+                      <a:rPr lang="en-US" b="0" i="1" smtClean="0">
+                        <a:solidFill>
+                          <a:srgbClr val="FF0000"/>
+                        </a:solidFill>
+                        <a:latin typeface="Cambria Math" panose="02040503050406030204" pitchFamily="18" charset="0"/>
+                        <a:ea typeface="Cambria Math" panose="02040503050406030204" pitchFamily="18" charset="0"/>
+                      </a:rPr>
+                      <m:t>𝑅</m:t>
+                    </m:r>
+                  </m:oMath>
+                </a14:m>
+                <a:endParaRPr lang="en-US" dirty="0" smtClean="0">
+                  <a:solidFill>
+                    <a:srgbClr val="FF0000"/>
+                  </a:solidFill>
+                </a:endParaRPr>
+              </a:p>
+              <a:p>
+                <a:pPr lvl="1"/>
+                <a:r>
+                  <a:rPr lang="en-US" dirty="0" smtClean="0"/>
+                  <a:t>Rearrange it algebraically as you like: </a:t>
+                </a:r>
+                <a14:m>
+                  <m:oMath xmlns:m="http://schemas.openxmlformats.org/officeDocument/2006/math">
+                    <m:r>
+                      <a:rPr lang="en-US" b="0" i="1" smtClean="0">
+                        <a:latin typeface="Cambria Math" panose="02040503050406030204" pitchFamily="18" charset="0"/>
+                      </a:rPr>
+                      <m:t>𝐼</m:t>
+                    </m:r>
+                    <m:r>
+                      <a:rPr lang="en-US" b="0" i="1" smtClean="0">
+                        <a:latin typeface="Cambria Math" panose="02040503050406030204" pitchFamily="18" charset="0"/>
+                      </a:rPr>
+                      <m:t>=</m:t>
+                    </m:r>
+                    <m:f>
+                      <m:fPr>
+                        <m:ctrlPr>
+                          <a:rPr lang="en-US" b="0" i="1" smtClean="0">
+                            <a:latin typeface="Cambria Math" panose="02040503050406030204" pitchFamily="18" charset="0"/>
+                          </a:rPr>
+                        </m:ctrlPr>
+                      </m:fPr>
+                      <m:num>
+                        <m:r>
+                          <a:rPr lang="en-US" b="0" i="1" smtClean="0">
+                            <a:latin typeface="Cambria Math" panose="02040503050406030204" pitchFamily="18" charset="0"/>
+                          </a:rPr>
+                          <m:t>𝑉</m:t>
+                        </m:r>
+                      </m:num>
+                      <m:den>
+                        <m:r>
+                          <a:rPr lang="en-US" b="0" i="1" smtClean="0">
+                            <a:latin typeface="Cambria Math" panose="02040503050406030204" pitchFamily="18" charset="0"/>
+                          </a:rPr>
+                          <m:t>𝑅</m:t>
+                        </m:r>
+                      </m:den>
+                    </m:f>
+                  </m:oMath>
+                </a14:m>
+                <a:r>
+                  <a:rPr lang="en-US" dirty="0" smtClean="0"/>
+                  <a:t>, </a:t>
+                </a:r>
+                <a14:m>
+                  <m:oMath xmlns:m="http://schemas.openxmlformats.org/officeDocument/2006/math">
+                    <m:r>
+                      <a:rPr lang="en-US" b="0" i="1" smtClean="0">
+                        <a:latin typeface="Cambria Math" panose="02040503050406030204" pitchFamily="18" charset="0"/>
+                      </a:rPr>
+                      <m:t>𝑅</m:t>
+                    </m:r>
+                    <m:r>
+                      <a:rPr lang="en-US" b="0" i="1" smtClean="0">
+                        <a:latin typeface="Cambria Math" panose="02040503050406030204" pitchFamily="18" charset="0"/>
+                      </a:rPr>
+                      <m:t>=</m:t>
+                    </m:r>
+                    <m:f>
+                      <m:fPr>
+                        <m:ctrlPr>
+                          <a:rPr lang="en-US" b="0" i="1" smtClean="0">
+                            <a:latin typeface="Cambria Math" panose="02040503050406030204" pitchFamily="18" charset="0"/>
+                          </a:rPr>
+                        </m:ctrlPr>
+                      </m:fPr>
+                      <m:num>
+                        <m:r>
+                          <a:rPr lang="en-US" b="0" i="1" smtClean="0">
+                            <a:latin typeface="Cambria Math" panose="02040503050406030204" pitchFamily="18" charset="0"/>
+                          </a:rPr>
+                          <m:t>𝑉</m:t>
+                        </m:r>
+                      </m:num>
+                      <m:den>
+                        <m:r>
+                          <a:rPr lang="en-US" b="0" i="1" smtClean="0">
+                            <a:latin typeface="Cambria Math" panose="02040503050406030204" pitchFamily="18" charset="0"/>
+                          </a:rPr>
+                          <m:t>𝐼</m:t>
+                        </m:r>
+                      </m:den>
+                    </m:f>
+                  </m:oMath>
+                </a14:m>
+                <a:endParaRPr lang="en-US" dirty="0" smtClean="0"/>
+              </a:p>
+              <a:p>
+                <a:r>
+                  <a:rPr lang="en-US" dirty="0" smtClean="0"/>
+                  <a:t>Resistor symbol:</a:t>
+                </a:r>
+                <a:endParaRPr lang="en-US" dirty="0"/>
+              </a:p>
+            </p:txBody>
+          </p:sp>
+        </mc:Choice>
+        <mc:Fallback>
+          <p:sp>
+            <p:nvSpPr>
+              <p:cNvPr id="3" name="Content Placeholder 2"/>
+              <p:cNvSpPr>
+                <a:spLocks noGrp="1" noRot="1" noChangeAspect="1" noMove="1" noResize="1" noEditPoints="1" noAdjustHandles="1" noChangeArrowheads="1" noChangeShapeType="1" noTextEdit="1"/>
+              </p:cNvSpPr>
+              <p:nvPr>
+                <p:ph idx="1"/>
+              </p:nvPr>
+            </p:nvSpPr>
+            <p:spPr>
+              <a:blipFill>
+                <a:blip r:embed="rId2"/>
+                <a:stretch>
+                  <a:fillRect l="-1043" t="-2241" r="-1739"/>
+                </a:stretch>
+              </a:blipFill>
+            </p:spPr>
+            <p:txBody>
+              <a:bodyPr/>
+              <a:lstStyle/>
+              <a:p>
+                <a:r>
+                  <a:rPr lang="en-US">
+                    <a:noFill/>
+                  </a:rPr>
+                  <a:t> </a:t>
+                </a:r>
+              </a:p>
+            </p:txBody>
+          </p:sp>
+        </mc:Fallback>
+      </mc:AlternateContent>
+      <p:pic>
+        <p:nvPicPr>
+          <p:cNvPr id="4" name="Picture 3"/>
+          <p:cNvPicPr>
+            <a:picLocks noChangeAspect="1"/>
+          </p:cNvPicPr>
+          <p:nvPr/>
+        </p:nvPicPr>
+        <p:blipFill>
+          <a:blip r:embed="rId3"/>
+          <a:stretch>
+            <a:fillRect/>
+          </a:stretch>
+        </p:blipFill>
+        <p:spPr>
+          <a:xfrm>
+            <a:off x="4005557" y="5121995"/>
+            <a:ext cx="2295525" cy="742950"/>
+          </a:xfrm>
+          <a:prstGeom prst="rect">
+            <a:avLst/>
+          </a:prstGeom>
+        </p:spPr>
+      </p:pic>
+    </p:spTree>
+    <p:extLst>
+      <p:ext uri="{BB962C8B-B14F-4D97-AF65-F5344CB8AC3E}">
+        <p14:creationId xmlns:p14="http://schemas.microsoft.com/office/powerpoint/2010/main" val="66124027"/>
+      </p:ext>
+    </p:extLst>
+  </p:cSld>
+  <p:clrMapOvr>
+    <a:masterClrMapping/>
+  </p:clrMapOvr>
+  <p:timing>
+    <p:tnLst>
+      <p:par>
+        <p:cTn id="1" dur="indefinite" restart="never" nodeType="tmRoot"/>
+      </p:par>
+    </p:tnLst>
+  </p:timing>
+</p:sld>
+</file>
+
+<file path=ppt/slides/slide17.xml><?xml version="1.0" encoding="utf-8"?>
+<p:sld xmlns:a="http://schemas.openxmlformats.org/drawingml/2006/main" xmlns:r="http://schemas.openxmlformats.org/officeDocument/2006/relationships" xmlns:p="http://schemas.openxmlformats.org/presentationml/2006/main">
+  <p:cSld>
+    <p:spTree>
+      <p:nvGrpSpPr>
+        <p:cNvPr id="1" name=""/>
+        <p:cNvGrpSpPr/>
+        <p:nvPr/>
+      </p:nvGrpSpPr>
+      <p:grpSpPr>
+        <a:xfrm>
+          <a:off x="0" y="0"/>
+          <a:ext cx="0" cy="0"/>
+          <a:chOff x="0" y="0"/>
+          <a:chExt cx="0" cy="0"/>
+        </a:xfrm>
+      </p:grpSpPr>
+      <p:sp>
+        <p:nvSpPr>
+          <p:cNvPr id="2" name="Title 1"/>
+          <p:cNvSpPr>
+            <a:spLocks noGrp="1"/>
+          </p:cNvSpPr>
+          <p:nvPr>
+            <p:ph type="title"/>
+          </p:nvPr>
+        </p:nvSpPr>
+        <p:spPr/>
+        <p:txBody>
+          <a:bodyPr/>
+          <a:lstStyle/>
+          <a:p>
+            <a:r>
+              <a:rPr lang="en-US" dirty="0" err="1" smtClean="0"/>
+              <a:t>Kirchoff’s</a:t>
+            </a:r>
+            <a:r>
+              <a:rPr lang="en-US" dirty="0" smtClean="0"/>
+              <a:t> Laws</a:t>
+            </a:r>
+            <a:endParaRPr lang="en-US" dirty="0"/>
+          </a:p>
+        </p:txBody>
+      </p:sp>
+      <p:sp>
+        <p:nvSpPr>
+          <p:cNvPr id="3" name="Content Placeholder 2"/>
+          <p:cNvSpPr>
+            <a:spLocks noGrp="1"/>
+          </p:cNvSpPr>
+          <p:nvPr>
+            <p:ph idx="1"/>
+          </p:nvPr>
+        </p:nvSpPr>
+        <p:spPr>
+          <a:xfrm>
+            <a:off x="838200" y="1825625"/>
+            <a:ext cx="10407977" cy="4351338"/>
+          </a:xfrm>
+        </p:spPr>
+        <p:txBody>
+          <a:bodyPr/>
+          <a:lstStyle/>
+          <a:p>
+            <a:r>
+              <a:rPr lang="en-US" dirty="0" smtClean="0"/>
+              <a:t>Two different laws fundamental to DC circuit analysis</a:t>
+            </a:r>
+          </a:p>
+          <a:p>
+            <a:r>
+              <a:rPr lang="en-US" dirty="0" smtClean="0"/>
+              <a:t>First law: The sum of currents entering and leaving a junction must be zero</a:t>
+            </a:r>
+          </a:p>
+          <a:p>
+            <a:r>
+              <a:rPr lang="en-US" dirty="0" smtClean="0"/>
+              <a:t>Second law: The sum of all voltage differences around a loop must be zero</a:t>
+            </a:r>
+            <a:endParaRPr lang="en-US" dirty="0"/>
+          </a:p>
+        </p:txBody>
+      </p:sp>
+    </p:spTree>
+    <p:extLst>
+      <p:ext uri="{BB962C8B-B14F-4D97-AF65-F5344CB8AC3E}">
+        <p14:creationId xmlns:p14="http://schemas.microsoft.com/office/powerpoint/2010/main" val="1839410651"/>
+      </p:ext>
+    </p:extLst>
+  </p:cSld>
+  <p:clrMapOvr>
+    <a:masterClrMapping/>
+  </p:clrMapOvr>
+  <p:timing>
+    <p:tnLst>
+      <p:par>
+        <p:cTn id="1" dur="indefinite" restart="never" nodeType="tmRoot"/>
+      </p:par>
+    </p:tnLst>
+  </p:timing>
+</p:sld>
+</file>
+
+<file path=ppt/slides/slide18.xml><?xml version="1.0" encoding="utf-8"?>
+<p:sld xmlns:a="http://schemas.openxmlformats.org/drawingml/2006/main" xmlns:r="http://schemas.openxmlformats.org/officeDocument/2006/relationships" xmlns:p="http://schemas.openxmlformats.org/presentationml/2006/main">
+  <p:cSld>
+    <p:spTree>
+      <p:nvGrpSpPr>
+        <p:cNvPr id="1" name=""/>
+        <p:cNvGrpSpPr/>
+        <p:nvPr/>
+      </p:nvGrpSpPr>
+      <p:grpSpPr>
+        <a:xfrm>
+          <a:off x="0" y="0"/>
+          <a:ext cx="0" cy="0"/>
+          <a:chOff x="0" y="0"/>
+          <a:chExt cx="0" cy="0"/>
+        </a:xfrm>
+      </p:grpSpPr>
+      <p:sp>
+        <p:nvSpPr>
+          <p:cNvPr id="2" name="Title 1"/>
+          <p:cNvSpPr>
+            <a:spLocks noGrp="1"/>
+          </p:cNvSpPr>
+          <p:nvPr>
+            <p:ph type="title"/>
+          </p:nvPr>
+        </p:nvSpPr>
+        <p:spPr/>
+        <p:txBody>
+          <a:bodyPr/>
+          <a:lstStyle/>
+          <a:p>
+            <a:r>
+              <a:rPr lang="en-US" dirty="0" err="1" smtClean="0"/>
+              <a:t>Kirchoff’s</a:t>
+            </a:r>
+            <a:r>
+              <a:rPr lang="en-US" dirty="0" smtClean="0"/>
+              <a:t> Laws</a:t>
+            </a:r>
+            <a:endParaRPr lang="en-US" dirty="0"/>
+          </a:p>
+        </p:txBody>
+      </p:sp>
+      <p:sp>
+        <p:nvSpPr>
+          <p:cNvPr id="3" name="Content Placeholder 2"/>
+          <p:cNvSpPr>
+            <a:spLocks noGrp="1"/>
+          </p:cNvSpPr>
+          <p:nvPr>
+            <p:ph idx="1"/>
+          </p:nvPr>
+        </p:nvSpPr>
+        <p:spPr/>
+        <p:txBody>
+          <a:bodyPr/>
+          <a:lstStyle/>
+          <a:p>
+            <a:r>
+              <a:rPr lang="en-US" dirty="0" smtClean="0"/>
+              <a:t>A </a:t>
+            </a:r>
+            <a:r>
+              <a:rPr lang="en-US" i="1" dirty="0" smtClean="0"/>
+              <a:t>loop</a:t>
+            </a:r>
+            <a:r>
+              <a:rPr lang="en-US" dirty="0" smtClean="0"/>
+              <a:t> is a continuous path through which current can flow</a:t>
+            </a:r>
+          </a:p>
+          <a:p>
+            <a:r>
+              <a:rPr lang="en-US" dirty="0" smtClean="0"/>
+              <a:t>It does, in fact carry some current; the </a:t>
+            </a:r>
+            <a:r>
+              <a:rPr lang="en-US" i="1" dirty="0" smtClean="0"/>
+              <a:t>loop current</a:t>
+            </a:r>
+            <a:endParaRPr lang="en-US" dirty="0" smtClean="0"/>
+          </a:p>
+          <a:p>
+            <a:pPr lvl="1"/>
+            <a:r>
+              <a:rPr lang="en-US" dirty="0" smtClean="0"/>
+              <a:t>(Although this can be zero)</a:t>
+            </a:r>
+          </a:p>
+          <a:p>
+            <a:r>
+              <a:rPr lang="en-US" dirty="0" smtClean="0"/>
+              <a:t>Note that multiple loops can pass through a given wire or component</a:t>
+            </a:r>
+            <a:endParaRPr lang="en-US" dirty="0"/>
+          </a:p>
+        </p:txBody>
+      </p:sp>
+      <p:pic>
+        <p:nvPicPr>
+          <p:cNvPr id="4" name="Picture 3"/>
+          <p:cNvPicPr>
+            <a:picLocks noChangeAspect="1"/>
+          </p:cNvPicPr>
+          <p:nvPr/>
+        </p:nvPicPr>
+        <p:blipFill>
+          <a:blip r:embed="rId2">
+            <a:extLst>
+              <a:ext uri="{28A0092B-C50C-407E-A947-70E740481C1C}">
+                <a14:useLocalDpi xmlns:a14="http://schemas.microsoft.com/office/drawing/2010/main" val="0"/>
+              </a:ext>
+            </a:extLst>
+          </a:blip>
+          <a:stretch>
+            <a:fillRect/>
+          </a:stretch>
+        </p:blipFill>
+        <p:spPr>
+          <a:xfrm>
+            <a:off x="2923145" y="3871913"/>
+            <a:ext cx="5629275" cy="2305050"/>
+          </a:xfrm>
+          <a:prstGeom prst="rect">
+            <a:avLst/>
+          </a:prstGeom>
+        </p:spPr>
+      </p:pic>
+      <p:sp>
+        <p:nvSpPr>
+          <p:cNvPr id="5" name="TextBox 4"/>
+          <p:cNvSpPr txBox="1"/>
+          <p:nvPr/>
+        </p:nvSpPr>
+        <p:spPr>
+          <a:xfrm>
+            <a:off x="1762813" y="4232635"/>
+            <a:ext cx="1473480" cy="369332"/>
+          </a:xfrm>
+          <a:prstGeom prst="rect">
+            <a:avLst/>
+          </a:prstGeom>
+          <a:noFill/>
+        </p:spPr>
+        <p:txBody>
+          <a:bodyPr wrap="none" rtlCol="0">
+            <a:spAutoFit/>
+          </a:bodyPr>
+          <a:lstStyle/>
+          <a:p>
+            <a:r>
+              <a:rPr lang="en-US" dirty="0" smtClean="0"/>
+              <a:t>Loop with 1 A</a:t>
+            </a:r>
+            <a:endParaRPr lang="en-US" dirty="0"/>
+          </a:p>
+        </p:txBody>
+      </p:sp>
+      <p:sp>
+        <p:nvSpPr>
+          <p:cNvPr id="6" name="TextBox 5"/>
+          <p:cNvSpPr txBox="1"/>
+          <p:nvPr/>
+        </p:nvSpPr>
+        <p:spPr>
+          <a:xfrm>
+            <a:off x="8239272" y="4047969"/>
+            <a:ext cx="1473480" cy="369332"/>
+          </a:xfrm>
+          <a:prstGeom prst="rect">
+            <a:avLst/>
+          </a:prstGeom>
+          <a:noFill/>
+        </p:spPr>
+        <p:txBody>
+          <a:bodyPr wrap="none" rtlCol="0">
+            <a:spAutoFit/>
+          </a:bodyPr>
+          <a:lstStyle/>
+          <a:p>
+            <a:r>
+              <a:rPr lang="en-US" dirty="0" smtClean="0"/>
+              <a:t>Loop with 1 A</a:t>
+            </a:r>
+            <a:endParaRPr lang="en-US" dirty="0"/>
+          </a:p>
+        </p:txBody>
+      </p:sp>
+      <p:cxnSp>
+        <p:nvCxnSpPr>
+          <p:cNvPr id="8" name="Curved Connector 7"/>
+          <p:cNvCxnSpPr>
+            <a:stCxn id="6" idx="1"/>
+          </p:cNvCxnSpPr>
+          <p:nvPr/>
+        </p:nvCxnSpPr>
+        <p:spPr>
+          <a:xfrm rot="10800000">
+            <a:off x="7334054" y="4147795"/>
+            <a:ext cx="905218" cy="84841"/>
+          </a:xfrm>
+          <a:prstGeom prst="curvedConnector3">
+            <a:avLst/>
+          </a:prstGeom>
+          <a:ln>
+            <a:solidFill>
+              <a:schemeClr val="tx1"/>
+            </a:solidFill>
+            <a:tailEnd type="triangle"/>
+          </a:ln>
+        </p:spPr>
+        <p:style>
+          <a:lnRef idx="1">
+            <a:schemeClr val="accent1"/>
+          </a:lnRef>
+          <a:fillRef idx="0">
+            <a:schemeClr val="accent1"/>
+          </a:fillRef>
+          <a:effectRef idx="0">
+            <a:schemeClr val="accent1"/>
+          </a:effectRef>
+          <a:fontRef idx="minor">
+            <a:schemeClr val="tx1"/>
+          </a:fontRef>
+        </p:style>
+      </p:cxnSp>
+      <p:cxnSp>
+        <p:nvCxnSpPr>
+          <p:cNvPr id="10" name="Curved Connector 9"/>
+          <p:cNvCxnSpPr/>
+          <p:nvPr/>
+        </p:nvCxnSpPr>
+        <p:spPr>
+          <a:xfrm flipV="1">
+            <a:off x="3236293" y="4190215"/>
+            <a:ext cx="751245" cy="227086"/>
+          </a:xfrm>
+          <a:prstGeom prst="curvedConnector3">
+            <a:avLst/>
+          </a:prstGeom>
+          <a:ln>
+            <a:solidFill>
+              <a:schemeClr val="tx1"/>
+            </a:solidFill>
+            <a:tailEnd type="triangle"/>
+          </a:ln>
+        </p:spPr>
+        <p:style>
+          <a:lnRef idx="1">
+            <a:schemeClr val="accent1"/>
+          </a:lnRef>
+          <a:fillRef idx="0">
+            <a:schemeClr val="accent1"/>
+          </a:fillRef>
+          <a:effectRef idx="0">
+            <a:schemeClr val="accent1"/>
+          </a:effectRef>
+          <a:fontRef idx="minor">
+            <a:schemeClr val="tx1"/>
+          </a:fontRef>
+        </p:style>
+      </p:cxnSp>
+      <p:sp>
+        <p:nvSpPr>
+          <p:cNvPr id="11" name="TextBox 10"/>
+          <p:cNvSpPr txBox="1"/>
+          <p:nvPr/>
+        </p:nvSpPr>
+        <p:spPr>
+          <a:xfrm>
+            <a:off x="7334053" y="6176963"/>
+            <a:ext cx="3665106" cy="369332"/>
+          </a:xfrm>
+          <a:prstGeom prst="rect">
+            <a:avLst/>
+          </a:prstGeom>
+          <a:noFill/>
+        </p:spPr>
+        <p:txBody>
+          <a:bodyPr wrap="none" rtlCol="0">
+            <a:spAutoFit/>
+          </a:bodyPr>
+          <a:lstStyle/>
+          <a:p>
+            <a:r>
+              <a:rPr lang="en-US" dirty="0" smtClean="0"/>
+              <a:t>Therefore this component carries 2 A</a:t>
+            </a:r>
+            <a:endParaRPr lang="en-US" dirty="0"/>
+          </a:p>
+        </p:txBody>
+      </p:sp>
+      <p:cxnSp>
+        <p:nvCxnSpPr>
+          <p:cNvPr id="13" name="Curved Connector 12"/>
+          <p:cNvCxnSpPr>
+            <a:stCxn id="11" idx="1"/>
+          </p:cNvCxnSpPr>
+          <p:nvPr/>
+        </p:nvCxnSpPr>
+        <p:spPr>
+          <a:xfrm rot="10800000">
+            <a:off x="5825765" y="5090475"/>
+            <a:ext cx="1508288" cy="1271155"/>
+          </a:xfrm>
+          <a:prstGeom prst="curvedConnector3">
+            <a:avLst>
+              <a:gd name="adj1" fmla="val 50000"/>
+            </a:avLst>
+          </a:prstGeom>
+          <a:ln>
+            <a:solidFill>
+              <a:schemeClr val="tx1"/>
+            </a:solidFill>
+            <a:tailEnd type="triangle"/>
+          </a:ln>
+        </p:spPr>
+        <p:style>
+          <a:lnRef idx="1">
+            <a:schemeClr val="accent1"/>
+          </a:lnRef>
+          <a:fillRef idx="0">
+            <a:schemeClr val="accent1"/>
+          </a:fillRef>
+          <a:effectRef idx="0">
+            <a:schemeClr val="accent1"/>
+          </a:effectRef>
+          <a:fontRef idx="minor">
+            <a:schemeClr val="tx1"/>
+          </a:fontRef>
+        </p:style>
+      </p:cxnSp>
+    </p:spTree>
+    <p:extLst>
+      <p:ext uri="{BB962C8B-B14F-4D97-AF65-F5344CB8AC3E}">
+        <p14:creationId xmlns:p14="http://schemas.microsoft.com/office/powerpoint/2010/main" val="15940995"/>
+      </p:ext>
+    </p:extLst>
+  </p:cSld>
+  <p:clrMapOvr>
+    <a:masterClrMapping/>
+  </p:clrMapOvr>
+  <p:timing>
+    <p:tnLst>
+      <p:par>
+        <p:cTn id="1" dur="indefinite" restart="never" nodeType="tmRoot">
+          <p:childTnLst>
+            <p:seq concurrent="1" nextAc="seek">
+              <p:cTn id="2" dur="indefinite" nodeType="mainSeq">
+                <p:childTnLst>
+                  <p:par>
+                    <p:cTn id="3" fill="hold">
+                      <p:stCondLst>
+                        <p:cond delay="indefinite"/>
+                      </p:stCondLst>
+                      <p:childTnLst>
+                        <p:par>
+                          <p:cTn id="4" fill="hold">
+                            <p:stCondLst>
+                              <p:cond delay="0"/>
+                            </p:stCondLst>
+                            <p:childTnLst>
+                              <p:par>
+                                <p:cTn id="5" presetID="1" presetClass="entr" presetSubtype="0" fill="hold" grpId="0" nodeType="clickEffect">
+                                  <p:stCondLst>
+                                    <p:cond delay="0"/>
+                                  </p:stCondLst>
+                                  <p:childTnLst>
+                                    <p:set>
+                                      <p:cBhvr>
+                                        <p:cTn id="6" dur="1" fill="hold">
+                                          <p:stCondLst>
+                                            <p:cond delay="0"/>
+                                          </p:stCondLst>
+                                        </p:cTn>
+                                        <p:tgtEl>
+                                          <p:spTgt spid="5"/>
+                                        </p:tgtEl>
+                                        <p:attrNameLst>
+                                          <p:attrName>style.visibility</p:attrName>
+                                        </p:attrNameLst>
+                                      </p:cBhvr>
+                                      <p:to>
+                                        <p:strVal val="visible"/>
+                                      </p:to>
+                                    </p:set>
+                                  </p:childTnLst>
+                                </p:cTn>
+                              </p:par>
+                              <p:par>
+                                <p:cTn id="7" presetID="1" presetClass="entr" presetSubtype="0" fill="hold" nodeType="withEffect">
+                                  <p:stCondLst>
+                                    <p:cond delay="0"/>
+                                  </p:stCondLst>
+                                  <p:childTnLst>
+                                    <p:set>
+                                      <p:cBhvr>
+                                        <p:cTn id="8" dur="1" fill="hold">
+                                          <p:stCondLst>
+                                            <p:cond delay="0"/>
+                                          </p:stCondLst>
+                                        </p:cTn>
+                                        <p:tgtEl>
+                                          <p:spTgt spid="10"/>
+                                        </p:tgtEl>
+                                        <p:attrNameLst>
+                                          <p:attrName>style.visibility</p:attrName>
+                                        </p:attrNameLst>
+                                      </p:cBhvr>
+                                      <p:to>
+                                        <p:strVal val="visible"/>
+                                      </p:to>
+                                    </p:set>
+                                  </p:childTnLst>
+                                </p:cTn>
+                              </p:par>
+                              <p:par>
+                                <p:cTn id="9" presetID="1" presetClass="entr" presetSubtype="0" fill="hold" nodeType="withEffect">
+                                  <p:stCondLst>
+                                    <p:cond delay="0"/>
+                                  </p:stCondLst>
+                                  <p:childTnLst>
+                                    <p:set>
+                                      <p:cBhvr>
+                                        <p:cTn id="10" dur="1" fill="hold">
+                                          <p:stCondLst>
+                                            <p:cond delay="0"/>
+                                          </p:stCondLst>
+                                        </p:cTn>
+                                        <p:tgtEl>
+                                          <p:spTgt spid="8"/>
+                                        </p:tgtEl>
+                                        <p:attrNameLst>
+                                          <p:attrName>style.visibility</p:attrName>
+                                        </p:attrNameLst>
+                                      </p:cBhvr>
+                                      <p:to>
+                                        <p:strVal val="visible"/>
+                                      </p:to>
+                                    </p:set>
+                                  </p:childTnLst>
+                                </p:cTn>
+                              </p:par>
+                              <p:par>
+                                <p:cTn id="11" presetID="1" presetClass="entr" presetSubtype="0" fill="hold" grpId="0" nodeType="withEffect">
+                                  <p:stCondLst>
+                                    <p:cond delay="0"/>
+                                  </p:stCondLst>
+                                  <p:childTnLst>
+                                    <p:set>
+                                      <p:cBhvr>
+                                        <p:cTn id="12" dur="1" fill="hold">
+                                          <p:stCondLst>
+                                            <p:cond delay="0"/>
+                                          </p:stCondLst>
+                                        </p:cTn>
+                                        <p:tgtEl>
+                                          <p:spTgt spid="6"/>
+                                        </p:tgtEl>
+                                        <p:attrNameLst>
+                                          <p:attrName>style.visibility</p:attrName>
+                                        </p:attrNameLst>
+                                      </p:cBhvr>
+                                      <p:to>
+                                        <p:strVal val="visible"/>
+                                      </p:to>
+                                    </p:set>
+                                  </p:childTnLst>
+                                </p:cTn>
+                              </p:par>
+                            </p:childTnLst>
+                          </p:cTn>
+                        </p:par>
+                      </p:childTnLst>
+                    </p:cTn>
+                  </p:par>
+                  <p:par>
+                    <p:cTn id="13" fill="hold">
+                      <p:stCondLst>
+                        <p:cond delay="indefinite"/>
+                      </p:stCondLst>
+                      <p:childTnLst>
+                        <p:par>
+                          <p:cTn id="14" fill="hold">
+                            <p:stCondLst>
+                              <p:cond delay="0"/>
+                            </p:stCondLst>
+                            <p:childTnLst>
+                              <p:par>
+                                <p:cTn id="15" presetID="1" presetClass="entr" presetSubtype="0" fill="hold" nodeType="clickEffect">
+                                  <p:stCondLst>
+                                    <p:cond delay="0"/>
+                                  </p:stCondLst>
+                                  <p:childTnLst>
+                                    <p:set>
+                                      <p:cBhvr>
+                                        <p:cTn id="16" dur="1" fill="hold">
+                                          <p:stCondLst>
+                                            <p:cond delay="0"/>
+                                          </p:stCondLst>
+                                        </p:cTn>
+                                        <p:tgtEl>
+                                          <p:spTgt spid="13"/>
+                                        </p:tgtEl>
+                                        <p:attrNameLst>
+                                          <p:attrName>style.visibility</p:attrName>
+                                        </p:attrNameLst>
+                                      </p:cBhvr>
+                                      <p:to>
+                                        <p:strVal val="visible"/>
+                                      </p:to>
+                                    </p:set>
+                                  </p:childTnLst>
+                                </p:cTn>
+                              </p:par>
+                              <p:par>
+                                <p:cTn id="17" presetID="1" presetClass="entr" presetSubtype="0" fill="hold" grpId="0" nodeType="withEffect">
+                                  <p:stCondLst>
+                                    <p:cond delay="0"/>
+                                  </p:stCondLst>
+                                  <p:childTnLst>
+                                    <p:set>
+                                      <p:cBhvr>
+                                        <p:cTn id="18" dur="1" fill="hold">
+                                          <p:stCondLst>
+                                            <p:cond delay="0"/>
+                                          </p:stCondLst>
+                                        </p:cTn>
+                                        <p:tgtEl>
+                                          <p:spTgt spid="11"/>
+                                        </p:tgtEl>
+                                        <p:attrNameLst>
+                                          <p:attrName>style.visibility</p:attrName>
+                                        </p:attrNameLst>
+                                      </p:cBhvr>
+                                      <p:to>
+                                        <p:strVal val="visible"/>
+                                      </p:to>
+                                    </p:set>
+                                  </p:childTnLst>
+                                </p:cTn>
+                              </p:par>
+                            </p:childTnLst>
+                          </p:cTn>
+                        </p:par>
+                      </p:childTnLst>
+                    </p:cTn>
+                  </p:par>
+                </p:childTnLst>
+              </p:cTn>
+              <p:prevCondLst>
+                <p:cond evt="onPrev" delay="0">
+                  <p:tgtEl>
+                    <p:sldTgt/>
+                  </p:tgtEl>
+                </p:cond>
+              </p:prevCondLst>
+              <p:nextCondLst>
+                <p:cond evt="onNext" delay="0">
+                  <p:tgtEl>
+                    <p:sldTgt/>
+                  </p:tgtEl>
+                </p:cond>
+              </p:nextCondLst>
+            </p:seq>
+          </p:childTnLst>
+        </p:cTn>
+      </p:par>
+    </p:tnLst>
+    <p:bldLst>
+      <p:bldP spid="5" grpId="0"/>
+      <p:bldP spid="6" grpId="0"/>
+      <p:bldP spid="11" grpId="0"/>
+    </p:bldLst>
+  </p:timing>
+</p:sld>
+</file>
+
+<file path=ppt/slides/slide19.xml><?xml version="1.0" encoding="utf-8"?>
+<p:sld xmlns:a="http://schemas.openxmlformats.org/drawingml/2006/main" xmlns:r="http://schemas.openxmlformats.org/officeDocument/2006/relationships" xmlns:p="http://schemas.openxmlformats.org/presentationml/2006/main">
+  <p:cSld>
+    <p:spTree>
+      <p:nvGrpSpPr>
+        <p:cNvPr id="1" name=""/>
+        <p:cNvGrpSpPr/>
+        <p:nvPr/>
+      </p:nvGrpSpPr>
+      <p:grpSpPr>
+        <a:xfrm>
+          <a:off x="0" y="0"/>
+          <a:ext cx="0" cy="0"/>
+          <a:chOff x="0" y="0"/>
+          <a:chExt cx="0" cy="0"/>
+        </a:xfrm>
+      </p:grpSpPr>
+      <p:sp>
+        <p:nvSpPr>
+          <p:cNvPr id="2" name="Title 1"/>
+          <p:cNvSpPr>
+            <a:spLocks noGrp="1"/>
+          </p:cNvSpPr>
+          <p:nvPr>
+            <p:ph type="title"/>
+          </p:nvPr>
+        </p:nvSpPr>
+        <p:spPr/>
+        <p:txBody>
+          <a:bodyPr/>
+          <a:lstStyle/>
+          <a:p>
+            <a:r>
+              <a:rPr lang="en-US" dirty="0" err="1" smtClean="0"/>
+              <a:t>Kirchoff’s</a:t>
+            </a:r>
+            <a:r>
+              <a:rPr lang="en-US" dirty="0" smtClean="0"/>
+              <a:t> Laws</a:t>
+            </a:r>
+            <a:endParaRPr lang="en-US" dirty="0"/>
+          </a:p>
+        </p:txBody>
+      </p:sp>
+      <p:sp>
+        <p:nvSpPr>
+          <p:cNvPr id="3" name="Content Placeholder 2"/>
+          <p:cNvSpPr>
+            <a:spLocks noGrp="1"/>
+          </p:cNvSpPr>
+          <p:nvPr>
+            <p:ph idx="1"/>
+          </p:nvPr>
+        </p:nvSpPr>
+        <p:spPr>
+          <a:xfrm>
+            <a:off x="838200" y="1825625"/>
+            <a:ext cx="10515600" cy="4351338"/>
+          </a:xfrm>
+        </p:spPr>
+        <p:txBody>
+          <a:bodyPr/>
+          <a:lstStyle/>
+          <a:p>
+            <a:r>
+              <a:rPr lang="en-US" dirty="0" smtClean="0"/>
+              <a:t>Simple circuit with one loop:</a:t>
+            </a:r>
+            <a:endParaRPr lang="en-US" dirty="0"/>
+          </a:p>
+        </p:txBody>
+      </p:sp>
+      <p:pic>
+        <p:nvPicPr>
+          <p:cNvPr id="4" name="Picture 3"/>
+          <p:cNvPicPr>
+            <a:picLocks noChangeAspect="1"/>
+          </p:cNvPicPr>
+          <p:nvPr/>
+        </p:nvPicPr>
+        <p:blipFill>
+          <a:blip r:embed="rId2">
+            <a:extLst>
+              <a:ext uri="{28A0092B-C50C-407E-A947-70E740481C1C}">
+                <a14:useLocalDpi xmlns:a14="http://schemas.microsoft.com/office/drawing/2010/main" val="0"/>
+              </a:ext>
+            </a:extLst>
+          </a:blip>
+          <a:stretch>
+            <a:fillRect/>
+          </a:stretch>
+        </p:blipFill>
+        <p:spPr>
+          <a:xfrm>
+            <a:off x="3073383" y="2483864"/>
+            <a:ext cx="3914775" cy="2305050"/>
+          </a:xfrm>
+          <a:prstGeom prst="rect">
+            <a:avLst/>
+          </a:prstGeom>
+        </p:spPr>
+      </p:pic>
+      <p:cxnSp>
+        <p:nvCxnSpPr>
+          <p:cNvPr id="6" name="Straight Arrow Connector 5"/>
+          <p:cNvCxnSpPr/>
+          <p:nvPr/>
+        </p:nvCxnSpPr>
+        <p:spPr>
+          <a:xfrm flipV="1">
+            <a:off x="2969688" y="3202756"/>
+            <a:ext cx="0" cy="867266"/>
+          </a:xfrm>
+          <a:prstGeom prst="straightConnector1">
+            <a:avLst/>
+          </a:prstGeom>
+          <a:ln>
+            <a:solidFill>
+              <a:schemeClr val="tx1"/>
+            </a:solidFill>
+            <a:tailEnd type="triangle"/>
+          </a:ln>
+        </p:spPr>
+        <p:style>
+          <a:lnRef idx="1">
+            <a:schemeClr val="accent1"/>
+          </a:lnRef>
+          <a:fillRef idx="0">
+            <a:schemeClr val="accent1"/>
+          </a:fillRef>
+          <a:effectRef idx="0">
+            <a:schemeClr val="accent1"/>
+          </a:effectRef>
+          <a:fontRef idx="minor">
+            <a:schemeClr val="tx1"/>
+          </a:fontRef>
+        </p:style>
+      </p:cxnSp>
+      <p:cxnSp>
+        <p:nvCxnSpPr>
+          <p:cNvPr id="7" name="Straight Arrow Connector 6"/>
+          <p:cNvCxnSpPr/>
+          <p:nvPr/>
+        </p:nvCxnSpPr>
+        <p:spPr>
+          <a:xfrm flipV="1">
+            <a:off x="6478031" y="3310279"/>
+            <a:ext cx="0" cy="759743"/>
+          </a:xfrm>
+          <a:prstGeom prst="straightConnector1">
+            <a:avLst/>
+          </a:prstGeom>
+          <a:ln>
+            <a:solidFill>
+              <a:schemeClr val="tx1"/>
+            </a:solidFill>
+            <a:tailEnd type="triangle"/>
+          </a:ln>
+        </p:spPr>
+        <p:style>
+          <a:lnRef idx="1">
+            <a:schemeClr val="accent1"/>
+          </a:lnRef>
+          <a:fillRef idx="0">
+            <a:schemeClr val="accent1"/>
+          </a:fillRef>
+          <a:effectRef idx="0">
+            <a:schemeClr val="accent1"/>
+          </a:effectRef>
+          <a:fontRef idx="minor">
+            <a:schemeClr val="tx1"/>
+          </a:fontRef>
+        </p:style>
+      </p:cxnSp>
+      <p:sp>
+        <p:nvSpPr>
+          <p:cNvPr id="11" name="TextBox 10"/>
+          <p:cNvSpPr txBox="1"/>
+          <p:nvPr/>
+        </p:nvSpPr>
+        <p:spPr>
+          <a:xfrm>
+            <a:off x="6460842" y="3690150"/>
+            <a:ext cx="399468" cy="369332"/>
+          </a:xfrm>
+          <a:prstGeom prst="rect">
+            <a:avLst/>
+          </a:prstGeom>
+          <a:noFill/>
+        </p:spPr>
+        <p:txBody>
+          <a:bodyPr wrap="none" rtlCol="0">
+            <a:spAutoFit/>
+          </a:bodyPr>
+          <a:lstStyle/>
+          <a:p>
+            <a:r>
+              <a:rPr lang="en-US" dirty="0" smtClean="0"/>
+              <a:t>V</a:t>
+            </a:r>
+            <a:r>
+              <a:rPr lang="en-US" baseline="-25000" dirty="0" smtClean="0"/>
+              <a:t>R</a:t>
+            </a:r>
+            <a:endParaRPr lang="en-US" baseline="-25000" dirty="0"/>
+          </a:p>
+        </p:txBody>
+      </p:sp>
+      <p:sp>
+        <p:nvSpPr>
+          <p:cNvPr id="12" name="TextBox 11"/>
+          <p:cNvSpPr txBox="1"/>
+          <p:nvPr/>
+        </p:nvSpPr>
+        <p:spPr>
+          <a:xfrm>
+            <a:off x="8389856" y="2620652"/>
+            <a:ext cx="559769" cy="369332"/>
+          </a:xfrm>
+          <a:prstGeom prst="rect">
+            <a:avLst/>
+          </a:prstGeom>
+          <a:noFill/>
+        </p:spPr>
+        <p:txBody>
+          <a:bodyPr wrap="none" rtlCol="0">
+            <a:spAutoFit/>
+          </a:bodyPr>
+          <a:lstStyle/>
+          <a:p>
+            <a:r>
+              <a:rPr lang="en-US" dirty="0" smtClean="0"/>
+              <a:t>(12)</a:t>
+            </a:r>
+            <a:endParaRPr lang="en-US" dirty="0"/>
+          </a:p>
+        </p:txBody>
+      </p:sp>
+      <p:sp>
+        <p:nvSpPr>
+          <p:cNvPr id="13" name="TextBox 12"/>
+          <p:cNvSpPr txBox="1"/>
+          <p:nvPr/>
+        </p:nvSpPr>
+        <p:spPr>
+          <a:xfrm>
+            <a:off x="8770030" y="2620652"/>
+            <a:ext cx="726481" cy="369332"/>
+          </a:xfrm>
+          <a:prstGeom prst="rect">
+            <a:avLst/>
+          </a:prstGeom>
+          <a:noFill/>
+        </p:spPr>
+        <p:txBody>
+          <a:bodyPr wrap="none" rtlCol="0">
+            <a:spAutoFit/>
+          </a:bodyPr>
+          <a:lstStyle/>
+          <a:p>
+            <a:r>
+              <a:rPr lang="en-US" dirty="0" smtClean="0"/>
+              <a:t>+(-V</a:t>
+            </a:r>
+            <a:r>
+              <a:rPr lang="en-US" baseline="-25000" dirty="0" smtClean="0"/>
+              <a:t>R</a:t>
+            </a:r>
+            <a:r>
+              <a:rPr lang="en-US" dirty="0" smtClean="0"/>
+              <a:t>)</a:t>
+            </a:r>
+            <a:endParaRPr lang="en-US" dirty="0"/>
+          </a:p>
+        </p:txBody>
+      </p:sp>
+      <p:sp>
+        <p:nvSpPr>
+          <p:cNvPr id="14" name="TextBox 13"/>
+          <p:cNvSpPr txBox="1"/>
+          <p:nvPr/>
+        </p:nvSpPr>
+        <p:spPr>
+          <a:xfrm>
+            <a:off x="9329799" y="2620652"/>
+            <a:ext cx="417102" cy="369332"/>
+          </a:xfrm>
+          <a:prstGeom prst="rect">
+            <a:avLst/>
+          </a:prstGeom>
+          <a:noFill/>
+        </p:spPr>
+        <p:txBody>
+          <a:bodyPr wrap="none" rtlCol="0">
+            <a:spAutoFit/>
+          </a:bodyPr>
+          <a:lstStyle/>
+          <a:p>
+            <a:r>
+              <a:rPr lang="en-US" dirty="0" smtClean="0"/>
+              <a:t>=0</a:t>
+            </a:r>
+            <a:endParaRPr lang="en-US" dirty="0"/>
+          </a:p>
+        </p:txBody>
+      </p:sp>
+      <p:sp>
+        <p:nvSpPr>
+          <p:cNvPr id="15" name="TextBox 14"/>
+          <p:cNvSpPr txBox="1"/>
+          <p:nvPr/>
+        </p:nvSpPr>
+        <p:spPr>
+          <a:xfrm>
+            <a:off x="8770030" y="3018090"/>
+            <a:ext cx="748923" cy="369332"/>
+          </a:xfrm>
+          <a:prstGeom prst="rect">
+            <a:avLst/>
+          </a:prstGeom>
+          <a:noFill/>
+        </p:spPr>
+        <p:txBody>
+          <a:bodyPr wrap="none" rtlCol="0">
+            <a:spAutoFit/>
+          </a:bodyPr>
+          <a:lstStyle/>
+          <a:p>
+            <a:r>
+              <a:rPr lang="en-US" dirty="0" smtClean="0"/>
+              <a:t>V</a:t>
+            </a:r>
+            <a:r>
+              <a:rPr lang="en-US" baseline="-25000" dirty="0" smtClean="0"/>
+              <a:t>R</a:t>
+            </a:r>
+            <a:r>
+              <a:rPr lang="en-US" dirty="0" smtClean="0"/>
+              <a:t>=12</a:t>
+            </a:r>
+            <a:endParaRPr lang="en-US" dirty="0"/>
+          </a:p>
+        </p:txBody>
+      </p:sp>
+      <mc:AlternateContent xmlns:mc="http://schemas.openxmlformats.org/markup-compatibility/2006">
+        <mc:Choice xmlns:a14="http://schemas.microsoft.com/office/drawing/2010/main" Requires="a14">
+          <p:sp>
+            <p:nvSpPr>
+              <p:cNvPr id="16" name="TextBox 15"/>
+              <p:cNvSpPr txBox="1"/>
+              <p:nvPr/>
+            </p:nvSpPr>
+            <p:spPr>
+              <a:xfrm>
+                <a:off x="8257880" y="3770722"/>
+                <a:ext cx="2391167" cy="369332"/>
+              </a:xfrm>
+              <a:prstGeom prst="rect">
+                <a:avLst/>
+              </a:prstGeom>
+              <a:noFill/>
+            </p:spPr>
+            <p:txBody>
+              <a:bodyPr wrap="none" rtlCol="0">
+                <a:spAutoFit/>
+              </a:bodyPr>
+              <a:lstStyle/>
+              <a:p>
+                <a:r>
+                  <a:rPr lang="en-US" dirty="0" smtClean="0"/>
+                  <a:t>For a resistor: </a:t>
+                </a:r>
+                <a14:m>
+                  <m:oMath xmlns:m="http://schemas.openxmlformats.org/officeDocument/2006/math">
+                    <m:r>
+                      <a:rPr lang="en-US" b="0" i="1" smtClean="0">
+                        <a:latin typeface="Cambria Math" panose="02040503050406030204" pitchFamily="18" charset="0"/>
+                      </a:rPr>
+                      <m:t>𝑉</m:t>
+                    </m:r>
+                    <m:r>
+                      <a:rPr lang="en-US" b="0" i="1" smtClean="0">
+                        <a:latin typeface="Cambria Math" panose="02040503050406030204" pitchFamily="18" charset="0"/>
+                      </a:rPr>
+                      <m:t>=</m:t>
+                    </m:r>
+                    <m:r>
+                      <a:rPr lang="en-US" b="0" i="1" smtClean="0">
+                        <a:latin typeface="Cambria Math" panose="02040503050406030204" pitchFamily="18" charset="0"/>
+                      </a:rPr>
+                      <m:t>𝐼</m:t>
+                    </m:r>
+                    <m:r>
+                      <a:rPr lang="en-US" b="0" i="1" smtClean="0">
+                        <a:latin typeface="Cambria Math" panose="02040503050406030204" pitchFamily="18" charset="0"/>
+                        <a:ea typeface="Cambria Math" panose="02040503050406030204" pitchFamily="18" charset="0"/>
+                      </a:rPr>
+                      <m:t>∙</m:t>
+                    </m:r>
+                    <m:r>
+                      <a:rPr lang="en-US" b="0" i="1" smtClean="0">
+                        <a:latin typeface="Cambria Math" panose="02040503050406030204" pitchFamily="18" charset="0"/>
+                        <a:ea typeface="Cambria Math" panose="02040503050406030204" pitchFamily="18" charset="0"/>
+                      </a:rPr>
+                      <m:t>𝑅</m:t>
+                    </m:r>
+                  </m:oMath>
+                </a14:m>
+                <a:endParaRPr lang="en-US" dirty="0"/>
+              </a:p>
+            </p:txBody>
+          </p:sp>
+        </mc:Choice>
+        <mc:Fallback>
+          <p:sp>
+            <p:nvSpPr>
+              <p:cNvPr id="16" name="TextBox 15"/>
+              <p:cNvSpPr txBox="1">
+                <a:spLocks noRot="1" noChangeAspect="1" noMove="1" noResize="1" noEditPoints="1" noAdjustHandles="1" noChangeArrowheads="1" noChangeShapeType="1" noTextEdit="1"/>
+              </p:cNvSpPr>
+              <p:nvPr/>
+            </p:nvSpPr>
+            <p:spPr>
+              <a:xfrm>
+                <a:off x="8257880" y="3770722"/>
+                <a:ext cx="2391167" cy="369332"/>
+              </a:xfrm>
+              <a:prstGeom prst="rect">
+                <a:avLst/>
+              </a:prstGeom>
+              <a:blipFill>
+                <a:blip r:embed="rId3"/>
+                <a:stretch>
+                  <a:fillRect l="-2296" t="-10000" b="-26667"/>
+                </a:stretch>
+              </a:blipFill>
+            </p:spPr>
+            <p:txBody>
+              <a:bodyPr/>
+              <a:lstStyle/>
+              <a:p>
+                <a:r>
+                  <a:rPr lang="en-US">
+                    <a:noFill/>
+                  </a:rPr>
+                  <a:t> </a:t>
+                </a:r>
+              </a:p>
+            </p:txBody>
+          </p:sp>
+        </mc:Fallback>
+      </mc:AlternateContent>
+      <mc:AlternateContent xmlns:mc="http://schemas.openxmlformats.org/markup-compatibility/2006">
+        <mc:Choice xmlns:a14="http://schemas.microsoft.com/office/drawing/2010/main" Requires="a14">
+          <p:sp>
+            <p:nvSpPr>
+              <p:cNvPr id="17" name="TextBox 16"/>
+              <p:cNvSpPr txBox="1"/>
+              <p:nvPr/>
+            </p:nvSpPr>
+            <p:spPr>
+              <a:xfrm>
+                <a:off x="9036962" y="4168160"/>
+                <a:ext cx="1002775" cy="276999"/>
+              </a:xfrm>
+              <a:prstGeom prst="rect">
+                <a:avLst/>
+              </a:prstGeom>
+              <a:noFill/>
+            </p:spPr>
+            <p:txBody>
+              <a:bodyPr wrap="none" lIns="0" tIns="0" rIns="0" bIns="0" rtlCol="0">
+                <a:spAutoFit/>
+              </a:bodyPr>
+              <a:lstStyle/>
+              <a:p>
+                <a14:m>
+                  <m:oMathPara xmlns:m="http://schemas.openxmlformats.org/officeDocument/2006/math">
+                    <m:oMathParaPr>
+                      <m:jc m:val="centerGroup"/>
+                    </m:oMathParaPr>
+                    <m:oMath xmlns:m="http://schemas.openxmlformats.org/officeDocument/2006/math">
+                      <m:r>
+                        <a:rPr lang="en-US" b="0" i="1" smtClean="0">
+                          <a:latin typeface="Cambria Math" panose="02040503050406030204" pitchFamily="18" charset="0"/>
+                        </a:rPr>
+                        <m:t>12=</m:t>
+                      </m:r>
+                      <m:r>
+                        <a:rPr lang="en-US" b="0" i="1" smtClean="0">
+                          <a:latin typeface="Cambria Math" panose="02040503050406030204" pitchFamily="18" charset="0"/>
+                        </a:rPr>
+                        <m:t>𝐼</m:t>
+                      </m:r>
+                      <m:r>
+                        <a:rPr lang="en-US" b="0" i="1" smtClean="0">
+                          <a:latin typeface="Cambria Math" panose="02040503050406030204" pitchFamily="18" charset="0"/>
+                          <a:ea typeface="Cambria Math" panose="02040503050406030204" pitchFamily="18" charset="0"/>
+                        </a:rPr>
+                        <m:t>∙1</m:t>
+                      </m:r>
+                    </m:oMath>
+                  </m:oMathPara>
+                </a14:m>
+                <a:endParaRPr lang="en-US" dirty="0"/>
+              </a:p>
+            </p:txBody>
+          </p:sp>
+        </mc:Choice>
+        <mc:Fallback>
+          <p:sp>
+            <p:nvSpPr>
+              <p:cNvPr id="17" name="TextBox 16"/>
+              <p:cNvSpPr txBox="1">
+                <a:spLocks noRot="1" noChangeAspect="1" noMove="1" noResize="1" noEditPoints="1" noAdjustHandles="1" noChangeArrowheads="1" noChangeShapeType="1" noTextEdit="1"/>
+              </p:cNvSpPr>
+              <p:nvPr/>
+            </p:nvSpPr>
+            <p:spPr>
+              <a:xfrm>
+                <a:off x="9036962" y="4168160"/>
+                <a:ext cx="1002775" cy="276999"/>
+              </a:xfrm>
+              <a:prstGeom prst="rect">
+                <a:avLst/>
+              </a:prstGeom>
+              <a:blipFill>
+                <a:blip r:embed="rId4"/>
+                <a:stretch>
+                  <a:fillRect l="-4848" r="-4848" b="-6667"/>
+                </a:stretch>
+              </a:blipFill>
+            </p:spPr>
+            <p:txBody>
+              <a:bodyPr/>
+              <a:lstStyle/>
+              <a:p>
+                <a:r>
+                  <a:rPr lang="en-US">
+                    <a:noFill/>
+                  </a:rPr>
+                  <a:t> </a:t>
+                </a:r>
+              </a:p>
+            </p:txBody>
+          </p:sp>
+        </mc:Fallback>
+      </mc:AlternateContent>
+    </p:spTree>
+    <p:extLst>
+      <p:ext uri="{BB962C8B-B14F-4D97-AF65-F5344CB8AC3E}">
+        <p14:creationId xmlns:p14="http://schemas.microsoft.com/office/powerpoint/2010/main" val="1504139800"/>
+      </p:ext>
+    </p:extLst>
+  </p:cSld>
+  <p:clrMapOvr>
+    <a:masterClrMapping/>
+  </p:clrMapOvr>
+  <p:timing>
+    <p:tnLst>
+      <p:par>
+        <p:cTn id="1" dur="indefinite" restart="never" nodeType="tmRoot">
+          <p:childTnLst>
+            <p:seq concurrent="1" nextAc="seek">
+              <p:cTn id="2" dur="indefinite" nodeType="mainSeq">
+                <p:childTnLst>
+                  <p:par>
+                    <p:cTn id="3" fill="hold">
+                      <p:stCondLst>
+                        <p:cond delay="indefinite"/>
+                      </p:stCondLst>
+                      <p:childTnLst>
+                        <p:par>
+                          <p:cTn id="4" fill="hold">
+                            <p:stCondLst>
+                              <p:cond delay="0"/>
+                            </p:stCondLst>
+                            <p:childTnLst>
+                              <p:par>
+                                <p:cTn id="5" presetID="1" presetClass="entr" presetSubtype="0" fill="hold" nodeType="clickEffect">
+                                  <p:stCondLst>
+                                    <p:cond delay="0"/>
+                                  </p:stCondLst>
+                                  <p:childTnLst>
+                                    <p:set>
+                                      <p:cBhvr>
+                                        <p:cTn id="6" dur="1" fill="hold">
+                                          <p:stCondLst>
+                                            <p:cond delay="0"/>
+                                          </p:stCondLst>
+                                        </p:cTn>
+                                        <p:tgtEl>
+                                          <p:spTgt spid="6"/>
+                                        </p:tgtEl>
+                                        <p:attrNameLst>
+                                          <p:attrName>style.visibility</p:attrName>
+                                        </p:attrNameLst>
+                                      </p:cBhvr>
+                                      <p:to>
+                                        <p:strVal val="visible"/>
+                                      </p:to>
+                                    </p:set>
+                                  </p:childTnLst>
+                                </p:cTn>
+                              </p:par>
+                            </p:childTnLst>
+                          </p:cTn>
+                        </p:par>
+                      </p:childTnLst>
+                    </p:cTn>
+                  </p:par>
+                  <p:par>
+                    <p:cTn id="7" fill="hold">
+                      <p:stCondLst>
+                        <p:cond delay="indefinite"/>
+                      </p:stCondLst>
+                      <p:childTnLst>
+                        <p:par>
+                          <p:cTn id="8" fill="hold">
+                            <p:stCondLst>
+                              <p:cond delay="0"/>
+                            </p:stCondLst>
+                            <p:childTnLst>
+                              <p:par>
+                                <p:cTn id="9" presetID="1" presetClass="entr" presetSubtype="0" fill="hold" nodeType="clickEffect">
+                                  <p:stCondLst>
+                                    <p:cond delay="0"/>
+                                  </p:stCondLst>
+                                  <p:childTnLst>
+                                    <p:set>
+                                      <p:cBhvr>
+                                        <p:cTn id="10" dur="1" fill="hold">
+                                          <p:stCondLst>
+                                            <p:cond delay="0"/>
+                                          </p:stCondLst>
+                                        </p:cTn>
+                                        <p:tgtEl>
+                                          <p:spTgt spid="7"/>
+                                        </p:tgtEl>
+                                        <p:attrNameLst>
+                                          <p:attrName>style.visibility</p:attrName>
+                                        </p:attrNameLst>
+                                      </p:cBhvr>
+                                      <p:to>
+                                        <p:strVal val="visible"/>
+                                      </p:to>
+                                    </p:set>
+                                  </p:childTnLst>
+                                </p:cTn>
+                              </p:par>
+                            </p:childTnLst>
+                          </p:cTn>
+                        </p:par>
+                      </p:childTnLst>
+                    </p:cTn>
+                  </p:par>
+                  <p:par>
+                    <p:cTn id="11" fill="hold">
+                      <p:stCondLst>
+                        <p:cond delay="indefinite"/>
+                      </p:stCondLst>
+                      <p:childTnLst>
+                        <p:par>
+                          <p:cTn id="12" fill="hold">
+                            <p:stCondLst>
+                              <p:cond delay="0"/>
+                            </p:stCondLst>
+                            <p:childTnLst>
+                              <p:par>
+                                <p:cTn id="13" presetID="1" presetClass="entr" presetSubtype="0" fill="hold" grpId="0" nodeType="clickEffect">
+                                  <p:stCondLst>
+                                    <p:cond delay="0"/>
+                                  </p:stCondLst>
+                                  <p:childTnLst>
+                                    <p:set>
+                                      <p:cBhvr>
+                                        <p:cTn id="14" dur="1" fill="hold">
+                                          <p:stCondLst>
+                                            <p:cond delay="0"/>
+                                          </p:stCondLst>
+                                        </p:cTn>
+                                        <p:tgtEl>
+                                          <p:spTgt spid="11"/>
+                                        </p:tgtEl>
+                                        <p:attrNameLst>
+                                          <p:attrName>style.visibility</p:attrName>
+                                        </p:attrNameLst>
+                                      </p:cBhvr>
+                                      <p:to>
+                                        <p:strVal val="visible"/>
+                                      </p:to>
+                                    </p:set>
+                                  </p:childTnLst>
+                                </p:cTn>
+                              </p:par>
+                            </p:childTnLst>
+                          </p:cTn>
+                        </p:par>
+                      </p:childTnLst>
+                    </p:cTn>
+                  </p:par>
+                  <p:par>
+                    <p:cTn id="15" fill="hold">
+                      <p:stCondLst>
+                        <p:cond delay="indefinite"/>
+                      </p:stCondLst>
+                      <p:childTnLst>
+                        <p:par>
+                          <p:cTn id="16" fill="hold">
+                            <p:stCondLst>
+                              <p:cond delay="0"/>
+                            </p:stCondLst>
+                            <p:childTnLst>
+                              <p:par>
+                                <p:cTn id="17" presetID="1" presetClass="entr" presetSubtype="0" fill="hold" grpId="0" nodeType="clickEffect">
+                                  <p:stCondLst>
+                                    <p:cond delay="0"/>
+                                  </p:stCondLst>
+                                  <p:childTnLst>
+                                    <p:set>
+                                      <p:cBhvr>
+                                        <p:cTn id="18" dur="1" fill="hold">
+                                          <p:stCondLst>
+                                            <p:cond delay="0"/>
+                                          </p:stCondLst>
+                                        </p:cTn>
+                                        <p:tgtEl>
+                                          <p:spTgt spid="12"/>
+                                        </p:tgtEl>
+                                        <p:attrNameLst>
+                                          <p:attrName>style.visibility</p:attrName>
+                                        </p:attrNameLst>
+                                      </p:cBhvr>
+                                      <p:to>
+                                        <p:strVal val="visible"/>
+                                      </p:to>
+                                    </p:set>
+                                  </p:childTnLst>
+                                </p:cTn>
+                              </p:par>
+                            </p:childTnLst>
+                          </p:cTn>
+                        </p:par>
+                      </p:childTnLst>
+                    </p:cTn>
+                  </p:par>
+                  <p:par>
+                    <p:cTn id="19" fill="hold">
+                      <p:stCondLst>
+                        <p:cond delay="indefinite"/>
+                      </p:stCondLst>
+                      <p:childTnLst>
+                        <p:par>
+                          <p:cTn id="20" fill="hold">
+                            <p:stCondLst>
+                              <p:cond delay="0"/>
+                            </p:stCondLst>
+                            <p:childTnLst>
+                              <p:par>
+                                <p:cTn id="21" presetID="1" presetClass="entr" presetSubtype="0" fill="hold" grpId="0" nodeType="clickEffect">
+                                  <p:stCondLst>
+                                    <p:cond delay="0"/>
+                                  </p:stCondLst>
+                                  <p:childTnLst>
+                                    <p:set>
+                                      <p:cBhvr>
+                                        <p:cTn id="22" dur="1" fill="hold">
+                                          <p:stCondLst>
+                                            <p:cond delay="0"/>
+                                          </p:stCondLst>
+                                        </p:cTn>
+                                        <p:tgtEl>
+                                          <p:spTgt spid="13"/>
+                                        </p:tgtEl>
+                                        <p:attrNameLst>
+                                          <p:attrName>style.visibility</p:attrName>
+                                        </p:attrNameLst>
+                                      </p:cBhvr>
+                                      <p:to>
+                                        <p:strVal val="visible"/>
+                                      </p:to>
+                                    </p:set>
+                                  </p:childTnLst>
+                                </p:cTn>
+                              </p:par>
+                            </p:childTnLst>
+                          </p:cTn>
+                        </p:par>
+                      </p:childTnLst>
+                    </p:cTn>
+                  </p:par>
+                  <p:par>
+                    <p:cTn id="23" fill="hold">
+                      <p:stCondLst>
+                        <p:cond delay="indefinite"/>
+                      </p:stCondLst>
+                      <p:childTnLst>
+                        <p:par>
+                          <p:cTn id="24" fill="hold">
+                            <p:stCondLst>
+                              <p:cond delay="0"/>
+                            </p:stCondLst>
+                            <p:childTnLst>
+                              <p:par>
+                                <p:cTn id="25" presetID="1" presetClass="entr" presetSubtype="0" fill="hold" grpId="0" nodeType="clickEffect">
+                                  <p:stCondLst>
+                                    <p:cond delay="0"/>
+                                  </p:stCondLst>
+                                  <p:childTnLst>
+                                    <p:set>
+                                      <p:cBhvr>
+                                        <p:cTn id="26" dur="1" fill="hold">
+                                          <p:stCondLst>
+                                            <p:cond delay="0"/>
+                                          </p:stCondLst>
+                                        </p:cTn>
+                                        <p:tgtEl>
+                                          <p:spTgt spid="14"/>
+                                        </p:tgtEl>
+                                        <p:attrNameLst>
+                                          <p:attrName>style.visibility</p:attrName>
+                                        </p:attrNameLst>
+                                      </p:cBhvr>
+                                      <p:to>
+                                        <p:strVal val="visible"/>
+                                      </p:to>
+                                    </p:set>
+                                  </p:childTnLst>
+                                </p:cTn>
+                              </p:par>
+                            </p:childTnLst>
+                          </p:cTn>
+                        </p:par>
+                      </p:childTnLst>
+                    </p:cTn>
+                  </p:par>
+                  <p:par>
+                    <p:cTn id="27" fill="hold">
+                      <p:stCondLst>
+                        <p:cond delay="indefinite"/>
+                      </p:stCondLst>
+                      <p:childTnLst>
+                        <p:par>
+                          <p:cTn id="28" fill="hold">
+                            <p:stCondLst>
+                              <p:cond delay="0"/>
+                            </p:stCondLst>
+                            <p:childTnLst>
+                              <p:par>
+                                <p:cTn id="29" presetID="1" presetClass="entr" presetSubtype="0" fill="hold" grpId="0" nodeType="clickEffect">
+                                  <p:stCondLst>
+                                    <p:cond delay="0"/>
+                                  </p:stCondLst>
+                                  <p:childTnLst>
+                                    <p:set>
+                                      <p:cBhvr>
+                                        <p:cTn id="30" dur="1" fill="hold">
+                                          <p:stCondLst>
+                                            <p:cond delay="0"/>
+                                          </p:stCondLst>
+                                        </p:cTn>
+                                        <p:tgtEl>
+                                          <p:spTgt spid="15"/>
+                                        </p:tgtEl>
+                                        <p:attrNameLst>
+                                          <p:attrName>style.visibility</p:attrName>
+                                        </p:attrNameLst>
+                                      </p:cBhvr>
+                                      <p:to>
+                                        <p:strVal val="visible"/>
+                                      </p:to>
+                                    </p:set>
+                                  </p:childTnLst>
+                                </p:cTn>
+                              </p:par>
+                            </p:childTnLst>
+                          </p:cTn>
+                        </p:par>
+                      </p:childTnLst>
+                    </p:cTn>
+                  </p:par>
+                </p:childTnLst>
+              </p:cTn>
+              <p:prevCondLst>
+                <p:cond evt="onPrev" delay="0">
+                  <p:tgtEl>
+                    <p:sldTgt/>
+                  </p:tgtEl>
+                </p:cond>
+              </p:prevCondLst>
+              <p:nextCondLst>
+                <p:cond evt="onNext" delay="0">
+                  <p:tgtEl>
+                    <p:sldTgt/>
+                  </p:tgtEl>
+                </p:cond>
+              </p:nextCondLst>
+            </p:seq>
+          </p:childTnLst>
+        </p:cTn>
+      </p:par>
+    </p:tnLst>
+    <p:bldLst>
+      <p:bldP spid="11" grpId="0"/>
+      <p:bldP spid="12" grpId="0"/>
+      <p:bldP spid="13" grpId="0"/>
+      <p:bldP spid="14" grpId="0"/>
+      <p:bldP spid="15" grpId="0"/>
+    </p:bldLst>
+  </p:timing>
 </p:sld>
 </file>
 
@@ -3534,6 +7491,13 @@
   <p:clrMapOvr>
     <a:masterClrMapping/>
   </p:clrMapOvr>
+  <p:timing>
+    <p:tnLst>
+      <p:par>
+        <p:cTn id="1" dur="indefinite" restart="never" nodeType="tmRoot"/>
+      </p:par>
+    </p:tnLst>
+  </p:timing>
 </p:sld>
 </file>
 
@@ -3692,7 +7656,9 @@
         </p:nvSpPr>
         <p:spPr/>
         <p:txBody>
-          <a:bodyPr/>
+          <a:bodyPr>
+            <a:normAutofit lnSpcReduction="10000"/>
+          </a:bodyPr>
           <a:lstStyle/>
           <a:p>
             <a:r>
@@ -3706,9 +7672,25 @@
               <a:t>The SI unit of electrical charge is the </a:t>
             </a:r>
             <a:r>
+              <a:rPr lang="en-US" i="1" dirty="0" smtClean="0"/>
+              <a:t>coulomb</a:t>
+            </a:r>
+          </a:p>
+          <a:p>
+            <a:pPr lvl="1"/>
+            <a:r>
+              <a:rPr lang="en-US" dirty="0" smtClean="0"/>
+              <a:t>Symbol:</a:t>
+            </a:r>
+            <a:r>
+              <a:rPr lang="en-US" i="1" dirty="0" smtClean="0"/>
+              <a:t> </a:t>
+            </a:r>
+            <a:r>
               <a:rPr lang="en-US" i="1" dirty="0"/>
-              <a:t>coulomb</a:t>
-            </a:r>
+              <a:t>Q</a:t>
+            </a:r>
+            <a:endParaRPr lang="en-US" i="1" dirty="0"/>
           </a:p>
           <a:p>
             <a:r>
@@ -3726,8 +7708,19 @@
             <a:pPr lvl="1"/>
             <a:r>
               <a:rPr lang="en-US" dirty="0"/>
-              <a:t>This is basically what happens when you shuffle your feet on a carpet in dry weather</a:t>
-            </a:r>
+              <a:t>This is basically what happens when you shuffle your feet on a carpet in dry </a:t>
+            </a:r>
+            <a:r>
+              <a:rPr lang="en-US" dirty="0" smtClean="0"/>
+              <a:t>weather</a:t>
+            </a:r>
+          </a:p>
+          <a:p>
+            <a:r>
+              <a:rPr lang="en-US" dirty="0" smtClean="0"/>
+              <a:t>Water analogy: a Coulomb is a gallon of water</a:t>
+            </a:r>
+            <a:endParaRPr lang="en-US" dirty="0"/>
           </a:p>
           <a:p>
             <a:endParaRPr lang="en-US" dirty="0"/>
@@ -3792,8 +7785,8 @@
           </a:p>
         </p:txBody>
       </p:sp>
-      <mc:AlternateContent xmlns:mc="http://schemas.openxmlformats.org/markup-compatibility/2006">
-        <mc:Choice xmlns:a14="http://schemas.microsoft.com/office/drawing/2010/main" Requires="a14">
+      <mc:AlternateContent xmlns:mc="http://schemas.openxmlformats.org/markup-compatibility/2006" xmlns:a14="http://schemas.microsoft.com/office/drawing/2010/main">
+        <mc:Choice Requires="a14">
           <p:sp>
             <p:nvSpPr>
               <p:cNvPr id="3" name="Content Placeholder 2">
@@ -4010,7 +8003,7 @@
                         <m:sSup>
                           <m:sSupPr>
                             <m:ctrlPr>
-                              <a:rPr lang="en-US" b="0" smtClean="0">
+                              <a:rPr lang="en-US" b="0" i="1" smtClean="0">
                                 <a:latin typeface="Cambria Math" panose="02040503050406030204" pitchFamily="18" charset="0"/>
                               </a:rPr>
                             </m:ctrlPr>
@@ -4074,7 +8067,7 @@
             </p:txBody>
           </p:sp>
         </mc:Choice>
-        <mc:Fallback>
+        <mc:Fallback xmlns="">
           <p:sp>
             <p:nvSpPr>
               <p:cNvPr id="3" name="Content Placeholder 2">
@@ -4114,6 +8107,30 @@
           </p:sp>
         </mc:Fallback>
       </mc:AlternateContent>
+      <p:pic>
+        <p:nvPicPr>
+          <p:cNvPr id="4" name="Picture 3"/>
+          <p:cNvPicPr>
+            <a:picLocks noChangeAspect="1"/>
+          </p:cNvPicPr>
+          <p:nvPr/>
+        </p:nvPicPr>
+        <p:blipFill>
+          <a:blip r:embed="rId3"/>
+          <a:stretch>
+            <a:fillRect/>
+          </a:stretch>
+        </p:blipFill>
+        <p:spPr>
+          <a:xfrm>
+            <a:off x="7230946" y="2690985"/>
+            <a:ext cx="4829175" cy="4086225"/>
+          </a:xfrm>
+          <a:prstGeom prst="rect">
+            <a:avLst/>
+          </a:prstGeom>
+        </p:spPr>
+      </p:pic>
     </p:spTree>
     <p:extLst>
       <p:ext uri="{BB962C8B-B14F-4D97-AF65-F5344CB8AC3E}">
@@ -4124,6 +8141,13 @@
   <p:clrMapOvr>
     <a:masterClrMapping/>
   </p:clrMapOvr>
+  <p:timing>
+    <p:tnLst>
+      <p:par>
+        <p:cTn id="1" dur="indefinite" restart="never" nodeType="tmRoot"/>
+      </p:par>
+    </p:tnLst>
+  </p:timing>
 </p:sld>
 </file>
 
@@ -4221,7 +8245,7 @@
           <p:nvPr/>
         </p:nvPicPr>
         <p:blipFill>
-          <a:blip r:embed="rId2">
+          <a:blip r:embed="rId2" cstate="hqprint">
             <a:extLst>
               <a:ext uri="{28A0092B-C50C-407E-A947-70E740481C1C}">
                 <a14:useLocalDpi xmlns:a14="http://schemas.microsoft.com/office/drawing/2010/main" val="0"/>
@@ -4263,6 +8287,13 @@
   <p:clrMapOvr>
     <a:masterClrMapping/>
   </p:clrMapOvr>
+  <p:timing>
+    <p:tnLst>
+      <p:par>
+        <p:cTn id="1" dur="indefinite" restart="never" nodeType="tmRoot"/>
+      </p:par>
+    </p:tnLst>
+  </p:timing>
 </p:sld>
 </file>
 
@@ -4379,7 +8410,15 @@
             </a:r>
             <a:r>
               <a:rPr lang="en-US" i="1" dirty="0"/>
-              <a:t>places that an electron could be, but isn’t</a:t>
+              <a:t>places that an electron </a:t>
+            </a:r>
+            <a:r>
+              <a:rPr lang="en-US" i="1" dirty="0" smtClean="0"/>
+              <a:t>wants to </a:t>
+            </a:r>
+            <a:r>
+              <a:rPr lang="en-US" i="1" dirty="0"/>
+              <a:t>be, but isn’t</a:t>
             </a:r>
           </a:p>
           <a:p>
@@ -4428,6 +8467,13 @@
   <p:clrMapOvr>
     <a:masterClrMapping/>
   </p:clrMapOvr>
+  <p:timing>
+    <p:tnLst>
+      <p:par>
+        <p:cTn id="1" dur="indefinite" restart="never" nodeType="tmRoot"/>
+      </p:par>
+    </p:tnLst>
+  </p:timing>
 </p:sld>
 </file>
 
@@ -4508,9 +8554,14 @@
               <a:t>Measured in </a:t>
             </a:r>
             <a:r>
-              <a:rPr lang="en-US" i="1" dirty="0"/>
-              <a:t>amperes</a:t>
-            </a:r>
+              <a:rPr lang="en-US" i="1" dirty="0" smtClean="0"/>
+              <a:t>amperes </a:t>
+            </a:r>
+            <a:r>
+              <a:rPr lang="en-US" dirty="0" smtClean="0"/>
+              <a:t>(A)</a:t>
+            </a:r>
+            <a:endParaRPr lang="en-US" dirty="0"/>
           </a:p>
           <a:p>
             <a:pPr lvl="1"/>
@@ -4519,16 +8570,38 @@
               <a:t>Usually abbreviated </a:t>
             </a:r>
             <a:r>
-              <a:rPr lang="en-US" i="1" dirty="0"/>
+              <a:rPr lang="en-US" i="1" dirty="0" smtClean="0"/>
               <a:t>amps</a:t>
             </a:r>
+          </a:p>
+          <a:p>
+            <a:pPr lvl="1"/>
+            <a:r>
+              <a:rPr lang="en-US" dirty="0" smtClean="0"/>
+              <a:t>Symbol: </a:t>
+            </a:r>
+            <a:r>
+              <a:rPr lang="en-US" i="1" dirty="0" smtClean="0"/>
+              <a:t>I</a:t>
+            </a:r>
+            <a:endParaRPr lang="en-US" i="1" dirty="0"/>
+          </a:p>
+          <a:p>
+            <a:r>
+              <a:rPr lang="en-US" dirty="0"/>
+              <a:t>1 ampere = 1 coulomb per </a:t>
+            </a:r>
+            <a:r>
+              <a:rPr lang="en-US" dirty="0" smtClean="0"/>
+              <a:t>second</a:t>
+            </a:r>
+          </a:p>
+          <a:p>
+            <a:r>
+              <a:rPr lang="en-US" dirty="0" smtClean="0"/>
+              <a:t>Water analogy: fluid flow rate; gallons/second</a:t>
+            </a:r>
             <a:endParaRPr lang="en-US" dirty="0"/>
-          </a:p>
-          <a:p>
-            <a:r>
-              <a:rPr lang="en-US" dirty="0"/>
-              <a:t>1 ampere = 1 coulomb per second</a:t>
-            </a:r>
           </a:p>
         </p:txBody>
       </p:sp>
@@ -4542,6 +8615,239 @@
   <p:clrMapOvr>
     <a:masterClrMapping/>
   </p:clrMapOvr>
+  <p:timing>
+    <p:tnLst>
+      <p:par>
+        <p:cTn id="1" dur="indefinite" restart="never" nodeType="tmRoot"/>
+      </p:par>
+    </p:tnLst>
+  </p:timing>
+</p:sld>
+</file>
+
+<file path=ppt/slides/slide9.xml><?xml version="1.0" encoding="utf-8"?>
+<p:sld xmlns:a="http://schemas.openxmlformats.org/drawingml/2006/main" xmlns:r="http://schemas.openxmlformats.org/officeDocument/2006/relationships" xmlns:p="http://schemas.openxmlformats.org/presentationml/2006/main">
+  <p:cSld>
+    <p:spTree>
+      <p:nvGrpSpPr>
+        <p:cNvPr id="1" name=""/>
+        <p:cNvGrpSpPr/>
+        <p:nvPr/>
+      </p:nvGrpSpPr>
+      <p:grpSpPr>
+        <a:xfrm>
+          <a:off x="0" y="0"/>
+          <a:ext cx="0" cy="0"/>
+          <a:chOff x="0" y="0"/>
+          <a:chExt cx="0" cy="0"/>
+        </a:xfrm>
+      </p:grpSpPr>
+      <p:sp>
+        <p:nvSpPr>
+          <p:cNvPr id="2" name="Title 1"/>
+          <p:cNvSpPr>
+            <a:spLocks noGrp="1"/>
+          </p:cNvSpPr>
+          <p:nvPr>
+            <p:ph type="title"/>
+          </p:nvPr>
+        </p:nvSpPr>
+        <p:spPr/>
+        <p:txBody>
+          <a:bodyPr/>
+          <a:lstStyle/>
+          <a:p>
+            <a:r>
+              <a:rPr lang="en-US" dirty="0" smtClean="0"/>
+              <a:t>Current</a:t>
+            </a:r>
+            <a:endParaRPr lang="en-US" dirty="0"/>
+          </a:p>
+        </p:txBody>
+      </p:sp>
+      <p:sp>
+        <p:nvSpPr>
+          <p:cNvPr id="3" name="Content Placeholder 2"/>
+          <p:cNvSpPr>
+            <a:spLocks noGrp="1"/>
+          </p:cNvSpPr>
+          <p:nvPr>
+            <p:ph idx="1"/>
+          </p:nvPr>
+        </p:nvSpPr>
+        <p:spPr/>
+        <p:txBody>
+          <a:bodyPr/>
+          <a:lstStyle/>
+          <a:p>
+            <a:r>
+              <a:rPr lang="en-US" dirty="0" smtClean="0"/>
+              <a:t>Schematics often use </a:t>
+            </a:r>
+            <a:r>
+              <a:rPr lang="en-US" i="1" dirty="0" smtClean="0"/>
+              <a:t>constant-current sources</a:t>
+            </a:r>
+            <a:endParaRPr lang="en-US" dirty="0" smtClean="0"/>
+          </a:p>
+          <a:p>
+            <a:endParaRPr lang="en-US" dirty="0" smtClean="0"/>
+          </a:p>
+          <a:p>
+            <a:endParaRPr lang="en-US" dirty="0"/>
+          </a:p>
+          <a:p>
+            <a:endParaRPr lang="en-US" dirty="0" smtClean="0"/>
+          </a:p>
+          <a:p>
+            <a:r>
+              <a:rPr lang="en-US" dirty="0" smtClean="0"/>
+              <a:t>They force a constant amount of current to flow</a:t>
+            </a:r>
+          </a:p>
+        </p:txBody>
+      </p:sp>
+      <p:pic>
+        <p:nvPicPr>
+          <p:cNvPr id="4" name="Picture 3"/>
+          <p:cNvPicPr>
+            <a:picLocks noChangeAspect="1"/>
+          </p:cNvPicPr>
+          <p:nvPr/>
+        </p:nvPicPr>
+        <p:blipFill>
+          <a:blip r:embed="rId2"/>
+          <a:stretch>
+            <a:fillRect/>
+          </a:stretch>
+        </p:blipFill>
+        <p:spPr>
+          <a:xfrm>
+            <a:off x="3699799" y="2568132"/>
+            <a:ext cx="631399" cy="621215"/>
+          </a:xfrm>
+          <a:prstGeom prst="rect">
+            <a:avLst/>
+          </a:prstGeom>
+        </p:spPr>
+      </p:pic>
+      <p:cxnSp>
+        <p:nvCxnSpPr>
+          <p:cNvPr id="5" name="Straight Connector 4"/>
+          <p:cNvCxnSpPr/>
+          <p:nvPr/>
+        </p:nvCxnSpPr>
+        <p:spPr>
+          <a:xfrm>
+            <a:off x="4015498" y="2298333"/>
+            <a:ext cx="0" cy="269799"/>
+          </a:xfrm>
+          <a:prstGeom prst="line">
+            <a:avLst/>
+          </a:prstGeom>
+          <a:ln w="38100">
+            <a:solidFill>
+              <a:schemeClr val="tx1"/>
+            </a:solidFill>
+          </a:ln>
+        </p:spPr>
+        <p:style>
+          <a:lnRef idx="1">
+            <a:schemeClr val="accent1"/>
+          </a:lnRef>
+          <a:fillRef idx="0">
+            <a:schemeClr val="accent1"/>
+          </a:fillRef>
+          <a:effectRef idx="0">
+            <a:schemeClr val="accent1"/>
+          </a:effectRef>
+          <a:fontRef idx="minor">
+            <a:schemeClr val="tx1"/>
+          </a:fontRef>
+        </p:style>
+      </p:cxnSp>
+      <p:cxnSp>
+        <p:nvCxnSpPr>
+          <p:cNvPr id="6" name="Straight Connector 5"/>
+          <p:cNvCxnSpPr/>
+          <p:nvPr/>
+        </p:nvCxnSpPr>
+        <p:spPr>
+          <a:xfrm>
+            <a:off x="4015498" y="3161066"/>
+            <a:ext cx="0" cy="269799"/>
+          </a:xfrm>
+          <a:prstGeom prst="line">
+            <a:avLst/>
+          </a:prstGeom>
+          <a:ln w="38100">
+            <a:solidFill>
+              <a:schemeClr val="tx1"/>
+            </a:solidFill>
+          </a:ln>
+        </p:spPr>
+        <p:style>
+          <a:lnRef idx="1">
+            <a:schemeClr val="accent1"/>
+          </a:lnRef>
+          <a:fillRef idx="0">
+            <a:schemeClr val="accent1"/>
+          </a:fillRef>
+          <a:effectRef idx="0">
+            <a:schemeClr val="accent1"/>
+          </a:effectRef>
+          <a:fontRef idx="minor">
+            <a:schemeClr val="tx1"/>
+          </a:fontRef>
+        </p:style>
+      </p:cxnSp>
+      <p:sp>
+        <p:nvSpPr>
+          <p:cNvPr id="7" name="TextBox 6"/>
+          <p:cNvSpPr txBox="1"/>
+          <p:nvPr/>
+        </p:nvSpPr>
+        <p:spPr>
+          <a:xfrm>
+            <a:off x="4331198" y="2694073"/>
+            <a:ext cx="487634" cy="369332"/>
+          </a:xfrm>
+          <a:prstGeom prst="rect">
+            <a:avLst/>
+          </a:prstGeom>
+          <a:noFill/>
+        </p:spPr>
+        <p:txBody>
+          <a:bodyPr wrap="none" rtlCol="0">
+            <a:spAutoFit/>
+          </a:bodyPr>
+          <a:lstStyle/>
+          <a:p>
+            <a:r>
+              <a:rPr lang="en-US" dirty="0" smtClean="0"/>
+              <a:t>1 A</a:t>
+            </a:r>
+            <a:endParaRPr lang="en-US" dirty="0"/>
+          </a:p>
+        </p:txBody>
+      </p:sp>
+    </p:spTree>
+    <p:extLst>
+      <p:ext uri="{BB962C8B-B14F-4D97-AF65-F5344CB8AC3E}">
+        <p14:creationId xmlns:p14="http://schemas.microsoft.com/office/powerpoint/2010/main" val="829445787"/>
+      </p:ext>
+    </p:extLst>
+  </p:cSld>
+  <p:clrMapOvr>
+    <a:masterClrMapping/>
+  </p:clrMapOvr>
+  <p:timing>
+    <p:tnLst>
+      <p:par>
+        <p:cTn id="1" dur="indefinite" restart="never" nodeType="tmRoot"/>
+      </p:par>
+    </p:tnLst>
+  </p:timing>
 </p:sld>
 </file>
 
@@ -4838,4 +9144,265 @@
     </a:ext>
   </a:extLst>
 </a:theme>
+</file>
+
+<file path=ppt/theme/theme2.xml><?xml version="1.0" encoding="utf-8"?>
+<a:theme xmlns:a="http://schemas.openxmlformats.org/drawingml/2006/main" name="Office Theme">
+  <a:themeElements>
+    <a:clrScheme name="Office">
+      <a:dk1>
+        <a:sysClr val="windowText" lastClr="000000"/>
+      </a:dk1>
+      <a:lt1>
+        <a:sysClr val="window" lastClr="FFFFFF"/>
+      </a:lt1>
+      <a:dk2>
+        <a:srgbClr val="44546A"/>
+      </a:dk2>
+      <a:lt2>
+        <a:srgbClr val="E7E6E6"/>
+      </a:lt2>
+      <a:accent1>
+        <a:srgbClr val="5B9BD5"/>
+      </a:accent1>
+      <a:accent2>
+        <a:srgbClr val="ED7D31"/>
+      </a:accent2>
+      <a:accent3>
+        <a:srgbClr val="A5A5A5"/>
+      </a:accent3>
+      <a:accent4>
+        <a:srgbClr val="FFC000"/>
+      </a:accent4>
+      <a:accent5>
+        <a:srgbClr val="4472C4"/>
+      </a:accent5>
+      <a:accent6>
+        <a:srgbClr val="70AD47"/>
+      </a:accent6>
+      <a:hlink>
+        <a:srgbClr val="0563C1"/>
+      </a:hlink>
+      <a:folHlink>
+        <a:srgbClr val="954F72"/>
+      </a:folHlink>
+    </a:clrScheme>
+    <a:fontScheme name="Office">
+      <a:majorFont>
+        <a:latin typeface="Calibri Light" panose="020F0302020204030204"/>
+        <a:ea typeface=""/>
+        <a:cs typeface=""/>
+        <a:font script="Jpan" typeface="游ゴシック Light"/>
+        <a:font script="Hang" typeface="맑은 고딕"/>
+        <a:font script="Hans" typeface="等线 Light"/>
+        <a:font script="Hant" typeface="新細明體"/>
+        <a:font script="Arab" typeface="Times New Roman"/>
+        <a:font script="Hebr" typeface="Times New Roman"/>
+        <a:font script="Thai" typeface="Angsana New"/>
+        <a:font script="Ethi" typeface="Nyala"/>
+        <a:font script="Beng" typeface="Vrinda"/>
+        <a:font script="Gujr" typeface="Shruti"/>
+        <a:font script="Khmr" typeface="MoolBoran"/>
+        <a:font script="Knda" typeface="Tunga"/>
+        <a:font script="Guru" typeface="Raavi"/>
+        <a:font script="Cans" typeface="Euphemia"/>
+        <a:font script="Cher" typeface="Plantagenet Cherokee"/>
+        <a:font script="Yiii" typeface="Microsoft Yi Baiti"/>
+        <a:font script="Tibt" typeface="Microsoft Himalaya"/>
+        <a:font script="Thaa" typeface="MV Boli"/>
+        <a:font script="Deva" typeface="Mangal"/>
+        <a:font script="Telu" typeface="Gautami"/>
+        <a:font script="Taml" typeface="Latha"/>
+        <a:font script="Syrc" typeface="Estrangelo Edessa"/>
+        <a:font script="Orya" typeface="Kalinga"/>
+        <a:font script="Mlym" typeface="Kartika"/>
+        <a:font script="Laoo" typeface="DokChampa"/>
+        <a:font script="Sinh" typeface="Iskoola Pota"/>
+        <a:font script="Mong" typeface="Mongolian Baiti"/>
+        <a:font script="Viet" typeface="Times New Roman"/>
+        <a:font script="Uigh" typeface="Microsoft Uighur"/>
+        <a:font script="Geor" typeface="Sylfaen"/>
+      </a:majorFont>
+      <a:minorFont>
+        <a:latin typeface="Calibri" panose="020F0502020204030204"/>
+        <a:ea typeface=""/>
+        <a:cs typeface=""/>
+        <a:font script="Jpan" typeface="游ゴシック"/>
+        <a:font script="Hang" typeface="맑은 고딕"/>
+        <a:font script="Hans" typeface="等线"/>
+        <a:font script="Hant" typeface="新細明體"/>
+        <a:font script="Arab" typeface="Arial"/>
+        <a:font script="Hebr" typeface="Arial"/>
+        <a:font script="Thai" typeface="Cordia New"/>
+        <a:font script="Ethi" typeface="Nyala"/>
+        <a:font script="Beng" typeface="Vrinda"/>
+        <a:font script="Gujr" typeface="Shruti"/>
+        <a:font script="Khmr" typeface="DaunPenh"/>
+        <a:font script="Knda" typeface="Tunga"/>
+        <a:font script="Guru" typeface="Raavi"/>
+        <a:font script="Cans" typeface="Euphemia"/>
+        <a:font script="Cher" typeface="Plantagenet Cherokee"/>
+        <a:font script="Yiii" typeface="Microsoft Yi Baiti"/>
+        <a:font script="Tibt" typeface="Microsoft Himalaya"/>
+        <a:font script="Thaa" typeface="MV Boli"/>
+        <a:font script="Deva" typeface="Mangal"/>
+        <a:font script="Telu" typeface="Gautami"/>
+        <a:font script="Taml" typeface="Latha"/>
+        <a:font script="Syrc" typeface="Estrangelo Edessa"/>
+        <a:font script="Orya" typeface="Kalinga"/>
+        <a:font script="Mlym" typeface="Kartika"/>
+        <a:font script="Laoo" typeface="DokChampa"/>
+        <a:font script="Sinh" typeface="Iskoola Pota"/>
+        <a:font script="Mong" typeface="Mongolian Baiti"/>
+        <a:font script="Viet" typeface="Arial"/>
+        <a:font script="Uigh" typeface="Microsoft Uighur"/>
+        <a:font script="Geor" typeface="Sylfaen"/>
+      </a:minorFont>
+    </a:fontScheme>
+    <a:fmtScheme name="Office">
+      <a:fillStyleLst>
+        <a:solidFill>
+          <a:schemeClr val="phClr"/>
+        </a:solidFill>
+        <a:gradFill rotWithShape="1">
+          <a:gsLst>
+            <a:gs pos="0">
+              <a:schemeClr val="phClr">
+                <a:lumMod val="110000"/>
+                <a:satMod val="105000"/>
+                <a:tint val="67000"/>
+              </a:schemeClr>
+            </a:gs>
+            <a:gs pos="50000">
+              <a:schemeClr val="phClr">
+                <a:lumMod val="105000"/>
+                <a:satMod val="103000"/>
+                <a:tint val="73000"/>
+              </a:schemeClr>
+            </a:gs>
+            <a:gs pos="100000">
+              <a:schemeClr val="phClr">
+                <a:lumMod val="105000"/>
+                <a:satMod val="109000"/>
+                <a:tint val="81000"/>
+              </a:schemeClr>
+            </a:gs>
+          </a:gsLst>
+          <a:lin ang="5400000" scaled="0"/>
+        </a:gradFill>
+        <a:gradFill rotWithShape="1">
+          <a:gsLst>
+            <a:gs pos="0">
+              <a:schemeClr val="phClr">
+                <a:satMod val="103000"/>
+                <a:lumMod val="102000"/>
+                <a:tint val="94000"/>
+              </a:schemeClr>
+            </a:gs>
+            <a:gs pos="50000">
+              <a:schemeClr val="phClr">
+                <a:satMod val="110000"/>
+                <a:lumMod val="100000"/>
+                <a:shade val="100000"/>
+              </a:schemeClr>
+            </a:gs>
+            <a:gs pos="100000">
+              <a:schemeClr val="phClr">
+                <a:lumMod val="99000"/>
+                <a:satMod val="120000"/>
+                <a:shade val="78000"/>
+              </a:schemeClr>
+            </a:gs>
+          </a:gsLst>
+          <a:lin ang="5400000" scaled="0"/>
+        </a:gradFill>
+      </a:fillStyleLst>
+      <a:lnStyleLst>
+        <a:ln w="6350" cap="flat" cmpd="sng" algn="ctr">
+          <a:solidFill>
+            <a:schemeClr val="phClr"/>
+          </a:solidFill>
+          <a:prstDash val="solid"/>
+          <a:miter lim="800000"/>
+        </a:ln>
+        <a:ln w="12700" cap="flat" cmpd="sng" algn="ctr">
+          <a:solidFill>
+            <a:schemeClr val="phClr"/>
+          </a:solidFill>
+          <a:prstDash val="solid"/>
+          <a:miter lim="800000"/>
+        </a:ln>
+        <a:ln w="19050" cap="flat" cmpd="sng" algn="ctr">
+          <a:solidFill>
+            <a:schemeClr val="phClr"/>
+          </a:solidFill>
+          <a:prstDash val="solid"/>
+          <a:miter lim="800000"/>
+        </a:ln>
+      </a:lnStyleLst>
+      <a:effectStyleLst>
+        <a:effectStyle>
+          <a:effectLst/>
+        </a:effectStyle>
+        <a:effectStyle>
+          <a:effectLst/>
+        </a:effectStyle>
+        <a:effectStyle>
+          <a:effectLst>
+            <a:outerShdw blurRad="57150" dist="19050" dir="5400000" algn="ctr" rotWithShape="0">
+              <a:srgbClr val="000000">
+                <a:alpha val="63000"/>
+              </a:srgbClr>
+            </a:outerShdw>
+          </a:effectLst>
+        </a:effectStyle>
+      </a:effectStyleLst>
+      <a:bgFillStyleLst>
+        <a:solidFill>
+          <a:schemeClr val="phClr"/>
+        </a:solidFill>
+        <a:solidFill>
+          <a:schemeClr val="phClr">
+            <a:tint val="95000"/>
+            <a:satMod val="170000"/>
+          </a:schemeClr>
+        </a:solidFill>
+        <a:gradFill rotWithShape="1">
+          <a:gsLst>
+            <a:gs pos="0">
+              <a:schemeClr val="phClr">
+                <a:tint val="93000"/>
+                <a:satMod val="150000"/>
+                <a:shade val="98000"/>
+                <a:lumMod val="102000"/>
+              </a:schemeClr>
+            </a:gs>
+            <a:gs pos="50000">
+              <a:schemeClr val="phClr">
+                <a:tint val="98000"/>
+                <a:satMod val="130000"/>
+                <a:shade val="90000"/>
+                <a:lumMod val="103000"/>
+              </a:schemeClr>
+            </a:gs>
+            <a:gs pos="100000">
+              <a:schemeClr val="phClr">
+                <a:shade val="63000"/>
+                <a:satMod val="120000"/>
+              </a:schemeClr>
+            </a:gs>
+          </a:gsLst>
+          <a:lin ang="5400000" scaled="0"/>
+        </a:gradFill>
+      </a:bgFillStyleLst>
+    </a:fmtScheme>
+  </a:themeElements>
+  <a:objectDefaults/>
+  <a:extraClrSchemeLst/>
+  <a:extLst>
+    <a:ext uri="{05A4C25C-085E-4340-85A3-A5531E510DB2}">
+      <thm15:themeFamily xmlns:thm15="http://schemas.microsoft.com/office/thememl/2012/main" name="Office Theme" id="{62F939B6-93AF-4DB8-9C6B-D6C7DFDC589F}" vid="{4A3C46E8-61CC-4603-A589-7422A47A8E4A}"/>
+    </a:ext>
+  </a:extLst>
+</a:theme>
 </file>
--- a/Electronics 101.pptx
+++ b/Electronics 101.pptx
@@ -215,7 +215,7 @@
           <a:p>
             <a:fld id="{60E188FA-EECA-4DFD-91D1-D4BBF2A86176}" type="datetimeFigureOut">
               <a:rPr lang="en-US" smtClean="0"/>
-              <a:t>7/13/2018</a:t>
+              <a:t>7/29/2018</a:t>
             </a:fld>
             <a:endParaRPr lang="en-US"/>
           </a:p>
@@ -279,38 +279,37 @@
           <a:p>
             <a:pPr lvl="0"/>
             <a:r>
-              <a:rPr lang="en-US" smtClean="0"/>
+              <a:rPr lang="en-US"/>
               <a:t>Edit Master text styles</a:t>
             </a:r>
           </a:p>
           <a:p>
             <a:pPr lvl="1"/>
             <a:r>
-              <a:rPr lang="en-US" smtClean="0"/>
+              <a:rPr lang="en-US"/>
               <a:t>Second level</a:t>
             </a:r>
           </a:p>
           <a:p>
             <a:pPr lvl="2"/>
             <a:r>
-              <a:rPr lang="en-US" smtClean="0"/>
+              <a:rPr lang="en-US"/>
               <a:t>Third level</a:t>
             </a:r>
           </a:p>
           <a:p>
             <a:pPr lvl="3"/>
             <a:r>
-              <a:rPr lang="en-US" smtClean="0"/>
+              <a:rPr lang="en-US"/>
               <a:t>Fourth level</a:t>
             </a:r>
           </a:p>
           <a:p>
             <a:pPr lvl="4"/>
             <a:r>
-              <a:rPr lang="en-US" smtClean="0"/>
+              <a:rPr lang="en-US"/>
               <a:t>Fifth level</a:t>
             </a:r>
-            <a:endParaRPr lang="en-US"/>
           </a:p>
         </p:txBody>
       </p:sp>
@@ -630,7 +629,7 @@
           <a:p>
             <a:fld id="{23A0FAE5-E8A8-4C94-B105-9978F51B0953}" type="datetimeFigureOut">
               <a:rPr lang="en-US" smtClean="0"/>
-              <a:t>7/13/2018</a:t>
+              <a:t>7/29/2018</a:t>
             </a:fld>
             <a:endParaRPr lang="en-US"/>
           </a:p>
@@ -828,7 +827,7 @@
           <a:p>
             <a:fld id="{23A0FAE5-E8A8-4C94-B105-9978F51B0953}" type="datetimeFigureOut">
               <a:rPr lang="en-US" smtClean="0"/>
-              <a:t>7/13/2018</a:t>
+              <a:t>7/29/2018</a:t>
             </a:fld>
             <a:endParaRPr lang="en-US"/>
           </a:p>
@@ -1036,7 +1035,7 @@
           <a:p>
             <a:fld id="{23A0FAE5-E8A8-4C94-B105-9978F51B0953}" type="datetimeFigureOut">
               <a:rPr lang="en-US" smtClean="0"/>
-              <a:t>7/13/2018</a:t>
+              <a:t>7/29/2018</a:t>
             </a:fld>
             <a:endParaRPr lang="en-US"/>
           </a:p>
@@ -1234,7 +1233,7 @@
           <a:p>
             <a:fld id="{23A0FAE5-E8A8-4C94-B105-9978F51B0953}" type="datetimeFigureOut">
               <a:rPr lang="en-US" smtClean="0"/>
-              <a:t>7/13/2018</a:t>
+              <a:t>7/29/2018</a:t>
             </a:fld>
             <a:endParaRPr lang="en-US"/>
           </a:p>
@@ -1509,7 +1508,7 @@
           <a:p>
             <a:fld id="{23A0FAE5-E8A8-4C94-B105-9978F51B0953}" type="datetimeFigureOut">
               <a:rPr lang="en-US" smtClean="0"/>
-              <a:t>7/13/2018</a:t>
+              <a:t>7/29/2018</a:t>
             </a:fld>
             <a:endParaRPr lang="en-US"/>
           </a:p>
@@ -1774,7 +1773,7 @@
           <a:p>
             <a:fld id="{23A0FAE5-E8A8-4C94-B105-9978F51B0953}" type="datetimeFigureOut">
               <a:rPr lang="en-US" smtClean="0"/>
-              <a:t>7/13/2018</a:t>
+              <a:t>7/29/2018</a:t>
             </a:fld>
             <a:endParaRPr lang="en-US"/>
           </a:p>
@@ -2186,7 +2185,7 @@
           <a:p>
             <a:fld id="{23A0FAE5-E8A8-4C94-B105-9978F51B0953}" type="datetimeFigureOut">
               <a:rPr lang="en-US" smtClean="0"/>
-              <a:t>7/13/2018</a:t>
+              <a:t>7/29/2018</a:t>
             </a:fld>
             <a:endParaRPr lang="en-US"/>
           </a:p>
@@ -2327,7 +2326,7 @@
           <a:p>
             <a:fld id="{23A0FAE5-E8A8-4C94-B105-9978F51B0953}" type="datetimeFigureOut">
               <a:rPr lang="en-US" smtClean="0"/>
-              <a:t>7/13/2018</a:t>
+              <a:t>7/29/2018</a:t>
             </a:fld>
             <a:endParaRPr lang="en-US"/>
           </a:p>
@@ -2440,7 +2439,7 @@
           <a:p>
             <a:fld id="{23A0FAE5-E8A8-4C94-B105-9978F51B0953}" type="datetimeFigureOut">
               <a:rPr lang="en-US" smtClean="0"/>
-              <a:t>7/13/2018</a:t>
+              <a:t>7/29/2018</a:t>
             </a:fld>
             <a:endParaRPr lang="en-US"/>
           </a:p>
@@ -2751,7 +2750,7 @@
           <a:p>
             <a:fld id="{23A0FAE5-E8A8-4C94-B105-9978F51B0953}" type="datetimeFigureOut">
               <a:rPr lang="en-US" smtClean="0"/>
-              <a:t>7/13/2018</a:t>
+              <a:t>7/29/2018</a:t>
             </a:fld>
             <a:endParaRPr lang="en-US"/>
           </a:p>
@@ -3039,7 +3038,7 @@
           <a:p>
             <a:fld id="{23A0FAE5-E8A8-4C94-B105-9978F51B0953}" type="datetimeFigureOut">
               <a:rPr lang="en-US" smtClean="0"/>
-              <a:t>7/13/2018</a:t>
+              <a:t>7/29/2018</a:t>
             </a:fld>
             <a:endParaRPr lang="en-US"/>
           </a:p>
@@ -3280,7 +3279,7 @@
           <a:p>
             <a:fld id="{23A0FAE5-E8A8-4C94-B105-9978F51B0953}" type="datetimeFigureOut">
               <a:rPr lang="en-US" smtClean="0"/>
-              <a:t>7/13/2018</a:t>
+              <a:t>7/29/2018</a:t>
             </a:fld>
             <a:endParaRPr lang="en-US"/>
           </a:p>
@@ -3760,13 +3759,6 @@
   <p:clrMapOvr>
     <a:masterClrMapping/>
   </p:clrMapOvr>
-  <p:timing>
-    <p:tnLst>
-      <p:par>
-        <p:cTn id="1" dur="indefinite" restart="never" nodeType="tmRoot"/>
-      </p:par>
-    </p:tnLst>
-  </p:timing>
 </p:sld>
 </file>
 
@@ -3803,10 +3795,9 @@
           <a:lstStyle/>
           <a:p>
             <a:r>
-              <a:rPr lang="en-US" dirty="0" smtClean="0"/>
+              <a:rPr lang="en-US" dirty="0"/>
               <a:t>Voltage</a:t>
             </a:r>
-            <a:endParaRPr lang="en-US" dirty="0"/>
           </a:p>
         </p:txBody>
       </p:sp>
@@ -3833,79 +3824,79 @@
           <a:lstStyle/>
           <a:p>
             <a:r>
-              <a:rPr lang="en-US" dirty="0" smtClean="0"/>
+              <a:rPr lang="en-US" dirty="0"/>
               <a:t>How difficult it is to move some electrical charge from one point to another</a:t>
             </a:r>
           </a:p>
           <a:p>
             <a:r>
-              <a:rPr lang="en-US" dirty="0" smtClean="0"/>
+              <a:rPr lang="en-US" dirty="0"/>
               <a:t>Measured in Volts</a:t>
             </a:r>
           </a:p>
           <a:p>
             <a:pPr lvl="1"/>
             <a:r>
-              <a:rPr lang="en-US" dirty="0" smtClean="0"/>
+              <a:rPr lang="en-US" dirty="0"/>
               <a:t>Symbol: </a:t>
             </a:r>
             <a:r>
-              <a:rPr lang="en-US" i="1" dirty="0" smtClean="0"/>
+              <a:rPr lang="en-US" i="1" dirty="0"/>
               <a:t>V</a:t>
             </a:r>
-            <a:endParaRPr lang="en-US" dirty="0" smtClean="0"/>
-          </a:p>
-          <a:p>
-            <a:r>
-              <a:rPr lang="en-US" dirty="0" smtClean="0"/>
+            <a:endParaRPr lang="en-US" dirty="0"/>
+          </a:p>
+          <a:p>
+            <a:r>
+              <a:rPr lang="en-US" dirty="0"/>
               <a:t>Always a </a:t>
             </a:r>
             <a:r>
-              <a:rPr lang="en-US" b="1" dirty="0" smtClean="0"/>
+              <a:rPr lang="en-US" b="1" dirty="0"/>
               <a:t>relative term</a:t>
             </a:r>
-            <a:endParaRPr lang="en-US" dirty="0" smtClean="0"/>
+            <a:endParaRPr lang="en-US" dirty="0"/>
           </a:p>
           <a:p>
             <a:pPr lvl="1"/>
             <a:r>
-              <a:rPr lang="en-US" dirty="0" smtClean="0"/>
+              <a:rPr lang="en-US" dirty="0"/>
               <a:t>I.e., voltage is between two points</a:t>
             </a:r>
           </a:p>
           <a:p>
             <a:pPr lvl="1"/>
             <a:r>
-              <a:rPr lang="en-US" dirty="0" smtClean="0"/>
+              <a:rPr lang="en-US" dirty="0"/>
               <a:t>If not otherwise specified, voltage is assumed to be relative to the Earth (in electrical engineering) or an infinite distance away from a point charge (physics)</a:t>
             </a:r>
           </a:p>
           <a:p>
             <a:pPr lvl="1"/>
             <a:r>
-              <a:rPr lang="en-US" dirty="0" smtClean="0"/>
+              <a:rPr lang="en-US" dirty="0"/>
               <a:t>Generally speaking, you can choose your reference (ground) to be anything you like, and the math will work out the same</a:t>
             </a:r>
           </a:p>
           <a:p>
             <a:pPr lvl="1"/>
-            <a:endParaRPr lang="en-US" dirty="0" smtClean="0"/>
+            <a:endParaRPr lang="en-US" dirty="0"/>
           </a:p>
           <a:p>
             <a:pPr lvl="1"/>
             <a:r>
-              <a:rPr lang="en-US" dirty="0" smtClean="0"/>
+              <a:rPr lang="en-US" dirty="0"/>
               <a:t>Ground or “Earth ground”:</a:t>
             </a:r>
           </a:p>
           <a:p>
             <a:pPr lvl="1"/>
-            <a:endParaRPr lang="en-US" dirty="0" smtClean="0"/>
+            <a:endParaRPr lang="en-US" dirty="0"/>
           </a:p>
           <a:p>
             <a:pPr lvl="1"/>
             <a:r>
-              <a:rPr lang="en-US" dirty="0" smtClean="0"/>
+              <a:rPr lang="en-US" dirty="0"/>
               <a:t>“Chassis ground”:</a:t>
             </a:r>
           </a:p>
@@ -3972,13 +3963,6 @@
   <p:clrMapOvr>
     <a:masterClrMapping/>
   </p:clrMapOvr>
-  <p:timing>
-    <p:tnLst>
-      <p:par>
-        <p:cTn id="1" dur="indefinite" restart="never" nodeType="tmRoot"/>
-      </p:par>
-    </p:tnLst>
-  </p:timing>
 </p:sld>
 </file>
 
@@ -4015,88 +3999,86 @@
           <a:lstStyle/>
           <a:p>
             <a:r>
-              <a:rPr lang="en-US" dirty="0" smtClean="0"/>
+              <a:rPr lang="en-US" dirty="0"/>
               <a:t>Voltage</a:t>
             </a:r>
+          </a:p>
+        </p:txBody>
+      </p:sp>
+      <p:sp>
+        <p:nvSpPr>
+          <p:cNvPr id="3" name="Content Placeholder 2"/>
+          <p:cNvSpPr>
+            <a:spLocks noGrp="1"/>
+          </p:cNvSpPr>
+          <p:nvPr>
+            <p:ph idx="1"/>
+          </p:nvPr>
+        </p:nvSpPr>
+        <p:spPr/>
+        <p:txBody>
+          <a:bodyPr/>
+          <a:lstStyle/>
+          <a:p>
+            <a:r>
+              <a:rPr lang="en-US" dirty="0"/>
+              <a:t>This is the symbol for a </a:t>
+            </a:r>
+            <a:r>
+              <a:rPr lang="en-US" i="1" dirty="0"/>
+              <a:t>cell:</a:t>
+            </a:r>
+          </a:p>
+          <a:p>
+            <a:pPr lvl="1"/>
+            <a:r>
+              <a:rPr lang="en-US" dirty="0"/>
+              <a:t>Cells generate a constant voltage across their poles</a:t>
+            </a:r>
+          </a:p>
+          <a:p>
+            <a:r>
+              <a:rPr lang="en-US" dirty="0"/>
+              <a:t>This is the symbol for a </a:t>
+            </a:r>
+            <a:r>
+              <a:rPr lang="en-US" i="1" dirty="0"/>
+              <a:t>battery</a:t>
+            </a:r>
+            <a:r>
+              <a:rPr lang="en-US" dirty="0"/>
+              <a:t>:</a:t>
+            </a:r>
+          </a:p>
+          <a:p>
+            <a:pPr lvl="1"/>
+            <a:r>
+              <a:rPr lang="en-US" dirty="0"/>
+              <a:t>Batteries are made up of several cells</a:t>
+            </a:r>
+          </a:p>
+          <a:p>
+            <a:r>
+              <a:rPr lang="en-US" dirty="0"/>
+              <a:t>Usually, you just use a battery symbol, with the voltage written next to it:</a:t>
+            </a:r>
+          </a:p>
+          <a:p>
             <a:endParaRPr lang="en-US" dirty="0"/>
           </a:p>
-        </p:txBody>
-      </p:sp>
-      <p:sp>
-        <p:nvSpPr>
-          <p:cNvPr id="3" name="Content Placeholder 2"/>
-          <p:cNvSpPr>
-            <a:spLocks noGrp="1"/>
-          </p:cNvSpPr>
-          <p:nvPr>
-            <p:ph idx="1"/>
-          </p:nvPr>
-        </p:nvSpPr>
-        <p:spPr/>
-        <p:txBody>
-          <a:bodyPr/>
-          <a:lstStyle/>
-          <a:p>
-            <a:r>
-              <a:rPr lang="en-US" dirty="0" smtClean="0"/>
-              <a:t>This is the symbol for a </a:t>
-            </a:r>
-            <a:r>
-              <a:rPr lang="en-US" i="1" dirty="0" smtClean="0"/>
-              <a:t>cell:</a:t>
-            </a:r>
-          </a:p>
-          <a:p>
-            <a:pPr lvl="1"/>
-            <a:r>
-              <a:rPr lang="en-US" dirty="0" smtClean="0"/>
-              <a:t>Cells generate a constant voltage across their poles</a:t>
-            </a:r>
-          </a:p>
-          <a:p>
-            <a:r>
-              <a:rPr lang="en-US" dirty="0" smtClean="0"/>
-              <a:t>This is the symbol for a </a:t>
-            </a:r>
-            <a:r>
-              <a:rPr lang="en-US" i="1" dirty="0" smtClean="0"/>
-              <a:t>battery</a:t>
-            </a:r>
-            <a:r>
-              <a:rPr lang="en-US" dirty="0" smtClean="0"/>
-              <a:t>:</a:t>
-            </a:r>
-          </a:p>
-          <a:p>
-            <a:pPr lvl="1"/>
-            <a:r>
-              <a:rPr lang="en-US" dirty="0" smtClean="0"/>
-              <a:t>Batteries are made up of several cells</a:t>
-            </a:r>
-          </a:p>
-          <a:p>
-            <a:r>
-              <a:rPr lang="en-US" dirty="0" smtClean="0"/>
-              <a:t>Usually, you just use a battery symbol, with the voltage written next to it:</a:t>
-            </a:r>
-          </a:p>
-          <a:p>
-            <a:endParaRPr lang="en-US" dirty="0" smtClean="0"/>
-          </a:p>
-          <a:p>
-            <a:r>
-              <a:rPr lang="en-US" dirty="0" smtClean="0"/>
+          <a:p>
+            <a:r>
+              <a:rPr lang="en-US" dirty="0"/>
               <a:t>Alternatively, a </a:t>
             </a:r>
             <a:r>
-              <a:rPr lang="en-US" i="1" dirty="0" smtClean="0"/>
+              <a:rPr lang="en-US" i="1" dirty="0"/>
               <a:t>constant voltage source </a:t>
             </a:r>
             <a:r>
-              <a:rPr lang="en-US" dirty="0" smtClean="0"/>
+              <a:rPr lang="en-US" dirty="0"/>
               <a:t>symbol may be used:</a:t>
             </a:r>
-            <a:endParaRPr lang="en-US" dirty="0"/>
           </a:p>
         </p:txBody>
       </p:sp>
@@ -4195,10 +4177,9 @@
           <a:lstStyle/>
           <a:p>
             <a:r>
-              <a:rPr lang="en-US" dirty="0" smtClean="0"/>
+              <a:rPr lang="en-US" dirty="0"/>
               <a:t>12 V</a:t>
             </a:r>
-            <a:endParaRPr lang="en-US" dirty="0"/>
           </a:p>
         </p:txBody>
       </p:sp>
@@ -4249,10 +4230,9 @@
           <a:lstStyle/>
           <a:p>
             <a:r>
-              <a:rPr lang="en-US" dirty="0" smtClean="0"/>
+              <a:rPr lang="en-US" dirty="0"/>
               <a:t>12 V</a:t>
             </a:r>
-            <a:endParaRPr lang="en-US" dirty="0"/>
           </a:p>
         </p:txBody>
       </p:sp>
@@ -4325,10 +4305,9 @@
           <a:lstStyle/>
           <a:p>
             <a:r>
-              <a:rPr lang="en-US" dirty="0" smtClean="0"/>
+              <a:rPr lang="en-US" dirty="0"/>
               <a:t>12 V</a:t>
             </a:r>
-            <a:endParaRPr lang="en-US" dirty="0"/>
           </a:p>
         </p:txBody>
       </p:sp>
@@ -4355,7 +4334,7 @@
           <a:lstStyle/>
           <a:p>
             <a:r>
-              <a:rPr lang="en-US" sz="2800" dirty="0" smtClean="0"/>
+              <a:rPr lang="en-US" sz="2800" dirty="0"/>
               <a:t>V</a:t>
             </a:r>
             <a:endParaRPr lang="en-US" dirty="0"/>
@@ -4527,7 +4506,7 @@
           <a:lstStyle/>
           <a:p>
             <a:r>
-              <a:rPr lang="en-US" sz="1400" dirty="0" smtClean="0"/>
+              <a:rPr lang="en-US" sz="1400" dirty="0"/>
               <a:t>+</a:t>
             </a:r>
             <a:endParaRPr lang="en-US" dirty="0"/>
@@ -4574,13 +4553,6 @@
   <p:clrMapOvr>
     <a:masterClrMapping/>
   </p:clrMapOvr>
-  <p:timing>
-    <p:tnLst>
-      <p:par>
-        <p:cTn id="1" dur="indefinite" restart="never" nodeType="tmRoot"/>
-      </p:par>
-    </p:tnLst>
-  </p:timing>
 </p:sld>
 </file>
 
@@ -4617,10 +4589,9 @@
           <a:lstStyle/>
           <a:p>
             <a:r>
-              <a:rPr lang="en-US" dirty="0" smtClean="0"/>
+              <a:rPr lang="en-US" dirty="0"/>
               <a:t>Voltage</a:t>
             </a:r>
-            <a:endParaRPr lang="en-US" dirty="0"/>
           </a:p>
         </p:txBody>
       </p:sp>
@@ -4640,10 +4611,9 @@
           <a:lstStyle/>
           <a:p>
             <a:r>
-              <a:rPr lang="en-US" dirty="0" smtClean="0"/>
+              <a:rPr lang="en-US" dirty="0"/>
               <a:t>These circuits are identical, just with different choices of ground:</a:t>
             </a:r>
-            <a:endParaRPr lang="en-US" dirty="0"/>
           </a:p>
         </p:txBody>
       </p:sp>
@@ -4687,13 +4657,6 @@
   <p:clrMapOvr>
     <a:masterClrMapping/>
   </p:clrMapOvr>
-  <p:timing>
-    <p:tnLst>
-      <p:par>
-        <p:cTn id="1" dur="indefinite" restart="never" nodeType="tmRoot"/>
-      </p:par>
-    </p:tnLst>
-  </p:timing>
 </p:sld>
 </file>
 
@@ -4730,10 +4693,9 @@
           <a:lstStyle/>
           <a:p>
             <a:r>
-              <a:rPr lang="en-US" dirty="0" smtClean="0"/>
+              <a:rPr lang="en-US" dirty="0"/>
               <a:t>Voltage</a:t>
             </a:r>
-            <a:endParaRPr lang="en-US" dirty="0"/>
           </a:p>
         </p:txBody>
       </p:sp>
@@ -4753,53 +4715,52 @@
           <a:lstStyle/>
           <a:p>
             <a:r>
-              <a:rPr lang="en-US" dirty="0" smtClean="0"/>
+              <a:rPr lang="en-US" dirty="0"/>
               <a:t>Water analogy:</a:t>
             </a:r>
           </a:p>
           <a:p>
             <a:pPr lvl="1"/>
             <a:r>
-              <a:rPr lang="en-US" dirty="0" smtClean="0"/>
+              <a:rPr lang="en-US" dirty="0"/>
               <a:t>Pressure</a:t>
             </a:r>
           </a:p>
           <a:p>
             <a:pPr lvl="1"/>
             <a:r>
-              <a:rPr lang="en-US" dirty="0" smtClean="0"/>
+              <a:rPr lang="en-US" dirty="0"/>
               <a:t>Similarly, pressure is usually assumed to be with respect to the atmosphere unless otherwise stated</a:t>
             </a:r>
           </a:p>
           <a:p>
             <a:pPr lvl="1"/>
             <a:r>
-              <a:rPr lang="en-US" dirty="0" smtClean="0"/>
+              <a:rPr lang="en-US" dirty="0"/>
               <a:t>E.g., 10 PSI is pressure above atmosphere; -10 PSI is pressure below atmosphere (i.e. vacuum)</a:t>
             </a:r>
           </a:p>
           <a:p>
             <a:pPr lvl="1"/>
             <a:r>
-              <a:rPr lang="en-US" dirty="0" smtClean="0"/>
+              <a:rPr lang="en-US" dirty="0"/>
               <a:t>Atmosphere is the “ground”</a:t>
             </a:r>
           </a:p>
           <a:p>
             <a:pPr lvl="1"/>
             <a:r>
-              <a:rPr lang="en-US" dirty="0" smtClean="0"/>
+              <a:rPr lang="en-US" dirty="0"/>
               <a:t>However, you can also just measure the pressure </a:t>
             </a:r>
             <a:r>
-              <a:rPr lang="en-US" i="1" dirty="0" smtClean="0"/>
+              <a:rPr lang="en-US" i="1" dirty="0"/>
               <a:t>between</a:t>
             </a:r>
             <a:r>
-              <a:rPr lang="en-US" dirty="0" smtClean="0"/>
+              <a:rPr lang="en-US" dirty="0"/>
               <a:t> two pipes, without caring about the atmosphere</a:t>
             </a:r>
-            <a:endParaRPr lang="en-US" dirty="0"/>
           </a:p>
         </p:txBody>
       </p:sp>
@@ -4813,13 +4774,6 @@
   <p:clrMapOvr>
     <a:masterClrMapping/>
   </p:clrMapOvr>
-  <p:timing>
-    <p:tnLst>
-      <p:par>
-        <p:cTn id="1" dur="indefinite" restart="never" nodeType="tmRoot"/>
-      </p:par>
-    </p:tnLst>
-  </p:timing>
 </p:sld>
 </file>
 
@@ -4856,10 +4810,9 @@
           <a:lstStyle/>
           <a:p>
             <a:r>
-              <a:rPr lang="en-US" dirty="0" smtClean="0"/>
+              <a:rPr lang="en-US" dirty="0"/>
               <a:t>Resistance</a:t>
             </a:r>
-            <a:endParaRPr lang="en-US" dirty="0"/>
           </a:p>
         </p:txBody>
       </p:sp>
@@ -4884,51 +4837,51 @@
           <a:lstStyle/>
           <a:p>
             <a:r>
-              <a:rPr lang="en-US" i="1" dirty="0" smtClean="0"/>
+              <a:rPr lang="en-US" i="1" dirty="0"/>
               <a:t>Resistance</a:t>
             </a:r>
             <a:r>
-              <a:rPr lang="en-US" dirty="0" smtClean="0"/>
+              <a:rPr lang="en-US" dirty="0"/>
               <a:t>, as the name implies, resists or opposes the flow of current</a:t>
             </a:r>
           </a:p>
           <a:p>
             <a:r>
-              <a:rPr lang="en-US" dirty="0" smtClean="0"/>
+              <a:rPr lang="en-US" dirty="0"/>
               <a:t>Imagine a pipe with an </a:t>
             </a:r>
             <a:r>
-              <a:rPr lang="en-US" i="1" dirty="0" smtClean="0"/>
+              <a:rPr lang="en-US" i="1" dirty="0"/>
               <a:t>orifice plate</a:t>
             </a:r>
             <a:r>
-              <a:rPr lang="en-US" dirty="0" smtClean="0"/>
+              <a:rPr lang="en-US" dirty="0"/>
               <a:t> (a plate with a hole in it) in the middle</a:t>
             </a:r>
           </a:p>
           <a:p>
             <a:r>
-              <a:rPr lang="en-US" dirty="0" smtClean="0"/>
+              <a:rPr lang="en-US" dirty="0"/>
               <a:t>The same </a:t>
             </a:r>
             <a:r>
-              <a:rPr lang="en-US" i="1" dirty="0" smtClean="0"/>
+              <a:rPr lang="en-US" i="1" dirty="0"/>
               <a:t>amount </a:t>
             </a:r>
             <a:r>
-              <a:rPr lang="en-US" dirty="0" smtClean="0"/>
+              <a:rPr lang="en-US" dirty="0"/>
               <a:t>of water is flowing on both sides of the plate</a:t>
             </a:r>
           </a:p>
           <a:p>
             <a:r>
-              <a:rPr lang="en-US" dirty="0" smtClean="0"/>
+              <a:rPr lang="en-US" dirty="0"/>
               <a:t>However, the plate causes a pressure drop</a:t>
             </a:r>
           </a:p>
           <a:p>
             <a:r>
-              <a:rPr lang="en-US" dirty="0" smtClean="0"/>
+              <a:rPr lang="en-US" dirty="0"/>
               <a:t>The pressure drop is proportional to the flow rate</a:t>
             </a:r>
           </a:p>
@@ -5230,10 +5183,9 @@
           <a:lstStyle/>
           <a:p>
             <a:r>
-              <a:rPr lang="en-US" dirty="0" smtClean="0"/>
+              <a:rPr lang="en-US" dirty="0"/>
               <a:t>Higher pressure</a:t>
             </a:r>
-            <a:endParaRPr lang="en-US" dirty="0"/>
           </a:p>
         </p:txBody>
       </p:sp>
@@ -5260,10 +5212,9 @@
           <a:lstStyle/>
           <a:p>
             <a:r>
-              <a:rPr lang="en-US" dirty="0" smtClean="0"/>
+              <a:rPr lang="en-US" dirty="0"/>
               <a:t>Lower pressure</a:t>
             </a:r>
-            <a:endParaRPr lang="en-US" dirty="0"/>
           </a:p>
         </p:txBody>
       </p:sp>
@@ -5277,13 +5228,6 @@
   <p:clrMapOvr>
     <a:masterClrMapping/>
   </p:clrMapOvr>
-  <p:timing>
-    <p:tnLst>
-      <p:par>
-        <p:cTn id="1" dur="indefinite" restart="never" nodeType="tmRoot"/>
-      </p:par>
-    </p:tnLst>
-  </p:timing>
 </p:sld>
 </file>
 
@@ -5320,90 +5264,84 @@
           <a:lstStyle/>
           <a:p>
             <a:r>
-              <a:rPr lang="en-US" dirty="0" smtClean="0"/>
+              <a:rPr lang="en-US" dirty="0"/>
               <a:t>Resistance</a:t>
             </a:r>
+          </a:p>
+        </p:txBody>
+      </p:sp>
+      <p:sp>
+        <p:nvSpPr>
+          <p:cNvPr id="3" name="Content Placeholder 2"/>
+          <p:cNvSpPr>
+            <a:spLocks noGrp="1"/>
+          </p:cNvSpPr>
+          <p:nvPr>
+            <p:ph idx="1"/>
+          </p:nvPr>
+        </p:nvSpPr>
+        <p:spPr/>
+        <p:txBody>
+          <a:bodyPr/>
+          <a:lstStyle/>
+          <a:p>
+            <a:r>
+              <a:rPr lang="en-US" i="1" dirty="0"/>
+              <a:t>Resistors</a:t>
+            </a:r>
+            <a:r>
+              <a:rPr lang="en-US" dirty="0"/>
+              <a:t> are discrete components that have a certain amount of resistance</a:t>
+            </a:r>
+          </a:p>
+          <a:p>
+            <a:r>
+              <a:rPr lang="en-US" dirty="0"/>
+              <a:t>They cause a voltage (pressure) drop that is proportional to the current (flow rate)</a:t>
+            </a:r>
+          </a:p>
+          <a:p>
+            <a:r>
+              <a:rPr lang="en-US" dirty="0"/>
+              <a:t>The proportionality constant is the resistance (R)</a:t>
+            </a:r>
+          </a:p>
+          <a:p>
+            <a:pPr lvl="1"/>
+            <a:r>
+              <a:rPr lang="en-US" dirty="0"/>
+              <a:t>E.g., how much voltage drop is generated per amount of current</a:t>
+            </a:r>
+          </a:p>
+          <a:p>
+            <a:pPr lvl="1"/>
+            <a:r>
+              <a:rPr lang="en-US" dirty="0"/>
+              <a:t>Measured in </a:t>
+            </a:r>
+            <a:r>
+              <a:rPr lang="en-US" i="1" dirty="0"/>
+              <a:t>ohms</a:t>
+            </a:r>
+          </a:p>
+          <a:p>
+            <a:pPr lvl="1"/>
+            <a:r>
+              <a:rPr lang="en-US" dirty="0"/>
+              <a:t>Symbol: </a:t>
+            </a:r>
+            <a:r>
+              <a:rPr lang="el-GR" dirty="0"/>
+              <a:t>Ω</a:t>
+            </a:r>
             <a:endParaRPr lang="en-US" dirty="0"/>
           </a:p>
-        </p:txBody>
-      </p:sp>
-      <p:sp>
-        <p:nvSpPr>
-          <p:cNvPr id="3" name="Content Placeholder 2"/>
-          <p:cNvSpPr>
-            <a:spLocks noGrp="1"/>
-          </p:cNvSpPr>
-          <p:nvPr>
-            <p:ph idx="1"/>
-          </p:nvPr>
-        </p:nvSpPr>
-        <p:spPr/>
-        <p:txBody>
-          <a:bodyPr/>
-          <a:lstStyle/>
-          <a:p>
-            <a:r>
-              <a:rPr lang="en-US" i="1" dirty="0" smtClean="0"/>
-              <a:t>Resistors</a:t>
-            </a:r>
-            <a:r>
-              <a:rPr lang="en-US" dirty="0" smtClean="0"/>
-              <a:t> are discrete components that have a certain amount of resistance</a:t>
-            </a:r>
-          </a:p>
-          <a:p>
-            <a:r>
-              <a:rPr lang="en-US" dirty="0" smtClean="0"/>
-              <a:t>They cause a voltage (pressure) drop that is proportional to the current (flow rate)</a:t>
-            </a:r>
-          </a:p>
-          <a:p>
-            <a:r>
-              <a:rPr lang="en-US" dirty="0" smtClean="0"/>
-              <a:t>The proportionality constant is the resistance (R)</a:t>
-            </a:r>
-          </a:p>
           <a:p>
             <a:pPr lvl="1"/>
             <a:r>
-              <a:rPr lang="en-US" dirty="0" smtClean="0"/>
-              <a:t>E.g., how much voltage drop is generated per amount of current</a:t>
-            </a:r>
-          </a:p>
-          <a:p>
-            <a:pPr lvl="1"/>
-            <a:r>
-              <a:rPr lang="en-US" dirty="0" smtClean="0"/>
-              <a:t>Measured in </a:t>
-            </a:r>
-            <a:r>
-              <a:rPr lang="en-US" i="1" dirty="0"/>
-              <a:t>o</a:t>
-            </a:r>
-            <a:r>
-              <a:rPr lang="en-US" i="1" dirty="0" smtClean="0"/>
-              <a:t>hms</a:t>
-            </a:r>
-          </a:p>
-          <a:p>
-            <a:pPr lvl="1"/>
-            <a:r>
-              <a:rPr lang="en-US" dirty="0" smtClean="0"/>
-              <a:t>Symbol: </a:t>
-            </a:r>
-            <a:r>
-              <a:rPr lang="el-GR" dirty="0" smtClean="0"/>
-              <a:t>Ω</a:t>
-            </a:r>
-            <a:endParaRPr lang="en-US" dirty="0" smtClean="0"/>
-          </a:p>
-          <a:p>
-            <a:pPr lvl="1"/>
-            <a:r>
-              <a:rPr lang="en-US" dirty="0" smtClean="0"/>
+              <a:rPr lang="en-US" dirty="0"/>
               <a:t>The ohm is defined to be 1 V/A</a:t>
             </a:r>
-            <a:endParaRPr lang="en-US" dirty="0"/>
           </a:p>
         </p:txBody>
       </p:sp>
@@ -5417,13 +5355,6 @@
   <p:clrMapOvr>
     <a:masterClrMapping/>
   </p:clrMapOvr>
-  <p:timing>
-    <p:tnLst>
-      <p:par>
-        <p:cTn id="1" dur="indefinite" restart="never" nodeType="tmRoot"/>
-      </p:par>
-    </p:tnLst>
-  </p:timing>
 </p:sld>
 </file>
 
@@ -5460,15 +5391,14 @@
           <a:lstStyle/>
           <a:p>
             <a:r>
-              <a:rPr lang="en-US" dirty="0" smtClean="0"/>
+              <a:rPr lang="en-US" dirty="0"/>
               <a:t>Resistance</a:t>
             </a:r>
-            <a:endParaRPr lang="en-US" dirty="0"/>
-          </a:p>
-        </p:txBody>
-      </p:sp>
-      <mc:AlternateContent xmlns:mc="http://schemas.openxmlformats.org/markup-compatibility/2006">
-        <mc:Choice xmlns:a14="http://schemas.microsoft.com/office/drawing/2010/main" Requires="a14">
+          </a:p>
+        </p:txBody>
+      </p:sp>
+      <mc:AlternateContent xmlns:mc="http://schemas.openxmlformats.org/markup-compatibility/2006" xmlns:a14="http://schemas.microsoft.com/office/drawing/2010/main">
+        <mc:Choice Requires="a14">
           <p:sp>
             <p:nvSpPr>
               <p:cNvPr id="3" name="Content Placeholder 2"/>
@@ -5485,35 +5415,35 @@
               <a:lstStyle/>
               <a:p>
                 <a:r>
-                  <a:rPr lang="en-US" dirty="0" smtClean="0"/>
+                  <a:rPr lang="en-US" dirty="0"/>
                   <a:t>That is, if you pass a current of 1 A through a 1 </a:t>
                 </a:r>
                 <a:r>
-                  <a:rPr lang="el-GR" dirty="0" smtClean="0"/>
+                  <a:rPr lang="el-GR" dirty="0"/>
                   <a:t>Ω</a:t>
                 </a:r>
                 <a:r>
-                  <a:rPr lang="en-US" dirty="0" smtClean="0"/>
+                  <a:rPr lang="en-US" dirty="0"/>
                   <a:t> resistor, it will create a voltage drop of 1 V</a:t>
                 </a:r>
               </a:p>
               <a:p>
                 <a:r>
-                  <a:rPr lang="en-US" dirty="0" smtClean="0"/>
+                  <a:rPr lang="en-US" dirty="0"/>
                   <a:t>Likewise, if you apply a voltage of 1 V across a resistor, 1 A will flow through it</a:t>
                 </a:r>
               </a:p>
               <a:p>
                 <a:r>
-                  <a:rPr lang="en-US" dirty="0" smtClean="0"/>
+                  <a:rPr lang="en-US" dirty="0"/>
                   <a:t>This is known as </a:t>
                 </a:r>
                 <a:r>
-                  <a:rPr lang="en-US" i="1" dirty="0" smtClean="0"/>
+                  <a:rPr lang="en-US" i="1" dirty="0"/>
                   <a:t>Ohm’s Law</a:t>
                 </a:r>
                 <a:r>
-                  <a:rPr lang="en-US" dirty="0" smtClean="0"/>
+                  <a:rPr lang="en-US" dirty="0"/>
                   <a:t>: </a:t>
                 </a:r>
                 <a14:m>
@@ -5567,7 +5497,7 @@
                     </m:r>
                   </m:oMath>
                 </a14:m>
-                <a:endParaRPr lang="en-US" dirty="0" smtClean="0">
+                <a:endParaRPr lang="en-US" dirty="0">
                   <a:solidFill>
                     <a:srgbClr val="FF0000"/>
                   </a:solidFill>
@@ -5576,7 +5506,7 @@
               <a:p>
                 <a:pPr lvl="1"/>
                 <a:r>
-                  <a:rPr lang="en-US" dirty="0" smtClean="0"/>
+                  <a:rPr lang="en-US" dirty="0"/>
                   <a:t>Rearrange it algebraically as you like: </a:t>
                 </a:r>
                 <a14:m>
@@ -5621,7 +5551,7 @@
                   </m:oMath>
                 </a14:m>
                 <a:r>
-                  <a:rPr lang="en-US" dirty="0" smtClean="0"/>
+                  <a:rPr lang="en-US" dirty="0"/>
                   <a:t>, </a:t>
                 </a:r>
                 <a14:m>
@@ -5665,19 +5595,18 @@
                     </m:f>
                   </m:oMath>
                 </a14:m>
-                <a:endParaRPr lang="en-US" dirty="0" smtClean="0"/>
+                <a:endParaRPr lang="en-US" dirty="0"/>
               </a:p>
               <a:p>
                 <a:r>
-                  <a:rPr lang="en-US" dirty="0" smtClean="0"/>
+                  <a:rPr lang="en-US" dirty="0"/>
                   <a:t>Resistor symbol:</a:t>
                 </a:r>
-                <a:endParaRPr lang="en-US" dirty="0"/>
               </a:p>
             </p:txBody>
           </p:sp>
         </mc:Choice>
-        <mc:Fallback>
+        <mc:Fallback xmlns="">
           <p:sp>
             <p:nvSpPr>
               <p:cNvPr id="3" name="Content Placeholder 2"/>
@@ -5745,13 +5674,6 @@
   <p:clrMapOvr>
     <a:masterClrMapping/>
   </p:clrMapOvr>
-  <p:timing>
-    <p:tnLst>
-      <p:par>
-        <p:cTn id="1" dur="indefinite" restart="never" nodeType="tmRoot"/>
-      </p:par>
-    </p:tnLst>
-  </p:timing>
 </p:sld>
 </file>
 
@@ -5788,14 +5710,13 @@
           <a:lstStyle/>
           <a:p>
             <a:r>
-              <a:rPr lang="en-US" dirty="0" err="1" smtClean="0"/>
+              <a:rPr lang="en-US" dirty="0" err="1"/>
               <a:t>Kirchoff’s</a:t>
             </a:r>
             <a:r>
-              <a:rPr lang="en-US" dirty="0" smtClean="0"/>
+              <a:rPr lang="en-US" dirty="0"/>
               <a:t> Laws</a:t>
             </a:r>
-            <a:endParaRPr lang="en-US" dirty="0"/>
           </a:p>
         </p:txBody>
       </p:sp>
@@ -5820,22 +5741,21 @@
           <a:lstStyle/>
           <a:p>
             <a:r>
-              <a:rPr lang="en-US" dirty="0" smtClean="0"/>
+              <a:rPr lang="en-US" dirty="0"/>
               <a:t>Two different laws fundamental to DC circuit analysis</a:t>
             </a:r>
           </a:p>
           <a:p>
             <a:r>
-              <a:rPr lang="en-US" dirty="0" smtClean="0"/>
+              <a:rPr lang="en-US" dirty="0"/>
               <a:t>First law: The sum of currents entering and leaving a junction must be zero</a:t>
             </a:r>
           </a:p>
           <a:p>
             <a:r>
-              <a:rPr lang="en-US" dirty="0" smtClean="0"/>
+              <a:rPr lang="en-US" dirty="0"/>
               <a:t>Second law: The sum of all voltage differences around a loop must be zero</a:t>
             </a:r>
-            <a:endParaRPr lang="en-US" dirty="0"/>
           </a:p>
         </p:txBody>
       </p:sp>
@@ -5849,13 +5769,6 @@
   <p:clrMapOvr>
     <a:masterClrMapping/>
   </p:clrMapOvr>
-  <p:timing>
-    <p:tnLst>
-      <p:par>
-        <p:cTn id="1" dur="indefinite" restart="never" nodeType="tmRoot"/>
-      </p:par>
-    </p:tnLst>
-  </p:timing>
 </p:sld>
 </file>
 
@@ -5892,69 +5805,67 @@
           <a:lstStyle/>
           <a:p>
             <a:r>
-              <a:rPr lang="en-US" dirty="0" err="1" smtClean="0"/>
+              <a:rPr lang="en-US" dirty="0" err="1"/>
               <a:t>Kirchoff’s</a:t>
             </a:r>
             <a:r>
-              <a:rPr lang="en-US" dirty="0" smtClean="0"/>
+              <a:rPr lang="en-US" dirty="0"/>
               <a:t> Laws</a:t>
             </a:r>
+          </a:p>
+        </p:txBody>
+      </p:sp>
+      <p:sp>
+        <p:nvSpPr>
+          <p:cNvPr id="3" name="Content Placeholder 2"/>
+          <p:cNvSpPr>
+            <a:spLocks noGrp="1"/>
+          </p:cNvSpPr>
+          <p:nvPr>
+            <p:ph idx="1"/>
+          </p:nvPr>
+        </p:nvSpPr>
+        <p:spPr/>
+        <p:txBody>
+          <a:bodyPr/>
+          <a:lstStyle/>
+          <a:p>
+            <a:r>
+              <a:rPr lang="en-US" dirty="0"/>
+              <a:t>A </a:t>
+            </a:r>
+            <a:r>
+              <a:rPr lang="en-US" i="1" dirty="0"/>
+              <a:t>loop</a:t>
+            </a:r>
+            <a:r>
+              <a:rPr lang="en-US" dirty="0"/>
+              <a:t> is a continuous path through which current can flow</a:t>
+            </a:r>
+          </a:p>
+          <a:p>
+            <a:r>
+              <a:rPr lang="en-US" dirty="0"/>
+              <a:t>It does, in fact carry some current; the </a:t>
+            </a:r>
+            <a:r>
+              <a:rPr lang="en-US" i="1" dirty="0"/>
+              <a:t>loop current</a:t>
+            </a:r>
             <a:endParaRPr lang="en-US" dirty="0"/>
           </a:p>
-        </p:txBody>
-      </p:sp>
-      <p:sp>
-        <p:nvSpPr>
-          <p:cNvPr id="3" name="Content Placeholder 2"/>
-          <p:cNvSpPr>
-            <a:spLocks noGrp="1"/>
-          </p:cNvSpPr>
-          <p:nvPr>
-            <p:ph idx="1"/>
-          </p:nvPr>
-        </p:nvSpPr>
-        <p:spPr/>
-        <p:txBody>
-          <a:bodyPr/>
-          <a:lstStyle/>
-          <a:p>
-            <a:r>
-              <a:rPr lang="en-US" dirty="0" smtClean="0"/>
-              <a:t>A </a:t>
-            </a:r>
-            <a:r>
-              <a:rPr lang="en-US" i="1" dirty="0" smtClean="0"/>
-              <a:t>loop</a:t>
-            </a:r>
-            <a:r>
-              <a:rPr lang="en-US" dirty="0" smtClean="0"/>
-              <a:t> is a continuous path through which current can flow</a:t>
-            </a:r>
-          </a:p>
-          <a:p>
-            <a:r>
-              <a:rPr lang="en-US" dirty="0" smtClean="0"/>
-              <a:t>It does, in fact carry some current; the </a:t>
-            </a:r>
-            <a:r>
-              <a:rPr lang="en-US" i="1" dirty="0" smtClean="0"/>
-              <a:t>loop current</a:t>
-            </a:r>
-            <a:endParaRPr lang="en-US" dirty="0" smtClean="0"/>
-          </a:p>
           <a:p>
             <a:pPr lvl="1"/>
             <a:r>
-              <a:rPr lang="en-US" dirty="0" smtClean="0"/>
+              <a:rPr lang="en-US" dirty="0"/>
               <a:t>(Although this can be zero)</a:t>
             </a:r>
           </a:p>
           <a:p>
             <a:r>
-              <a:rPr lang="en-US" dirty="0" smtClean="0"/>
+              <a:rPr lang="en-US" dirty="0"/>
               <a:t>Note that multiple loops can pass through a given wire or component</a:t>
             </a:r>
-            <a:endParaRPr lang="en-US" dirty="0"/>
           </a:p>
         </p:txBody>
       </p:sp>
@@ -6011,10 +5922,9 @@
           <a:lstStyle/>
           <a:p>
             <a:r>
-              <a:rPr lang="en-US" dirty="0" smtClean="0"/>
+              <a:rPr lang="en-US" dirty="0"/>
               <a:t>Loop with 1 A</a:t>
             </a:r>
-            <a:endParaRPr lang="en-US" dirty="0"/>
           </a:p>
         </p:txBody>
       </p:sp>
@@ -6041,10 +5951,9 @@
           <a:lstStyle/>
           <a:p>
             <a:r>
-              <a:rPr lang="en-US" dirty="0" smtClean="0"/>
+              <a:rPr lang="en-US" dirty="0"/>
               <a:t>Loop with 1 A</a:t>
             </a:r>
-            <a:endParaRPr lang="en-US" dirty="0"/>
           </a:p>
         </p:txBody>
       </p:sp>
@@ -6145,10 +6054,9 @@
           <a:lstStyle/>
           <a:p>
             <a:r>
-              <a:rPr lang="en-US" dirty="0" smtClean="0"/>
+              <a:rPr lang="en-US" dirty="0"/>
               <a:t>Therefore this component carries 2 A</a:t>
             </a:r>
-            <a:endParaRPr lang="en-US" dirty="0"/>
           </a:p>
         </p:txBody>
       </p:sp>
@@ -6471,14 +6379,13 @@
           <a:lstStyle/>
           <a:p>
             <a:r>
-              <a:rPr lang="en-US" dirty="0" err="1" smtClean="0"/>
+              <a:rPr lang="en-US" dirty="0" err="1"/>
               <a:t>Kirchoff’s</a:t>
             </a:r>
             <a:r>
-              <a:rPr lang="en-US" dirty="0" smtClean="0"/>
+              <a:rPr lang="en-US" dirty="0"/>
               <a:t> Laws</a:t>
             </a:r>
-            <a:endParaRPr lang="en-US" dirty="0"/>
           </a:p>
         </p:txBody>
       </p:sp>
@@ -6503,10 +6410,9 @@
           <a:lstStyle/>
           <a:p>
             <a:r>
-              <a:rPr lang="en-US" dirty="0" smtClean="0"/>
+              <a:rPr lang="en-US" dirty="0"/>
               <a:t>Simple circuit with one loop:</a:t>
             </a:r>
-            <a:endParaRPr lang="en-US" dirty="0"/>
           </a:p>
         </p:txBody>
       </p:sp>
@@ -6540,78 +6446,6 @@
           </a:prstGeom>
         </p:spPr>
       </p:pic>
-      <p:cxnSp>
-        <p:nvCxnSpPr>
-          <p:cNvPr id="6" name="Straight Arrow Connector 5"/>
-          <p:cNvCxnSpPr/>
-          <p:nvPr/>
-        </p:nvCxnSpPr>
-        <p:spPr>
-          <a:xfrm flipV="1">
-            <a:off x="2969688" y="3202756"/>
-            <a:ext cx="0" cy="867266"/>
-          </a:xfrm>
-          <a:prstGeom prst="straightConnector1">
-            <a:avLst/>
-          </a:prstGeom>
-          <a:ln>
-            <a:solidFill>
-              <a:schemeClr val="tx1"/>
-            </a:solidFill>
-            <a:tailEnd type="triangle"/>
-          </a:ln>
-        </p:spPr>
-        <p:style>
-          <a:lnRef idx="1">
-            <a:schemeClr val="accent1"/>
-          </a:lnRef>
-          <a:fillRef idx="0">
-            <a:schemeClr val="accent1"/>
-          </a:fillRef>
-          <a:effectRef idx="0">
-            <a:schemeClr val="accent1"/>
-          </a:effectRef>
-          <a:fontRef idx="minor">
-            <a:schemeClr val="tx1"/>
-          </a:fontRef>
-        </p:style>
-      </p:cxnSp>
-      <p:cxnSp>
-        <p:nvCxnSpPr>
-          <p:cNvPr id="7" name="Straight Arrow Connector 6"/>
-          <p:cNvCxnSpPr/>
-          <p:nvPr/>
-        </p:nvCxnSpPr>
-        <p:spPr>
-          <a:xfrm flipV="1">
-            <a:off x="6478031" y="3310279"/>
-            <a:ext cx="0" cy="759743"/>
-          </a:xfrm>
-          <a:prstGeom prst="straightConnector1">
-            <a:avLst/>
-          </a:prstGeom>
-          <a:ln>
-            <a:solidFill>
-              <a:schemeClr val="tx1"/>
-            </a:solidFill>
-            <a:tailEnd type="triangle"/>
-          </a:ln>
-        </p:spPr>
-        <p:style>
-          <a:lnRef idx="1">
-            <a:schemeClr val="accent1"/>
-          </a:lnRef>
-          <a:fillRef idx="0">
-            <a:schemeClr val="accent1"/>
-          </a:fillRef>
-          <a:effectRef idx="0">
-            <a:schemeClr val="accent1"/>
-          </a:effectRef>
-          <a:fontRef idx="minor">
-            <a:schemeClr val="tx1"/>
-          </a:fontRef>
-        </p:style>
-      </p:cxnSp>
       <p:sp>
         <p:nvSpPr>
           <p:cNvPr id="11" name="TextBox 10"/>
@@ -6635,14 +6469,13 @@
           <a:lstStyle/>
           <a:p>
             <a:r>
-              <a:rPr lang="en-US" dirty="0" smtClean="0"/>
+              <a:rPr lang="en-US" dirty="0"/>
               <a:t>V</a:t>
             </a:r>
             <a:r>
-              <a:rPr lang="en-US" baseline="-25000" dirty="0" smtClean="0"/>
+              <a:rPr lang="en-US" baseline="-25000" dirty="0"/>
               <a:t>R</a:t>
             </a:r>
-            <a:endParaRPr lang="en-US" baseline="-25000" dirty="0"/>
           </a:p>
         </p:txBody>
       </p:sp>
@@ -6669,10 +6502,9 @@
           <a:lstStyle/>
           <a:p>
             <a:r>
-              <a:rPr lang="en-US" dirty="0" smtClean="0"/>
+              <a:rPr lang="en-US" dirty="0"/>
               <a:t>(12)</a:t>
             </a:r>
-            <a:endParaRPr lang="en-US" dirty="0"/>
           </a:p>
         </p:txBody>
       </p:sp>
@@ -6699,18 +6531,17 @@
           <a:lstStyle/>
           <a:p>
             <a:r>
-              <a:rPr lang="en-US" dirty="0" smtClean="0"/>
+              <a:rPr lang="en-US" dirty="0"/>
               <a:t>+(-V</a:t>
             </a:r>
             <a:r>
-              <a:rPr lang="en-US" baseline="-25000" dirty="0" smtClean="0"/>
+              <a:rPr lang="en-US" baseline="-25000" dirty="0"/>
               <a:t>R</a:t>
             </a:r>
             <a:r>
-              <a:rPr lang="en-US" dirty="0" smtClean="0"/>
+              <a:rPr lang="en-US" dirty="0"/>
               <a:t>)</a:t>
             </a:r>
-            <a:endParaRPr lang="en-US" dirty="0"/>
           </a:p>
         </p:txBody>
       </p:sp>
@@ -6737,10 +6568,9 @@
           <a:lstStyle/>
           <a:p>
             <a:r>
-              <a:rPr lang="en-US" dirty="0" smtClean="0"/>
+              <a:rPr lang="en-US" dirty="0"/>
               <a:t>=0</a:t>
             </a:r>
-            <a:endParaRPr lang="en-US" dirty="0"/>
           </a:p>
         </p:txBody>
       </p:sp>
@@ -6767,23 +6597,22 @@
           <a:lstStyle/>
           <a:p>
             <a:r>
-              <a:rPr lang="en-US" dirty="0" smtClean="0"/>
+              <a:rPr lang="en-US" dirty="0"/>
               <a:t>V</a:t>
             </a:r>
             <a:r>
-              <a:rPr lang="en-US" baseline="-25000" dirty="0" smtClean="0"/>
+              <a:rPr lang="en-US" baseline="-25000" dirty="0"/>
               <a:t>R</a:t>
             </a:r>
             <a:r>
-              <a:rPr lang="en-US" dirty="0" smtClean="0"/>
+              <a:rPr lang="en-US" dirty="0"/>
               <a:t>=12</a:t>
             </a:r>
-            <a:endParaRPr lang="en-US" dirty="0"/>
-          </a:p>
-        </p:txBody>
-      </p:sp>
-      <mc:AlternateContent xmlns:mc="http://schemas.openxmlformats.org/markup-compatibility/2006">
-        <mc:Choice xmlns:a14="http://schemas.microsoft.com/office/drawing/2010/main" Requires="a14">
+          </a:p>
+        </p:txBody>
+      </p:sp>
+      <mc:AlternateContent xmlns:mc="http://schemas.openxmlformats.org/markup-compatibility/2006" xmlns:a14="http://schemas.microsoft.com/office/drawing/2010/main">
+        <mc:Choice Requires="a14">
           <p:sp>
             <p:nvSpPr>
               <p:cNvPr id="16" name="TextBox 15"/>
@@ -6807,7 +6636,7 @@
               <a:lstStyle/>
               <a:p>
                 <a:r>
-                  <a:rPr lang="en-US" dirty="0" smtClean="0"/>
+                  <a:rPr lang="en-US" dirty="0"/>
                   <a:t>For a resistor: </a:t>
                 </a:r>
                 <a14:m>
@@ -6851,7 +6680,7 @@
             </p:txBody>
           </p:sp>
         </mc:Choice>
-        <mc:Fallback>
+        <mc:Fallback xmlns="">
           <p:sp>
             <p:nvSpPr>
               <p:cNvPr id="16" name="TextBox 15"/>
@@ -6890,8 +6719,8 @@
           </p:sp>
         </mc:Fallback>
       </mc:AlternateContent>
-      <mc:AlternateContent xmlns:mc="http://schemas.openxmlformats.org/markup-compatibility/2006">
-        <mc:Choice xmlns:a14="http://schemas.microsoft.com/office/drawing/2010/main" Requires="a14">
+      <mc:AlternateContent xmlns:mc="http://schemas.openxmlformats.org/markup-compatibility/2006" xmlns:a14="http://schemas.microsoft.com/office/drawing/2010/main">
+        <mc:Choice Requires="a14">
           <p:sp>
             <p:nvSpPr>
               <p:cNvPr id="17" name="TextBox 16"/>
@@ -6914,6 +6743,7 @@
               </a:bodyPr>
               <a:lstStyle/>
               <a:p>
+                <a:pPr/>
                 <a14:m>
                   <m:oMathPara xmlns:m="http://schemas.openxmlformats.org/officeDocument/2006/math">
                     <m:oMathParaPr>
@@ -6947,7 +6777,7 @@
             </p:txBody>
           </p:sp>
         </mc:Choice>
-        <mc:Fallback>
+        <mc:Fallback xmlns="">
           <p:sp>
             <p:nvSpPr>
               <p:cNvPr id="17" name="TextBox 16"/>
@@ -6986,6 +6816,76 @@
           </p:sp>
         </mc:Fallback>
       </mc:AlternateContent>
+      <p:sp>
+        <p:nvSpPr>
+          <p:cNvPr id="9" name="TextBox 8">
+            <a:extLst>
+              <a:ext uri="{FF2B5EF4-FFF2-40B4-BE49-F238E27FC236}">
+                <a16:creationId xmlns:a16="http://schemas.microsoft.com/office/drawing/2014/main" id="{D349ACD9-0552-407A-A080-375FDE7B69B5}"/>
+              </a:ext>
+            </a:extLst>
+          </p:cNvPr>
+          <p:cNvSpPr txBox="1"/>
+          <p:nvPr/>
+        </p:nvSpPr>
+        <p:spPr>
+          <a:xfrm>
+            <a:off x="5795918" y="3059668"/>
+            <a:ext cx="300082" cy="369332"/>
+          </a:xfrm>
+          <a:prstGeom prst="rect">
+            <a:avLst/>
+          </a:prstGeom>
+          <a:noFill/>
+        </p:spPr>
+        <p:txBody>
+          <a:bodyPr wrap="none" rtlCol="0">
+            <a:spAutoFit/>
+          </a:bodyPr>
+          <a:lstStyle/>
+          <a:p>
+            <a:r>
+              <a:rPr lang="en-US" dirty="0"/>
+              <a:t>+</a:t>
+            </a:r>
+          </a:p>
+        </p:txBody>
+      </p:sp>
+      <p:sp>
+        <p:nvSpPr>
+          <p:cNvPr id="18" name="TextBox 17">
+            <a:extLst>
+              <a:ext uri="{FF2B5EF4-FFF2-40B4-BE49-F238E27FC236}">
+                <a16:creationId xmlns:a16="http://schemas.microsoft.com/office/drawing/2014/main" id="{93800C25-B489-423D-8422-7A79A6945B90}"/>
+              </a:ext>
+            </a:extLst>
+          </p:cNvPr>
+          <p:cNvSpPr txBox="1"/>
+          <p:nvPr/>
+        </p:nvSpPr>
+        <p:spPr>
+          <a:xfrm>
+            <a:off x="5795918" y="4001294"/>
+            <a:ext cx="255198" cy="369332"/>
+          </a:xfrm>
+          <a:prstGeom prst="rect">
+            <a:avLst/>
+          </a:prstGeom>
+          <a:noFill/>
+        </p:spPr>
+        <p:txBody>
+          <a:bodyPr wrap="none" rtlCol="0">
+            <a:spAutoFit/>
+          </a:bodyPr>
+          <a:lstStyle/>
+          <a:p>
+            <a:r>
+              <a:rPr lang="en-US" dirty="0"/>
+              <a:t>-</a:t>
+            </a:r>
+          </a:p>
+        </p:txBody>
+      </p:sp>
     </p:spTree>
     <p:extLst>
       <p:ext uri="{BB962C8B-B14F-4D97-AF65-F5344CB8AC3E}">
@@ -7017,7 +6917,7 @@
                             </p:stCondLst>
                             <p:childTnLst>
                               <p:par>
-                                <p:cTn id="5" presetID="1" presetClass="entr" presetSubtype="0" fill="hold" nodeType="clickEffect">
+                                <p:cTn id="5" presetID="1" presetClass="entr" presetSubtype="0" fill="hold" grpId="0" nodeType="clickEffect">
                                   <p:stCondLst>
                                     <p:cond delay="0"/>
                                   </p:stCondLst>
@@ -7030,7 +6930,7 @@
                                           </p:stCondLst>
                                         </p:cTn>
                                         <p:tgtEl>
-                                          <p:spTgt spid="6"/>
+                                          <p:spTgt spid="11"/>
                                         </p:tgtEl>
                                         <p:attrNameLst>
                                           <p:attrName>style.visibility</p:attrName>
@@ -7062,7 +6962,7 @@
                             </p:stCondLst>
                             <p:childTnLst>
                               <p:par>
-                                <p:cTn id="9" presetID="1" presetClass="entr" presetSubtype="0" fill="hold" nodeType="clickEffect">
+                                <p:cTn id="9" presetID="1" presetClass="entr" presetSubtype="0" fill="hold" grpId="0" nodeType="clickEffect">
                                   <p:stCondLst>
                                     <p:cond delay="0"/>
                                   </p:stCondLst>
@@ -7075,7 +6975,7 @@
                                           </p:stCondLst>
                                         </p:cTn>
                                         <p:tgtEl>
-                                          <p:spTgt spid="7"/>
+                                          <p:spTgt spid="12"/>
                                         </p:tgtEl>
                                         <p:attrNameLst>
                                           <p:attrName>style.visibility</p:attrName>
@@ -7120,7 +7020,7 @@
                                           </p:stCondLst>
                                         </p:cTn>
                                         <p:tgtEl>
-                                          <p:spTgt spid="11"/>
+                                          <p:spTgt spid="13"/>
                                         </p:tgtEl>
                                         <p:attrNameLst>
                                           <p:attrName>style.visibility</p:attrName>
@@ -7165,7 +7065,7 @@
                                           </p:stCondLst>
                                         </p:cTn>
                                         <p:tgtEl>
-                                          <p:spTgt spid="12"/>
+                                          <p:spTgt spid="14"/>
                                         </p:tgtEl>
                                         <p:attrNameLst>
                                           <p:attrName>style.visibility</p:attrName>
@@ -7210,7 +7110,7 @@
                                           </p:stCondLst>
                                         </p:cTn>
                                         <p:tgtEl>
-                                          <p:spTgt spid="13"/>
+                                          <p:spTgt spid="15"/>
                                         </p:tgtEl>
                                         <p:attrNameLst>
                                           <p:attrName>style.visibility</p:attrName>
@@ -7255,7 +7155,7 @@
                                           </p:stCondLst>
                                         </p:cTn>
                                         <p:tgtEl>
-                                          <p:spTgt spid="14"/>
+                                          <p:spTgt spid="16"/>
                                         </p:tgtEl>
                                         <p:attrNameLst>
                                           <p:attrName>style.visibility</p:attrName>
@@ -7300,7 +7200,7 @@
                                           </p:stCondLst>
                                         </p:cTn>
                                         <p:tgtEl>
-                                          <p:spTgt spid="15"/>
+                                          <p:spTgt spid="17"/>
                                         </p:tgtEl>
                                         <p:attrNameLst>
                                           <p:attrName>style.visibility</p:attrName>
@@ -7346,6 +7246,8 @@
       <p:bldP spid="13" grpId="0"/>
       <p:bldP spid="14" grpId="0"/>
       <p:bldP spid="15" grpId="0"/>
+      <p:bldP spid="16" grpId="0"/>
+      <p:bldP spid="17" grpId="0"/>
     </p:bldLst>
   </p:timing>
 </p:sld>
@@ -7491,13 +7393,6 @@
   <p:clrMapOvr>
     <a:masterClrMapping/>
   </p:clrMapOvr>
-  <p:timing>
-    <p:tnLst>
-      <p:par>
-        <p:cTn id="1" dur="indefinite" restart="never" nodeType="tmRoot"/>
-      </p:par>
-    </p:tnLst>
-  </p:timing>
 </p:sld>
 </file>
 
@@ -7672,25 +7567,20 @@
               <a:t>The SI unit of electrical charge is the </a:t>
             </a:r>
             <a:r>
-              <a:rPr lang="en-US" i="1" dirty="0" smtClean="0"/>
+              <a:rPr lang="en-US" i="1" dirty="0"/>
               <a:t>coulomb</a:t>
             </a:r>
           </a:p>
           <a:p>
             <a:pPr lvl="1"/>
             <a:r>
-              <a:rPr lang="en-US" dirty="0" smtClean="0"/>
+              <a:rPr lang="en-US" dirty="0"/>
               <a:t>Symbol:</a:t>
             </a:r>
             <a:r>
-              <a:rPr lang="en-US" i="1" dirty="0" smtClean="0"/>
-              <a:t> </a:t>
-            </a:r>
-            <a:r>
               <a:rPr lang="en-US" i="1" dirty="0"/>
-              <a:t>Q</a:t>
-            </a:r>
-            <a:endParaRPr lang="en-US" i="1" dirty="0"/>
+              <a:t> Q</a:t>
+            </a:r>
           </a:p>
           <a:p>
             <a:r>
@@ -7708,19 +7598,14 @@
             <a:pPr lvl="1"/>
             <a:r>
               <a:rPr lang="en-US" dirty="0"/>
-              <a:t>This is basically what happens when you shuffle your feet on a carpet in dry </a:t>
-            </a:r>
-            <a:r>
-              <a:rPr lang="en-US" dirty="0" smtClean="0"/>
-              <a:t>weather</a:t>
-            </a:r>
-          </a:p>
-          <a:p>
-            <a:r>
-              <a:rPr lang="en-US" dirty="0" smtClean="0"/>
+              <a:t>This is basically what happens when you shuffle your feet on a carpet in dry weather</a:t>
+            </a:r>
+          </a:p>
+          <a:p>
+            <a:r>
+              <a:rPr lang="en-US" dirty="0"/>
               <a:t>Water analogy: a Coulomb is a gallon of water</a:t>
             </a:r>
-            <a:endParaRPr lang="en-US" dirty="0"/>
           </a:p>
           <a:p>
             <a:endParaRPr lang="en-US" dirty="0"/>
@@ -8141,13 +8026,6 @@
   <p:clrMapOvr>
     <a:masterClrMapping/>
   </p:clrMapOvr>
-  <p:timing>
-    <p:tnLst>
-      <p:par>
-        <p:cTn id="1" dur="indefinite" restart="never" nodeType="tmRoot"/>
-      </p:par>
-    </p:tnLst>
-  </p:timing>
 </p:sld>
 </file>
 
@@ -8287,13 +8165,6 @@
   <p:clrMapOvr>
     <a:masterClrMapping/>
   </p:clrMapOvr>
-  <p:timing>
-    <p:tnLst>
-      <p:par>
-        <p:cTn id="1" dur="indefinite" restart="never" nodeType="tmRoot"/>
-      </p:par>
-    </p:tnLst>
-  </p:timing>
 </p:sld>
 </file>
 
@@ -8410,15 +8281,7 @@
             </a:r>
             <a:r>
               <a:rPr lang="en-US" i="1" dirty="0"/>
-              <a:t>places that an electron </a:t>
-            </a:r>
-            <a:r>
-              <a:rPr lang="en-US" i="1" dirty="0" smtClean="0"/>
-              <a:t>wants to </a:t>
-            </a:r>
-            <a:r>
-              <a:rPr lang="en-US" i="1" dirty="0"/>
-              <a:t>be, but isn’t</a:t>
+              <a:t>places that an electron wants to be, but isn’t</a:t>
             </a:r>
           </a:p>
           <a:p>
@@ -8467,13 +8330,6 @@
   <p:clrMapOvr>
     <a:masterClrMapping/>
   </p:clrMapOvr>
-  <p:timing>
-    <p:tnLst>
-      <p:par>
-        <p:cTn id="1" dur="indefinite" restart="never" nodeType="tmRoot"/>
-      </p:par>
-    </p:tnLst>
-  </p:timing>
 </p:sld>
 </file>
 
@@ -8554,14 +8410,13 @@
               <a:t>Measured in </a:t>
             </a:r>
             <a:r>
-              <a:rPr lang="en-US" i="1" dirty="0" smtClean="0"/>
+              <a:rPr lang="en-US" i="1" dirty="0"/>
               <a:t>amperes </a:t>
             </a:r>
             <a:r>
-              <a:rPr lang="en-US" dirty="0" smtClean="0"/>
+              <a:rPr lang="en-US" dirty="0"/>
               <a:t>(A)</a:t>
             </a:r>
-            <a:endParaRPr lang="en-US" dirty="0"/>
           </a:p>
           <a:p>
             <a:pPr lvl="1"/>
@@ -8570,38 +8425,32 @@
               <a:t>Usually abbreviated </a:t>
             </a:r>
             <a:r>
-              <a:rPr lang="en-US" i="1" dirty="0" smtClean="0"/>
+              <a:rPr lang="en-US" i="1" dirty="0"/>
               <a:t>amps</a:t>
             </a:r>
           </a:p>
           <a:p>
             <a:pPr lvl="1"/>
             <a:r>
-              <a:rPr lang="en-US" dirty="0" smtClean="0"/>
+              <a:rPr lang="en-US" dirty="0"/>
               <a:t>Symbol: </a:t>
             </a:r>
             <a:r>
-              <a:rPr lang="en-US" i="1" dirty="0" smtClean="0"/>
+              <a:rPr lang="en-US" i="1" dirty="0"/>
               <a:t>I</a:t>
             </a:r>
-            <a:endParaRPr lang="en-US" i="1" dirty="0"/>
-          </a:p>
-          <a:p>
-            <a:r>
-              <a:rPr lang="en-US" dirty="0"/>
-              <a:t>1 ampere = 1 coulomb per </a:t>
-            </a:r>
-            <a:r>
-              <a:rPr lang="en-US" dirty="0" smtClean="0"/>
-              <a:t>second</a:t>
-            </a:r>
-          </a:p>
-          <a:p>
-            <a:r>
-              <a:rPr lang="en-US" dirty="0" smtClean="0"/>
+          </a:p>
+          <a:p>
+            <a:r>
+              <a:rPr lang="en-US" dirty="0"/>
+              <a:t>1 ampere = 1 coulomb per second</a:t>
+            </a:r>
+          </a:p>
+          <a:p>
+            <a:r>
+              <a:rPr lang="en-US" dirty="0"/>
               <a:t>Water analogy: fluid flow rate; gallons/second</a:t>
             </a:r>
-            <a:endParaRPr lang="en-US" dirty="0"/>
           </a:p>
         </p:txBody>
       </p:sp>
@@ -8615,13 +8464,6 @@
   <p:clrMapOvr>
     <a:masterClrMapping/>
   </p:clrMapOvr>
-  <p:timing>
-    <p:tnLst>
-      <p:par>
-        <p:cTn id="1" dur="indefinite" restart="never" nodeType="tmRoot"/>
-      </p:par>
-    </p:tnLst>
-  </p:timing>
 </p:sld>
 </file>
 
@@ -8658,50 +8500,49 @@
           <a:lstStyle/>
           <a:p>
             <a:r>
-              <a:rPr lang="en-US" dirty="0" smtClean="0"/>
+              <a:rPr lang="en-US" dirty="0"/>
               <a:t>Current</a:t>
             </a:r>
+          </a:p>
+        </p:txBody>
+      </p:sp>
+      <p:sp>
+        <p:nvSpPr>
+          <p:cNvPr id="3" name="Content Placeholder 2"/>
+          <p:cNvSpPr>
+            <a:spLocks noGrp="1"/>
+          </p:cNvSpPr>
+          <p:nvPr>
+            <p:ph idx="1"/>
+          </p:nvPr>
+        </p:nvSpPr>
+        <p:spPr/>
+        <p:txBody>
+          <a:bodyPr/>
+          <a:lstStyle/>
+          <a:p>
+            <a:r>
+              <a:rPr lang="en-US" dirty="0"/>
+              <a:t>Schematics often use </a:t>
+            </a:r>
+            <a:r>
+              <a:rPr lang="en-US" i="1" dirty="0"/>
+              <a:t>constant-current sources</a:t>
+            </a:r>
             <a:endParaRPr lang="en-US" dirty="0"/>
           </a:p>
-        </p:txBody>
-      </p:sp>
-      <p:sp>
-        <p:nvSpPr>
-          <p:cNvPr id="3" name="Content Placeholder 2"/>
-          <p:cNvSpPr>
-            <a:spLocks noGrp="1"/>
-          </p:cNvSpPr>
-          <p:nvPr>
-            <p:ph idx="1"/>
-          </p:nvPr>
-        </p:nvSpPr>
-        <p:spPr/>
-        <p:txBody>
-          <a:bodyPr/>
-          <a:lstStyle/>
-          <a:p>
-            <a:r>
-              <a:rPr lang="en-US" dirty="0" smtClean="0"/>
-              <a:t>Schematics often use </a:t>
-            </a:r>
-            <a:r>
-              <a:rPr lang="en-US" i="1" dirty="0" smtClean="0"/>
-              <a:t>constant-current sources</a:t>
-            </a:r>
-            <a:endParaRPr lang="en-US" dirty="0" smtClean="0"/>
-          </a:p>
-          <a:p>
-            <a:endParaRPr lang="en-US" dirty="0" smtClean="0"/>
-          </a:p>
           <a:p>
             <a:endParaRPr lang="en-US" dirty="0"/>
           </a:p>
           <a:p>
-            <a:endParaRPr lang="en-US" dirty="0" smtClean="0"/>
-          </a:p>
-          <a:p>
-            <a:r>
-              <a:rPr lang="en-US" dirty="0" smtClean="0"/>
+            <a:endParaRPr lang="en-US" dirty="0"/>
+          </a:p>
+          <a:p>
+            <a:endParaRPr lang="en-US" dirty="0"/>
+          </a:p>
+          <a:p>
+            <a:r>
+              <a:rPr lang="en-US" dirty="0"/>
               <a:t>They force a constant amount of current to flow</a:t>
             </a:r>
           </a:p>
@@ -8824,10 +8665,9 @@
           <a:lstStyle/>
           <a:p>
             <a:r>
-              <a:rPr lang="en-US" dirty="0" smtClean="0"/>
+              <a:rPr lang="en-US" dirty="0"/>
               <a:t>1 A</a:t>
             </a:r>
-            <a:endParaRPr lang="en-US" dirty="0"/>
           </a:p>
         </p:txBody>
       </p:sp>
@@ -8841,13 +8681,6 @@
   <p:clrMapOvr>
     <a:masterClrMapping/>
   </p:clrMapOvr>
-  <p:timing>
-    <p:tnLst>
-      <p:par>
-        <p:cTn id="1" dur="indefinite" restart="never" nodeType="tmRoot"/>
-      </p:par>
-    </p:tnLst>
-  </p:timing>
 </p:sld>
 </file>
 

--- a/Electronics 101.pptx
+++ b/Electronics 101.pptx
@@ -2,10 +2,10 @@
 <file path=ppt/presentation.xml><?xml version="1.0" encoding="utf-8"?>
 <p:presentation xmlns:a="http://schemas.openxmlformats.org/drawingml/2006/main" xmlns:r="http://schemas.openxmlformats.org/officeDocument/2006/relationships" xmlns:p="http://schemas.openxmlformats.org/presentationml/2006/main" saveSubsetFonts="1">
   <p:sldMasterIdLst>
-    <p:sldMasterId id="2147483648" r:id="rId1"/>
+    <p:sldMasterId id="2147483660" r:id="rId1"/>
   </p:sldMasterIdLst>
   <p:notesMasterIdLst>
-    <p:notesMasterId r:id="rId21"/>
+    <p:notesMasterId r:id="rId26"/>
   </p:notesMasterIdLst>
   <p:sldIdLst>
     <p:sldId id="256" r:id="rId2"/>
@@ -27,6 +27,11 @@
     <p:sldId id="272" r:id="rId18"/>
     <p:sldId id="274" r:id="rId19"/>
     <p:sldId id="273" r:id="rId20"/>
+    <p:sldId id="275" r:id="rId21"/>
+    <p:sldId id="276" r:id="rId22"/>
+    <p:sldId id="277" r:id="rId23"/>
+    <p:sldId id="278" r:id="rId24"/>
+    <p:sldId id="279" r:id="rId25"/>
   </p:sldIdLst>
   <p:sldSz cx="12192000" cy="6858000"/>
   <p:notesSz cx="6858000" cy="9144000"/>
@@ -215,7 +220,7 @@
           <a:p>
             <a:fld id="{60E188FA-EECA-4DFD-91D1-D4BBF2A86176}" type="datetimeFigureOut">
               <a:rPr lang="en-US" smtClean="0"/>
-              <a:t>7/29/2018</a:t>
+              <a:t>8/3/2018</a:t>
             </a:fld>
             <a:endParaRPr lang="en-US"/>
           </a:p>
@@ -501,13 +506,7 @@
       </p:grpSpPr>
       <p:sp>
         <p:nvSpPr>
-          <p:cNvPr id="2" name="Title 1">
-            <a:extLst>
-              <a:ext uri="{FF2B5EF4-FFF2-40B4-BE49-F238E27FC236}">
-                <a16:creationId xmlns:a16="http://schemas.microsoft.com/office/drawing/2014/main" id="{EA746C0C-9CCD-40A7-AFEB-4702F898E498}"/>
-              </a:ext>
-            </a:extLst>
-          </p:cNvPr>
+          <p:cNvPr id="2" name="Title 1"/>
           <p:cNvSpPr>
             <a:spLocks noGrp="1"/>
           </p:cNvSpPr>
@@ -517,34 +516,25 @@
         </p:nvSpPr>
         <p:spPr>
           <a:xfrm>
-            <a:off x="1524000" y="1122363"/>
-            <a:ext cx="9144000" cy="2387600"/>
+            <a:off x="914400" y="2130426"/>
+            <a:ext cx="10363200" cy="1470025"/>
           </a:xfrm>
         </p:spPr>
         <p:txBody>
-          <a:bodyPr anchor="b"/>
-          <a:lstStyle>
-            <a:lvl1pPr algn="ctr">
-              <a:defRPr sz="6000"/>
-            </a:lvl1pPr>
-          </a:lstStyle>
-          <a:p>
-            <a:r>
-              <a:rPr lang="en-US"/>
+          <a:bodyPr/>
+          <a:lstStyle/>
+          <a:p>
+            <a:r>
+              <a:rPr lang="en-US" smtClean="0"/>
               <a:t>Click to edit Master title style</a:t>
             </a:r>
-          </a:p>
-        </p:txBody>
-      </p:sp>
-      <p:sp>
-        <p:nvSpPr>
-          <p:cNvPr id="3" name="Subtitle 2">
-            <a:extLst>
-              <a:ext uri="{FF2B5EF4-FFF2-40B4-BE49-F238E27FC236}">
-                <a16:creationId xmlns:a16="http://schemas.microsoft.com/office/drawing/2014/main" id="{121B8D01-6BD5-4A7B-9CB1-F3D4914485AF}"/>
-              </a:ext>
-            </a:extLst>
-          </p:cNvPr>
+            <a:endParaRPr lang="en-US"/>
+          </a:p>
+        </p:txBody>
+      </p:sp>
+      <p:sp>
+        <p:nvSpPr>
+          <p:cNvPr id="3" name="Subtitle 2"/>
           <p:cNvSpPr>
             <a:spLocks noGrp="1"/>
           </p:cNvSpPr>
@@ -554,8 +544,8 @@
         </p:nvSpPr>
         <p:spPr>
           <a:xfrm>
-            <a:off x="1524000" y="3602038"/>
-            <a:ext cx="9144000" cy="1655762"/>
+            <a:off x="1828800" y="3886200"/>
+            <a:ext cx="8534400" cy="1752600"/>
           </a:xfrm>
         </p:spPr>
         <p:txBody>
@@ -563,58 +553,107 @@
           <a:lstStyle>
             <a:lvl1pPr marL="0" indent="0" algn="ctr">
               <a:buNone/>
-              <a:defRPr sz="2400"/>
+              <a:defRPr>
+                <a:solidFill>
+                  <a:schemeClr val="tx1">
+                    <a:tint val="75000"/>
+                  </a:schemeClr>
+                </a:solidFill>
+              </a:defRPr>
             </a:lvl1pPr>
             <a:lvl2pPr marL="457200" indent="0" algn="ctr">
               <a:buNone/>
-              <a:defRPr sz="2000"/>
+              <a:defRPr>
+                <a:solidFill>
+                  <a:schemeClr val="tx1">
+                    <a:tint val="75000"/>
+                  </a:schemeClr>
+                </a:solidFill>
+              </a:defRPr>
             </a:lvl2pPr>
             <a:lvl3pPr marL="914400" indent="0" algn="ctr">
               <a:buNone/>
-              <a:defRPr sz="1800"/>
+              <a:defRPr>
+                <a:solidFill>
+                  <a:schemeClr val="tx1">
+                    <a:tint val="75000"/>
+                  </a:schemeClr>
+                </a:solidFill>
+              </a:defRPr>
             </a:lvl3pPr>
             <a:lvl4pPr marL="1371600" indent="0" algn="ctr">
               <a:buNone/>
-              <a:defRPr sz="1600"/>
+              <a:defRPr>
+                <a:solidFill>
+                  <a:schemeClr val="tx1">
+                    <a:tint val="75000"/>
+                  </a:schemeClr>
+                </a:solidFill>
+              </a:defRPr>
             </a:lvl4pPr>
             <a:lvl5pPr marL="1828800" indent="0" algn="ctr">
               <a:buNone/>
-              <a:defRPr sz="1600"/>
+              <a:defRPr>
+                <a:solidFill>
+                  <a:schemeClr val="tx1">
+                    <a:tint val="75000"/>
+                  </a:schemeClr>
+                </a:solidFill>
+              </a:defRPr>
             </a:lvl5pPr>
             <a:lvl6pPr marL="2286000" indent="0" algn="ctr">
               <a:buNone/>
-              <a:defRPr sz="1600"/>
+              <a:defRPr>
+                <a:solidFill>
+                  <a:schemeClr val="tx1">
+                    <a:tint val="75000"/>
+                  </a:schemeClr>
+                </a:solidFill>
+              </a:defRPr>
             </a:lvl6pPr>
             <a:lvl7pPr marL="2743200" indent="0" algn="ctr">
               <a:buNone/>
-              <a:defRPr sz="1600"/>
+              <a:defRPr>
+                <a:solidFill>
+                  <a:schemeClr val="tx1">
+                    <a:tint val="75000"/>
+                  </a:schemeClr>
+                </a:solidFill>
+              </a:defRPr>
             </a:lvl7pPr>
             <a:lvl8pPr marL="3200400" indent="0" algn="ctr">
               <a:buNone/>
-              <a:defRPr sz="1600"/>
+              <a:defRPr>
+                <a:solidFill>
+                  <a:schemeClr val="tx1">
+                    <a:tint val="75000"/>
+                  </a:schemeClr>
+                </a:solidFill>
+              </a:defRPr>
             </a:lvl8pPr>
             <a:lvl9pPr marL="3657600" indent="0" algn="ctr">
               <a:buNone/>
-              <a:defRPr sz="1600"/>
+              <a:defRPr>
+                <a:solidFill>
+                  <a:schemeClr val="tx1">
+                    <a:tint val="75000"/>
+                  </a:schemeClr>
+                </a:solidFill>
+              </a:defRPr>
             </a:lvl9pPr>
           </a:lstStyle>
           <a:p>
             <a:r>
-              <a:rPr lang="en-US"/>
+              <a:rPr lang="en-US" smtClean="0"/>
               <a:t>Click to edit Master subtitle style</a:t>
             </a:r>
-          </a:p>
-        </p:txBody>
-      </p:sp>
-      <p:sp>
-        <p:nvSpPr>
-          <p:cNvPr id="4" name="Date Placeholder 3">
-            <a:extLst>
-              <a:ext uri="{FF2B5EF4-FFF2-40B4-BE49-F238E27FC236}">
-                <a16:creationId xmlns:a16="http://schemas.microsoft.com/office/drawing/2014/main" id="{1372EEF3-1281-492C-B7AC-7B4690A623E6}"/>
-              </a:ext>
-            </a:extLst>
-          </p:cNvPr>
+            <a:endParaRPr lang="en-US"/>
+          </a:p>
+        </p:txBody>
+      </p:sp>
+      <p:sp>
+        <p:nvSpPr>
+          <p:cNvPr id="4" name="Date Placeholder 3"/>
           <p:cNvSpPr>
             <a:spLocks noGrp="1"/>
           </p:cNvSpPr>
@@ -629,7 +668,7 @@
           <a:p>
             <a:fld id="{23A0FAE5-E8A8-4C94-B105-9978F51B0953}" type="datetimeFigureOut">
               <a:rPr lang="en-US" smtClean="0"/>
-              <a:t>7/29/2018</a:t>
+              <a:t>8/3/2018</a:t>
             </a:fld>
             <a:endParaRPr lang="en-US"/>
           </a:p>
@@ -637,13 +676,7 @@
       </p:sp>
       <p:sp>
         <p:nvSpPr>
-          <p:cNvPr id="5" name="Footer Placeholder 4">
-            <a:extLst>
-              <a:ext uri="{FF2B5EF4-FFF2-40B4-BE49-F238E27FC236}">
-                <a16:creationId xmlns:a16="http://schemas.microsoft.com/office/drawing/2014/main" id="{58F09D7B-B00E-47F4-92EA-443037A84453}"/>
-              </a:ext>
-            </a:extLst>
-          </p:cNvPr>
+          <p:cNvPr id="5" name="Footer Placeholder 4"/>
           <p:cNvSpPr>
             <a:spLocks noGrp="1"/>
           </p:cNvSpPr>
@@ -662,13 +695,7 @@
       </p:sp>
       <p:sp>
         <p:nvSpPr>
-          <p:cNvPr id="6" name="Slide Number Placeholder 5">
-            <a:extLst>
-              <a:ext uri="{FF2B5EF4-FFF2-40B4-BE49-F238E27FC236}">
-                <a16:creationId xmlns:a16="http://schemas.microsoft.com/office/drawing/2014/main" id="{A148B641-50A4-4C5E-9F54-7B6C9FFF6544}"/>
-              </a:ext>
-            </a:extLst>
-          </p:cNvPr>
+          <p:cNvPr id="6" name="Slide Number Placeholder 5"/>
           <p:cNvSpPr>
             <a:spLocks noGrp="1"/>
           </p:cNvSpPr>
@@ -692,7 +719,7 @@
     </p:spTree>
     <p:extLst>
       <p:ext uri="{BB962C8B-B14F-4D97-AF65-F5344CB8AC3E}">
-        <p14:creationId xmlns:p14="http://schemas.microsoft.com/office/powerpoint/2010/main" val="1994840196"/>
+        <p14:creationId xmlns:p14="http://schemas.microsoft.com/office/powerpoint/2010/main" val="4202258470"/>
       </p:ext>
     </p:extLst>
   </p:cSld>
@@ -721,13 +748,7 @@
       </p:grpSpPr>
       <p:sp>
         <p:nvSpPr>
-          <p:cNvPr id="2" name="Title 1">
-            <a:extLst>
-              <a:ext uri="{FF2B5EF4-FFF2-40B4-BE49-F238E27FC236}">
-                <a16:creationId xmlns:a16="http://schemas.microsoft.com/office/drawing/2014/main" id="{7B36FC8F-1227-4949-BF3F-764293A68630}"/>
-              </a:ext>
-            </a:extLst>
-          </p:cNvPr>
+          <p:cNvPr id="2" name="Title 1"/>
           <p:cNvSpPr>
             <a:spLocks noGrp="1"/>
           </p:cNvSpPr>
@@ -741,21 +762,16 @@
           <a:lstStyle/>
           <a:p>
             <a:r>
-              <a:rPr lang="en-US"/>
+              <a:rPr lang="en-US" smtClean="0"/>
               <a:t>Click to edit Master title style</a:t>
             </a:r>
-          </a:p>
-        </p:txBody>
-      </p:sp>
-      <p:sp>
-        <p:nvSpPr>
-          <p:cNvPr id="3" name="Vertical Text Placeholder 2">
-            <a:extLst>
-              <a:ext uri="{FF2B5EF4-FFF2-40B4-BE49-F238E27FC236}">
-                <a16:creationId xmlns:a16="http://schemas.microsoft.com/office/drawing/2014/main" id="{6866E0E2-6944-4ED3-B707-D9AD3496F9C7}"/>
-              </a:ext>
-            </a:extLst>
-          </p:cNvPr>
+            <a:endParaRPr lang="en-US"/>
+          </a:p>
+        </p:txBody>
+      </p:sp>
+      <p:sp>
+        <p:nvSpPr>
+          <p:cNvPr id="3" name="Vertical Text Placeholder 2"/>
           <p:cNvSpPr>
             <a:spLocks noGrp="1"/>
           </p:cNvSpPr>
@@ -770,49 +786,44 @@
           <a:p>
             <a:pPr lvl="0"/>
             <a:r>
-              <a:rPr lang="en-US"/>
+              <a:rPr lang="en-US" smtClean="0"/>
               <a:t>Edit Master text styles</a:t>
             </a:r>
           </a:p>
           <a:p>
             <a:pPr lvl="1"/>
             <a:r>
-              <a:rPr lang="en-US"/>
+              <a:rPr lang="en-US" smtClean="0"/>
               <a:t>Second level</a:t>
             </a:r>
           </a:p>
           <a:p>
             <a:pPr lvl="2"/>
             <a:r>
-              <a:rPr lang="en-US"/>
+              <a:rPr lang="en-US" smtClean="0"/>
               <a:t>Third level</a:t>
             </a:r>
           </a:p>
           <a:p>
             <a:pPr lvl="3"/>
             <a:r>
-              <a:rPr lang="en-US"/>
+              <a:rPr lang="en-US" smtClean="0"/>
               <a:t>Fourth level</a:t>
             </a:r>
           </a:p>
           <a:p>
             <a:pPr lvl="4"/>
             <a:r>
-              <a:rPr lang="en-US"/>
+              <a:rPr lang="en-US" smtClean="0"/>
               <a:t>Fifth level</a:t>
             </a:r>
-          </a:p>
-        </p:txBody>
-      </p:sp>
-      <p:sp>
-        <p:nvSpPr>
-          <p:cNvPr id="4" name="Date Placeholder 3">
-            <a:extLst>
-              <a:ext uri="{FF2B5EF4-FFF2-40B4-BE49-F238E27FC236}">
-                <a16:creationId xmlns:a16="http://schemas.microsoft.com/office/drawing/2014/main" id="{B7DF20EB-0A29-40C8-A6C3-DC53F80D81BF}"/>
-              </a:ext>
-            </a:extLst>
-          </p:cNvPr>
+            <a:endParaRPr lang="en-US"/>
+          </a:p>
+        </p:txBody>
+      </p:sp>
+      <p:sp>
+        <p:nvSpPr>
+          <p:cNvPr id="4" name="Date Placeholder 3"/>
           <p:cNvSpPr>
             <a:spLocks noGrp="1"/>
           </p:cNvSpPr>
@@ -827,7 +838,7 @@
           <a:p>
             <a:fld id="{23A0FAE5-E8A8-4C94-B105-9978F51B0953}" type="datetimeFigureOut">
               <a:rPr lang="en-US" smtClean="0"/>
-              <a:t>7/29/2018</a:t>
+              <a:t>8/3/2018</a:t>
             </a:fld>
             <a:endParaRPr lang="en-US"/>
           </a:p>
@@ -835,13 +846,7 @@
       </p:sp>
       <p:sp>
         <p:nvSpPr>
-          <p:cNvPr id="5" name="Footer Placeholder 4">
-            <a:extLst>
-              <a:ext uri="{FF2B5EF4-FFF2-40B4-BE49-F238E27FC236}">
-                <a16:creationId xmlns:a16="http://schemas.microsoft.com/office/drawing/2014/main" id="{891032B8-C4C1-4F56-A18A-83EE1B412AE3}"/>
-              </a:ext>
-            </a:extLst>
-          </p:cNvPr>
+          <p:cNvPr id="5" name="Footer Placeholder 4"/>
           <p:cNvSpPr>
             <a:spLocks noGrp="1"/>
           </p:cNvSpPr>
@@ -860,13 +865,7 @@
       </p:sp>
       <p:sp>
         <p:nvSpPr>
-          <p:cNvPr id="6" name="Slide Number Placeholder 5">
-            <a:extLst>
-              <a:ext uri="{FF2B5EF4-FFF2-40B4-BE49-F238E27FC236}">
-                <a16:creationId xmlns:a16="http://schemas.microsoft.com/office/drawing/2014/main" id="{993B70E3-200D-4A4A-AA2A-F72803627DEB}"/>
-              </a:ext>
-            </a:extLst>
-          </p:cNvPr>
+          <p:cNvPr id="6" name="Slide Number Placeholder 5"/>
           <p:cNvSpPr>
             <a:spLocks noGrp="1"/>
           </p:cNvSpPr>
@@ -890,7 +889,7 @@
     </p:spTree>
     <p:extLst>
       <p:ext uri="{BB962C8B-B14F-4D97-AF65-F5344CB8AC3E}">
-        <p14:creationId xmlns:p14="http://schemas.microsoft.com/office/powerpoint/2010/main" val="1263752775"/>
+        <p14:creationId xmlns:p14="http://schemas.microsoft.com/office/powerpoint/2010/main" val="3947184875"/>
       </p:ext>
     </p:extLst>
   </p:cSld>
@@ -919,13 +918,7 @@
       </p:grpSpPr>
       <p:sp>
         <p:nvSpPr>
-          <p:cNvPr id="2" name="Vertical Title 1">
-            <a:extLst>
-              <a:ext uri="{FF2B5EF4-FFF2-40B4-BE49-F238E27FC236}">
-                <a16:creationId xmlns:a16="http://schemas.microsoft.com/office/drawing/2014/main" id="{14534012-5D3A-4099-8A1E-D0859D296909}"/>
-              </a:ext>
-            </a:extLst>
-          </p:cNvPr>
+          <p:cNvPr id="2" name="Vertical Title 1"/>
           <p:cNvSpPr>
             <a:spLocks noGrp="1"/>
           </p:cNvSpPr>
@@ -935,8 +928,8 @@
         </p:nvSpPr>
         <p:spPr>
           <a:xfrm>
-            <a:off x="8724900" y="365125"/>
-            <a:ext cx="2628900" cy="5811838"/>
+            <a:off x="8839200" y="274639"/>
+            <a:ext cx="2743200" cy="5851525"/>
           </a:xfrm>
         </p:spPr>
         <p:txBody>
@@ -944,21 +937,16 @@
           <a:lstStyle/>
           <a:p>
             <a:r>
-              <a:rPr lang="en-US"/>
+              <a:rPr lang="en-US" smtClean="0"/>
               <a:t>Click to edit Master title style</a:t>
             </a:r>
-          </a:p>
-        </p:txBody>
-      </p:sp>
-      <p:sp>
-        <p:nvSpPr>
-          <p:cNvPr id="3" name="Vertical Text Placeholder 2">
-            <a:extLst>
-              <a:ext uri="{FF2B5EF4-FFF2-40B4-BE49-F238E27FC236}">
-                <a16:creationId xmlns:a16="http://schemas.microsoft.com/office/drawing/2014/main" id="{717AD0D7-BCC3-4FB2-9AC1-3EA1D95E33CF}"/>
-              </a:ext>
-            </a:extLst>
-          </p:cNvPr>
+            <a:endParaRPr lang="en-US"/>
+          </a:p>
+        </p:txBody>
+      </p:sp>
+      <p:sp>
+        <p:nvSpPr>
+          <p:cNvPr id="3" name="Vertical Text Placeholder 2"/>
           <p:cNvSpPr>
             <a:spLocks noGrp="1"/>
           </p:cNvSpPr>
@@ -968,8 +956,8 @@
         </p:nvSpPr>
         <p:spPr>
           <a:xfrm>
-            <a:off x="838200" y="365125"/>
-            <a:ext cx="7734300" cy="5811838"/>
+            <a:off x="609600" y="274639"/>
+            <a:ext cx="8026400" cy="5851525"/>
           </a:xfrm>
         </p:spPr>
         <p:txBody>
@@ -978,49 +966,44 @@
           <a:p>
             <a:pPr lvl="0"/>
             <a:r>
-              <a:rPr lang="en-US"/>
+              <a:rPr lang="en-US" smtClean="0"/>
               <a:t>Edit Master text styles</a:t>
             </a:r>
           </a:p>
           <a:p>
             <a:pPr lvl="1"/>
             <a:r>
-              <a:rPr lang="en-US"/>
+              <a:rPr lang="en-US" smtClean="0"/>
               <a:t>Second level</a:t>
             </a:r>
           </a:p>
           <a:p>
             <a:pPr lvl="2"/>
             <a:r>
-              <a:rPr lang="en-US"/>
+              <a:rPr lang="en-US" smtClean="0"/>
               <a:t>Third level</a:t>
             </a:r>
           </a:p>
           <a:p>
             <a:pPr lvl="3"/>
             <a:r>
-              <a:rPr lang="en-US"/>
+              <a:rPr lang="en-US" smtClean="0"/>
               <a:t>Fourth level</a:t>
             </a:r>
           </a:p>
           <a:p>
             <a:pPr lvl="4"/>
             <a:r>
-              <a:rPr lang="en-US"/>
+              <a:rPr lang="en-US" smtClean="0"/>
               <a:t>Fifth level</a:t>
             </a:r>
-          </a:p>
-        </p:txBody>
-      </p:sp>
-      <p:sp>
-        <p:nvSpPr>
-          <p:cNvPr id="4" name="Date Placeholder 3">
-            <a:extLst>
-              <a:ext uri="{FF2B5EF4-FFF2-40B4-BE49-F238E27FC236}">
-                <a16:creationId xmlns:a16="http://schemas.microsoft.com/office/drawing/2014/main" id="{2A1E6E12-4D83-4FCC-BA3A-16BF443CAE1F}"/>
-              </a:ext>
-            </a:extLst>
-          </p:cNvPr>
+            <a:endParaRPr lang="en-US"/>
+          </a:p>
+        </p:txBody>
+      </p:sp>
+      <p:sp>
+        <p:nvSpPr>
+          <p:cNvPr id="4" name="Date Placeholder 3"/>
           <p:cNvSpPr>
             <a:spLocks noGrp="1"/>
           </p:cNvSpPr>
@@ -1035,7 +1018,7 @@
           <a:p>
             <a:fld id="{23A0FAE5-E8A8-4C94-B105-9978F51B0953}" type="datetimeFigureOut">
               <a:rPr lang="en-US" smtClean="0"/>
-              <a:t>7/29/2018</a:t>
+              <a:t>8/3/2018</a:t>
             </a:fld>
             <a:endParaRPr lang="en-US"/>
           </a:p>
@@ -1043,13 +1026,7 @@
       </p:sp>
       <p:sp>
         <p:nvSpPr>
-          <p:cNvPr id="5" name="Footer Placeholder 4">
-            <a:extLst>
-              <a:ext uri="{FF2B5EF4-FFF2-40B4-BE49-F238E27FC236}">
-                <a16:creationId xmlns:a16="http://schemas.microsoft.com/office/drawing/2014/main" id="{EBFD60AD-42C2-4E2B-907B-E6795CE60E2F}"/>
-              </a:ext>
-            </a:extLst>
-          </p:cNvPr>
+          <p:cNvPr id="5" name="Footer Placeholder 4"/>
           <p:cNvSpPr>
             <a:spLocks noGrp="1"/>
           </p:cNvSpPr>
@@ -1068,13 +1045,7 @@
       </p:sp>
       <p:sp>
         <p:nvSpPr>
-          <p:cNvPr id="6" name="Slide Number Placeholder 5">
-            <a:extLst>
-              <a:ext uri="{FF2B5EF4-FFF2-40B4-BE49-F238E27FC236}">
-                <a16:creationId xmlns:a16="http://schemas.microsoft.com/office/drawing/2014/main" id="{6BF67799-C344-4A4F-B252-3E6EE0DAA50D}"/>
-              </a:ext>
-            </a:extLst>
-          </p:cNvPr>
+          <p:cNvPr id="6" name="Slide Number Placeholder 5"/>
           <p:cNvSpPr>
             <a:spLocks noGrp="1"/>
           </p:cNvSpPr>
@@ -1098,7 +1069,7 @@
     </p:spTree>
     <p:extLst>
       <p:ext uri="{BB962C8B-B14F-4D97-AF65-F5344CB8AC3E}">
-        <p14:creationId xmlns:p14="http://schemas.microsoft.com/office/powerpoint/2010/main" val="2695849155"/>
+        <p14:creationId xmlns:p14="http://schemas.microsoft.com/office/powerpoint/2010/main" val="206169778"/>
       </p:ext>
     </p:extLst>
   </p:cSld>
@@ -1127,13 +1098,7 @@
       </p:grpSpPr>
       <p:sp>
         <p:nvSpPr>
-          <p:cNvPr id="2" name="Title 1">
-            <a:extLst>
-              <a:ext uri="{FF2B5EF4-FFF2-40B4-BE49-F238E27FC236}">
-                <a16:creationId xmlns:a16="http://schemas.microsoft.com/office/drawing/2014/main" id="{E54FCA59-FAD5-4D9C-889F-BB2114956996}"/>
-              </a:ext>
-            </a:extLst>
-          </p:cNvPr>
+          <p:cNvPr id="2" name="Title 1"/>
           <p:cNvSpPr>
             <a:spLocks noGrp="1"/>
           </p:cNvSpPr>
@@ -1147,21 +1112,16 @@
           <a:lstStyle/>
           <a:p>
             <a:r>
-              <a:rPr lang="en-US"/>
+              <a:rPr lang="en-US" smtClean="0"/>
               <a:t>Click to edit Master title style</a:t>
             </a:r>
-          </a:p>
-        </p:txBody>
-      </p:sp>
-      <p:sp>
-        <p:nvSpPr>
-          <p:cNvPr id="3" name="Content Placeholder 2">
-            <a:extLst>
-              <a:ext uri="{FF2B5EF4-FFF2-40B4-BE49-F238E27FC236}">
-                <a16:creationId xmlns:a16="http://schemas.microsoft.com/office/drawing/2014/main" id="{8EA77B9E-2AA4-4629-9B5E-A060356BCB07}"/>
-              </a:ext>
-            </a:extLst>
-          </p:cNvPr>
+            <a:endParaRPr lang="en-US"/>
+          </a:p>
+        </p:txBody>
+      </p:sp>
+      <p:sp>
+        <p:nvSpPr>
+          <p:cNvPr id="3" name="Content Placeholder 2"/>
           <p:cNvSpPr>
             <a:spLocks noGrp="1"/>
           </p:cNvSpPr>
@@ -1176,49 +1136,44 @@
           <a:p>
             <a:pPr lvl="0"/>
             <a:r>
-              <a:rPr lang="en-US"/>
+              <a:rPr lang="en-US" smtClean="0"/>
               <a:t>Edit Master text styles</a:t>
             </a:r>
           </a:p>
           <a:p>
             <a:pPr lvl="1"/>
             <a:r>
-              <a:rPr lang="en-US"/>
+              <a:rPr lang="en-US" smtClean="0"/>
               <a:t>Second level</a:t>
             </a:r>
           </a:p>
           <a:p>
             <a:pPr lvl="2"/>
             <a:r>
-              <a:rPr lang="en-US"/>
+              <a:rPr lang="en-US" smtClean="0"/>
               <a:t>Third level</a:t>
             </a:r>
           </a:p>
           <a:p>
             <a:pPr lvl="3"/>
             <a:r>
-              <a:rPr lang="en-US"/>
+              <a:rPr lang="en-US" smtClean="0"/>
               <a:t>Fourth level</a:t>
             </a:r>
           </a:p>
           <a:p>
             <a:pPr lvl="4"/>
             <a:r>
-              <a:rPr lang="en-US"/>
+              <a:rPr lang="en-US" smtClean="0"/>
               <a:t>Fifth level</a:t>
             </a:r>
-          </a:p>
-        </p:txBody>
-      </p:sp>
-      <p:sp>
-        <p:nvSpPr>
-          <p:cNvPr id="4" name="Date Placeholder 3">
-            <a:extLst>
-              <a:ext uri="{FF2B5EF4-FFF2-40B4-BE49-F238E27FC236}">
-                <a16:creationId xmlns:a16="http://schemas.microsoft.com/office/drawing/2014/main" id="{4BA1295C-FB6C-4186-97C2-E5077C40FD5B}"/>
-              </a:ext>
-            </a:extLst>
-          </p:cNvPr>
+            <a:endParaRPr lang="en-US"/>
+          </a:p>
+        </p:txBody>
+      </p:sp>
+      <p:sp>
+        <p:nvSpPr>
+          <p:cNvPr id="4" name="Date Placeholder 3"/>
           <p:cNvSpPr>
             <a:spLocks noGrp="1"/>
           </p:cNvSpPr>
@@ -1233,7 +1188,7 @@
           <a:p>
             <a:fld id="{23A0FAE5-E8A8-4C94-B105-9978F51B0953}" type="datetimeFigureOut">
               <a:rPr lang="en-US" smtClean="0"/>
-              <a:t>7/29/2018</a:t>
+              <a:t>8/3/2018</a:t>
             </a:fld>
             <a:endParaRPr lang="en-US"/>
           </a:p>
@@ -1241,13 +1196,7 @@
       </p:sp>
       <p:sp>
         <p:nvSpPr>
-          <p:cNvPr id="5" name="Footer Placeholder 4">
-            <a:extLst>
-              <a:ext uri="{FF2B5EF4-FFF2-40B4-BE49-F238E27FC236}">
-                <a16:creationId xmlns:a16="http://schemas.microsoft.com/office/drawing/2014/main" id="{05EB4164-997F-4F02-94AC-64595F842B56}"/>
-              </a:ext>
-            </a:extLst>
-          </p:cNvPr>
+          <p:cNvPr id="5" name="Footer Placeholder 4"/>
           <p:cNvSpPr>
             <a:spLocks noGrp="1"/>
           </p:cNvSpPr>
@@ -1266,13 +1215,7 @@
       </p:sp>
       <p:sp>
         <p:nvSpPr>
-          <p:cNvPr id="6" name="Slide Number Placeholder 5">
-            <a:extLst>
-              <a:ext uri="{FF2B5EF4-FFF2-40B4-BE49-F238E27FC236}">
-                <a16:creationId xmlns:a16="http://schemas.microsoft.com/office/drawing/2014/main" id="{88ED7CD9-B8D8-4F48-9ED5-40DAEC1B95CF}"/>
-              </a:ext>
-            </a:extLst>
-          </p:cNvPr>
+          <p:cNvPr id="6" name="Slide Number Placeholder 5"/>
           <p:cNvSpPr>
             <a:spLocks noGrp="1"/>
           </p:cNvSpPr>
@@ -1296,7 +1239,7 @@
     </p:spTree>
     <p:extLst>
       <p:ext uri="{BB962C8B-B14F-4D97-AF65-F5344CB8AC3E}">
-        <p14:creationId xmlns:p14="http://schemas.microsoft.com/office/powerpoint/2010/main" val="477193147"/>
+        <p14:creationId xmlns:p14="http://schemas.microsoft.com/office/powerpoint/2010/main" val="3839339331"/>
       </p:ext>
     </p:extLst>
   </p:cSld>
@@ -1325,13 +1268,7 @@
       </p:grpSpPr>
       <p:sp>
         <p:nvSpPr>
-          <p:cNvPr id="2" name="Title 1">
-            <a:extLst>
-              <a:ext uri="{FF2B5EF4-FFF2-40B4-BE49-F238E27FC236}">
-                <a16:creationId xmlns:a16="http://schemas.microsoft.com/office/drawing/2014/main" id="{9247C59F-9945-4ECB-A408-EC0E0EF03C71}"/>
-              </a:ext>
-            </a:extLst>
-          </p:cNvPr>
+          <p:cNvPr id="2" name="Title 1"/>
           <p:cNvSpPr>
             <a:spLocks noGrp="1"/>
           </p:cNvSpPr>
@@ -1341,34 +1278,29 @@
         </p:nvSpPr>
         <p:spPr>
           <a:xfrm>
-            <a:off x="831850" y="1709738"/>
-            <a:ext cx="10515600" cy="2852737"/>
+            <a:off x="963084" y="4406901"/>
+            <a:ext cx="10363200" cy="1362075"/>
           </a:xfrm>
         </p:spPr>
         <p:txBody>
-          <a:bodyPr anchor="b"/>
+          <a:bodyPr anchor="t"/>
           <a:lstStyle>
-            <a:lvl1pPr>
-              <a:defRPr sz="6000"/>
+            <a:lvl1pPr algn="l">
+              <a:defRPr sz="4000" b="1" cap="all"/>
             </a:lvl1pPr>
           </a:lstStyle>
           <a:p>
             <a:r>
-              <a:rPr lang="en-US"/>
+              <a:rPr lang="en-US" smtClean="0"/>
               <a:t>Click to edit Master title style</a:t>
             </a:r>
-          </a:p>
-        </p:txBody>
-      </p:sp>
-      <p:sp>
-        <p:nvSpPr>
-          <p:cNvPr id="3" name="Text Placeholder 2">
-            <a:extLst>
-              <a:ext uri="{FF2B5EF4-FFF2-40B4-BE49-F238E27FC236}">
-                <a16:creationId xmlns:a16="http://schemas.microsoft.com/office/drawing/2014/main" id="{E2513AF3-E2A4-4A14-B2DD-D8ADBCCF8B1E}"/>
-              </a:ext>
-            </a:extLst>
-          </p:cNvPr>
+            <a:endParaRPr lang="en-US"/>
+          </a:p>
+        </p:txBody>
+      </p:sp>
+      <p:sp>
+        <p:nvSpPr>
+          <p:cNvPr id="3" name="Text Placeholder 2"/>
           <p:cNvSpPr>
             <a:spLocks noGrp="1"/>
           </p:cNvSpPr>
@@ -1378,16 +1310,16 @@
         </p:nvSpPr>
         <p:spPr>
           <a:xfrm>
-            <a:off x="831850" y="4589463"/>
-            <a:ext cx="10515600" cy="1500187"/>
+            <a:off x="963084" y="2906713"/>
+            <a:ext cx="10363200" cy="1500187"/>
           </a:xfrm>
         </p:spPr>
         <p:txBody>
-          <a:bodyPr/>
+          <a:bodyPr anchor="b"/>
           <a:lstStyle>
             <a:lvl1pPr marL="0" indent="0">
               <a:buNone/>
-              <a:defRPr sz="2400">
+              <a:defRPr sz="2000">
                 <a:solidFill>
                   <a:schemeClr val="tx1">
                     <a:tint val="75000"/>
@@ -1397,7 +1329,7 @@
             </a:lvl1pPr>
             <a:lvl2pPr marL="457200" indent="0">
               <a:buNone/>
-              <a:defRPr sz="2000">
+              <a:defRPr sz="1800">
                 <a:solidFill>
                   <a:schemeClr val="tx1">
                     <a:tint val="75000"/>
@@ -1407,7 +1339,7 @@
             </a:lvl2pPr>
             <a:lvl3pPr marL="914400" indent="0">
               <a:buNone/>
-              <a:defRPr sz="1800">
+              <a:defRPr sz="1600">
                 <a:solidFill>
                   <a:schemeClr val="tx1">
                     <a:tint val="75000"/>
@@ -1417,7 +1349,7 @@
             </a:lvl3pPr>
             <a:lvl4pPr marL="1371600" indent="0">
               <a:buNone/>
-              <a:defRPr sz="1600">
+              <a:defRPr sz="1400">
                 <a:solidFill>
                   <a:schemeClr val="tx1">
                     <a:tint val="75000"/>
@@ -1427,7 +1359,7 @@
             </a:lvl4pPr>
             <a:lvl5pPr marL="1828800" indent="0">
               <a:buNone/>
-              <a:defRPr sz="1600">
+              <a:defRPr sz="1400">
                 <a:solidFill>
                   <a:schemeClr val="tx1">
                     <a:tint val="75000"/>
@@ -1437,7 +1369,7 @@
             </a:lvl5pPr>
             <a:lvl6pPr marL="2286000" indent="0">
               <a:buNone/>
-              <a:defRPr sz="1600">
+              <a:defRPr sz="1400">
                 <a:solidFill>
                   <a:schemeClr val="tx1">
                     <a:tint val="75000"/>
@@ -1447,7 +1379,7 @@
             </a:lvl6pPr>
             <a:lvl7pPr marL="2743200" indent="0">
               <a:buNone/>
-              <a:defRPr sz="1600">
+              <a:defRPr sz="1400">
                 <a:solidFill>
                   <a:schemeClr val="tx1">
                     <a:tint val="75000"/>
@@ -1457,7 +1389,7 @@
             </a:lvl7pPr>
             <a:lvl8pPr marL="3200400" indent="0">
               <a:buNone/>
-              <a:defRPr sz="1600">
+              <a:defRPr sz="1400">
                 <a:solidFill>
                   <a:schemeClr val="tx1">
                     <a:tint val="75000"/>
@@ -1467,7 +1399,7 @@
             </a:lvl8pPr>
             <a:lvl9pPr marL="3657600" indent="0">
               <a:buNone/>
-              <a:defRPr sz="1600">
+              <a:defRPr sz="1400">
                 <a:solidFill>
                   <a:schemeClr val="tx1">
                     <a:tint val="75000"/>
@@ -1479,7 +1411,7 @@
           <a:p>
             <a:pPr lvl="0"/>
             <a:r>
-              <a:rPr lang="en-US"/>
+              <a:rPr lang="en-US" smtClean="0"/>
               <a:t>Edit Master text styles</a:t>
             </a:r>
           </a:p>
@@ -1487,13 +1419,7 @@
       </p:sp>
       <p:sp>
         <p:nvSpPr>
-          <p:cNvPr id="4" name="Date Placeholder 3">
-            <a:extLst>
-              <a:ext uri="{FF2B5EF4-FFF2-40B4-BE49-F238E27FC236}">
-                <a16:creationId xmlns:a16="http://schemas.microsoft.com/office/drawing/2014/main" id="{D2EEB862-D75C-4CF4-861D-629997A2EB8C}"/>
-              </a:ext>
-            </a:extLst>
-          </p:cNvPr>
+          <p:cNvPr id="4" name="Date Placeholder 3"/>
           <p:cNvSpPr>
             <a:spLocks noGrp="1"/>
           </p:cNvSpPr>
@@ -1508,7 +1434,7 @@
           <a:p>
             <a:fld id="{23A0FAE5-E8A8-4C94-B105-9978F51B0953}" type="datetimeFigureOut">
               <a:rPr lang="en-US" smtClean="0"/>
-              <a:t>7/29/2018</a:t>
+              <a:t>8/3/2018</a:t>
             </a:fld>
             <a:endParaRPr lang="en-US"/>
           </a:p>
@@ -1516,13 +1442,7 @@
       </p:sp>
       <p:sp>
         <p:nvSpPr>
-          <p:cNvPr id="5" name="Footer Placeholder 4">
-            <a:extLst>
-              <a:ext uri="{FF2B5EF4-FFF2-40B4-BE49-F238E27FC236}">
-                <a16:creationId xmlns:a16="http://schemas.microsoft.com/office/drawing/2014/main" id="{81EEF1DE-2EC8-4996-BF72-883CEBF14C87}"/>
-              </a:ext>
-            </a:extLst>
-          </p:cNvPr>
+          <p:cNvPr id="5" name="Footer Placeholder 4"/>
           <p:cNvSpPr>
             <a:spLocks noGrp="1"/>
           </p:cNvSpPr>
@@ -1541,13 +1461,7 @@
       </p:sp>
       <p:sp>
         <p:nvSpPr>
-          <p:cNvPr id="6" name="Slide Number Placeholder 5">
-            <a:extLst>
-              <a:ext uri="{FF2B5EF4-FFF2-40B4-BE49-F238E27FC236}">
-                <a16:creationId xmlns:a16="http://schemas.microsoft.com/office/drawing/2014/main" id="{8D2EC089-1DA3-4C99-8D08-12F90E9CC40B}"/>
-              </a:ext>
-            </a:extLst>
-          </p:cNvPr>
+          <p:cNvPr id="6" name="Slide Number Placeholder 5"/>
           <p:cNvSpPr>
             <a:spLocks noGrp="1"/>
           </p:cNvSpPr>
@@ -1571,7 +1485,7 @@
     </p:spTree>
     <p:extLst>
       <p:ext uri="{BB962C8B-B14F-4D97-AF65-F5344CB8AC3E}">
-        <p14:creationId xmlns:p14="http://schemas.microsoft.com/office/powerpoint/2010/main" val="2704725170"/>
+        <p14:creationId xmlns:p14="http://schemas.microsoft.com/office/powerpoint/2010/main" val="1117329730"/>
       </p:ext>
     </p:extLst>
   </p:cSld>
@@ -1600,13 +1514,7 @@
       </p:grpSpPr>
       <p:sp>
         <p:nvSpPr>
-          <p:cNvPr id="2" name="Title 1">
-            <a:extLst>
-              <a:ext uri="{FF2B5EF4-FFF2-40B4-BE49-F238E27FC236}">
-                <a16:creationId xmlns:a16="http://schemas.microsoft.com/office/drawing/2014/main" id="{2E863028-716D-4946-AC35-C82E5AD35C25}"/>
-              </a:ext>
-            </a:extLst>
-          </p:cNvPr>
+          <p:cNvPr id="2" name="Title 1"/>
           <p:cNvSpPr>
             <a:spLocks noGrp="1"/>
           </p:cNvSpPr>
@@ -1620,21 +1528,16 @@
           <a:lstStyle/>
           <a:p>
             <a:r>
-              <a:rPr lang="en-US"/>
+              <a:rPr lang="en-US" smtClean="0"/>
               <a:t>Click to edit Master title style</a:t>
             </a:r>
-          </a:p>
-        </p:txBody>
-      </p:sp>
-      <p:sp>
-        <p:nvSpPr>
-          <p:cNvPr id="3" name="Content Placeholder 2">
-            <a:extLst>
-              <a:ext uri="{FF2B5EF4-FFF2-40B4-BE49-F238E27FC236}">
-                <a16:creationId xmlns:a16="http://schemas.microsoft.com/office/drawing/2014/main" id="{E7A67262-71CE-4908-A094-C311947B19BC}"/>
-              </a:ext>
-            </a:extLst>
-          </p:cNvPr>
+            <a:endParaRPr lang="en-US"/>
+          </a:p>
+        </p:txBody>
+      </p:sp>
+      <p:sp>
+        <p:nvSpPr>
+          <p:cNvPr id="3" name="Content Placeholder 2"/>
           <p:cNvSpPr>
             <a:spLocks noGrp="1"/>
           </p:cNvSpPr>
@@ -1644,59 +1547,82 @@
         </p:nvSpPr>
         <p:spPr>
           <a:xfrm>
-            <a:off x="838200" y="1825625"/>
-            <a:ext cx="5181600" cy="4351338"/>
+            <a:off x="609600" y="1600201"/>
+            <a:ext cx="5384800" cy="4525963"/>
           </a:xfrm>
         </p:spPr>
         <p:txBody>
           <a:bodyPr/>
-          <a:lstStyle/>
+          <a:lstStyle>
+            <a:lvl1pPr>
+              <a:defRPr sz="2800"/>
+            </a:lvl1pPr>
+            <a:lvl2pPr>
+              <a:defRPr sz="2400"/>
+            </a:lvl2pPr>
+            <a:lvl3pPr>
+              <a:defRPr sz="2000"/>
+            </a:lvl3pPr>
+            <a:lvl4pPr>
+              <a:defRPr sz="1800"/>
+            </a:lvl4pPr>
+            <a:lvl5pPr>
+              <a:defRPr sz="1800"/>
+            </a:lvl5pPr>
+            <a:lvl6pPr>
+              <a:defRPr sz="1800"/>
+            </a:lvl6pPr>
+            <a:lvl7pPr>
+              <a:defRPr sz="1800"/>
+            </a:lvl7pPr>
+            <a:lvl8pPr>
+              <a:defRPr sz="1800"/>
+            </a:lvl8pPr>
+            <a:lvl9pPr>
+              <a:defRPr sz="1800"/>
+            </a:lvl9pPr>
+          </a:lstStyle>
           <a:p>
             <a:pPr lvl="0"/>
             <a:r>
-              <a:rPr lang="en-US"/>
+              <a:rPr lang="en-US" smtClean="0"/>
               <a:t>Edit Master text styles</a:t>
             </a:r>
           </a:p>
           <a:p>
             <a:pPr lvl="1"/>
             <a:r>
-              <a:rPr lang="en-US"/>
+              <a:rPr lang="en-US" smtClean="0"/>
               <a:t>Second level</a:t>
             </a:r>
           </a:p>
           <a:p>
             <a:pPr lvl="2"/>
             <a:r>
-              <a:rPr lang="en-US"/>
+              <a:rPr lang="en-US" smtClean="0"/>
               <a:t>Third level</a:t>
             </a:r>
           </a:p>
           <a:p>
             <a:pPr lvl="3"/>
             <a:r>
-              <a:rPr lang="en-US"/>
+              <a:rPr lang="en-US" smtClean="0"/>
               <a:t>Fourth level</a:t>
             </a:r>
           </a:p>
           <a:p>
             <a:pPr lvl="4"/>
             <a:r>
-              <a:rPr lang="en-US"/>
+              <a:rPr lang="en-US" smtClean="0"/>
               <a:t>Fifth level</a:t>
             </a:r>
-          </a:p>
-        </p:txBody>
-      </p:sp>
-      <p:sp>
-        <p:nvSpPr>
-          <p:cNvPr id="4" name="Content Placeholder 3">
-            <a:extLst>
-              <a:ext uri="{FF2B5EF4-FFF2-40B4-BE49-F238E27FC236}">
-                <a16:creationId xmlns:a16="http://schemas.microsoft.com/office/drawing/2014/main" id="{25EA7903-7FC3-404D-BE95-645DAEF9F720}"/>
-              </a:ext>
-            </a:extLst>
-          </p:cNvPr>
+            <a:endParaRPr lang="en-US"/>
+          </a:p>
+        </p:txBody>
+      </p:sp>
+      <p:sp>
+        <p:nvSpPr>
+          <p:cNvPr id="4" name="Content Placeholder 3"/>
           <p:cNvSpPr>
             <a:spLocks noGrp="1"/>
           </p:cNvSpPr>
@@ -1706,59 +1632,82 @@
         </p:nvSpPr>
         <p:spPr>
           <a:xfrm>
-            <a:off x="6172200" y="1825625"/>
-            <a:ext cx="5181600" cy="4351338"/>
+            <a:off x="6197600" y="1600201"/>
+            <a:ext cx="5384800" cy="4525963"/>
           </a:xfrm>
         </p:spPr>
         <p:txBody>
           <a:bodyPr/>
-          <a:lstStyle/>
+          <a:lstStyle>
+            <a:lvl1pPr>
+              <a:defRPr sz="2800"/>
+            </a:lvl1pPr>
+            <a:lvl2pPr>
+              <a:defRPr sz="2400"/>
+            </a:lvl2pPr>
+            <a:lvl3pPr>
+              <a:defRPr sz="2000"/>
+            </a:lvl3pPr>
+            <a:lvl4pPr>
+              <a:defRPr sz="1800"/>
+            </a:lvl4pPr>
+            <a:lvl5pPr>
+              <a:defRPr sz="1800"/>
+            </a:lvl5pPr>
+            <a:lvl6pPr>
+              <a:defRPr sz="1800"/>
+            </a:lvl6pPr>
+            <a:lvl7pPr>
+              <a:defRPr sz="1800"/>
+            </a:lvl7pPr>
+            <a:lvl8pPr>
+              <a:defRPr sz="1800"/>
+            </a:lvl8pPr>
+            <a:lvl9pPr>
+              <a:defRPr sz="1800"/>
+            </a:lvl9pPr>
+          </a:lstStyle>
           <a:p>
             <a:pPr lvl="0"/>
             <a:r>
-              <a:rPr lang="en-US"/>
+              <a:rPr lang="en-US" smtClean="0"/>
               <a:t>Edit Master text styles</a:t>
             </a:r>
           </a:p>
           <a:p>
             <a:pPr lvl="1"/>
             <a:r>
-              <a:rPr lang="en-US"/>
+              <a:rPr lang="en-US" smtClean="0"/>
               <a:t>Second level</a:t>
             </a:r>
           </a:p>
           <a:p>
             <a:pPr lvl="2"/>
             <a:r>
-              <a:rPr lang="en-US"/>
+              <a:rPr lang="en-US" smtClean="0"/>
               <a:t>Third level</a:t>
             </a:r>
           </a:p>
           <a:p>
             <a:pPr lvl="3"/>
             <a:r>
-              <a:rPr lang="en-US"/>
+              <a:rPr lang="en-US" smtClean="0"/>
               <a:t>Fourth level</a:t>
             </a:r>
           </a:p>
           <a:p>
             <a:pPr lvl="4"/>
             <a:r>
-              <a:rPr lang="en-US"/>
+              <a:rPr lang="en-US" smtClean="0"/>
               <a:t>Fifth level</a:t>
             </a:r>
-          </a:p>
-        </p:txBody>
-      </p:sp>
-      <p:sp>
-        <p:nvSpPr>
-          <p:cNvPr id="5" name="Date Placeholder 4">
-            <a:extLst>
-              <a:ext uri="{FF2B5EF4-FFF2-40B4-BE49-F238E27FC236}">
-                <a16:creationId xmlns:a16="http://schemas.microsoft.com/office/drawing/2014/main" id="{A06349A6-4050-4BFA-BC95-41FE25B47433}"/>
-              </a:ext>
-            </a:extLst>
-          </p:cNvPr>
+            <a:endParaRPr lang="en-US"/>
+          </a:p>
+        </p:txBody>
+      </p:sp>
+      <p:sp>
+        <p:nvSpPr>
+          <p:cNvPr id="5" name="Date Placeholder 4"/>
           <p:cNvSpPr>
             <a:spLocks noGrp="1"/>
           </p:cNvSpPr>
@@ -1773,7 +1722,7 @@
           <a:p>
             <a:fld id="{23A0FAE5-E8A8-4C94-B105-9978F51B0953}" type="datetimeFigureOut">
               <a:rPr lang="en-US" smtClean="0"/>
-              <a:t>7/29/2018</a:t>
+              <a:t>8/3/2018</a:t>
             </a:fld>
             <a:endParaRPr lang="en-US"/>
           </a:p>
@@ -1781,13 +1730,7 @@
       </p:sp>
       <p:sp>
         <p:nvSpPr>
-          <p:cNvPr id="6" name="Footer Placeholder 5">
-            <a:extLst>
-              <a:ext uri="{FF2B5EF4-FFF2-40B4-BE49-F238E27FC236}">
-                <a16:creationId xmlns:a16="http://schemas.microsoft.com/office/drawing/2014/main" id="{E667D6E5-0572-42A7-BB12-ED725EF7CEF1}"/>
-              </a:ext>
-            </a:extLst>
-          </p:cNvPr>
+          <p:cNvPr id="6" name="Footer Placeholder 5"/>
           <p:cNvSpPr>
             <a:spLocks noGrp="1"/>
           </p:cNvSpPr>
@@ -1806,13 +1749,7 @@
       </p:sp>
       <p:sp>
         <p:nvSpPr>
-          <p:cNvPr id="7" name="Slide Number Placeholder 6">
-            <a:extLst>
-              <a:ext uri="{FF2B5EF4-FFF2-40B4-BE49-F238E27FC236}">
-                <a16:creationId xmlns:a16="http://schemas.microsoft.com/office/drawing/2014/main" id="{8FC51AE7-408D-4580-BB58-740D53CE40F1}"/>
-              </a:ext>
-            </a:extLst>
-          </p:cNvPr>
+          <p:cNvPr id="7" name="Slide Number Placeholder 6"/>
           <p:cNvSpPr>
             <a:spLocks noGrp="1"/>
           </p:cNvSpPr>
@@ -1836,7 +1773,7 @@
     </p:spTree>
     <p:extLst>
       <p:ext uri="{BB962C8B-B14F-4D97-AF65-F5344CB8AC3E}">
-        <p14:creationId xmlns:p14="http://schemas.microsoft.com/office/powerpoint/2010/main" val="424539034"/>
+        <p14:creationId xmlns:p14="http://schemas.microsoft.com/office/powerpoint/2010/main" val="4239820765"/>
       </p:ext>
     </p:extLst>
   </p:cSld>
@@ -1865,57 +1802,45 @@
       </p:grpSpPr>
       <p:sp>
         <p:nvSpPr>
-          <p:cNvPr id="2" name="Title 1">
-            <a:extLst>
-              <a:ext uri="{FF2B5EF4-FFF2-40B4-BE49-F238E27FC236}">
-                <a16:creationId xmlns:a16="http://schemas.microsoft.com/office/drawing/2014/main" id="{7DE94A83-BE9D-402C-9052-1A3A0B9E3731}"/>
-              </a:ext>
-            </a:extLst>
-          </p:cNvPr>
+          <p:cNvPr id="2" name="Title 1"/>
           <p:cNvSpPr>
             <a:spLocks noGrp="1"/>
           </p:cNvSpPr>
           <p:nvPr>
             <p:ph type="title"/>
+          </p:nvPr>
+        </p:nvSpPr>
+        <p:spPr/>
+        <p:txBody>
+          <a:bodyPr/>
+          <a:lstStyle>
+            <a:lvl1pPr>
+              <a:defRPr/>
+            </a:lvl1pPr>
+          </a:lstStyle>
+          <a:p>
+            <a:r>
+              <a:rPr lang="en-US" smtClean="0"/>
+              <a:t>Click to edit Master title style</a:t>
+            </a:r>
+            <a:endParaRPr lang="en-US"/>
+          </a:p>
+        </p:txBody>
+      </p:sp>
+      <p:sp>
+        <p:nvSpPr>
+          <p:cNvPr id="3" name="Text Placeholder 2"/>
+          <p:cNvSpPr>
+            <a:spLocks noGrp="1"/>
+          </p:cNvSpPr>
+          <p:nvPr>
+            <p:ph type="body" idx="1"/>
           </p:nvPr>
         </p:nvSpPr>
         <p:spPr>
           <a:xfrm>
-            <a:off x="839788" y="365125"/>
-            <a:ext cx="10515600" cy="1325563"/>
-          </a:xfrm>
-        </p:spPr>
-        <p:txBody>
-          <a:bodyPr/>
-          <a:lstStyle/>
-          <a:p>
-            <a:r>
-              <a:rPr lang="en-US"/>
-              <a:t>Click to edit Master title style</a:t>
-            </a:r>
-          </a:p>
-        </p:txBody>
-      </p:sp>
-      <p:sp>
-        <p:nvSpPr>
-          <p:cNvPr id="3" name="Text Placeholder 2">
-            <a:extLst>
-              <a:ext uri="{FF2B5EF4-FFF2-40B4-BE49-F238E27FC236}">
-                <a16:creationId xmlns:a16="http://schemas.microsoft.com/office/drawing/2014/main" id="{7562A8FC-8126-4030-8D70-55A49CA08E8C}"/>
-              </a:ext>
-            </a:extLst>
-          </p:cNvPr>
-          <p:cNvSpPr>
-            <a:spLocks noGrp="1"/>
-          </p:cNvSpPr>
-          <p:nvPr>
-            <p:ph type="body" idx="1"/>
-          </p:nvPr>
-        </p:nvSpPr>
-        <p:spPr>
-          <a:xfrm>
-            <a:off x="839788" y="1681163"/>
-            <a:ext cx="5157787" cy="823912"/>
+            <a:off x="609600" y="1535113"/>
+            <a:ext cx="5386917" cy="639762"/>
           </a:xfrm>
         </p:spPr>
         <p:txBody>
@@ -1961,7 +1886,7 @@
           <a:p>
             <a:pPr lvl="0"/>
             <a:r>
-              <a:rPr lang="en-US"/>
+              <a:rPr lang="en-US" smtClean="0"/>
               <a:t>Edit Master text styles</a:t>
             </a:r>
           </a:p>
@@ -1969,13 +1894,7 @@
       </p:sp>
       <p:sp>
         <p:nvSpPr>
-          <p:cNvPr id="4" name="Content Placeholder 3">
-            <a:extLst>
-              <a:ext uri="{FF2B5EF4-FFF2-40B4-BE49-F238E27FC236}">
-                <a16:creationId xmlns:a16="http://schemas.microsoft.com/office/drawing/2014/main" id="{F1808B09-BAE6-434A-82B2-E890B388DFB0}"/>
-              </a:ext>
-            </a:extLst>
-          </p:cNvPr>
+          <p:cNvPr id="4" name="Content Placeholder 3"/>
           <p:cNvSpPr>
             <a:spLocks noGrp="1"/>
           </p:cNvSpPr>
@@ -1985,59 +1904,82 @@
         </p:nvSpPr>
         <p:spPr>
           <a:xfrm>
-            <a:off x="839788" y="2505075"/>
-            <a:ext cx="5157787" cy="3684588"/>
+            <a:off x="609600" y="2174875"/>
+            <a:ext cx="5386917" cy="3951288"/>
           </a:xfrm>
         </p:spPr>
         <p:txBody>
           <a:bodyPr/>
-          <a:lstStyle/>
+          <a:lstStyle>
+            <a:lvl1pPr>
+              <a:defRPr sz="2400"/>
+            </a:lvl1pPr>
+            <a:lvl2pPr>
+              <a:defRPr sz="2000"/>
+            </a:lvl2pPr>
+            <a:lvl3pPr>
+              <a:defRPr sz="1800"/>
+            </a:lvl3pPr>
+            <a:lvl4pPr>
+              <a:defRPr sz="1600"/>
+            </a:lvl4pPr>
+            <a:lvl5pPr>
+              <a:defRPr sz="1600"/>
+            </a:lvl5pPr>
+            <a:lvl6pPr>
+              <a:defRPr sz="1600"/>
+            </a:lvl6pPr>
+            <a:lvl7pPr>
+              <a:defRPr sz="1600"/>
+            </a:lvl7pPr>
+            <a:lvl8pPr>
+              <a:defRPr sz="1600"/>
+            </a:lvl8pPr>
+            <a:lvl9pPr>
+              <a:defRPr sz="1600"/>
+            </a:lvl9pPr>
+          </a:lstStyle>
           <a:p>
             <a:pPr lvl="0"/>
             <a:r>
-              <a:rPr lang="en-US"/>
+              <a:rPr lang="en-US" smtClean="0"/>
               <a:t>Edit Master text styles</a:t>
             </a:r>
           </a:p>
           <a:p>
             <a:pPr lvl="1"/>
             <a:r>
-              <a:rPr lang="en-US"/>
+              <a:rPr lang="en-US" smtClean="0"/>
               <a:t>Second level</a:t>
             </a:r>
           </a:p>
           <a:p>
             <a:pPr lvl="2"/>
             <a:r>
-              <a:rPr lang="en-US"/>
+              <a:rPr lang="en-US" smtClean="0"/>
               <a:t>Third level</a:t>
             </a:r>
           </a:p>
           <a:p>
             <a:pPr lvl="3"/>
             <a:r>
-              <a:rPr lang="en-US"/>
+              <a:rPr lang="en-US" smtClean="0"/>
               <a:t>Fourth level</a:t>
             </a:r>
           </a:p>
           <a:p>
             <a:pPr lvl="4"/>
             <a:r>
-              <a:rPr lang="en-US"/>
+              <a:rPr lang="en-US" smtClean="0"/>
               <a:t>Fifth level</a:t>
             </a:r>
-          </a:p>
-        </p:txBody>
-      </p:sp>
-      <p:sp>
-        <p:nvSpPr>
-          <p:cNvPr id="5" name="Text Placeholder 4">
-            <a:extLst>
-              <a:ext uri="{FF2B5EF4-FFF2-40B4-BE49-F238E27FC236}">
-                <a16:creationId xmlns:a16="http://schemas.microsoft.com/office/drawing/2014/main" id="{819BA2F6-F343-4425-AB5E-B40802BE1E38}"/>
-              </a:ext>
-            </a:extLst>
-          </p:cNvPr>
+            <a:endParaRPr lang="en-US"/>
+          </a:p>
+        </p:txBody>
+      </p:sp>
+      <p:sp>
+        <p:nvSpPr>
+          <p:cNvPr id="5" name="Text Placeholder 4"/>
           <p:cNvSpPr>
             <a:spLocks noGrp="1"/>
           </p:cNvSpPr>
@@ -2047,8 +1989,8 @@
         </p:nvSpPr>
         <p:spPr>
           <a:xfrm>
-            <a:off x="6172200" y="1681163"/>
-            <a:ext cx="5183188" cy="823912"/>
+            <a:off x="6193368" y="1535113"/>
+            <a:ext cx="5389033" cy="639762"/>
           </a:xfrm>
         </p:spPr>
         <p:txBody>
@@ -2094,7 +2036,7 @@
           <a:p>
             <a:pPr lvl="0"/>
             <a:r>
-              <a:rPr lang="en-US"/>
+              <a:rPr lang="en-US" smtClean="0"/>
               <a:t>Edit Master text styles</a:t>
             </a:r>
           </a:p>
@@ -2102,13 +2044,7 @@
       </p:sp>
       <p:sp>
         <p:nvSpPr>
-          <p:cNvPr id="6" name="Content Placeholder 5">
-            <a:extLst>
-              <a:ext uri="{FF2B5EF4-FFF2-40B4-BE49-F238E27FC236}">
-                <a16:creationId xmlns:a16="http://schemas.microsoft.com/office/drawing/2014/main" id="{174A214D-3057-40F1-B81D-757C5B817AAB}"/>
-              </a:ext>
-            </a:extLst>
-          </p:cNvPr>
+          <p:cNvPr id="6" name="Content Placeholder 5"/>
           <p:cNvSpPr>
             <a:spLocks noGrp="1"/>
           </p:cNvSpPr>
@@ -2118,59 +2054,82 @@
         </p:nvSpPr>
         <p:spPr>
           <a:xfrm>
-            <a:off x="6172200" y="2505075"/>
-            <a:ext cx="5183188" cy="3684588"/>
+            <a:off x="6193368" y="2174875"/>
+            <a:ext cx="5389033" cy="3951288"/>
           </a:xfrm>
         </p:spPr>
         <p:txBody>
           <a:bodyPr/>
-          <a:lstStyle/>
+          <a:lstStyle>
+            <a:lvl1pPr>
+              <a:defRPr sz="2400"/>
+            </a:lvl1pPr>
+            <a:lvl2pPr>
+              <a:defRPr sz="2000"/>
+            </a:lvl2pPr>
+            <a:lvl3pPr>
+              <a:defRPr sz="1800"/>
+            </a:lvl3pPr>
+            <a:lvl4pPr>
+              <a:defRPr sz="1600"/>
+            </a:lvl4pPr>
+            <a:lvl5pPr>
+              <a:defRPr sz="1600"/>
+            </a:lvl5pPr>
+            <a:lvl6pPr>
+              <a:defRPr sz="1600"/>
+            </a:lvl6pPr>
+            <a:lvl7pPr>
+              <a:defRPr sz="1600"/>
+            </a:lvl7pPr>
+            <a:lvl8pPr>
+              <a:defRPr sz="1600"/>
+            </a:lvl8pPr>
+            <a:lvl9pPr>
+              <a:defRPr sz="1600"/>
+            </a:lvl9pPr>
+          </a:lstStyle>
           <a:p>
             <a:pPr lvl="0"/>
             <a:r>
-              <a:rPr lang="en-US"/>
+              <a:rPr lang="en-US" smtClean="0"/>
               <a:t>Edit Master text styles</a:t>
             </a:r>
           </a:p>
           <a:p>
             <a:pPr lvl="1"/>
             <a:r>
-              <a:rPr lang="en-US"/>
+              <a:rPr lang="en-US" smtClean="0"/>
               <a:t>Second level</a:t>
             </a:r>
           </a:p>
           <a:p>
             <a:pPr lvl="2"/>
             <a:r>
-              <a:rPr lang="en-US"/>
+              <a:rPr lang="en-US" smtClean="0"/>
               <a:t>Third level</a:t>
             </a:r>
           </a:p>
           <a:p>
             <a:pPr lvl="3"/>
             <a:r>
-              <a:rPr lang="en-US"/>
+              <a:rPr lang="en-US" smtClean="0"/>
               <a:t>Fourth level</a:t>
             </a:r>
           </a:p>
           <a:p>
             <a:pPr lvl="4"/>
             <a:r>
-              <a:rPr lang="en-US"/>
+              <a:rPr lang="en-US" smtClean="0"/>
               <a:t>Fifth level</a:t>
             </a:r>
-          </a:p>
-        </p:txBody>
-      </p:sp>
-      <p:sp>
-        <p:nvSpPr>
-          <p:cNvPr id="7" name="Date Placeholder 6">
-            <a:extLst>
-              <a:ext uri="{FF2B5EF4-FFF2-40B4-BE49-F238E27FC236}">
-                <a16:creationId xmlns:a16="http://schemas.microsoft.com/office/drawing/2014/main" id="{1CFFB575-F7D7-4BC0-A283-4B0934585C44}"/>
-              </a:ext>
-            </a:extLst>
-          </p:cNvPr>
+            <a:endParaRPr lang="en-US"/>
+          </a:p>
+        </p:txBody>
+      </p:sp>
+      <p:sp>
+        <p:nvSpPr>
+          <p:cNvPr id="7" name="Date Placeholder 6"/>
           <p:cNvSpPr>
             <a:spLocks noGrp="1"/>
           </p:cNvSpPr>
@@ -2185,7 +2144,7 @@
           <a:p>
             <a:fld id="{23A0FAE5-E8A8-4C94-B105-9978F51B0953}" type="datetimeFigureOut">
               <a:rPr lang="en-US" smtClean="0"/>
-              <a:t>7/29/2018</a:t>
+              <a:t>8/3/2018</a:t>
             </a:fld>
             <a:endParaRPr lang="en-US"/>
           </a:p>
@@ -2193,13 +2152,7 @@
       </p:sp>
       <p:sp>
         <p:nvSpPr>
-          <p:cNvPr id="8" name="Footer Placeholder 7">
-            <a:extLst>
-              <a:ext uri="{FF2B5EF4-FFF2-40B4-BE49-F238E27FC236}">
-                <a16:creationId xmlns:a16="http://schemas.microsoft.com/office/drawing/2014/main" id="{DDEB3A3F-4B72-46EF-B6BF-5F54F40F7C8C}"/>
-              </a:ext>
-            </a:extLst>
-          </p:cNvPr>
+          <p:cNvPr id="8" name="Footer Placeholder 7"/>
           <p:cNvSpPr>
             <a:spLocks noGrp="1"/>
           </p:cNvSpPr>
@@ -2218,13 +2171,7 @@
       </p:sp>
       <p:sp>
         <p:nvSpPr>
-          <p:cNvPr id="9" name="Slide Number Placeholder 8">
-            <a:extLst>
-              <a:ext uri="{FF2B5EF4-FFF2-40B4-BE49-F238E27FC236}">
-                <a16:creationId xmlns:a16="http://schemas.microsoft.com/office/drawing/2014/main" id="{81F2CD70-FE70-4BFA-A6FA-A29071652EE0}"/>
-              </a:ext>
-            </a:extLst>
-          </p:cNvPr>
+          <p:cNvPr id="9" name="Slide Number Placeholder 8"/>
           <p:cNvSpPr>
             <a:spLocks noGrp="1"/>
           </p:cNvSpPr>
@@ -2248,7 +2195,7 @@
     </p:spTree>
     <p:extLst>
       <p:ext uri="{BB962C8B-B14F-4D97-AF65-F5344CB8AC3E}">
-        <p14:creationId xmlns:p14="http://schemas.microsoft.com/office/powerpoint/2010/main" val="4276968838"/>
+        <p14:creationId xmlns:p14="http://schemas.microsoft.com/office/powerpoint/2010/main" val="435111285"/>
       </p:ext>
     </p:extLst>
   </p:cSld>
@@ -2277,13 +2224,7 @@
       </p:grpSpPr>
       <p:sp>
         <p:nvSpPr>
-          <p:cNvPr id="2" name="Title 1">
-            <a:extLst>
-              <a:ext uri="{FF2B5EF4-FFF2-40B4-BE49-F238E27FC236}">
-                <a16:creationId xmlns:a16="http://schemas.microsoft.com/office/drawing/2014/main" id="{7F2D1890-E07F-4BA4-A50C-82C21A99F22B}"/>
-              </a:ext>
-            </a:extLst>
-          </p:cNvPr>
+          <p:cNvPr id="2" name="Title 1"/>
           <p:cNvSpPr>
             <a:spLocks noGrp="1"/>
           </p:cNvSpPr>
@@ -2297,21 +2238,16 @@
           <a:lstStyle/>
           <a:p>
             <a:r>
-              <a:rPr lang="en-US"/>
+              <a:rPr lang="en-US" smtClean="0"/>
               <a:t>Click to edit Master title style</a:t>
             </a:r>
-          </a:p>
-        </p:txBody>
-      </p:sp>
-      <p:sp>
-        <p:nvSpPr>
-          <p:cNvPr id="3" name="Date Placeholder 2">
-            <a:extLst>
-              <a:ext uri="{FF2B5EF4-FFF2-40B4-BE49-F238E27FC236}">
-                <a16:creationId xmlns:a16="http://schemas.microsoft.com/office/drawing/2014/main" id="{A21D83FA-0954-4262-ABA0-4EBE6AD5B640}"/>
-              </a:ext>
-            </a:extLst>
-          </p:cNvPr>
+            <a:endParaRPr lang="en-US"/>
+          </a:p>
+        </p:txBody>
+      </p:sp>
+      <p:sp>
+        <p:nvSpPr>
+          <p:cNvPr id="3" name="Date Placeholder 2"/>
           <p:cNvSpPr>
             <a:spLocks noGrp="1"/>
           </p:cNvSpPr>
@@ -2326,7 +2262,7 @@
           <a:p>
             <a:fld id="{23A0FAE5-E8A8-4C94-B105-9978F51B0953}" type="datetimeFigureOut">
               <a:rPr lang="en-US" smtClean="0"/>
-              <a:t>7/29/2018</a:t>
+              <a:t>8/3/2018</a:t>
             </a:fld>
             <a:endParaRPr lang="en-US"/>
           </a:p>
@@ -2334,13 +2270,7 @@
       </p:sp>
       <p:sp>
         <p:nvSpPr>
-          <p:cNvPr id="4" name="Footer Placeholder 3">
-            <a:extLst>
-              <a:ext uri="{FF2B5EF4-FFF2-40B4-BE49-F238E27FC236}">
-                <a16:creationId xmlns:a16="http://schemas.microsoft.com/office/drawing/2014/main" id="{C0356E2D-4757-4556-B031-9115E7CF73B7}"/>
-              </a:ext>
-            </a:extLst>
-          </p:cNvPr>
+          <p:cNvPr id="4" name="Footer Placeholder 3"/>
           <p:cNvSpPr>
             <a:spLocks noGrp="1"/>
           </p:cNvSpPr>
@@ -2359,13 +2289,7 @@
       </p:sp>
       <p:sp>
         <p:nvSpPr>
-          <p:cNvPr id="5" name="Slide Number Placeholder 4">
-            <a:extLst>
-              <a:ext uri="{FF2B5EF4-FFF2-40B4-BE49-F238E27FC236}">
-                <a16:creationId xmlns:a16="http://schemas.microsoft.com/office/drawing/2014/main" id="{FF8C2A96-1187-4395-9C90-A132DF8C507A}"/>
-              </a:ext>
-            </a:extLst>
-          </p:cNvPr>
+          <p:cNvPr id="5" name="Slide Number Placeholder 4"/>
           <p:cNvSpPr>
             <a:spLocks noGrp="1"/>
           </p:cNvSpPr>
@@ -2389,7 +2313,7 @@
     </p:spTree>
     <p:extLst>
       <p:ext uri="{BB962C8B-B14F-4D97-AF65-F5344CB8AC3E}">
-        <p14:creationId xmlns:p14="http://schemas.microsoft.com/office/powerpoint/2010/main" val="3840738067"/>
+        <p14:creationId xmlns:p14="http://schemas.microsoft.com/office/powerpoint/2010/main" val="2252478000"/>
       </p:ext>
     </p:extLst>
   </p:cSld>
@@ -2418,13 +2342,7 @@
       </p:grpSpPr>
       <p:sp>
         <p:nvSpPr>
-          <p:cNvPr id="2" name="Date Placeholder 1">
-            <a:extLst>
-              <a:ext uri="{FF2B5EF4-FFF2-40B4-BE49-F238E27FC236}">
-                <a16:creationId xmlns:a16="http://schemas.microsoft.com/office/drawing/2014/main" id="{29C05022-FEE4-4A76-8CEE-A050A9B63A18}"/>
-              </a:ext>
-            </a:extLst>
-          </p:cNvPr>
+          <p:cNvPr id="2" name="Date Placeholder 1"/>
           <p:cNvSpPr>
             <a:spLocks noGrp="1"/>
           </p:cNvSpPr>
@@ -2439,7 +2357,7 @@
           <a:p>
             <a:fld id="{23A0FAE5-E8A8-4C94-B105-9978F51B0953}" type="datetimeFigureOut">
               <a:rPr lang="en-US" smtClean="0"/>
-              <a:t>7/29/2018</a:t>
+              <a:t>8/3/2018</a:t>
             </a:fld>
             <a:endParaRPr lang="en-US"/>
           </a:p>
@@ -2447,13 +2365,7 @@
       </p:sp>
       <p:sp>
         <p:nvSpPr>
-          <p:cNvPr id="3" name="Footer Placeholder 2">
-            <a:extLst>
-              <a:ext uri="{FF2B5EF4-FFF2-40B4-BE49-F238E27FC236}">
-                <a16:creationId xmlns:a16="http://schemas.microsoft.com/office/drawing/2014/main" id="{E77EFF78-DEA2-47C0-AD12-E2B50EBF6DFF}"/>
-              </a:ext>
-            </a:extLst>
-          </p:cNvPr>
+          <p:cNvPr id="3" name="Footer Placeholder 2"/>
           <p:cNvSpPr>
             <a:spLocks noGrp="1"/>
           </p:cNvSpPr>
@@ -2472,13 +2384,7 @@
       </p:sp>
       <p:sp>
         <p:nvSpPr>
-          <p:cNvPr id="4" name="Slide Number Placeholder 3">
-            <a:extLst>
-              <a:ext uri="{FF2B5EF4-FFF2-40B4-BE49-F238E27FC236}">
-                <a16:creationId xmlns:a16="http://schemas.microsoft.com/office/drawing/2014/main" id="{49FCADE6-1FE6-45F9-9B54-75D08791140C}"/>
-              </a:ext>
-            </a:extLst>
-          </p:cNvPr>
+          <p:cNvPr id="4" name="Slide Number Placeholder 3"/>
           <p:cNvSpPr>
             <a:spLocks noGrp="1"/>
           </p:cNvSpPr>
@@ -2502,7 +2408,7 @@
     </p:spTree>
     <p:extLst>
       <p:ext uri="{BB962C8B-B14F-4D97-AF65-F5344CB8AC3E}">
-        <p14:creationId xmlns:p14="http://schemas.microsoft.com/office/powerpoint/2010/main" val="4080598494"/>
+        <p14:creationId xmlns:p14="http://schemas.microsoft.com/office/powerpoint/2010/main" val="3816131889"/>
       </p:ext>
     </p:extLst>
   </p:cSld>
@@ -2531,13 +2437,7 @@
       </p:grpSpPr>
       <p:sp>
         <p:nvSpPr>
-          <p:cNvPr id="2" name="Title 1">
-            <a:extLst>
-              <a:ext uri="{FF2B5EF4-FFF2-40B4-BE49-F238E27FC236}">
-                <a16:creationId xmlns:a16="http://schemas.microsoft.com/office/drawing/2014/main" id="{564A8121-F90F-463D-9F6D-4FA315B0DDF8}"/>
-              </a:ext>
-            </a:extLst>
-          </p:cNvPr>
+          <p:cNvPr id="2" name="Title 1"/>
           <p:cNvSpPr>
             <a:spLocks noGrp="1"/>
           </p:cNvSpPr>
@@ -2547,34 +2447,29 @@
         </p:nvSpPr>
         <p:spPr>
           <a:xfrm>
-            <a:off x="839788" y="457200"/>
-            <a:ext cx="3932237" cy="1600200"/>
+            <a:off x="609601" y="273050"/>
+            <a:ext cx="4011084" cy="1162050"/>
           </a:xfrm>
         </p:spPr>
         <p:txBody>
           <a:bodyPr anchor="b"/>
           <a:lstStyle>
-            <a:lvl1pPr>
-              <a:defRPr sz="3200"/>
+            <a:lvl1pPr algn="l">
+              <a:defRPr sz="2000" b="1"/>
             </a:lvl1pPr>
           </a:lstStyle>
           <a:p>
             <a:r>
-              <a:rPr lang="en-US"/>
+              <a:rPr lang="en-US" smtClean="0"/>
               <a:t>Click to edit Master title style</a:t>
             </a:r>
-          </a:p>
-        </p:txBody>
-      </p:sp>
-      <p:sp>
-        <p:nvSpPr>
-          <p:cNvPr id="3" name="Content Placeholder 2">
-            <a:extLst>
-              <a:ext uri="{FF2B5EF4-FFF2-40B4-BE49-F238E27FC236}">
-                <a16:creationId xmlns:a16="http://schemas.microsoft.com/office/drawing/2014/main" id="{E9BCD0B6-5E3B-456D-B18C-6E13898BA36F}"/>
-              </a:ext>
-            </a:extLst>
-          </p:cNvPr>
+            <a:endParaRPr lang="en-US"/>
+          </a:p>
+        </p:txBody>
+      </p:sp>
+      <p:sp>
+        <p:nvSpPr>
+          <p:cNvPr id="3" name="Content Placeholder 2"/>
           <p:cNvSpPr>
             <a:spLocks noGrp="1"/>
           </p:cNvSpPr>
@@ -2584,8 +2479,8 @@
         </p:nvSpPr>
         <p:spPr>
           <a:xfrm>
-            <a:off x="5183188" y="987425"/>
-            <a:ext cx="6172200" cy="4873625"/>
+            <a:off x="4766733" y="273051"/>
+            <a:ext cx="6815667" cy="5853113"/>
           </a:xfrm>
         </p:spPr>
         <p:txBody>
@@ -2622,49 +2517,44 @@
           <a:p>
             <a:pPr lvl="0"/>
             <a:r>
-              <a:rPr lang="en-US"/>
+              <a:rPr lang="en-US" smtClean="0"/>
               <a:t>Edit Master text styles</a:t>
             </a:r>
           </a:p>
           <a:p>
             <a:pPr lvl="1"/>
             <a:r>
-              <a:rPr lang="en-US"/>
+              <a:rPr lang="en-US" smtClean="0"/>
               <a:t>Second level</a:t>
             </a:r>
           </a:p>
           <a:p>
             <a:pPr lvl="2"/>
             <a:r>
-              <a:rPr lang="en-US"/>
+              <a:rPr lang="en-US" smtClean="0"/>
               <a:t>Third level</a:t>
             </a:r>
           </a:p>
           <a:p>
             <a:pPr lvl="3"/>
             <a:r>
-              <a:rPr lang="en-US"/>
+              <a:rPr lang="en-US" smtClean="0"/>
               <a:t>Fourth level</a:t>
             </a:r>
           </a:p>
           <a:p>
             <a:pPr lvl="4"/>
             <a:r>
-              <a:rPr lang="en-US"/>
+              <a:rPr lang="en-US" smtClean="0"/>
               <a:t>Fifth level</a:t>
             </a:r>
-          </a:p>
-        </p:txBody>
-      </p:sp>
-      <p:sp>
-        <p:nvSpPr>
-          <p:cNvPr id="4" name="Text Placeholder 3">
-            <a:extLst>
-              <a:ext uri="{FF2B5EF4-FFF2-40B4-BE49-F238E27FC236}">
-                <a16:creationId xmlns:a16="http://schemas.microsoft.com/office/drawing/2014/main" id="{C5247387-D61A-4DA0-B033-A7B416DBE118}"/>
-              </a:ext>
-            </a:extLst>
-          </p:cNvPr>
+            <a:endParaRPr lang="en-US"/>
+          </a:p>
+        </p:txBody>
+      </p:sp>
+      <p:sp>
+        <p:nvSpPr>
+          <p:cNvPr id="4" name="Text Placeholder 3"/>
           <p:cNvSpPr>
             <a:spLocks noGrp="1"/>
           </p:cNvSpPr>
@@ -2674,8 +2564,8 @@
         </p:nvSpPr>
         <p:spPr>
           <a:xfrm>
-            <a:off x="839788" y="2057400"/>
-            <a:ext cx="3932237" cy="3811588"/>
+            <a:off x="609601" y="1435101"/>
+            <a:ext cx="4011084" cy="4691063"/>
           </a:xfrm>
         </p:spPr>
         <p:txBody>
@@ -2683,45 +2573,45 @@
           <a:lstStyle>
             <a:lvl1pPr marL="0" indent="0">
               <a:buNone/>
-              <a:defRPr sz="1600"/>
+              <a:defRPr sz="1400"/>
             </a:lvl1pPr>
             <a:lvl2pPr marL="457200" indent="0">
               <a:buNone/>
-              <a:defRPr sz="1400"/>
+              <a:defRPr sz="1200"/>
             </a:lvl2pPr>
             <a:lvl3pPr marL="914400" indent="0">
               <a:buNone/>
-              <a:defRPr sz="1200"/>
+              <a:defRPr sz="1000"/>
             </a:lvl3pPr>
             <a:lvl4pPr marL="1371600" indent="0">
               <a:buNone/>
-              <a:defRPr sz="1000"/>
+              <a:defRPr sz="900"/>
             </a:lvl4pPr>
             <a:lvl5pPr marL="1828800" indent="0">
               <a:buNone/>
-              <a:defRPr sz="1000"/>
+              <a:defRPr sz="900"/>
             </a:lvl5pPr>
             <a:lvl6pPr marL="2286000" indent="0">
               <a:buNone/>
-              <a:defRPr sz="1000"/>
+              <a:defRPr sz="900"/>
             </a:lvl6pPr>
             <a:lvl7pPr marL="2743200" indent="0">
               <a:buNone/>
-              <a:defRPr sz="1000"/>
+              <a:defRPr sz="900"/>
             </a:lvl7pPr>
             <a:lvl8pPr marL="3200400" indent="0">
               <a:buNone/>
-              <a:defRPr sz="1000"/>
+              <a:defRPr sz="900"/>
             </a:lvl8pPr>
             <a:lvl9pPr marL="3657600" indent="0">
               <a:buNone/>
-              <a:defRPr sz="1000"/>
+              <a:defRPr sz="900"/>
             </a:lvl9pPr>
           </a:lstStyle>
           <a:p>
             <a:pPr lvl="0"/>
             <a:r>
-              <a:rPr lang="en-US"/>
+              <a:rPr lang="en-US" smtClean="0"/>
               <a:t>Edit Master text styles</a:t>
             </a:r>
           </a:p>
@@ -2729,13 +2619,7 @@
       </p:sp>
       <p:sp>
         <p:nvSpPr>
-          <p:cNvPr id="5" name="Date Placeholder 4">
-            <a:extLst>
-              <a:ext uri="{FF2B5EF4-FFF2-40B4-BE49-F238E27FC236}">
-                <a16:creationId xmlns:a16="http://schemas.microsoft.com/office/drawing/2014/main" id="{615CA717-AABC-486E-9CD9-68BC049E51B3}"/>
-              </a:ext>
-            </a:extLst>
-          </p:cNvPr>
+          <p:cNvPr id="5" name="Date Placeholder 4"/>
           <p:cNvSpPr>
             <a:spLocks noGrp="1"/>
           </p:cNvSpPr>
@@ -2750,7 +2634,7 @@
           <a:p>
             <a:fld id="{23A0FAE5-E8A8-4C94-B105-9978F51B0953}" type="datetimeFigureOut">
               <a:rPr lang="en-US" smtClean="0"/>
-              <a:t>7/29/2018</a:t>
+              <a:t>8/3/2018</a:t>
             </a:fld>
             <a:endParaRPr lang="en-US"/>
           </a:p>
@@ -2758,13 +2642,7 @@
       </p:sp>
       <p:sp>
         <p:nvSpPr>
-          <p:cNvPr id="6" name="Footer Placeholder 5">
-            <a:extLst>
-              <a:ext uri="{FF2B5EF4-FFF2-40B4-BE49-F238E27FC236}">
-                <a16:creationId xmlns:a16="http://schemas.microsoft.com/office/drawing/2014/main" id="{CE284916-F907-4CFB-9E81-C5687A2E1FFD}"/>
-              </a:ext>
-            </a:extLst>
-          </p:cNvPr>
+          <p:cNvPr id="6" name="Footer Placeholder 5"/>
           <p:cNvSpPr>
             <a:spLocks noGrp="1"/>
           </p:cNvSpPr>
@@ -2783,13 +2661,7 @@
       </p:sp>
       <p:sp>
         <p:nvSpPr>
-          <p:cNvPr id="7" name="Slide Number Placeholder 6">
-            <a:extLst>
-              <a:ext uri="{FF2B5EF4-FFF2-40B4-BE49-F238E27FC236}">
-                <a16:creationId xmlns:a16="http://schemas.microsoft.com/office/drawing/2014/main" id="{18DE2493-B66B-43A5-B773-AB4D2D89A9E0}"/>
-              </a:ext>
-            </a:extLst>
-          </p:cNvPr>
+          <p:cNvPr id="7" name="Slide Number Placeholder 6"/>
           <p:cNvSpPr>
             <a:spLocks noGrp="1"/>
           </p:cNvSpPr>
@@ -2813,7 +2685,7 @@
     </p:spTree>
     <p:extLst>
       <p:ext uri="{BB962C8B-B14F-4D97-AF65-F5344CB8AC3E}">
-        <p14:creationId xmlns:p14="http://schemas.microsoft.com/office/powerpoint/2010/main" val="452980916"/>
+        <p14:creationId xmlns:p14="http://schemas.microsoft.com/office/powerpoint/2010/main" val="1668781155"/>
       </p:ext>
     </p:extLst>
   </p:cSld>
@@ -2842,13 +2714,7 @@
       </p:grpSpPr>
       <p:sp>
         <p:nvSpPr>
-          <p:cNvPr id="2" name="Title 1">
-            <a:extLst>
-              <a:ext uri="{FF2B5EF4-FFF2-40B4-BE49-F238E27FC236}">
-                <a16:creationId xmlns:a16="http://schemas.microsoft.com/office/drawing/2014/main" id="{3A497743-A38D-4B9E-AE2C-F336EBCCFF62}"/>
-              </a:ext>
-            </a:extLst>
-          </p:cNvPr>
+          <p:cNvPr id="2" name="Title 1"/>
           <p:cNvSpPr>
             <a:spLocks noGrp="1"/>
           </p:cNvSpPr>
@@ -2858,34 +2724,29 @@
         </p:nvSpPr>
         <p:spPr>
           <a:xfrm>
-            <a:off x="839788" y="457200"/>
-            <a:ext cx="3932237" cy="1600200"/>
+            <a:off x="2389717" y="4800600"/>
+            <a:ext cx="7315200" cy="566738"/>
           </a:xfrm>
         </p:spPr>
         <p:txBody>
           <a:bodyPr anchor="b"/>
           <a:lstStyle>
-            <a:lvl1pPr>
-              <a:defRPr sz="3200"/>
+            <a:lvl1pPr algn="l">
+              <a:defRPr sz="2000" b="1"/>
             </a:lvl1pPr>
           </a:lstStyle>
           <a:p>
             <a:r>
-              <a:rPr lang="en-US"/>
+              <a:rPr lang="en-US" smtClean="0"/>
               <a:t>Click to edit Master title style</a:t>
             </a:r>
-          </a:p>
-        </p:txBody>
-      </p:sp>
-      <p:sp>
-        <p:nvSpPr>
-          <p:cNvPr id="3" name="Picture Placeholder 2">
-            <a:extLst>
-              <a:ext uri="{FF2B5EF4-FFF2-40B4-BE49-F238E27FC236}">
-                <a16:creationId xmlns:a16="http://schemas.microsoft.com/office/drawing/2014/main" id="{C1B52742-512D-416E-80E4-EDD2F465E1C6}"/>
-              </a:ext>
-            </a:extLst>
-          </p:cNvPr>
+            <a:endParaRPr lang="en-US"/>
+          </a:p>
+        </p:txBody>
+      </p:sp>
+      <p:sp>
+        <p:nvSpPr>
+          <p:cNvPr id="3" name="Picture Placeholder 2"/>
           <p:cNvSpPr>
             <a:spLocks noGrp="1"/>
           </p:cNvSpPr>
@@ -2895,8 +2756,8 @@
         </p:nvSpPr>
         <p:spPr>
           <a:xfrm>
-            <a:off x="5183188" y="987425"/>
-            <a:ext cx="6172200" cy="4873625"/>
+            <a:off x="2389717" y="612775"/>
+            <a:ext cx="7315200" cy="4114800"/>
           </a:xfrm>
         </p:spPr>
         <p:txBody>
@@ -2940,19 +2801,17 @@
             </a:lvl9pPr>
           </a:lstStyle>
           <a:p>
+            <a:r>
+              <a:rPr lang="en-US" smtClean="0"/>
+              <a:t>Click icon to add picture</a:t>
+            </a:r>
             <a:endParaRPr lang="en-US"/>
           </a:p>
         </p:txBody>
       </p:sp>
       <p:sp>
         <p:nvSpPr>
-          <p:cNvPr id="4" name="Text Placeholder 3">
-            <a:extLst>
-              <a:ext uri="{FF2B5EF4-FFF2-40B4-BE49-F238E27FC236}">
-                <a16:creationId xmlns:a16="http://schemas.microsoft.com/office/drawing/2014/main" id="{49ABD417-4FA2-4421-A96E-4D6669D30A96}"/>
-              </a:ext>
-            </a:extLst>
-          </p:cNvPr>
+          <p:cNvPr id="4" name="Text Placeholder 3"/>
           <p:cNvSpPr>
             <a:spLocks noGrp="1"/>
           </p:cNvSpPr>
@@ -2962,8 +2821,8 @@
         </p:nvSpPr>
         <p:spPr>
           <a:xfrm>
-            <a:off x="839788" y="2057400"/>
-            <a:ext cx="3932237" cy="3811588"/>
+            <a:off x="2389717" y="5367338"/>
+            <a:ext cx="7315200" cy="804862"/>
           </a:xfrm>
         </p:spPr>
         <p:txBody>
@@ -2971,45 +2830,45 @@
           <a:lstStyle>
             <a:lvl1pPr marL="0" indent="0">
               <a:buNone/>
-              <a:defRPr sz="1600"/>
+              <a:defRPr sz="1400"/>
             </a:lvl1pPr>
             <a:lvl2pPr marL="457200" indent="0">
               <a:buNone/>
-              <a:defRPr sz="1400"/>
+              <a:defRPr sz="1200"/>
             </a:lvl2pPr>
             <a:lvl3pPr marL="914400" indent="0">
               <a:buNone/>
-              <a:defRPr sz="1200"/>
+              <a:defRPr sz="1000"/>
             </a:lvl3pPr>
             <a:lvl4pPr marL="1371600" indent="0">
               <a:buNone/>
-              <a:defRPr sz="1000"/>
+              <a:defRPr sz="900"/>
             </a:lvl4pPr>
             <a:lvl5pPr marL="1828800" indent="0">
               <a:buNone/>
-              <a:defRPr sz="1000"/>
+              <a:defRPr sz="900"/>
             </a:lvl5pPr>
             <a:lvl6pPr marL="2286000" indent="0">
               <a:buNone/>
-              <a:defRPr sz="1000"/>
+              <a:defRPr sz="900"/>
             </a:lvl6pPr>
             <a:lvl7pPr marL="2743200" indent="0">
               <a:buNone/>
-              <a:defRPr sz="1000"/>
+              <a:defRPr sz="900"/>
             </a:lvl7pPr>
             <a:lvl8pPr marL="3200400" indent="0">
               <a:buNone/>
-              <a:defRPr sz="1000"/>
+              <a:defRPr sz="900"/>
             </a:lvl8pPr>
             <a:lvl9pPr marL="3657600" indent="0">
               <a:buNone/>
-              <a:defRPr sz="1000"/>
+              <a:defRPr sz="900"/>
             </a:lvl9pPr>
           </a:lstStyle>
           <a:p>
             <a:pPr lvl="0"/>
             <a:r>
-              <a:rPr lang="en-US"/>
+              <a:rPr lang="en-US" smtClean="0"/>
               <a:t>Edit Master text styles</a:t>
             </a:r>
           </a:p>
@@ -3017,13 +2876,7 @@
       </p:sp>
       <p:sp>
         <p:nvSpPr>
-          <p:cNvPr id="5" name="Date Placeholder 4">
-            <a:extLst>
-              <a:ext uri="{FF2B5EF4-FFF2-40B4-BE49-F238E27FC236}">
-                <a16:creationId xmlns:a16="http://schemas.microsoft.com/office/drawing/2014/main" id="{BBBF79F9-B02B-4055-B601-D5C81055040C}"/>
-              </a:ext>
-            </a:extLst>
-          </p:cNvPr>
+          <p:cNvPr id="5" name="Date Placeholder 4"/>
           <p:cNvSpPr>
             <a:spLocks noGrp="1"/>
           </p:cNvSpPr>
@@ -3038,7 +2891,7 @@
           <a:p>
             <a:fld id="{23A0FAE5-E8A8-4C94-B105-9978F51B0953}" type="datetimeFigureOut">
               <a:rPr lang="en-US" smtClean="0"/>
-              <a:t>7/29/2018</a:t>
+              <a:t>8/3/2018</a:t>
             </a:fld>
             <a:endParaRPr lang="en-US"/>
           </a:p>
@@ -3046,13 +2899,7 @@
       </p:sp>
       <p:sp>
         <p:nvSpPr>
-          <p:cNvPr id="6" name="Footer Placeholder 5">
-            <a:extLst>
-              <a:ext uri="{FF2B5EF4-FFF2-40B4-BE49-F238E27FC236}">
-                <a16:creationId xmlns:a16="http://schemas.microsoft.com/office/drawing/2014/main" id="{7EE01005-054A-416A-B271-DE66E6D7C67B}"/>
-              </a:ext>
-            </a:extLst>
-          </p:cNvPr>
+          <p:cNvPr id="6" name="Footer Placeholder 5"/>
           <p:cNvSpPr>
             <a:spLocks noGrp="1"/>
           </p:cNvSpPr>
@@ -3071,13 +2918,7 @@
       </p:sp>
       <p:sp>
         <p:nvSpPr>
-          <p:cNvPr id="7" name="Slide Number Placeholder 6">
-            <a:extLst>
-              <a:ext uri="{FF2B5EF4-FFF2-40B4-BE49-F238E27FC236}">
-                <a16:creationId xmlns:a16="http://schemas.microsoft.com/office/drawing/2014/main" id="{71354E2D-DD98-4302-9D4D-924A9C738A21}"/>
-              </a:ext>
-            </a:extLst>
-          </p:cNvPr>
+          <p:cNvPr id="7" name="Slide Number Placeholder 6"/>
           <p:cNvSpPr>
             <a:spLocks noGrp="1"/>
           </p:cNvSpPr>
@@ -3101,7 +2942,7 @@
     </p:spTree>
     <p:extLst>
       <p:ext uri="{BB962C8B-B14F-4D97-AF65-F5344CB8AC3E}">
-        <p14:creationId xmlns:p14="http://schemas.microsoft.com/office/powerpoint/2010/main" val="3850634860"/>
+        <p14:creationId xmlns:p14="http://schemas.microsoft.com/office/powerpoint/2010/main" val="2434204237"/>
       </p:ext>
     </p:extLst>
   </p:cSld>
@@ -3115,9 +2956,12 @@
 <p:sldMaster xmlns:a="http://schemas.openxmlformats.org/drawingml/2006/main" xmlns:r="http://schemas.openxmlformats.org/officeDocument/2006/relationships" xmlns:p="http://schemas.openxmlformats.org/presentationml/2006/main">
   <p:cSld>
     <p:bg>
-      <p:bgRef idx="1001">
-        <a:schemeClr val="bg1"/>
-      </p:bgRef>
+      <p:bgPr>
+        <a:solidFill>
+          <a:schemeClr val="tx1"/>
+        </a:solidFill>
+        <a:effectLst/>
+      </p:bgPr>
     </p:bg>
     <p:spTree>
       <p:nvGrpSpPr>
@@ -3135,13 +2979,7 @@
       </p:grpSpPr>
       <p:sp>
         <p:nvSpPr>
-          <p:cNvPr id="2" name="Title Placeholder 1">
-            <a:extLst>
-              <a:ext uri="{FF2B5EF4-FFF2-40B4-BE49-F238E27FC236}">
-                <a16:creationId xmlns:a16="http://schemas.microsoft.com/office/drawing/2014/main" id="{2D0377B5-E6E1-404D-8147-1FB33D62421F}"/>
-              </a:ext>
-            </a:extLst>
-          </p:cNvPr>
+          <p:cNvPr id="2" name="Title Placeholder 1"/>
           <p:cNvSpPr>
             <a:spLocks noGrp="1"/>
           </p:cNvSpPr>
@@ -3151,8 +2989,8 @@
         </p:nvSpPr>
         <p:spPr>
           <a:xfrm>
-            <a:off x="838200" y="365125"/>
-            <a:ext cx="10515600" cy="1325563"/>
+            <a:off x="609600" y="274638"/>
+            <a:ext cx="10972800" cy="1143000"/>
           </a:xfrm>
           <a:prstGeom prst="rect">
             <a:avLst/>
@@ -3165,21 +3003,16 @@
           <a:lstStyle/>
           <a:p>
             <a:r>
-              <a:rPr lang="en-US"/>
+              <a:rPr lang="en-US" smtClean="0"/>
               <a:t>Click to edit Master title style</a:t>
             </a:r>
-          </a:p>
-        </p:txBody>
-      </p:sp>
-      <p:sp>
-        <p:nvSpPr>
-          <p:cNvPr id="3" name="Text Placeholder 2">
-            <a:extLst>
-              <a:ext uri="{FF2B5EF4-FFF2-40B4-BE49-F238E27FC236}">
-                <a16:creationId xmlns:a16="http://schemas.microsoft.com/office/drawing/2014/main" id="{454658A9-41D9-46F5-A817-117BFCCC7DA9}"/>
-              </a:ext>
-            </a:extLst>
-          </p:cNvPr>
+            <a:endParaRPr lang="en-US" dirty="0"/>
+          </a:p>
+        </p:txBody>
+      </p:sp>
+      <p:sp>
+        <p:nvSpPr>
+          <p:cNvPr id="3" name="Text Placeholder 2"/>
           <p:cNvSpPr>
             <a:spLocks noGrp="1"/>
           </p:cNvSpPr>
@@ -3189,8 +3022,8 @@
         </p:nvSpPr>
         <p:spPr>
           <a:xfrm>
-            <a:off x="838200" y="1825625"/>
-            <a:ext cx="10515600" cy="4351338"/>
+            <a:off x="609600" y="1600201"/>
+            <a:ext cx="10972800" cy="4525963"/>
           </a:xfrm>
           <a:prstGeom prst="rect">
             <a:avLst/>
@@ -3204,49 +3037,44 @@
           <a:p>
             <a:pPr lvl="0"/>
             <a:r>
-              <a:rPr lang="en-US"/>
+              <a:rPr lang="en-US" smtClean="0"/>
               <a:t>Edit Master text styles</a:t>
             </a:r>
           </a:p>
           <a:p>
             <a:pPr lvl="1"/>
             <a:r>
-              <a:rPr lang="en-US"/>
+              <a:rPr lang="en-US" smtClean="0"/>
               <a:t>Second level</a:t>
             </a:r>
           </a:p>
           <a:p>
             <a:pPr lvl="2"/>
             <a:r>
-              <a:rPr lang="en-US"/>
+              <a:rPr lang="en-US" smtClean="0"/>
               <a:t>Third level</a:t>
             </a:r>
           </a:p>
           <a:p>
             <a:pPr lvl="3"/>
             <a:r>
-              <a:rPr lang="en-US"/>
+              <a:rPr lang="en-US" smtClean="0"/>
               <a:t>Fourth level</a:t>
             </a:r>
           </a:p>
           <a:p>
             <a:pPr lvl="4"/>
             <a:r>
-              <a:rPr lang="en-US"/>
+              <a:rPr lang="en-US" smtClean="0"/>
               <a:t>Fifth level</a:t>
             </a:r>
-          </a:p>
-        </p:txBody>
-      </p:sp>
-      <p:sp>
-        <p:nvSpPr>
-          <p:cNvPr id="4" name="Date Placeholder 3">
-            <a:extLst>
-              <a:ext uri="{FF2B5EF4-FFF2-40B4-BE49-F238E27FC236}">
-                <a16:creationId xmlns:a16="http://schemas.microsoft.com/office/drawing/2014/main" id="{961D26E7-45C6-45E0-9111-EC7161265A54}"/>
-              </a:ext>
-            </a:extLst>
-          </p:cNvPr>
+            <a:endParaRPr lang="en-US" dirty="0"/>
+          </a:p>
+        </p:txBody>
+      </p:sp>
+      <p:sp>
+        <p:nvSpPr>
+          <p:cNvPr id="4" name="Date Placeholder 3"/>
           <p:cNvSpPr>
             <a:spLocks noGrp="1"/>
           </p:cNvSpPr>
@@ -3256,8 +3084,8 @@
         </p:nvSpPr>
         <p:spPr>
           <a:xfrm>
-            <a:off x="838200" y="6356350"/>
-            <a:ext cx="2743200" cy="365125"/>
+            <a:off x="609600" y="6356351"/>
+            <a:ext cx="2844800" cy="365125"/>
           </a:xfrm>
           <a:prstGeom prst="rect">
             <a:avLst/>
@@ -3269,9 +3097,7 @@
             <a:lvl1pPr algn="l">
               <a:defRPr sz="1200">
                 <a:solidFill>
-                  <a:schemeClr val="tx1">
-                    <a:tint val="75000"/>
-                  </a:schemeClr>
+                  <a:schemeClr val="bg1"/>
                 </a:solidFill>
               </a:defRPr>
             </a:lvl1pPr>
@@ -3279,7 +3105,7 @@
           <a:p>
             <a:fld id="{23A0FAE5-E8A8-4C94-B105-9978F51B0953}" type="datetimeFigureOut">
               <a:rPr lang="en-US" smtClean="0"/>
-              <a:t>7/29/2018</a:t>
+              <a:t>8/3/2018</a:t>
             </a:fld>
             <a:endParaRPr lang="en-US"/>
           </a:p>
@@ -3287,13 +3113,7 @@
       </p:sp>
       <p:sp>
         <p:nvSpPr>
-          <p:cNvPr id="5" name="Footer Placeholder 4">
-            <a:extLst>
-              <a:ext uri="{FF2B5EF4-FFF2-40B4-BE49-F238E27FC236}">
-                <a16:creationId xmlns:a16="http://schemas.microsoft.com/office/drawing/2014/main" id="{F5B3337D-7DBB-4B22-858A-6823E00DC808}"/>
-              </a:ext>
-            </a:extLst>
-          </p:cNvPr>
+          <p:cNvPr id="5" name="Footer Placeholder 4"/>
           <p:cNvSpPr>
             <a:spLocks noGrp="1"/>
           </p:cNvSpPr>
@@ -3303,8 +3123,8 @@
         </p:nvSpPr>
         <p:spPr>
           <a:xfrm>
-            <a:off x="4038600" y="6356350"/>
-            <a:ext cx="4114800" cy="365125"/>
+            <a:off x="4165600" y="6356351"/>
+            <a:ext cx="3860800" cy="365125"/>
           </a:xfrm>
           <a:prstGeom prst="rect">
             <a:avLst/>
@@ -3330,13 +3150,7 @@
       </p:sp>
       <p:sp>
         <p:nvSpPr>
-          <p:cNvPr id="6" name="Slide Number Placeholder 5">
-            <a:extLst>
-              <a:ext uri="{FF2B5EF4-FFF2-40B4-BE49-F238E27FC236}">
-                <a16:creationId xmlns:a16="http://schemas.microsoft.com/office/drawing/2014/main" id="{3E899D97-0A6A-477A-A090-346EA37682B4}"/>
-              </a:ext>
-            </a:extLst>
-          </p:cNvPr>
+          <p:cNvPr id="6" name="Slide Number Placeholder 5"/>
           <p:cNvSpPr>
             <a:spLocks noGrp="1"/>
           </p:cNvSpPr>
@@ -3346,8 +3160,8 @@
         </p:nvSpPr>
         <p:spPr>
           <a:xfrm>
-            <a:off x="8610600" y="6356350"/>
-            <a:ext cx="2743200" cy="365125"/>
+            <a:off x="8737600" y="6356351"/>
+            <a:ext cx="2844800" cy="365125"/>
           </a:xfrm>
           <a:prstGeom prst="rect">
             <a:avLst/>
@@ -3359,9 +3173,7 @@
             <a:lvl1pPr algn="r">
               <a:defRPr sz="1200">
                 <a:solidFill>
-                  <a:schemeClr val="tx1">
-                    <a:tint val="75000"/>
-                  </a:schemeClr>
+                  <a:schemeClr val="bg1"/>
                 </a:solidFill>
               </a:defRPr>
             </a:lvl1pPr>
@@ -3375,40 +3187,67 @@
           </a:p>
         </p:txBody>
       </p:sp>
+      <p:pic>
+        <p:nvPicPr>
+          <p:cNvPr id="7" name="Picture 6"/>
+          <p:cNvPicPr>
+            <a:picLocks noChangeAspect="1"/>
+          </p:cNvPicPr>
+          <p:nvPr/>
+        </p:nvPicPr>
+        <p:blipFill>
+          <a:blip r:embed="rId13" cstate="print">
+            <a:extLst>
+              <a:ext uri="{28A0092B-C50C-407E-A947-70E740481C1C}">
+                <a14:useLocalDpi xmlns:a14="http://schemas.microsoft.com/office/drawing/2010/main" val="0"/>
+              </a:ext>
+            </a:extLst>
+          </a:blip>
+          <a:stretch>
+            <a:fillRect/>
+          </a:stretch>
+        </p:blipFill>
+        <p:spPr>
+          <a:xfrm>
+            <a:off x="0" y="32095"/>
+            <a:ext cx="1828800" cy="771525"/>
+          </a:xfrm>
+          <a:prstGeom prst="rect">
+            <a:avLst/>
+          </a:prstGeom>
+        </p:spPr>
+      </p:pic>
     </p:spTree>
     <p:extLst>
       <p:ext uri="{BB962C8B-B14F-4D97-AF65-F5344CB8AC3E}">
-        <p14:creationId xmlns:p14="http://schemas.microsoft.com/office/powerpoint/2010/main" val="2061267188"/>
+        <p14:creationId xmlns:p14="http://schemas.microsoft.com/office/powerpoint/2010/main" val="1913611999"/>
       </p:ext>
     </p:extLst>
   </p:cSld>
   <p:clrMap bg1="lt1" tx1="dk1" bg2="lt2" tx2="dk2" accent1="accent1" accent2="accent2" accent3="accent3" accent4="accent4" accent5="accent5" accent6="accent6" hlink="hlink" folHlink="folHlink"/>
   <p:sldLayoutIdLst>
-    <p:sldLayoutId id="2147483649" r:id="rId1"/>
-    <p:sldLayoutId id="2147483650" r:id="rId2"/>
-    <p:sldLayoutId id="2147483651" r:id="rId3"/>
-    <p:sldLayoutId id="2147483652" r:id="rId4"/>
-    <p:sldLayoutId id="2147483653" r:id="rId5"/>
-    <p:sldLayoutId id="2147483654" r:id="rId6"/>
-    <p:sldLayoutId id="2147483655" r:id="rId7"/>
-    <p:sldLayoutId id="2147483656" r:id="rId8"/>
-    <p:sldLayoutId id="2147483657" r:id="rId9"/>
-    <p:sldLayoutId id="2147483658" r:id="rId10"/>
-    <p:sldLayoutId id="2147483659" r:id="rId11"/>
+    <p:sldLayoutId id="2147483661" r:id="rId1"/>
+    <p:sldLayoutId id="2147483662" r:id="rId2"/>
+    <p:sldLayoutId id="2147483663" r:id="rId3"/>
+    <p:sldLayoutId id="2147483664" r:id="rId4"/>
+    <p:sldLayoutId id="2147483665" r:id="rId5"/>
+    <p:sldLayoutId id="2147483666" r:id="rId6"/>
+    <p:sldLayoutId id="2147483667" r:id="rId7"/>
+    <p:sldLayoutId id="2147483668" r:id="rId8"/>
+    <p:sldLayoutId id="2147483669" r:id="rId9"/>
+    <p:sldLayoutId id="2147483670" r:id="rId10"/>
+    <p:sldLayoutId id="2147483671" r:id="rId11"/>
   </p:sldLayoutIdLst>
   <p:txStyles>
     <p:titleStyle>
-      <a:lvl1pPr algn="l" defTabSz="914400" rtl="0" eaLnBrk="1" latinLnBrk="0" hangingPunct="1">
-        <a:lnSpc>
-          <a:spcPct val="90000"/>
-        </a:lnSpc>
+      <a:lvl1pPr algn="ctr" defTabSz="914400" rtl="0" eaLnBrk="1" latinLnBrk="0" hangingPunct="1">
         <a:spcBef>
           <a:spcPct val="0"/>
         </a:spcBef>
         <a:buNone/>
         <a:defRPr sz="4400" kern="1200">
           <a:solidFill>
-            <a:schemeClr val="tx1"/>
+            <a:schemeClr val="bg1"/>
           </a:solidFill>
           <a:latin typeface="+mj-lt"/>
           <a:ea typeface="+mj-ea"/>
@@ -3417,36 +3256,30 @@
       </a:lvl1pPr>
     </p:titleStyle>
     <p:bodyStyle>
-      <a:lvl1pPr marL="228600" indent="-228600" algn="l" defTabSz="914400" rtl="0" eaLnBrk="1" latinLnBrk="0" hangingPunct="1">
-        <a:lnSpc>
-          <a:spcPct val="90000"/>
-        </a:lnSpc>
+      <a:lvl1pPr marL="342900" indent="-342900" algn="l" defTabSz="914400" rtl="0" eaLnBrk="1" latinLnBrk="0" hangingPunct="1">
         <a:spcBef>
-          <a:spcPts val="1000"/>
+          <a:spcPct val="20000"/>
         </a:spcBef>
-        <a:buFont typeface="Arial" panose="020B0604020202020204" pitchFamily="34" charset="0"/>
+        <a:buFont typeface="Arial" pitchFamily="34" charset="0"/>
         <a:buChar char="•"/>
-        <a:defRPr sz="2800" kern="1200">
+        <a:defRPr sz="3200" kern="1200">
           <a:solidFill>
-            <a:schemeClr val="tx1"/>
+            <a:schemeClr val="bg1"/>
           </a:solidFill>
           <a:latin typeface="+mn-lt"/>
           <a:ea typeface="+mn-ea"/>
           <a:cs typeface="+mn-cs"/>
         </a:defRPr>
       </a:lvl1pPr>
-      <a:lvl2pPr marL="685800" indent="-228600" algn="l" defTabSz="914400" rtl="0" eaLnBrk="1" latinLnBrk="0" hangingPunct="1">
-        <a:lnSpc>
-          <a:spcPct val="90000"/>
-        </a:lnSpc>
+      <a:lvl2pPr marL="742950" indent="-285750" algn="l" defTabSz="914400" rtl="0" eaLnBrk="1" latinLnBrk="0" hangingPunct="1">
         <a:spcBef>
-          <a:spcPts val="500"/>
+          <a:spcPct val="20000"/>
         </a:spcBef>
-        <a:buFont typeface="Arial" panose="020B0604020202020204" pitchFamily="34" charset="0"/>
-        <a:buChar char="•"/>
-        <a:defRPr sz="2400" kern="1200">
+        <a:buFont typeface="Arial" pitchFamily="34" charset="0"/>
+        <a:buChar char="–"/>
+        <a:defRPr sz="2800" kern="1200">
           <a:solidFill>
-            <a:schemeClr val="tx1"/>
+            <a:schemeClr val="bg1"/>
           </a:solidFill>
           <a:latin typeface="+mn-lt"/>
           <a:ea typeface="+mn-ea"/>
@@ -3454,13 +3287,55 @@
         </a:defRPr>
       </a:lvl2pPr>
       <a:lvl3pPr marL="1143000" indent="-228600" algn="l" defTabSz="914400" rtl="0" eaLnBrk="1" latinLnBrk="0" hangingPunct="1">
-        <a:lnSpc>
-          <a:spcPct val="90000"/>
-        </a:lnSpc>
         <a:spcBef>
-          <a:spcPts val="500"/>
+          <a:spcPct val="20000"/>
         </a:spcBef>
-        <a:buFont typeface="Arial" panose="020B0604020202020204" pitchFamily="34" charset="0"/>
+        <a:buFont typeface="Arial" pitchFamily="34" charset="0"/>
+        <a:buChar char="•"/>
+        <a:defRPr sz="2400" kern="1200">
+          <a:solidFill>
+            <a:schemeClr val="bg1"/>
+          </a:solidFill>
+          <a:latin typeface="+mn-lt"/>
+          <a:ea typeface="+mn-ea"/>
+          <a:cs typeface="+mn-cs"/>
+        </a:defRPr>
+      </a:lvl3pPr>
+      <a:lvl4pPr marL="1600200" indent="-228600" algn="l" defTabSz="914400" rtl="0" eaLnBrk="1" latinLnBrk="0" hangingPunct="1">
+        <a:spcBef>
+          <a:spcPct val="20000"/>
+        </a:spcBef>
+        <a:buFont typeface="Arial" pitchFamily="34" charset="0"/>
+        <a:buChar char="–"/>
+        <a:defRPr sz="2000" kern="1200">
+          <a:solidFill>
+            <a:schemeClr val="bg1"/>
+          </a:solidFill>
+          <a:latin typeface="+mn-lt"/>
+          <a:ea typeface="+mn-ea"/>
+          <a:cs typeface="+mn-cs"/>
+        </a:defRPr>
+      </a:lvl4pPr>
+      <a:lvl5pPr marL="2057400" indent="-228600" algn="l" defTabSz="914400" rtl="0" eaLnBrk="1" latinLnBrk="0" hangingPunct="1">
+        <a:spcBef>
+          <a:spcPct val="20000"/>
+        </a:spcBef>
+        <a:buFont typeface="Arial" pitchFamily="34" charset="0"/>
+        <a:buChar char="»"/>
+        <a:defRPr sz="2000" kern="1200">
+          <a:solidFill>
+            <a:schemeClr val="bg1"/>
+          </a:solidFill>
+          <a:latin typeface="+mn-lt"/>
+          <a:ea typeface="+mn-ea"/>
+          <a:cs typeface="+mn-cs"/>
+        </a:defRPr>
+      </a:lvl5pPr>
+      <a:lvl6pPr marL="2514600" indent="-228600" algn="l" defTabSz="914400" rtl="0" eaLnBrk="1" latinLnBrk="0" hangingPunct="1">
+        <a:spcBef>
+          <a:spcPct val="20000"/>
+        </a:spcBef>
+        <a:buFont typeface="Arial" pitchFamily="34" charset="0"/>
         <a:buChar char="•"/>
         <a:defRPr sz="2000" kern="1200">
           <a:solidFill>
@@ -3470,71 +3345,14 @@
           <a:ea typeface="+mn-ea"/>
           <a:cs typeface="+mn-cs"/>
         </a:defRPr>
-      </a:lvl3pPr>
-      <a:lvl4pPr marL="1600200" indent="-228600" algn="l" defTabSz="914400" rtl="0" eaLnBrk="1" latinLnBrk="0" hangingPunct="1">
-        <a:lnSpc>
-          <a:spcPct val="90000"/>
-        </a:lnSpc>
-        <a:spcBef>
-          <a:spcPts val="500"/>
-        </a:spcBef>
-        <a:buFont typeface="Arial" panose="020B0604020202020204" pitchFamily="34" charset="0"/>
-        <a:buChar char="•"/>
-        <a:defRPr sz="1800" kern="1200">
-          <a:solidFill>
-            <a:schemeClr val="tx1"/>
-          </a:solidFill>
-          <a:latin typeface="+mn-lt"/>
-          <a:ea typeface="+mn-ea"/>
-          <a:cs typeface="+mn-cs"/>
-        </a:defRPr>
-      </a:lvl4pPr>
-      <a:lvl5pPr marL="2057400" indent="-228600" algn="l" defTabSz="914400" rtl="0" eaLnBrk="1" latinLnBrk="0" hangingPunct="1">
-        <a:lnSpc>
-          <a:spcPct val="90000"/>
-        </a:lnSpc>
-        <a:spcBef>
-          <a:spcPts val="500"/>
-        </a:spcBef>
-        <a:buFont typeface="Arial" panose="020B0604020202020204" pitchFamily="34" charset="0"/>
-        <a:buChar char="•"/>
-        <a:defRPr sz="1800" kern="1200">
-          <a:solidFill>
-            <a:schemeClr val="tx1"/>
-          </a:solidFill>
-          <a:latin typeface="+mn-lt"/>
-          <a:ea typeface="+mn-ea"/>
-          <a:cs typeface="+mn-cs"/>
-        </a:defRPr>
-      </a:lvl5pPr>
-      <a:lvl6pPr marL="2514600" indent="-228600" algn="l" defTabSz="914400" rtl="0" eaLnBrk="1" latinLnBrk="0" hangingPunct="1">
-        <a:lnSpc>
-          <a:spcPct val="90000"/>
-        </a:lnSpc>
-        <a:spcBef>
-          <a:spcPts val="500"/>
-        </a:spcBef>
-        <a:buFont typeface="Arial" panose="020B0604020202020204" pitchFamily="34" charset="0"/>
-        <a:buChar char="•"/>
-        <a:defRPr sz="1800" kern="1200">
-          <a:solidFill>
-            <a:schemeClr val="tx1"/>
-          </a:solidFill>
-          <a:latin typeface="+mn-lt"/>
-          <a:ea typeface="+mn-ea"/>
-          <a:cs typeface="+mn-cs"/>
-        </a:defRPr>
       </a:lvl6pPr>
       <a:lvl7pPr marL="2971800" indent="-228600" algn="l" defTabSz="914400" rtl="0" eaLnBrk="1" latinLnBrk="0" hangingPunct="1">
-        <a:lnSpc>
-          <a:spcPct val="90000"/>
-        </a:lnSpc>
         <a:spcBef>
-          <a:spcPts val="500"/>
+          <a:spcPct val="20000"/>
         </a:spcBef>
-        <a:buFont typeface="Arial" panose="020B0604020202020204" pitchFamily="34" charset="0"/>
+        <a:buFont typeface="Arial" pitchFamily="34" charset="0"/>
         <a:buChar char="•"/>
-        <a:defRPr sz="1800" kern="1200">
+        <a:defRPr sz="2000" kern="1200">
           <a:solidFill>
             <a:schemeClr val="tx1"/>
           </a:solidFill>
@@ -3544,15 +3362,12 @@
         </a:defRPr>
       </a:lvl7pPr>
       <a:lvl8pPr marL="3429000" indent="-228600" algn="l" defTabSz="914400" rtl="0" eaLnBrk="1" latinLnBrk="0" hangingPunct="1">
-        <a:lnSpc>
-          <a:spcPct val="90000"/>
-        </a:lnSpc>
         <a:spcBef>
-          <a:spcPts val="500"/>
+          <a:spcPct val="20000"/>
         </a:spcBef>
-        <a:buFont typeface="Arial" panose="020B0604020202020204" pitchFamily="34" charset="0"/>
+        <a:buFont typeface="Arial" pitchFamily="34" charset="0"/>
         <a:buChar char="•"/>
-        <a:defRPr sz="1800" kern="1200">
+        <a:defRPr sz="2000" kern="1200">
           <a:solidFill>
             <a:schemeClr val="tx1"/>
           </a:solidFill>
@@ -3562,15 +3377,12 @@
         </a:defRPr>
       </a:lvl8pPr>
       <a:lvl9pPr marL="3886200" indent="-228600" algn="l" defTabSz="914400" rtl="0" eaLnBrk="1" latinLnBrk="0" hangingPunct="1">
-        <a:lnSpc>
-          <a:spcPct val="90000"/>
-        </a:lnSpc>
         <a:spcBef>
-          <a:spcPts val="500"/>
+          <a:spcPct val="20000"/>
         </a:spcBef>
-        <a:buFont typeface="Arial" panose="020B0604020202020204" pitchFamily="34" charset="0"/>
+        <a:buFont typeface="Arial" pitchFamily="34" charset="0"/>
         <a:buChar char="•"/>
-        <a:defRPr sz="1800" kern="1200">
+        <a:defRPr sz="2000" kern="1200">
           <a:solidFill>
             <a:schemeClr val="tx1"/>
           </a:solidFill>
@@ -3759,6 +3571,13 @@
   <p:clrMapOvr>
     <a:masterClrMapping/>
   </p:clrMapOvr>
+  <p:timing>
+    <p:tnLst>
+      <p:par>
+        <p:cTn id="1" dur="indefinite" restart="never" nodeType="tmRoot"/>
+      </p:par>
+    </p:tnLst>
+  </p:timing>
 </p:sld>
 </file>
 
@@ -3819,7 +3638,7 @@
         </p:spPr>
         <p:txBody>
           <a:bodyPr>
-            <a:normAutofit fontScale="92500" lnSpcReduction="10000"/>
+            <a:normAutofit fontScale="77500" lnSpcReduction="20000"/>
           </a:bodyPr>
           <a:lstStyle/>
           <a:p>
@@ -3963,6 +3782,13 @@
   <p:clrMapOvr>
     <a:masterClrMapping/>
   </p:clrMapOvr>
+  <p:timing>
+    <p:tnLst>
+      <p:par>
+        <p:cTn id="1" dur="indefinite" restart="never" nodeType="tmRoot"/>
+      </p:par>
+    </p:tnLst>
+  </p:timing>
 </p:sld>
 </file>
 
@@ -4090,16 +3916,15 @@
           </p:cNvPicPr>
           <p:nvPr/>
         </p:nvPicPr>
-        <p:blipFill>
+        <p:blipFill rotWithShape="1">
           <a:blip r:embed="rId2"/>
-          <a:stretch>
-            <a:fillRect/>
-          </a:stretch>
+          <a:srcRect t="4809" b="5598"/>
+          <a:stretch/>
         </p:blipFill>
         <p:spPr>
           <a:xfrm>
-            <a:off x="5252778" y="1526367"/>
-            <a:ext cx="971550" cy="904875"/>
+            <a:off x="5738553" y="1461155"/>
+            <a:ext cx="971550" cy="810706"/>
           </a:xfrm>
           <a:prstGeom prst="rect">
             <a:avLst/>
@@ -4114,16 +3939,15 @@
           </p:cNvPicPr>
           <p:nvPr/>
         </p:nvPicPr>
-        <p:blipFill>
+        <p:blipFill rotWithShape="1">
           <a:blip r:embed="rId3"/>
-          <a:stretch>
-            <a:fillRect/>
-          </a:stretch>
+          <a:srcRect t="5614" b="12205"/>
+          <a:stretch/>
         </p:blipFill>
         <p:spPr>
           <a:xfrm>
-            <a:off x="6224328" y="2664007"/>
-            <a:ext cx="1215563" cy="883251"/>
+            <a:off x="6299742" y="2648932"/>
+            <a:ext cx="1215563" cy="725864"/>
           </a:xfrm>
           <a:prstGeom prst="rect">
             <a:avLst/>
@@ -4146,7 +3970,7 @@
         </p:blipFill>
         <p:spPr>
           <a:xfrm>
-            <a:off x="2497368" y="4123112"/>
+            <a:off x="2719962" y="4376252"/>
             <a:ext cx="749571" cy="668222"/>
           </a:xfrm>
           <a:prstGeom prst="rect">
@@ -4162,17 +3986,19 @@
         </p:nvSpPr>
         <p:spPr>
           <a:xfrm>
-            <a:off x="3246939" y="4272557"/>
-            <a:ext cx="603050" cy="369332"/>
+            <a:off x="3441062" y="4376250"/>
+            <a:ext cx="603050" cy="668223"/>
           </a:xfrm>
           <a:prstGeom prst="rect">
             <a:avLst/>
           </a:prstGeom>
-          <a:noFill/>
+          <a:solidFill>
+            <a:schemeClr val="bg1"/>
+          </a:solidFill>
         </p:spPr>
         <p:txBody>
           <a:bodyPr wrap="none" rtlCol="0">
-            <a:spAutoFit/>
+            <a:noAutofit/>
           </a:bodyPr>
           <a:lstStyle/>
           <a:p>
@@ -4199,7 +4025,7 @@
         </p:blipFill>
         <p:spPr>
           <a:xfrm>
-            <a:off x="1838324" y="5765626"/>
+            <a:off x="1878141" y="6011992"/>
             <a:ext cx="659044" cy="643227"/>
           </a:xfrm>
           <a:prstGeom prst="rect">
@@ -4215,17 +4041,19 @@
         </p:nvSpPr>
         <p:spPr>
           <a:xfrm>
-            <a:off x="2418437" y="5902573"/>
-            <a:ext cx="603050" cy="369332"/>
+            <a:off x="2531688" y="6011991"/>
+            <a:ext cx="603050" cy="640147"/>
           </a:xfrm>
           <a:prstGeom prst="rect">
             <a:avLst/>
           </a:prstGeom>
-          <a:noFill/>
+          <a:solidFill>
+            <a:schemeClr val="bg1"/>
+          </a:solidFill>
         </p:spPr>
         <p:txBody>
           <a:bodyPr wrap="none" rtlCol="0">
-            <a:spAutoFit/>
+            <a:noAutofit/>
           </a:bodyPr>
           <a:lstStyle/>
           <a:p>
@@ -4236,183 +4064,6 @@
           </a:p>
         </p:txBody>
       </p:sp>
-      <p:sp>
-        <p:nvSpPr>
-          <p:cNvPr id="10" name="Oval 9"/>
-          <p:cNvSpPr/>
-          <p:nvPr/>
-        </p:nvSpPr>
-        <p:spPr>
-          <a:xfrm>
-            <a:off x="3554887" y="5792137"/>
-            <a:ext cx="590204" cy="590204"/>
-          </a:xfrm>
-          <a:prstGeom prst="ellipse">
-            <a:avLst/>
-          </a:prstGeom>
-          <a:noFill/>
-          <a:ln w="34925">
-            <a:solidFill>
-              <a:schemeClr val="tx1"/>
-            </a:solidFill>
-          </a:ln>
-        </p:spPr>
-        <p:style>
-          <a:lnRef idx="2">
-            <a:schemeClr val="accent1">
-              <a:shade val="50000"/>
-            </a:schemeClr>
-          </a:lnRef>
-          <a:fillRef idx="1">
-            <a:schemeClr val="accent1"/>
-          </a:fillRef>
-          <a:effectRef idx="0">
-            <a:schemeClr val="accent1"/>
-          </a:effectRef>
-          <a:fontRef idx="minor">
-            <a:schemeClr val="lt1"/>
-          </a:fontRef>
-        </p:style>
-        <p:txBody>
-          <a:bodyPr rtlCol="0" anchor="ctr"/>
-          <a:lstStyle/>
-          <a:p>
-            <a:pPr algn="ctr"/>
-            <a:endParaRPr lang="en-US"/>
-          </a:p>
-        </p:txBody>
-      </p:sp>
-      <p:sp>
-        <p:nvSpPr>
-          <p:cNvPr id="11" name="TextBox 10"/>
-          <p:cNvSpPr txBox="1"/>
-          <p:nvPr/>
-        </p:nvSpPr>
-        <p:spPr>
-          <a:xfrm>
-            <a:off x="4150001" y="5902573"/>
-            <a:ext cx="603050" cy="369332"/>
-          </a:xfrm>
-          <a:prstGeom prst="rect">
-            <a:avLst/>
-          </a:prstGeom>
-          <a:noFill/>
-        </p:spPr>
-        <p:txBody>
-          <a:bodyPr wrap="none" rtlCol="0">
-            <a:spAutoFit/>
-          </a:bodyPr>
-          <a:lstStyle/>
-          <a:p>
-            <a:r>
-              <a:rPr lang="en-US" dirty="0"/>
-              <a:t>12 V</a:t>
-            </a:r>
-          </a:p>
-        </p:txBody>
-      </p:sp>
-      <p:sp>
-        <p:nvSpPr>
-          <p:cNvPr id="12" name="TextBox 11"/>
-          <p:cNvSpPr txBox="1"/>
-          <p:nvPr/>
-        </p:nvSpPr>
-        <p:spPr>
-          <a:xfrm>
-            <a:off x="3655865" y="5859121"/>
-            <a:ext cx="388248" cy="523220"/>
-          </a:xfrm>
-          <a:prstGeom prst="rect">
-            <a:avLst/>
-          </a:prstGeom>
-          <a:noFill/>
-        </p:spPr>
-        <p:txBody>
-          <a:bodyPr wrap="none" rtlCol="0">
-            <a:spAutoFit/>
-          </a:bodyPr>
-          <a:lstStyle/>
-          <a:p>
-            <a:r>
-              <a:rPr lang="en-US" sz="2800" dirty="0"/>
-              <a:t>V</a:t>
-            </a:r>
-            <a:endParaRPr lang="en-US" dirty="0"/>
-          </a:p>
-        </p:txBody>
-      </p:sp>
-      <p:cxnSp>
-        <p:nvCxnSpPr>
-          <p:cNvPr id="14" name="Straight Connector 13"/>
-          <p:cNvCxnSpPr>
-            <a:endCxn id="8" idx="0"/>
-          </p:cNvCxnSpPr>
-          <p:nvPr/>
-        </p:nvCxnSpPr>
-        <p:spPr>
-          <a:xfrm>
-            <a:off x="2167846" y="5495827"/>
-            <a:ext cx="0" cy="269799"/>
-          </a:xfrm>
-          <a:prstGeom prst="line">
-            <a:avLst/>
-          </a:prstGeom>
-          <a:ln w="38100">
-            <a:solidFill>
-              <a:schemeClr val="tx1"/>
-            </a:solidFill>
-          </a:ln>
-        </p:spPr>
-        <p:style>
-          <a:lnRef idx="1">
-            <a:schemeClr val="accent1"/>
-          </a:lnRef>
-          <a:fillRef idx="0">
-            <a:schemeClr val="accent1"/>
-          </a:fillRef>
-          <a:effectRef idx="0">
-            <a:schemeClr val="accent1"/>
-          </a:effectRef>
-          <a:fontRef idx="minor">
-            <a:schemeClr val="tx1"/>
-          </a:fontRef>
-        </p:style>
-      </p:cxnSp>
-      <p:cxnSp>
-        <p:nvCxnSpPr>
-          <p:cNvPr id="15" name="Straight Connector 14"/>
-          <p:cNvCxnSpPr/>
-          <p:nvPr/>
-        </p:nvCxnSpPr>
-        <p:spPr>
-          <a:xfrm>
-            <a:off x="2178525" y="6382341"/>
-            <a:ext cx="0" cy="269799"/>
-          </a:xfrm>
-          <a:prstGeom prst="line">
-            <a:avLst/>
-          </a:prstGeom>
-          <a:ln w="38100">
-            <a:solidFill>
-              <a:schemeClr val="tx1"/>
-            </a:solidFill>
-          </a:ln>
-        </p:spPr>
-        <p:style>
-          <a:lnRef idx="1">
-            <a:schemeClr val="accent1"/>
-          </a:lnRef>
-          <a:fillRef idx="0">
-            <a:schemeClr val="accent1"/>
-          </a:fillRef>
-          <a:effectRef idx="0">
-            <a:schemeClr val="accent1"/>
-          </a:effectRef>
-          <a:fontRef idx="minor">
-            <a:schemeClr val="tx1"/>
-          </a:fontRef>
-        </p:style>
-      </p:cxnSp>
       <p:cxnSp>
         <p:nvCxnSpPr>
           <p:cNvPr id="16" name="Straight Connector 15"/>
@@ -4483,66 +4134,6 @@
           </a:fontRef>
         </p:style>
       </p:cxnSp>
-      <p:sp>
-        <p:nvSpPr>
-          <p:cNvPr id="18" name="TextBox 17"/>
-          <p:cNvSpPr txBox="1"/>
-          <p:nvPr/>
-        </p:nvSpPr>
-        <p:spPr>
-          <a:xfrm>
-            <a:off x="3704597" y="5746636"/>
-            <a:ext cx="274434" cy="307777"/>
-          </a:xfrm>
-          <a:prstGeom prst="rect">
-            <a:avLst/>
-          </a:prstGeom>
-          <a:noFill/>
-        </p:spPr>
-        <p:txBody>
-          <a:bodyPr wrap="none" rtlCol="0">
-            <a:spAutoFit/>
-          </a:bodyPr>
-          <a:lstStyle/>
-          <a:p>
-            <a:r>
-              <a:rPr lang="en-US" sz="1400" dirty="0"/>
-              <a:t>+</a:t>
-            </a:r>
-            <a:endParaRPr lang="en-US" dirty="0"/>
-          </a:p>
-        </p:txBody>
-      </p:sp>
-      <p:sp>
-        <p:nvSpPr>
-          <p:cNvPr id="19" name="TextBox 18"/>
-          <p:cNvSpPr txBox="1"/>
-          <p:nvPr/>
-        </p:nvSpPr>
-        <p:spPr>
-          <a:xfrm>
-            <a:off x="3732292" y="6118016"/>
-            <a:ext cx="256752" cy="307777"/>
-          </a:xfrm>
-          <a:prstGeom prst="rect">
-            <a:avLst/>
-          </a:prstGeom>
-          <a:noFill/>
-        </p:spPr>
-        <p:txBody>
-          <a:bodyPr wrap="square" rtlCol="0">
-            <a:spAutoFit/>
-          </a:bodyPr>
-          <a:lstStyle/>
-          <a:p>
-            <a:r>
-              <a:rPr lang="en-US" sz="1400" dirty="0"/>
-              <a:t>-</a:t>
-            </a:r>
-            <a:endParaRPr lang="en-US" dirty="0"/>
-          </a:p>
-        </p:txBody>
-      </p:sp>
     </p:spTree>
     <p:extLst>
       <p:ext uri="{BB962C8B-B14F-4D97-AF65-F5344CB8AC3E}">
@@ -4553,6 +4144,13 @@
   <p:clrMapOvr>
     <a:masterClrMapping/>
   </p:clrMapOvr>
+  <p:timing>
+    <p:tnLst>
+      <p:par>
+        <p:cTn id="1" dur="indefinite" restart="never" nodeType="tmRoot"/>
+      </p:par>
+    </p:tnLst>
+  </p:timing>
 </p:sld>
 </file>
 
@@ -4657,6 +4255,13 @@
   <p:clrMapOvr>
     <a:masterClrMapping/>
   </p:clrMapOvr>
+  <p:timing>
+    <p:tnLst>
+      <p:par>
+        <p:cTn id="1" dur="indefinite" restart="never" nodeType="tmRoot"/>
+      </p:par>
+    </p:tnLst>
+  </p:timing>
 </p:sld>
 </file>
 
@@ -4774,6 +4379,13 @@
   <p:clrMapOvr>
     <a:masterClrMapping/>
   </p:clrMapOvr>
+  <p:timing>
+    <p:tnLst>
+      <p:par>
+        <p:cTn id="1" dur="indefinite" restart="never" nodeType="tmRoot"/>
+      </p:par>
+    </p:tnLst>
+  </p:timing>
 </p:sld>
 </file>
 
@@ -4833,7 +4445,9 @@
           </a:xfrm>
         </p:spPr>
         <p:txBody>
-          <a:bodyPr/>
+          <a:bodyPr>
+            <a:normAutofit fontScale="92500" lnSpcReduction="20000"/>
+          </a:bodyPr>
           <a:lstStyle/>
           <a:p>
             <a:r>
@@ -5228,6 +4842,13 @@
   <p:clrMapOvr>
     <a:masterClrMapping/>
   </p:clrMapOvr>
+  <p:timing>
+    <p:tnLst>
+      <p:par>
+        <p:cTn id="1" dur="indefinite" restart="never" nodeType="tmRoot"/>
+      </p:par>
+    </p:tnLst>
+  </p:timing>
 </p:sld>
 </file>
 
@@ -5282,7 +4903,9 @@
         </p:nvSpPr>
         <p:spPr/>
         <p:txBody>
-          <a:bodyPr/>
+          <a:bodyPr>
+            <a:normAutofit lnSpcReduction="10000"/>
+          </a:bodyPr>
           <a:lstStyle/>
           <a:p>
             <a:r>
@@ -5355,6 +4978,13 @@
   <p:clrMapOvr>
     <a:masterClrMapping/>
   </p:clrMapOvr>
+  <p:timing>
+    <p:tnLst>
+      <p:par>
+        <p:cTn id="1" dur="indefinite" restart="never" nodeType="tmRoot"/>
+      </p:par>
+    </p:tnLst>
+  </p:timing>
 </p:sld>
 </file>
 
@@ -5674,6 +5304,13 @@
   <p:clrMapOvr>
     <a:masterClrMapping/>
   </p:clrMapOvr>
+  <p:timing>
+    <p:tnLst>
+      <p:par>
+        <p:cTn id="1" dur="indefinite" restart="never" nodeType="tmRoot"/>
+      </p:par>
+    </p:tnLst>
+  </p:timing>
 </p:sld>
 </file>
 
@@ -5769,6 +5406,13 @@
   <p:clrMapOvr>
     <a:masterClrMapping/>
   </p:clrMapOvr>
+  <p:timing>
+    <p:tnLst>
+      <p:par>
+        <p:cTn id="1" dur="indefinite" restart="never" nodeType="tmRoot"/>
+      </p:par>
+    </p:tnLst>
+  </p:timing>
 </p:sld>
 </file>
 
@@ -5825,7 +5469,12 @@
             <p:ph idx="1"/>
           </p:nvPr>
         </p:nvSpPr>
-        <p:spPr/>
+        <p:spPr>
+          <a:xfrm>
+            <a:off x="609600" y="1490549"/>
+            <a:ext cx="10972800" cy="4635616"/>
+          </a:xfrm>
+        </p:spPr>
         <p:txBody>
           <a:bodyPr/>
           <a:lstStyle/>
@@ -5869,237 +5518,298 @@
           </a:p>
         </p:txBody>
       </p:sp>
-      <p:pic>
-        <p:nvPicPr>
-          <p:cNvPr id="4" name="Picture 3"/>
-          <p:cNvPicPr>
-            <a:picLocks noChangeAspect="1"/>
-          </p:cNvPicPr>
+      <p:grpSp>
+        <p:nvGrpSpPr>
+          <p:cNvPr id="14" name="Group 13"/>
+          <p:cNvGrpSpPr/>
           <p:nvPr/>
-        </p:nvPicPr>
-        <p:blipFill>
-          <a:blip r:embed="rId2">
-            <a:extLst>
-              <a:ext uri="{28A0092B-C50C-407E-A947-70E740481C1C}">
-                <a14:useLocalDpi xmlns:a14="http://schemas.microsoft.com/office/drawing/2010/main" val="0"/>
-              </a:ext>
-            </a:extLst>
-          </a:blip>
-          <a:stretch>
-            <a:fillRect/>
-          </a:stretch>
-        </p:blipFill>
-        <p:spPr>
+        </p:nvGrpSpPr>
+        <p:grpSpPr>
           <a:xfrm>
-            <a:off x="2923145" y="3871913"/>
-            <a:ext cx="5629275" cy="2305050"/>
+            <a:off x="2705497" y="4166649"/>
+            <a:ext cx="9445656" cy="2747292"/>
+            <a:chOff x="2564092" y="4100660"/>
+            <a:chExt cx="9445656" cy="2747292"/>
           </a:xfrm>
-          <a:prstGeom prst="rect">
-            <a:avLst/>
-          </a:prstGeom>
-        </p:spPr>
-      </p:pic>
-      <p:sp>
-        <p:nvSpPr>
-          <p:cNvPr id="5" name="TextBox 4"/>
-          <p:cNvSpPr txBox="1"/>
-          <p:nvPr/>
-        </p:nvSpPr>
-        <p:spPr>
-          <a:xfrm>
-            <a:off x="1762813" y="4232635"/>
-            <a:ext cx="1473480" cy="369332"/>
-          </a:xfrm>
-          <a:prstGeom prst="rect">
-            <a:avLst/>
-          </a:prstGeom>
-          <a:noFill/>
-        </p:spPr>
-        <p:txBody>
-          <a:bodyPr wrap="none" rtlCol="0">
-            <a:spAutoFit/>
-          </a:bodyPr>
-          <a:lstStyle/>
-          <a:p>
-            <a:r>
-              <a:rPr lang="en-US" dirty="0"/>
-              <a:t>Loop with 1 A</a:t>
-            </a:r>
-          </a:p>
-        </p:txBody>
-      </p:sp>
-      <p:sp>
-        <p:nvSpPr>
-          <p:cNvPr id="6" name="TextBox 5"/>
-          <p:cNvSpPr txBox="1"/>
-          <p:nvPr/>
-        </p:nvSpPr>
-        <p:spPr>
-          <a:xfrm>
-            <a:off x="8239272" y="4047969"/>
-            <a:ext cx="1473480" cy="369332"/>
-          </a:xfrm>
-          <a:prstGeom prst="rect">
-            <a:avLst/>
-          </a:prstGeom>
-          <a:noFill/>
-        </p:spPr>
-        <p:txBody>
-          <a:bodyPr wrap="none" rtlCol="0">
-            <a:spAutoFit/>
-          </a:bodyPr>
-          <a:lstStyle/>
-          <a:p>
-            <a:r>
-              <a:rPr lang="en-US" dirty="0"/>
-              <a:t>Loop with 1 A</a:t>
-            </a:r>
-          </a:p>
-        </p:txBody>
-      </p:sp>
-      <p:cxnSp>
-        <p:nvCxnSpPr>
-          <p:cNvPr id="8" name="Curved Connector 7"/>
-          <p:cNvCxnSpPr>
-            <a:stCxn id="6" idx="1"/>
-          </p:cNvCxnSpPr>
-          <p:nvPr/>
-        </p:nvCxnSpPr>
-        <p:spPr>
-          <a:xfrm rot="10800000">
-            <a:off x="7334054" y="4147795"/>
-            <a:ext cx="905218" cy="84841"/>
-          </a:xfrm>
-          <a:prstGeom prst="curvedConnector3">
-            <a:avLst/>
-          </a:prstGeom>
-          <a:ln>
+        </p:grpSpPr>
+        <p:sp>
+          <p:nvSpPr>
+            <p:cNvPr id="7" name="Rectangle 6"/>
+            <p:cNvSpPr/>
+            <p:nvPr/>
+          </p:nvSpPr>
+          <p:spPr>
+            <a:xfrm>
+              <a:off x="2564092" y="4100660"/>
+              <a:ext cx="9445656" cy="2677212"/>
+            </a:xfrm>
+            <a:prstGeom prst="rect">
+              <a:avLst/>
+            </a:prstGeom>
             <a:solidFill>
+              <a:schemeClr val="bg1"/>
+            </a:solidFill>
+            <a:ln>
+              <a:noFill/>
+            </a:ln>
+          </p:spPr>
+          <p:style>
+            <a:lnRef idx="2">
+              <a:schemeClr val="accent1">
+                <a:shade val="50000"/>
+              </a:schemeClr>
+            </a:lnRef>
+            <a:fillRef idx="1">
+              <a:schemeClr val="accent1"/>
+            </a:fillRef>
+            <a:effectRef idx="0">
+              <a:schemeClr val="accent1"/>
+            </a:effectRef>
+            <a:fontRef idx="minor">
+              <a:schemeClr val="lt1"/>
+            </a:fontRef>
+          </p:style>
+          <p:txBody>
+            <a:bodyPr rtlCol="0" anchor="ctr"/>
+            <a:lstStyle/>
+            <a:p>
+              <a:pPr algn="ctr"/>
+              <a:endParaRPr lang="en-US"/>
+            </a:p>
+          </p:txBody>
+        </p:sp>
+        <p:pic>
+          <p:nvPicPr>
+            <p:cNvPr id="4" name="Picture 3"/>
+            <p:cNvPicPr>
+              <a:picLocks noChangeAspect="1"/>
+            </p:cNvPicPr>
+            <p:nvPr/>
+          </p:nvPicPr>
+          <p:blipFill>
+            <a:blip r:embed="rId2">
+              <a:extLst>
+                <a:ext uri="{28A0092B-C50C-407E-A947-70E740481C1C}">
+                  <a14:useLocalDpi xmlns:a14="http://schemas.microsoft.com/office/drawing/2010/main" val="0"/>
+                </a:ext>
+              </a:extLst>
+            </a:blip>
+            <a:stretch>
+              <a:fillRect/>
+            </a:stretch>
+          </p:blipFill>
+          <p:spPr>
+            <a:xfrm>
+              <a:off x="3724425" y="4173570"/>
+              <a:ext cx="5629275" cy="2305050"/>
+            </a:xfrm>
+            <a:prstGeom prst="rect">
+              <a:avLst/>
+            </a:prstGeom>
+          </p:spPr>
+        </p:pic>
+        <p:sp>
+          <p:nvSpPr>
+            <p:cNvPr id="5" name="TextBox 4"/>
+            <p:cNvSpPr txBox="1"/>
+            <p:nvPr/>
+          </p:nvSpPr>
+          <p:spPr>
+            <a:xfrm>
+              <a:off x="2564093" y="4534292"/>
+              <a:ext cx="1473480" cy="369332"/>
+            </a:xfrm>
+            <a:prstGeom prst="rect">
+              <a:avLst/>
+            </a:prstGeom>
+            <a:noFill/>
+          </p:spPr>
+          <p:txBody>
+            <a:bodyPr wrap="none" rtlCol="0">
+              <a:spAutoFit/>
+            </a:bodyPr>
+            <a:lstStyle/>
+            <a:p>
+              <a:r>
+                <a:rPr lang="en-US" dirty="0"/>
+                <a:t>Loop with 1 A</a:t>
+              </a:r>
+            </a:p>
+          </p:txBody>
+        </p:sp>
+        <p:sp>
+          <p:nvSpPr>
+            <p:cNvPr id="6" name="TextBox 5"/>
+            <p:cNvSpPr txBox="1"/>
+            <p:nvPr/>
+          </p:nvSpPr>
+          <p:spPr>
+            <a:xfrm>
+              <a:off x="9040552" y="4349626"/>
+              <a:ext cx="1473480" cy="369332"/>
+            </a:xfrm>
+            <a:prstGeom prst="rect">
+              <a:avLst/>
+            </a:prstGeom>
+            <a:noFill/>
+          </p:spPr>
+          <p:txBody>
+            <a:bodyPr wrap="none" rtlCol="0">
+              <a:spAutoFit/>
+            </a:bodyPr>
+            <a:lstStyle/>
+            <a:p>
+              <a:r>
+                <a:rPr lang="en-US" dirty="0"/>
+                <a:t>Loop with 1 A</a:t>
+              </a:r>
+            </a:p>
+          </p:txBody>
+        </p:sp>
+        <p:cxnSp>
+          <p:nvCxnSpPr>
+            <p:cNvPr id="8" name="Curved Connector 7"/>
+            <p:cNvCxnSpPr>
+              <a:stCxn id="6" idx="1"/>
+            </p:cNvCxnSpPr>
+            <p:nvPr/>
+          </p:nvCxnSpPr>
+          <p:spPr>
+            <a:xfrm rot="10800000">
+              <a:off x="8135334" y="4449452"/>
+              <a:ext cx="905218" cy="84841"/>
+            </a:xfrm>
+            <a:prstGeom prst="curvedConnector3">
+              <a:avLst/>
+            </a:prstGeom>
+            <a:ln>
+              <a:solidFill>
+                <a:schemeClr val="tx1"/>
+              </a:solidFill>
+              <a:tailEnd type="triangle"/>
+            </a:ln>
+          </p:spPr>
+          <p:style>
+            <a:lnRef idx="1">
+              <a:schemeClr val="accent1"/>
+            </a:lnRef>
+            <a:fillRef idx="0">
+              <a:schemeClr val="accent1"/>
+            </a:fillRef>
+            <a:effectRef idx="0">
+              <a:schemeClr val="accent1"/>
+            </a:effectRef>
+            <a:fontRef idx="minor">
               <a:schemeClr val="tx1"/>
-            </a:solidFill>
-            <a:tailEnd type="triangle"/>
-          </a:ln>
-        </p:spPr>
-        <p:style>
-          <a:lnRef idx="1">
-            <a:schemeClr val="accent1"/>
-          </a:lnRef>
-          <a:fillRef idx="0">
-            <a:schemeClr val="accent1"/>
-          </a:fillRef>
-          <a:effectRef idx="0">
-            <a:schemeClr val="accent1"/>
-          </a:effectRef>
-          <a:fontRef idx="minor">
-            <a:schemeClr val="tx1"/>
-          </a:fontRef>
-        </p:style>
-      </p:cxnSp>
-      <p:cxnSp>
-        <p:nvCxnSpPr>
-          <p:cNvPr id="10" name="Curved Connector 9"/>
-          <p:cNvCxnSpPr/>
-          <p:nvPr/>
-        </p:nvCxnSpPr>
-        <p:spPr>
-          <a:xfrm flipV="1">
-            <a:off x="3236293" y="4190215"/>
-            <a:ext cx="751245" cy="227086"/>
-          </a:xfrm>
-          <a:prstGeom prst="curvedConnector3">
-            <a:avLst/>
-          </a:prstGeom>
-          <a:ln>
-            <a:solidFill>
+            </a:fontRef>
+          </p:style>
+        </p:cxnSp>
+        <p:cxnSp>
+          <p:nvCxnSpPr>
+            <p:cNvPr id="10" name="Curved Connector 9"/>
+            <p:cNvCxnSpPr/>
+            <p:nvPr/>
+          </p:nvCxnSpPr>
+          <p:spPr>
+            <a:xfrm flipV="1">
+              <a:off x="4037573" y="4491872"/>
+              <a:ext cx="751245" cy="227086"/>
+            </a:xfrm>
+            <a:prstGeom prst="curvedConnector3">
+              <a:avLst/>
+            </a:prstGeom>
+            <a:ln>
+              <a:solidFill>
+                <a:schemeClr val="tx1"/>
+              </a:solidFill>
+              <a:tailEnd type="triangle"/>
+            </a:ln>
+          </p:spPr>
+          <p:style>
+            <a:lnRef idx="1">
+              <a:schemeClr val="accent1"/>
+            </a:lnRef>
+            <a:fillRef idx="0">
+              <a:schemeClr val="accent1"/>
+            </a:fillRef>
+            <a:effectRef idx="0">
+              <a:schemeClr val="accent1"/>
+            </a:effectRef>
+            <a:fontRef idx="minor">
               <a:schemeClr val="tx1"/>
-            </a:solidFill>
-            <a:tailEnd type="triangle"/>
-          </a:ln>
-        </p:spPr>
-        <p:style>
-          <a:lnRef idx="1">
-            <a:schemeClr val="accent1"/>
-          </a:lnRef>
-          <a:fillRef idx="0">
-            <a:schemeClr val="accent1"/>
-          </a:fillRef>
-          <a:effectRef idx="0">
-            <a:schemeClr val="accent1"/>
-          </a:effectRef>
-          <a:fontRef idx="minor">
-            <a:schemeClr val="tx1"/>
-          </a:fontRef>
-        </p:style>
-      </p:cxnSp>
-      <p:sp>
-        <p:nvSpPr>
-          <p:cNvPr id="11" name="TextBox 10"/>
-          <p:cNvSpPr txBox="1"/>
-          <p:nvPr/>
-        </p:nvSpPr>
-        <p:spPr>
-          <a:xfrm>
-            <a:off x="7334053" y="6176963"/>
-            <a:ext cx="3665106" cy="369332"/>
-          </a:xfrm>
-          <a:prstGeom prst="rect">
-            <a:avLst/>
-          </a:prstGeom>
-          <a:noFill/>
-        </p:spPr>
-        <p:txBody>
-          <a:bodyPr wrap="none" rtlCol="0">
-            <a:spAutoFit/>
-          </a:bodyPr>
-          <a:lstStyle/>
-          <a:p>
-            <a:r>
-              <a:rPr lang="en-US" dirty="0"/>
-              <a:t>Therefore this component carries 2 A</a:t>
-            </a:r>
-          </a:p>
-        </p:txBody>
-      </p:sp>
-      <p:cxnSp>
-        <p:nvCxnSpPr>
-          <p:cNvPr id="13" name="Curved Connector 12"/>
-          <p:cNvCxnSpPr>
-            <a:stCxn id="11" idx="1"/>
-          </p:cNvCxnSpPr>
-          <p:nvPr/>
-        </p:nvCxnSpPr>
-        <p:spPr>
-          <a:xfrm rot="10800000">
-            <a:off x="5825765" y="5090475"/>
-            <a:ext cx="1508288" cy="1271155"/>
-          </a:xfrm>
-          <a:prstGeom prst="curvedConnector3">
-            <a:avLst>
-              <a:gd name="adj1" fmla="val 50000"/>
-            </a:avLst>
-          </a:prstGeom>
-          <a:ln>
-            <a:solidFill>
+            </a:fontRef>
+          </p:style>
+        </p:cxnSp>
+        <p:sp>
+          <p:nvSpPr>
+            <p:cNvPr id="11" name="TextBox 10"/>
+            <p:cNvSpPr txBox="1"/>
+            <p:nvPr/>
+          </p:nvSpPr>
+          <p:spPr>
+            <a:xfrm>
+              <a:off x="8135333" y="6478620"/>
+              <a:ext cx="3665106" cy="369332"/>
+            </a:xfrm>
+            <a:prstGeom prst="rect">
+              <a:avLst/>
+            </a:prstGeom>
+            <a:noFill/>
+          </p:spPr>
+          <p:txBody>
+            <a:bodyPr wrap="none" rtlCol="0">
+              <a:spAutoFit/>
+            </a:bodyPr>
+            <a:lstStyle/>
+            <a:p>
+              <a:r>
+                <a:rPr lang="en-US" dirty="0"/>
+                <a:t>Therefore this component carries 2 A</a:t>
+              </a:r>
+            </a:p>
+          </p:txBody>
+        </p:sp>
+        <p:cxnSp>
+          <p:nvCxnSpPr>
+            <p:cNvPr id="13" name="Curved Connector 12"/>
+            <p:cNvCxnSpPr>
+              <a:stCxn id="11" idx="1"/>
+            </p:cNvCxnSpPr>
+            <p:nvPr/>
+          </p:nvCxnSpPr>
+          <p:spPr>
+            <a:xfrm rot="10800000">
+              <a:off x="6627045" y="5392132"/>
+              <a:ext cx="1508288" cy="1271155"/>
+            </a:xfrm>
+            <a:prstGeom prst="curvedConnector3">
+              <a:avLst>
+                <a:gd name="adj1" fmla="val 50000"/>
+              </a:avLst>
+            </a:prstGeom>
+            <a:ln>
+              <a:solidFill>
+                <a:schemeClr val="tx1"/>
+              </a:solidFill>
+              <a:tailEnd type="triangle"/>
+            </a:ln>
+          </p:spPr>
+          <p:style>
+            <a:lnRef idx="1">
+              <a:schemeClr val="accent1"/>
+            </a:lnRef>
+            <a:fillRef idx="0">
+              <a:schemeClr val="accent1"/>
+            </a:fillRef>
+            <a:effectRef idx="0">
+              <a:schemeClr val="accent1"/>
+            </a:effectRef>
+            <a:fontRef idx="minor">
               <a:schemeClr val="tx1"/>
-            </a:solidFill>
-            <a:tailEnd type="triangle"/>
-          </a:ln>
-        </p:spPr>
-        <p:style>
-          <a:lnRef idx="1">
-            <a:schemeClr val="accent1"/>
-          </a:lnRef>
-          <a:fillRef idx="0">
-            <a:schemeClr val="accent1"/>
-          </a:fillRef>
-          <a:effectRef idx="0">
-            <a:schemeClr val="accent1"/>
-          </a:effectRef>
-          <a:fontRef idx="minor">
-            <a:schemeClr val="tx1"/>
-          </a:fontRef>
-        </p:style>
-      </p:cxnSp>
+            </a:fontRef>
+          </p:style>
+        </p:cxnSp>
+      </p:grpSp>
     </p:spTree>
     <p:extLst>
       <p:ext uri="{BB962C8B-B14F-4D97-AF65-F5344CB8AC3E}">
@@ -6113,235 +5823,9 @@
   <p:timing>
     <p:tnLst>
       <p:par>
-        <p:cTn id="1" dur="indefinite" restart="never" nodeType="tmRoot">
-          <p:childTnLst>
-            <p:seq concurrent="1" nextAc="seek">
-              <p:cTn id="2" dur="indefinite" nodeType="mainSeq">
-                <p:childTnLst>
-                  <p:par>
-                    <p:cTn id="3" fill="hold">
-                      <p:stCondLst>
-                        <p:cond delay="indefinite"/>
-                      </p:stCondLst>
-                      <p:childTnLst>
-                        <p:par>
-                          <p:cTn id="4" fill="hold">
-                            <p:stCondLst>
-                              <p:cond delay="0"/>
-                            </p:stCondLst>
-                            <p:childTnLst>
-                              <p:par>
-                                <p:cTn id="5" presetID="1" presetClass="entr" presetSubtype="0" fill="hold" grpId="0" nodeType="clickEffect">
-                                  <p:stCondLst>
-                                    <p:cond delay="0"/>
-                                  </p:stCondLst>
-                                  <p:childTnLst>
-                                    <p:set>
-                                      <p:cBhvr>
-                                        <p:cTn id="6" dur="1" fill="hold">
-                                          <p:stCondLst>
-                                            <p:cond delay="0"/>
-                                          </p:stCondLst>
-                                        </p:cTn>
-                                        <p:tgtEl>
-                                          <p:spTgt spid="5"/>
-                                        </p:tgtEl>
-                                        <p:attrNameLst>
-                                          <p:attrName>style.visibility</p:attrName>
-                                        </p:attrNameLst>
-                                      </p:cBhvr>
-                                      <p:to>
-                                        <p:strVal val="visible"/>
-                                      </p:to>
-                                    </p:set>
-                                  </p:childTnLst>
-                                </p:cTn>
-                              </p:par>
-                              <p:par>
-                                <p:cTn id="7" presetID="1" presetClass="entr" presetSubtype="0" fill="hold" nodeType="withEffect">
-                                  <p:stCondLst>
-                                    <p:cond delay="0"/>
-                                  </p:stCondLst>
-                                  <p:childTnLst>
-                                    <p:set>
-                                      <p:cBhvr>
-                                        <p:cTn id="8" dur="1" fill="hold">
-                                          <p:stCondLst>
-                                            <p:cond delay="0"/>
-                                          </p:stCondLst>
-                                        </p:cTn>
-                                        <p:tgtEl>
-                                          <p:spTgt spid="10"/>
-                                        </p:tgtEl>
-                                        <p:attrNameLst>
-                                          <p:attrName>style.visibility</p:attrName>
-                                        </p:attrNameLst>
-                                      </p:cBhvr>
-                                      <p:to>
-                                        <p:strVal val="visible"/>
-                                      </p:to>
-                                    </p:set>
-                                  </p:childTnLst>
-                                </p:cTn>
-                              </p:par>
-                              <p:par>
-                                <p:cTn id="9" presetID="1" presetClass="entr" presetSubtype="0" fill="hold" nodeType="withEffect">
-                                  <p:stCondLst>
-                                    <p:cond delay="0"/>
-                                  </p:stCondLst>
-                                  <p:childTnLst>
-                                    <p:set>
-                                      <p:cBhvr>
-                                        <p:cTn id="10" dur="1" fill="hold">
-                                          <p:stCondLst>
-                                            <p:cond delay="0"/>
-                                          </p:stCondLst>
-                                        </p:cTn>
-                                        <p:tgtEl>
-                                          <p:spTgt spid="8"/>
-                                        </p:tgtEl>
-                                        <p:attrNameLst>
-                                          <p:attrName>style.visibility</p:attrName>
-                                        </p:attrNameLst>
-                                      </p:cBhvr>
-                                      <p:to>
-                                        <p:strVal val="visible"/>
-                                      </p:to>
-                                    </p:set>
-                                  </p:childTnLst>
-                                </p:cTn>
-                              </p:par>
-                              <p:par>
-                                <p:cTn id="11" presetID="1" presetClass="entr" presetSubtype="0" fill="hold" grpId="0" nodeType="withEffect">
-                                  <p:stCondLst>
-                                    <p:cond delay="0"/>
-                                  </p:stCondLst>
-                                  <p:childTnLst>
-                                    <p:set>
-                                      <p:cBhvr>
-                                        <p:cTn id="12" dur="1" fill="hold">
-                                          <p:stCondLst>
-                                            <p:cond delay="0"/>
-                                          </p:stCondLst>
-                                        </p:cTn>
-                                        <p:tgtEl>
-                                          <p:spTgt spid="6"/>
-                                        </p:tgtEl>
-                                        <p:attrNameLst>
-                                          <p:attrName>style.visibility</p:attrName>
-                                        </p:attrNameLst>
-                                      </p:cBhvr>
-                                      <p:to>
-                                        <p:strVal val="visible"/>
-                                      </p:to>
-                                    </p:set>
-                                  </p:childTnLst>
-                                </p:cTn>
-                              </p:par>
-                            </p:childTnLst>
-                          </p:cTn>
-                        </p:par>
-                      </p:childTnLst>
-                    </p:cTn>
-                  </p:par>
-                  <p:par>
-                    <p:cTn id="13" fill="hold">
-                      <p:stCondLst>
-                        <p:cond delay="indefinite"/>
-                      </p:stCondLst>
-                      <p:childTnLst>
-                        <p:par>
-                          <p:cTn id="14" fill="hold">
-                            <p:stCondLst>
-                              <p:cond delay="0"/>
-                            </p:stCondLst>
-                            <p:childTnLst>
-                              <p:par>
-                                <p:cTn id="15" presetID="1" presetClass="entr" presetSubtype="0" fill="hold" nodeType="clickEffect">
-                                  <p:stCondLst>
-                                    <p:cond delay="0"/>
-                                  </p:stCondLst>
-                                  <p:childTnLst>
-                                    <p:set>
-                                      <p:cBhvr>
-                                        <p:cTn id="16" dur="1" fill="hold">
-                                          <p:stCondLst>
-                                            <p:cond delay="0"/>
-                                          </p:stCondLst>
-                                        </p:cTn>
-                                        <p:tgtEl>
-                                          <p:spTgt spid="13"/>
-                                        </p:tgtEl>
-                                        <p:attrNameLst>
-                                          <p:attrName>style.visibility</p:attrName>
-                                        </p:attrNameLst>
-                                      </p:cBhvr>
-                                      <p:to>
-                                        <p:strVal val="visible"/>
-                                      </p:to>
-                                    </p:set>
-                                  </p:childTnLst>
-                                </p:cTn>
-                              </p:par>
-                              <p:par>
-                                <p:cTn id="17" presetID="1" presetClass="entr" presetSubtype="0" fill="hold" grpId="0" nodeType="withEffect">
-                                  <p:stCondLst>
-                                    <p:cond delay="0"/>
-                                  </p:stCondLst>
-                                  <p:childTnLst>
-                                    <p:set>
-                                      <p:cBhvr>
-                                        <p:cTn id="18" dur="1" fill="hold">
-                                          <p:stCondLst>
-                                            <p:cond delay="0"/>
-                                          </p:stCondLst>
-                                        </p:cTn>
-                                        <p:tgtEl>
-                                          <p:spTgt spid="11"/>
-                                        </p:tgtEl>
-                                        <p:attrNameLst>
-                                          <p:attrName>style.visibility</p:attrName>
-                                        </p:attrNameLst>
-                                      </p:cBhvr>
-                                      <p:to>
-                                        <p:strVal val="visible"/>
-                                      </p:to>
-                                    </p:set>
-                                  </p:childTnLst>
-                                </p:cTn>
-                              </p:par>
-                            </p:childTnLst>
-                          </p:cTn>
-                        </p:par>
-                      </p:childTnLst>
-                    </p:cTn>
-                  </p:par>
-                </p:childTnLst>
-              </p:cTn>
-              <p:prevCondLst>
-                <p:cond evt="onPrev" delay="0">
-                  <p:tgtEl>
-                    <p:sldTgt/>
-                  </p:tgtEl>
-                </p:cond>
-              </p:prevCondLst>
-              <p:nextCondLst>
-                <p:cond evt="onNext" delay="0">
-                  <p:tgtEl>
-                    <p:sldTgt/>
-                  </p:tgtEl>
-                </p:cond>
-              </p:nextCondLst>
-            </p:seq>
-          </p:childTnLst>
-        </p:cTn>
+        <p:cTn id="1" dur="indefinite" restart="never" nodeType="tmRoot"/>
       </p:par>
     </p:tnLst>
-    <p:bldLst>
-      <p:bldP spid="5" grpId="0"/>
-      <p:bldP spid="6" grpId="0"/>
-      <p:bldP spid="11" grpId="0"/>
-    </p:bldLst>
   </p:timing>
 </p:sld>
 </file>
@@ -6365,6 +5849,52 @@
       </p:grpSpPr>
       <p:sp>
         <p:nvSpPr>
+          <p:cNvPr id="5" name="Rectangle 4"/>
+          <p:cNvSpPr/>
+          <p:nvPr/>
+        </p:nvSpPr>
+        <p:spPr>
+          <a:xfrm>
+            <a:off x="2950590" y="2271860"/>
+            <a:ext cx="7698457" cy="2658359"/>
+          </a:xfrm>
+          <a:prstGeom prst="rect">
+            <a:avLst/>
+          </a:prstGeom>
+          <a:solidFill>
+            <a:schemeClr val="bg1"/>
+          </a:solidFill>
+          <a:ln>
+            <a:noFill/>
+          </a:ln>
+        </p:spPr>
+        <p:style>
+          <a:lnRef idx="2">
+            <a:schemeClr val="accent1">
+              <a:shade val="50000"/>
+            </a:schemeClr>
+          </a:lnRef>
+          <a:fillRef idx="1">
+            <a:schemeClr val="accent1"/>
+          </a:fillRef>
+          <a:effectRef idx="0">
+            <a:schemeClr val="accent1"/>
+          </a:effectRef>
+          <a:fontRef idx="minor">
+            <a:schemeClr val="lt1"/>
+          </a:fontRef>
+        </p:style>
+        <p:txBody>
+          <a:bodyPr rtlCol="0" anchor="ctr"/>
+          <a:lstStyle/>
+          <a:p>
+            <a:pPr algn="ctr"/>
+            <a:endParaRPr lang="en-US"/>
+          </a:p>
+        </p:txBody>
+      </p:sp>
+      <p:sp>
+        <p:nvSpPr>
           <p:cNvPr id="2" name="Title 1"/>
           <p:cNvSpPr>
             <a:spLocks noGrp="1"/>
@@ -6399,12 +5929,7 @@
             <p:ph idx="1"/>
           </p:nvPr>
         </p:nvSpPr>
-        <p:spPr>
-          <a:xfrm>
-            <a:off x="838200" y="1825625"/>
-            <a:ext cx="10515600" cy="4351338"/>
-          </a:xfrm>
-        </p:spPr>
+        <p:spPr/>
         <p:txBody>
           <a:bodyPr/>
           <a:lstStyle/>
@@ -7318,7 +6843,7 @@
         <p:spPr/>
         <p:txBody>
           <a:bodyPr>
-            <a:normAutofit lnSpcReduction="10000"/>
+            <a:normAutofit fontScale="85000" lnSpcReduction="10000"/>
           </a:bodyPr>
           <a:lstStyle/>
           <a:p>
@@ -7387,6 +6912,973 @@
     <p:extLst>
       <p:ext uri="{BB962C8B-B14F-4D97-AF65-F5344CB8AC3E}">
         <p14:creationId xmlns:p14="http://schemas.microsoft.com/office/powerpoint/2010/main" val="2732836668"/>
+      </p:ext>
+    </p:extLst>
+  </p:cSld>
+  <p:clrMapOvr>
+    <a:masterClrMapping/>
+  </p:clrMapOvr>
+  <p:timing>
+    <p:tnLst>
+      <p:par>
+        <p:cTn id="1" dur="indefinite" restart="never" nodeType="tmRoot"/>
+      </p:par>
+    </p:tnLst>
+  </p:timing>
+</p:sld>
+</file>
+
+<file path=ppt/slides/slide20.xml><?xml version="1.0" encoding="utf-8"?>
+<p:sld xmlns:a="http://schemas.openxmlformats.org/drawingml/2006/main" xmlns:r="http://schemas.openxmlformats.org/officeDocument/2006/relationships" xmlns:p="http://schemas.openxmlformats.org/presentationml/2006/main">
+  <p:cSld>
+    <p:spTree>
+      <p:nvGrpSpPr>
+        <p:cNvPr id="1" name=""/>
+        <p:cNvGrpSpPr/>
+        <p:nvPr/>
+      </p:nvGrpSpPr>
+      <p:grpSpPr>
+        <a:xfrm>
+          <a:off x="0" y="0"/>
+          <a:ext cx="0" cy="0"/>
+          <a:chOff x="0" y="0"/>
+          <a:chExt cx="0" cy="0"/>
+        </a:xfrm>
+      </p:grpSpPr>
+      <p:sp>
+        <p:nvSpPr>
+          <p:cNvPr id="2" name="Title 1"/>
+          <p:cNvSpPr>
+            <a:spLocks noGrp="1"/>
+          </p:cNvSpPr>
+          <p:nvPr>
+            <p:ph type="title"/>
+          </p:nvPr>
+        </p:nvSpPr>
+        <p:spPr/>
+        <p:txBody>
+          <a:bodyPr/>
+          <a:lstStyle/>
+          <a:p>
+            <a:endParaRPr lang="en-US"/>
+          </a:p>
+        </p:txBody>
+      </p:sp>
+      <p:sp>
+        <p:nvSpPr>
+          <p:cNvPr id="3" name="Content Placeholder 2"/>
+          <p:cNvSpPr>
+            <a:spLocks noGrp="1"/>
+          </p:cNvSpPr>
+          <p:nvPr>
+            <p:ph idx="1"/>
+          </p:nvPr>
+        </p:nvSpPr>
+        <p:spPr/>
+        <p:txBody>
+          <a:bodyPr/>
+          <a:lstStyle/>
+          <a:p>
+            <a:endParaRPr lang="en-US"/>
+          </a:p>
+        </p:txBody>
+      </p:sp>
+    </p:spTree>
+    <p:extLst>
+      <p:ext uri="{BB962C8B-B14F-4D97-AF65-F5344CB8AC3E}">
+        <p14:creationId xmlns:p14="http://schemas.microsoft.com/office/powerpoint/2010/main" val="2046321894"/>
+      </p:ext>
+    </p:extLst>
+  </p:cSld>
+  <p:clrMapOvr>
+    <a:masterClrMapping/>
+  </p:clrMapOvr>
+</p:sld>
+</file>
+
+<file path=ppt/slides/slide21.xml><?xml version="1.0" encoding="utf-8"?>
+<p:sld xmlns:a="http://schemas.openxmlformats.org/drawingml/2006/main" xmlns:r="http://schemas.openxmlformats.org/officeDocument/2006/relationships" xmlns:p="http://schemas.openxmlformats.org/presentationml/2006/main">
+  <p:cSld>
+    <p:spTree>
+      <p:nvGrpSpPr>
+        <p:cNvPr id="1" name=""/>
+        <p:cNvGrpSpPr/>
+        <p:nvPr/>
+      </p:nvGrpSpPr>
+      <p:grpSpPr>
+        <a:xfrm>
+          <a:off x="0" y="0"/>
+          <a:ext cx="0" cy="0"/>
+          <a:chOff x="0" y="0"/>
+          <a:chExt cx="0" cy="0"/>
+        </a:xfrm>
+      </p:grpSpPr>
+      <p:sp>
+        <p:nvSpPr>
+          <p:cNvPr id="2" name="Title 1"/>
+          <p:cNvSpPr>
+            <a:spLocks noGrp="1"/>
+          </p:cNvSpPr>
+          <p:nvPr>
+            <p:ph type="title"/>
+          </p:nvPr>
+        </p:nvSpPr>
+        <p:spPr/>
+        <p:txBody>
+          <a:bodyPr/>
+          <a:lstStyle/>
+          <a:p>
+            <a:r>
+              <a:rPr lang="en-US" dirty="0" smtClean="0"/>
+              <a:t>Power</a:t>
+            </a:r>
+            <a:endParaRPr lang="en-US" dirty="0"/>
+          </a:p>
+        </p:txBody>
+      </p:sp>
+      <p:sp>
+        <p:nvSpPr>
+          <p:cNvPr id="3" name="Content Placeholder 2"/>
+          <p:cNvSpPr>
+            <a:spLocks noGrp="1"/>
+          </p:cNvSpPr>
+          <p:nvPr>
+            <p:ph idx="1"/>
+          </p:nvPr>
+        </p:nvSpPr>
+        <p:spPr/>
+        <p:txBody>
+          <a:bodyPr>
+            <a:normAutofit lnSpcReduction="10000"/>
+          </a:bodyPr>
+          <a:lstStyle/>
+          <a:p>
+            <a:r>
+              <a:rPr lang="en-US" dirty="0" smtClean="0"/>
+              <a:t>“Energy per time”</a:t>
+            </a:r>
+          </a:p>
+          <a:p>
+            <a:r>
+              <a:rPr lang="en-US" dirty="0" smtClean="0"/>
+              <a:t>For example, water has a specific heat of ~1055 J lbm</a:t>
+            </a:r>
+            <a:r>
+              <a:rPr lang="en-US" baseline="30000" dirty="0" smtClean="0"/>
+              <a:t>-1 </a:t>
+            </a:r>
+            <a:r>
+              <a:rPr lang="en-US" dirty="0" smtClean="0"/>
+              <a:t>°F</a:t>
+            </a:r>
+            <a:r>
+              <a:rPr lang="en-US" baseline="30000" dirty="0" smtClean="0"/>
+              <a:t>-1</a:t>
+            </a:r>
+          </a:p>
+          <a:p>
+            <a:pPr lvl="1"/>
+            <a:r>
+              <a:rPr lang="en-US" dirty="0" smtClean="0"/>
+              <a:t>In other words, you need 1055 joules of energy to heat up a pound of water by 1 degree Fahrenheit</a:t>
+            </a:r>
+          </a:p>
+          <a:p>
+            <a:r>
+              <a:rPr lang="en-US" dirty="0" smtClean="0"/>
+              <a:t>Power is measured in </a:t>
+            </a:r>
+            <a:r>
+              <a:rPr lang="en-US" i="1" dirty="0" smtClean="0"/>
+              <a:t>watts</a:t>
+            </a:r>
+            <a:r>
+              <a:rPr lang="en-US" dirty="0" smtClean="0"/>
+              <a:t> (1 joule per second)</a:t>
+            </a:r>
+          </a:p>
+          <a:p>
+            <a:pPr lvl="1"/>
+            <a:r>
+              <a:rPr lang="en-US" dirty="0" smtClean="0"/>
+              <a:t>Less commonly, horsepower or BTU per hour</a:t>
+            </a:r>
+          </a:p>
+          <a:p>
+            <a:r>
+              <a:rPr lang="en-US" dirty="0" smtClean="0"/>
+              <a:t>If you have a heater that can put out 1 W, it will take you 1055 seconds to heat up a pound of water by 1 °F</a:t>
+            </a:r>
+          </a:p>
+          <a:p>
+            <a:r>
+              <a:rPr lang="en-US" dirty="0" smtClean="0"/>
+              <a:t>Likewise, a 100 W heater will do it in ~10.5 seconds</a:t>
+            </a:r>
+            <a:endParaRPr lang="en-US" dirty="0"/>
+          </a:p>
+        </p:txBody>
+      </p:sp>
+    </p:spTree>
+    <p:extLst>
+      <p:ext uri="{BB962C8B-B14F-4D97-AF65-F5344CB8AC3E}">
+        <p14:creationId xmlns:p14="http://schemas.microsoft.com/office/powerpoint/2010/main" val="2468639466"/>
+      </p:ext>
+    </p:extLst>
+  </p:cSld>
+  <p:clrMapOvr>
+    <a:masterClrMapping/>
+  </p:clrMapOvr>
+</p:sld>
+</file>
+
+<file path=ppt/slides/slide22.xml><?xml version="1.0" encoding="utf-8"?>
+<p:sld xmlns:a="http://schemas.openxmlformats.org/drawingml/2006/main" xmlns:r="http://schemas.openxmlformats.org/officeDocument/2006/relationships" xmlns:p="http://schemas.openxmlformats.org/presentationml/2006/main">
+  <p:cSld>
+    <p:spTree>
+      <p:nvGrpSpPr>
+        <p:cNvPr id="1" name=""/>
+        <p:cNvGrpSpPr/>
+        <p:nvPr/>
+      </p:nvGrpSpPr>
+      <p:grpSpPr>
+        <a:xfrm>
+          <a:off x="0" y="0"/>
+          <a:ext cx="0" cy="0"/>
+          <a:chOff x="0" y="0"/>
+          <a:chExt cx="0" cy="0"/>
+        </a:xfrm>
+      </p:grpSpPr>
+      <p:sp>
+        <p:nvSpPr>
+          <p:cNvPr id="2" name="Title 1"/>
+          <p:cNvSpPr>
+            <a:spLocks noGrp="1"/>
+          </p:cNvSpPr>
+          <p:nvPr>
+            <p:ph type="title"/>
+          </p:nvPr>
+        </p:nvSpPr>
+        <p:spPr/>
+        <p:txBody>
+          <a:bodyPr/>
+          <a:lstStyle/>
+          <a:p>
+            <a:r>
+              <a:rPr lang="en-US" dirty="0" smtClean="0"/>
+              <a:t>Power</a:t>
+            </a:r>
+            <a:endParaRPr lang="en-US" dirty="0"/>
+          </a:p>
+        </p:txBody>
+      </p:sp>
+      <mc:AlternateContent xmlns:mc="http://schemas.openxmlformats.org/markup-compatibility/2006">
+        <mc:Choice xmlns:a14="http://schemas.microsoft.com/office/drawing/2010/main" Requires="a14">
+          <p:sp>
+            <p:nvSpPr>
+              <p:cNvPr id="3" name="Content Placeholder 2"/>
+              <p:cNvSpPr>
+                <a:spLocks noGrp="1"/>
+              </p:cNvSpPr>
+              <p:nvPr>
+                <p:ph idx="1"/>
+              </p:nvPr>
+            </p:nvSpPr>
+            <p:spPr/>
+            <p:txBody>
+              <a:bodyPr/>
+              <a:lstStyle/>
+              <a:p>
+                <a:r>
+                  <a:rPr lang="en-US" dirty="0" smtClean="0"/>
+                  <a:t>In electrical terms, power is the product of voltage and current</a:t>
+                </a:r>
+              </a:p>
+              <a:p>
+                <a14:m>
+                  <m:oMath xmlns:m="http://schemas.openxmlformats.org/officeDocument/2006/math">
+                    <m:r>
+                      <a:rPr lang="en-US" b="0" i="1" smtClean="0">
+                        <a:latin typeface="Cambria Math" panose="02040503050406030204" pitchFamily="18" charset="0"/>
+                      </a:rPr>
+                      <m:t>𝑃</m:t>
+                    </m:r>
+                    <m:r>
+                      <a:rPr lang="en-US" b="0" i="1" smtClean="0">
+                        <a:latin typeface="Cambria Math" panose="02040503050406030204" pitchFamily="18" charset="0"/>
+                      </a:rPr>
+                      <m:t>=</m:t>
+                    </m:r>
+                    <m:r>
+                      <a:rPr lang="en-US" b="0" i="1" smtClean="0">
+                        <a:latin typeface="Cambria Math" panose="02040503050406030204" pitchFamily="18" charset="0"/>
+                      </a:rPr>
+                      <m:t>𝐼</m:t>
+                    </m:r>
+                    <m:r>
+                      <a:rPr lang="en-US" b="0" i="1" smtClean="0">
+                        <a:latin typeface="Cambria Math" panose="02040503050406030204" pitchFamily="18" charset="0"/>
+                        <a:ea typeface="Cambria Math" panose="02040503050406030204" pitchFamily="18" charset="0"/>
+                      </a:rPr>
+                      <m:t>∙</m:t>
+                    </m:r>
+                    <m:r>
+                      <a:rPr lang="en-US" b="0" i="1" smtClean="0">
+                        <a:latin typeface="Cambria Math" panose="02040503050406030204" pitchFamily="18" charset="0"/>
+                        <a:ea typeface="Cambria Math" panose="02040503050406030204" pitchFamily="18" charset="0"/>
+                      </a:rPr>
+                      <m:t>𝑉</m:t>
+                    </m:r>
+                  </m:oMath>
+                </a14:m>
+                <a:endParaRPr lang="en-US" b="0" dirty="0" smtClean="0">
+                  <a:ea typeface="Cambria Math" panose="02040503050406030204" pitchFamily="18" charset="0"/>
+                </a:endParaRPr>
+              </a:p>
+              <a:p>
+                <a:r>
+                  <a:rPr lang="en-US" dirty="0" smtClean="0"/>
+                  <a:t>Commonly formulated as </a:t>
+                </a:r>
+                <a14:m>
+                  <m:oMath xmlns:m="http://schemas.openxmlformats.org/officeDocument/2006/math">
+                    <m:r>
+                      <a:rPr lang="en-US" b="0" i="1" smtClean="0">
+                        <a:latin typeface="Cambria Math" panose="02040503050406030204" pitchFamily="18" charset="0"/>
+                      </a:rPr>
+                      <m:t>𝑃</m:t>
+                    </m:r>
+                    <m:r>
+                      <a:rPr lang="en-US" b="0" i="1" smtClean="0">
+                        <a:latin typeface="Cambria Math" panose="02040503050406030204" pitchFamily="18" charset="0"/>
+                      </a:rPr>
+                      <m:t>=</m:t>
+                    </m:r>
+                    <m:sSup>
+                      <m:sSupPr>
+                        <m:ctrlPr>
+                          <a:rPr lang="en-US" b="0" i="1" smtClean="0">
+                            <a:latin typeface="Cambria Math" panose="02040503050406030204" pitchFamily="18" charset="0"/>
+                          </a:rPr>
+                        </m:ctrlPr>
+                      </m:sSupPr>
+                      <m:e>
+                        <m:r>
+                          <a:rPr lang="en-US" b="0" i="1" smtClean="0">
+                            <a:latin typeface="Cambria Math" panose="02040503050406030204" pitchFamily="18" charset="0"/>
+                          </a:rPr>
+                          <m:t>𝐼</m:t>
+                        </m:r>
+                      </m:e>
+                      <m:sup>
+                        <m:r>
+                          <a:rPr lang="en-US" b="0" i="1" smtClean="0">
+                            <a:latin typeface="Cambria Math" panose="02040503050406030204" pitchFamily="18" charset="0"/>
+                          </a:rPr>
+                          <m:t>2</m:t>
+                        </m:r>
+                      </m:sup>
+                    </m:sSup>
+                    <m:r>
+                      <a:rPr lang="en-US" b="0" i="1" smtClean="0">
+                        <a:latin typeface="Cambria Math" panose="02040503050406030204" pitchFamily="18" charset="0"/>
+                        <a:ea typeface="Cambria Math" panose="02040503050406030204" pitchFamily="18" charset="0"/>
+                      </a:rPr>
+                      <m:t>∙</m:t>
+                    </m:r>
+                    <m:r>
+                      <a:rPr lang="en-US" b="0" i="1" smtClean="0">
+                        <a:latin typeface="Cambria Math" panose="02040503050406030204" pitchFamily="18" charset="0"/>
+                      </a:rPr>
+                      <m:t>𝑅</m:t>
+                    </m:r>
+                  </m:oMath>
+                </a14:m>
+                <a:endParaRPr lang="en-US" b="0" dirty="0" smtClean="0"/>
+              </a:p>
+              <a:p>
+                <a:pPr lvl="1"/>
+                <a:r>
+                  <a:rPr lang="en-US" dirty="0" smtClean="0"/>
+                  <a:t>Easily found by combining </a:t>
+                </a:r>
+                <a14:m>
+                  <m:oMath xmlns:m="http://schemas.openxmlformats.org/officeDocument/2006/math">
+                    <m:r>
+                      <a:rPr lang="en-US" i="1">
+                        <a:latin typeface="Cambria Math" panose="02040503050406030204" pitchFamily="18" charset="0"/>
+                      </a:rPr>
+                      <m:t>𝑃</m:t>
+                    </m:r>
+                    <m:r>
+                      <a:rPr lang="en-US" i="1">
+                        <a:latin typeface="Cambria Math" panose="02040503050406030204" pitchFamily="18" charset="0"/>
+                      </a:rPr>
+                      <m:t>=</m:t>
+                    </m:r>
+                    <m:r>
+                      <a:rPr lang="en-US" i="1">
+                        <a:latin typeface="Cambria Math" panose="02040503050406030204" pitchFamily="18" charset="0"/>
+                      </a:rPr>
+                      <m:t>𝐼</m:t>
+                    </m:r>
+                    <m:r>
+                      <a:rPr lang="en-US" i="1">
+                        <a:latin typeface="Cambria Math" panose="02040503050406030204" pitchFamily="18" charset="0"/>
+                        <a:ea typeface="Cambria Math" panose="02040503050406030204" pitchFamily="18" charset="0"/>
+                      </a:rPr>
+                      <m:t>∙</m:t>
+                    </m:r>
+                    <m:r>
+                      <a:rPr lang="en-US" i="1">
+                        <a:latin typeface="Cambria Math" panose="02040503050406030204" pitchFamily="18" charset="0"/>
+                        <a:ea typeface="Cambria Math" panose="02040503050406030204" pitchFamily="18" charset="0"/>
+                      </a:rPr>
+                      <m:t>𝑉</m:t>
+                    </m:r>
+                  </m:oMath>
+                </a14:m>
+                <a:r>
+                  <a:rPr lang="en-US" dirty="0" smtClean="0">
+                    <a:ea typeface="Cambria Math" panose="02040503050406030204" pitchFamily="18" charset="0"/>
+                  </a:rPr>
+                  <a:t> with Ohm’s Law</a:t>
+                </a:r>
+                <a:endParaRPr lang="en-US" dirty="0">
+                  <a:ea typeface="Cambria Math" panose="02040503050406030204" pitchFamily="18" charset="0"/>
+                </a:endParaRPr>
+              </a:p>
+            </p:txBody>
+          </p:sp>
+        </mc:Choice>
+        <mc:Fallback>
+          <p:sp>
+            <p:nvSpPr>
+              <p:cNvPr id="3" name="Content Placeholder 2"/>
+              <p:cNvSpPr>
+                <a:spLocks noGrp="1" noRot="1" noChangeAspect="1" noMove="1" noResize="1" noEditPoints="1" noAdjustHandles="1" noChangeArrowheads="1" noChangeShapeType="1" noTextEdit="1"/>
+              </p:cNvSpPr>
+              <p:nvPr>
+                <p:ph idx="1"/>
+              </p:nvPr>
+            </p:nvSpPr>
+            <p:spPr>
+              <a:blipFill>
+                <a:blip r:embed="rId2"/>
+                <a:stretch>
+                  <a:fillRect l="-1278" t="-1752" r="-278"/>
+                </a:stretch>
+              </a:blipFill>
+            </p:spPr>
+            <p:txBody>
+              <a:bodyPr/>
+              <a:lstStyle/>
+              <a:p>
+                <a:r>
+                  <a:rPr lang="en-US">
+                    <a:noFill/>
+                  </a:rPr>
+                  <a:t> </a:t>
+                </a:r>
+              </a:p>
+            </p:txBody>
+          </p:sp>
+        </mc:Fallback>
+      </mc:AlternateContent>
+    </p:spTree>
+    <p:extLst>
+      <p:ext uri="{BB962C8B-B14F-4D97-AF65-F5344CB8AC3E}">
+        <p14:creationId xmlns:p14="http://schemas.microsoft.com/office/powerpoint/2010/main" val="4093687148"/>
+      </p:ext>
+    </p:extLst>
+  </p:cSld>
+  <p:clrMapOvr>
+    <a:masterClrMapping/>
+  </p:clrMapOvr>
+</p:sld>
+</file>
+
+<file path=ppt/slides/slide23.xml><?xml version="1.0" encoding="utf-8"?>
+<p:sld xmlns:a="http://schemas.openxmlformats.org/drawingml/2006/main" xmlns:r="http://schemas.openxmlformats.org/officeDocument/2006/relationships" xmlns:p="http://schemas.openxmlformats.org/presentationml/2006/main">
+  <p:cSld>
+    <p:spTree>
+      <p:nvGrpSpPr>
+        <p:cNvPr id="1" name=""/>
+        <p:cNvGrpSpPr/>
+        <p:nvPr/>
+      </p:nvGrpSpPr>
+      <p:grpSpPr>
+        <a:xfrm>
+          <a:off x="0" y="0"/>
+          <a:ext cx="0" cy="0"/>
+          <a:chOff x="0" y="0"/>
+          <a:chExt cx="0" cy="0"/>
+        </a:xfrm>
+      </p:grpSpPr>
+      <p:sp>
+        <p:nvSpPr>
+          <p:cNvPr id="2" name="Title 1"/>
+          <p:cNvSpPr>
+            <a:spLocks noGrp="1"/>
+          </p:cNvSpPr>
+          <p:nvPr>
+            <p:ph type="title"/>
+          </p:nvPr>
+        </p:nvSpPr>
+        <p:spPr/>
+        <p:txBody>
+          <a:bodyPr/>
+          <a:lstStyle/>
+          <a:p>
+            <a:r>
+              <a:rPr lang="en-US" dirty="0" smtClean="0"/>
+              <a:t>Power</a:t>
+            </a:r>
+            <a:endParaRPr lang="en-US" dirty="0"/>
+          </a:p>
+        </p:txBody>
+      </p:sp>
+      <p:sp>
+        <p:nvSpPr>
+          <p:cNvPr id="3" name="Content Placeholder 2"/>
+          <p:cNvSpPr>
+            <a:spLocks noGrp="1"/>
+          </p:cNvSpPr>
+          <p:nvPr>
+            <p:ph idx="1"/>
+          </p:nvPr>
+        </p:nvSpPr>
+        <p:spPr/>
+        <p:txBody>
+          <a:bodyPr/>
+          <a:lstStyle/>
+          <a:p>
+            <a:r>
+              <a:rPr lang="en-US" dirty="0" smtClean="0"/>
+              <a:t>Power is a </a:t>
+            </a:r>
+            <a:r>
+              <a:rPr lang="en-US" i="1" dirty="0" smtClean="0"/>
+              <a:t>signed </a:t>
+            </a:r>
+            <a:r>
+              <a:rPr lang="en-US" dirty="0" smtClean="0"/>
+              <a:t>quantity; it can be positive or negative</a:t>
+            </a:r>
+          </a:p>
+          <a:p>
+            <a:r>
+              <a:rPr lang="en-US" dirty="0" smtClean="0"/>
+              <a:t>By convention, things which </a:t>
+            </a:r>
+            <a:r>
+              <a:rPr lang="en-US" i="1" dirty="0" smtClean="0"/>
+              <a:t>dissipate</a:t>
+            </a:r>
+            <a:r>
+              <a:rPr lang="en-US" dirty="0" smtClean="0"/>
+              <a:t> power (heaters, motors, etc.) have </a:t>
+            </a:r>
+            <a:r>
+              <a:rPr lang="en-US" i="1" dirty="0" smtClean="0"/>
+              <a:t>positive </a:t>
+            </a:r>
+            <a:r>
+              <a:rPr lang="en-US" dirty="0" smtClean="0"/>
+              <a:t>power</a:t>
+            </a:r>
+          </a:p>
+          <a:p>
+            <a:r>
+              <a:rPr lang="en-US" dirty="0" smtClean="0"/>
+              <a:t>Things which </a:t>
+            </a:r>
+            <a:r>
+              <a:rPr lang="en-US" i="1" dirty="0" smtClean="0"/>
+              <a:t>supply</a:t>
+            </a:r>
+            <a:r>
+              <a:rPr lang="en-US" dirty="0" smtClean="0"/>
+              <a:t> power (batteries, generators) have </a:t>
+            </a:r>
+            <a:r>
+              <a:rPr lang="en-US" i="1" dirty="0" smtClean="0"/>
+              <a:t>negative </a:t>
+            </a:r>
+            <a:r>
+              <a:rPr lang="en-US" dirty="0" smtClean="0"/>
+              <a:t>power</a:t>
+            </a:r>
+            <a:endParaRPr lang="en-US" dirty="0"/>
+          </a:p>
+        </p:txBody>
+      </p:sp>
+    </p:spTree>
+    <p:extLst>
+      <p:ext uri="{BB962C8B-B14F-4D97-AF65-F5344CB8AC3E}">
+        <p14:creationId xmlns:p14="http://schemas.microsoft.com/office/powerpoint/2010/main" val="2562288943"/>
+      </p:ext>
+    </p:extLst>
+  </p:cSld>
+  <p:clrMapOvr>
+    <a:masterClrMapping/>
+  </p:clrMapOvr>
+</p:sld>
+</file>
+
+<file path=ppt/slides/slide24.xml><?xml version="1.0" encoding="utf-8"?>
+<p:sld xmlns:a="http://schemas.openxmlformats.org/drawingml/2006/main" xmlns:r="http://schemas.openxmlformats.org/officeDocument/2006/relationships" xmlns:p="http://schemas.openxmlformats.org/presentationml/2006/main">
+  <p:cSld>
+    <p:spTree>
+      <p:nvGrpSpPr>
+        <p:cNvPr id="1" name=""/>
+        <p:cNvGrpSpPr/>
+        <p:nvPr/>
+      </p:nvGrpSpPr>
+      <p:grpSpPr>
+        <a:xfrm>
+          <a:off x="0" y="0"/>
+          <a:ext cx="0" cy="0"/>
+          <a:chOff x="0" y="0"/>
+          <a:chExt cx="0" cy="0"/>
+        </a:xfrm>
+      </p:grpSpPr>
+      <p:sp>
+        <p:nvSpPr>
+          <p:cNvPr id="2" name="Title 1"/>
+          <p:cNvSpPr>
+            <a:spLocks noGrp="1"/>
+          </p:cNvSpPr>
+          <p:nvPr>
+            <p:ph type="title"/>
+          </p:nvPr>
+        </p:nvSpPr>
+        <p:spPr/>
+        <p:txBody>
+          <a:bodyPr/>
+          <a:lstStyle/>
+          <a:p>
+            <a:r>
+              <a:rPr lang="en-US" dirty="0" smtClean="0"/>
+              <a:t>Power</a:t>
+            </a:r>
+            <a:endParaRPr lang="en-US" dirty="0"/>
+          </a:p>
+        </p:txBody>
+      </p:sp>
+      <mc:AlternateContent xmlns:mc="http://schemas.openxmlformats.org/markup-compatibility/2006">
+        <mc:Choice xmlns:a14="http://schemas.microsoft.com/office/drawing/2010/main" Requires="a14">
+          <p:sp>
+            <p:nvSpPr>
+              <p:cNvPr id="3" name="Content Placeholder 2"/>
+              <p:cNvSpPr>
+                <a:spLocks noGrp="1"/>
+              </p:cNvSpPr>
+              <p:nvPr>
+                <p:ph idx="1"/>
+              </p:nvPr>
+            </p:nvSpPr>
+            <p:spPr/>
+            <p:txBody>
+              <a:bodyPr>
+                <a:normAutofit fontScale="92500" lnSpcReduction="10000"/>
+              </a:bodyPr>
+              <a:lstStyle/>
+              <a:p>
+                <a:r>
+                  <a:rPr lang="en-US" dirty="0" smtClean="0"/>
+                  <a:t>Power is important for two reasons</a:t>
+                </a:r>
+              </a:p>
+              <a:p>
+                <a:pPr lvl="1"/>
+                <a:r>
+                  <a:rPr lang="en-US" dirty="0" smtClean="0"/>
+                  <a:t>Conservation of energy</a:t>
+                </a:r>
+              </a:p>
+              <a:p>
+                <a:pPr lvl="2"/>
+                <a:r>
+                  <a:rPr lang="en-US" dirty="0" smtClean="0"/>
+                  <a:t>DC/DC converters are used to convert electricity at one voltage to another voltage</a:t>
+                </a:r>
+              </a:p>
+              <a:p>
+                <a:pPr lvl="2"/>
+                <a:r>
+                  <a:rPr lang="en-US" dirty="0" smtClean="0"/>
+                  <a:t>If you have 1 A at 12 V (12 W) going into a 12-&gt;5 DC/DC converter, you can get no more than 2.4 A at 5 V (12 W) out of it</a:t>
+                </a:r>
+              </a:p>
+              <a:p>
+                <a:pPr lvl="1"/>
+                <a:r>
+                  <a:rPr lang="en-US" dirty="0" smtClean="0"/>
+                  <a:t>Most components have power limits</a:t>
+                </a:r>
+              </a:p>
+              <a:p>
+                <a:pPr lvl="2"/>
+                <a:r>
+                  <a:rPr lang="en-US" dirty="0" smtClean="0"/>
+                  <a:t>A 10 </a:t>
+                </a:r>
+                <a:r>
+                  <a:rPr lang="el-GR" dirty="0" smtClean="0"/>
+                  <a:t>Ω</a:t>
+                </a:r>
+                <a:r>
+                  <a:rPr lang="en-US" dirty="0" smtClean="0"/>
+                  <a:t> resistor rated at 0.25 W could handle ~160 mA </a:t>
+                </a:r>
+                <a14:m>
+                  <m:oMath xmlns:m="http://schemas.openxmlformats.org/officeDocument/2006/math">
+                    <m:d>
+                      <m:dPr>
+                        <m:ctrlPr>
+                          <a:rPr lang="en-US" i="1" smtClean="0">
+                            <a:latin typeface="Cambria Math" panose="02040503050406030204" pitchFamily="18" charset="0"/>
+                          </a:rPr>
+                        </m:ctrlPr>
+                      </m:dPr>
+                      <m:e>
+                        <m:rad>
+                          <m:radPr>
+                            <m:degHide m:val="on"/>
+                            <m:ctrlPr>
+                              <a:rPr lang="en-US" i="1">
+                                <a:latin typeface="Cambria Math" panose="02040503050406030204" pitchFamily="18" charset="0"/>
+                              </a:rPr>
+                            </m:ctrlPr>
+                          </m:radPr>
+                          <m:deg/>
+                          <m:e>
+                            <m:f>
+                              <m:fPr>
+                                <m:ctrlPr>
+                                  <a:rPr lang="en-US" i="1">
+                                    <a:latin typeface="Cambria Math" panose="02040503050406030204" pitchFamily="18" charset="0"/>
+                                  </a:rPr>
+                                </m:ctrlPr>
+                              </m:fPr>
+                              <m:num>
+                                <m:r>
+                                  <a:rPr lang="en-US" i="1">
+                                    <a:latin typeface="Cambria Math" panose="02040503050406030204" pitchFamily="18" charset="0"/>
+                                  </a:rPr>
+                                  <m:t>𝑃</m:t>
+                                </m:r>
+                              </m:num>
+                              <m:den>
+                                <m:r>
+                                  <a:rPr lang="en-US" i="1">
+                                    <a:latin typeface="Cambria Math" panose="02040503050406030204" pitchFamily="18" charset="0"/>
+                                  </a:rPr>
+                                  <m:t>𝑅</m:t>
+                                </m:r>
+                              </m:den>
+                            </m:f>
+                          </m:e>
+                        </m:rad>
+                        <m:r>
+                          <a:rPr lang="en-US" b="0" i="1" smtClean="0">
+                            <a:latin typeface="Cambria Math" panose="02040503050406030204" pitchFamily="18" charset="0"/>
+                          </a:rPr>
+                          <m:t>=</m:t>
+                        </m:r>
+                        <m:rad>
+                          <m:radPr>
+                            <m:degHide m:val="on"/>
+                            <m:ctrlPr>
+                              <a:rPr lang="en-US" b="0" i="1" smtClean="0">
+                                <a:latin typeface="Cambria Math" panose="02040503050406030204" pitchFamily="18" charset="0"/>
+                              </a:rPr>
+                            </m:ctrlPr>
+                          </m:radPr>
+                          <m:deg/>
+                          <m:e>
+                            <m:f>
+                              <m:fPr>
+                                <m:ctrlPr>
+                                  <a:rPr lang="en-US" b="0" i="1" smtClean="0">
+                                    <a:latin typeface="Cambria Math" panose="02040503050406030204" pitchFamily="18" charset="0"/>
+                                  </a:rPr>
+                                </m:ctrlPr>
+                              </m:fPr>
+                              <m:num>
+                                <m:r>
+                                  <a:rPr lang="en-US" b="0" i="1" smtClean="0">
+                                    <a:latin typeface="Cambria Math" panose="02040503050406030204" pitchFamily="18" charset="0"/>
+                                  </a:rPr>
+                                  <m:t>0.25</m:t>
+                                </m:r>
+                              </m:num>
+                              <m:den>
+                                <m:r>
+                                  <a:rPr lang="en-US" b="0" i="1" smtClean="0">
+                                    <a:latin typeface="Cambria Math" panose="02040503050406030204" pitchFamily="18" charset="0"/>
+                                  </a:rPr>
+                                  <m:t>10</m:t>
+                                </m:r>
+                              </m:den>
+                            </m:f>
+                          </m:e>
+                        </m:rad>
+                        <m:r>
+                          <a:rPr lang="en-US" b="0" i="1" smtClean="0">
+                            <a:latin typeface="Cambria Math" panose="02040503050406030204" pitchFamily="18" charset="0"/>
+                            <a:ea typeface="Cambria Math" panose="02040503050406030204" pitchFamily="18" charset="0"/>
+                          </a:rPr>
+                          <m:t>≈0.158</m:t>
+                        </m:r>
+                      </m:e>
+                    </m:d>
+                  </m:oMath>
+                </a14:m>
+                <a:endParaRPr lang="en-US" dirty="0" smtClean="0"/>
+              </a:p>
+              <a:p>
+                <a:pPr lvl="2"/>
+                <a:r>
+                  <a:rPr lang="en-US" dirty="0" smtClean="0"/>
+                  <a:t>If you try to run an amp through it, it will burn up </a:t>
+                </a:r>
+                <a14:m>
+                  <m:oMath xmlns:m="http://schemas.openxmlformats.org/officeDocument/2006/math">
+                    <m:d>
+                      <m:dPr>
+                        <m:ctrlPr>
+                          <a:rPr lang="en-US" i="1" smtClean="0">
+                            <a:latin typeface="Cambria Math" panose="02040503050406030204" pitchFamily="18" charset="0"/>
+                          </a:rPr>
+                        </m:ctrlPr>
+                      </m:dPr>
+                      <m:e>
+                        <m:sSup>
+                          <m:sSupPr>
+                            <m:ctrlPr>
+                              <a:rPr lang="en-US" i="1" smtClean="0">
+                                <a:latin typeface="Cambria Math" panose="02040503050406030204" pitchFamily="18" charset="0"/>
+                              </a:rPr>
+                            </m:ctrlPr>
+                          </m:sSupPr>
+                          <m:e>
+                            <m:r>
+                              <a:rPr lang="en-US" b="0" i="1" smtClean="0">
+                                <a:latin typeface="Cambria Math" panose="02040503050406030204" pitchFamily="18" charset="0"/>
+                              </a:rPr>
+                              <m:t>𝐼</m:t>
+                            </m:r>
+                          </m:e>
+                          <m:sup>
+                            <m:r>
+                              <a:rPr lang="en-US" b="0" i="1" smtClean="0">
+                                <a:latin typeface="Cambria Math" panose="02040503050406030204" pitchFamily="18" charset="0"/>
+                              </a:rPr>
+                              <m:t>2</m:t>
+                            </m:r>
+                          </m:sup>
+                        </m:sSup>
+                        <m:r>
+                          <a:rPr lang="en-US" b="0" i="1" smtClean="0">
+                            <a:latin typeface="Cambria Math" panose="02040503050406030204" pitchFamily="18" charset="0"/>
+                          </a:rPr>
+                          <m:t>𝑅</m:t>
+                        </m:r>
+                        <m:r>
+                          <a:rPr lang="en-US" b="0" i="1" smtClean="0">
+                            <a:latin typeface="Cambria Math" panose="02040503050406030204" pitchFamily="18" charset="0"/>
+                          </a:rPr>
+                          <m:t>=</m:t>
+                        </m:r>
+                        <m:sSup>
+                          <m:sSupPr>
+                            <m:ctrlPr>
+                              <a:rPr lang="en-US" b="0" i="1" smtClean="0">
+                                <a:latin typeface="Cambria Math" panose="02040503050406030204" pitchFamily="18" charset="0"/>
+                              </a:rPr>
+                            </m:ctrlPr>
+                          </m:sSupPr>
+                          <m:e>
+                            <m:r>
+                              <a:rPr lang="en-US" b="0" i="1" smtClean="0">
+                                <a:latin typeface="Cambria Math" panose="02040503050406030204" pitchFamily="18" charset="0"/>
+                              </a:rPr>
+                              <m:t>1</m:t>
+                            </m:r>
+                          </m:e>
+                          <m:sup>
+                            <m:r>
+                              <a:rPr lang="en-US" b="0" i="1" smtClean="0">
+                                <a:latin typeface="Cambria Math" panose="02040503050406030204" pitchFamily="18" charset="0"/>
+                              </a:rPr>
+                              <m:t>2</m:t>
+                            </m:r>
+                          </m:sup>
+                        </m:sSup>
+                        <m:r>
+                          <a:rPr lang="en-US" b="0" i="1" smtClean="0">
+                            <a:latin typeface="Cambria Math" panose="02040503050406030204" pitchFamily="18" charset="0"/>
+                            <a:ea typeface="Cambria Math" panose="02040503050406030204" pitchFamily="18" charset="0"/>
+                          </a:rPr>
+                          <m:t>∙10=10≫0.25</m:t>
+                        </m:r>
+                      </m:e>
+                    </m:d>
+                  </m:oMath>
+                </a14:m>
+                <a:endParaRPr lang="en-US" dirty="0" smtClean="0"/>
+              </a:p>
+              <a:p>
+                <a:pPr lvl="2"/>
+                <a:r>
+                  <a:rPr lang="en-US" dirty="0" smtClean="0"/>
+                  <a:t>In most cases, this is a thermal constraint; dissipating more heat requires a higher temperature, and components have maximum temperatures</a:t>
+                </a:r>
+                <a:endParaRPr lang="en-US" dirty="0"/>
+              </a:p>
+            </p:txBody>
+          </p:sp>
+        </mc:Choice>
+        <mc:Fallback>
+          <p:sp>
+            <p:nvSpPr>
+              <p:cNvPr id="3" name="Content Placeholder 2"/>
+              <p:cNvSpPr>
+                <a:spLocks noGrp="1" noRot="1" noChangeAspect="1" noMove="1" noResize="1" noEditPoints="1" noAdjustHandles="1" noChangeArrowheads="1" noChangeShapeType="1" noTextEdit="1"/>
+              </p:cNvSpPr>
+              <p:nvPr>
+                <p:ph idx="1"/>
+              </p:nvPr>
+            </p:nvSpPr>
+            <p:spPr>
+              <a:blipFill>
+                <a:blip r:embed="rId2"/>
+                <a:stretch>
+                  <a:fillRect l="-1111" t="-2695"/>
+                </a:stretch>
+              </a:blipFill>
+            </p:spPr>
+            <p:txBody>
+              <a:bodyPr/>
+              <a:lstStyle/>
+              <a:p>
+                <a:r>
+                  <a:rPr lang="en-US">
+                    <a:noFill/>
+                  </a:rPr>
+                  <a:t> </a:t>
+                </a:r>
+              </a:p>
+            </p:txBody>
+          </p:sp>
+        </mc:Fallback>
+      </mc:AlternateContent>
+    </p:spTree>
+    <p:extLst>
+      <p:ext uri="{BB962C8B-B14F-4D97-AF65-F5344CB8AC3E}">
+        <p14:creationId xmlns:p14="http://schemas.microsoft.com/office/powerpoint/2010/main" val="2040975865"/>
       </p:ext>
     </p:extLst>
   </p:cSld>
@@ -7485,6 +7977,13 @@
   <p:clrMapOvr>
     <a:masterClrMapping/>
   </p:clrMapOvr>
+  <p:timing>
+    <p:tnLst>
+      <p:par>
+        <p:cTn id="1" dur="indefinite" restart="never" nodeType="tmRoot"/>
+      </p:par>
+    </p:tnLst>
+  </p:timing>
 </p:sld>
 </file>
 
@@ -7552,7 +8051,7 @@
         <p:spPr/>
         <p:txBody>
           <a:bodyPr>
-            <a:normAutofit lnSpcReduction="10000"/>
+            <a:normAutofit fontScale="92500" lnSpcReduction="20000"/>
           </a:bodyPr>
           <a:lstStyle/>
           <a:p>
@@ -7622,6 +8121,13 @@
   <p:clrMapOvr>
     <a:masterClrMapping/>
   </p:clrMapOvr>
+  <p:timing>
+    <p:tnLst>
+      <p:par>
+        <p:cTn id="1" dur="indefinite" restart="never" nodeType="tmRoot"/>
+      </p:par>
+    </p:tnLst>
+  </p:timing>
 </p:sld>
 </file>
 
@@ -8026,6 +8532,13 @@
   <p:clrMapOvr>
     <a:masterClrMapping/>
   </p:clrMapOvr>
+  <p:timing>
+    <p:tnLst>
+      <p:par>
+        <p:cTn id="1" dur="indefinite" restart="never" nodeType="tmRoot"/>
+      </p:par>
+    </p:tnLst>
+  </p:timing>
 </p:sld>
 </file>
 
@@ -8165,6 +8678,13 @@
   <p:clrMapOvr>
     <a:masterClrMapping/>
   </p:clrMapOvr>
+  <p:timing>
+    <p:tnLst>
+      <p:par>
+        <p:cTn id="1" dur="indefinite" restart="never" nodeType="tmRoot"/>
+      </p:par>
+    </p:tnLst>
+  </p:timing>
 </p:sld>
 </file>
 
@@ -8231,7 +8751,9 @@
         </p:nvSpPr>
         <p:spPr/>
         <p:txBody>
-          <a:bodyPr/>
+          <a:bodyPr>
+            <a:normAutofit lnSpcReduction="10000"/>
+          </a:bodyPr>
           <a:lstStyle/>
           <a:p>
             <a:r>
@@ -8330,6 +8852,13 @@
   <p:clrMapOvr>
     <a:masterClrMapping/>
   </p:clrMapOvr>
+  <p:timing>
+    <p:tnLst>
+      <p:par>
+        <p:cTn id="1" dur="indefinite" restart="never" nodeType="tmRoot"/>
+      </p:par>
+    </p:tnLst>
+  </p:timing>
 </p:sld>
 </file>
 
@@ -8464,6 +8993,13 @@
   <p:clrMapOvr>
     <a:masterClrMapping/>
   </p:clrMapOvr>
+  <p:timing>
+    <p:tnLst>
+      <p:par>
+        <p:cTn id="1" dur="indefinite" restart="never" nodeType="tmRoot"/>
+      </p:par>
+    </p:tnLst>
+  </p:timing>
 </p:sld>
 </file>
 
@@ -8681,11 +9217,18 @@
   <p:clrMapOvr>
     <a:masterClrMapping/>
   </p:clrMapOvr>
+  <p:timing>
+    <p:tnLst>
+      <p:par>
+        <p:cTn id="1" dur="indefinite" restart="never" nodeType="tmRoot"/>
+      </p:par>
+    </p:tnLst>
+  </p:timing>
 </p:sld>
 </file>
 
 <file path=ppt/theme/theme1.xml><?xml version="1.0" encoding="utf-8"?>
-<a:theme xmlns:a="http://schemas.openxmlformats.org/drawingml/2006/main" name="Office Theme">
+<a:theme xmlns:a="http://schemas.openxmlformats.org/drawingml/2006/main" name="696">
   <a:themeElements>
     <a:clrScheme name="Office">
       <a:dk1>
@@ -8695,44 +9238,44 @@
         <a:sysClr val="window" lastClr="FFFFFF"/>
       </a:lt1>
       <a:dk2>
-        <a:srgbClr val="44546A"/>
+        <a:srgbClr val="1F497D"/>
       </a:dk2>
       <a:lt2>
-        <a:srgbClr val="E7E6E6"/>
+        <a:srgbClr val="EEECE1"/>
       </a:lt2>
       <a:accent1>
-        <a:srgbClr val="4472C4"/>
+        <a:srgbClr val="4F81BD"/>
       </a:accent1>
       <a:accent2>
-        <a:srgbClr val="ED7D31"/>
+        <a:srgbClr val="C0504D"/>
       </a:accent2>
       <a:accent3>
-        <a:srgbClr val="A5A5A5"/>
+        <a:srgbClr val="9BBB59"/>
       </a:accent3>
       <a:accent4>
-        <a:srgbClr val="FFC000"/>
+        <a:srgbClr val="8064A2"/>
       </a:accent4>
       <a:accent5>
-        <a:srgbClr val="5B9BD5"/>
+        <a:srgbClr val="4BACC6"/>
       </a:accent5>
       <a:accent6>
-        <a:srgbClr val="70AD47"/>
+        <a:srgbClr val="F79646"/>
       </a:accent6>
       <a:hlink>
-        <a:srgbClr val="0563C1"/>
+        <a:srgbClr val="0000FF"/>
       </a:hlink>
       <a:folHlink>
-        <a:srgbClr val="954F72"/>
+        <a:srgbClr val="800080"/>
       </a:folHlink>
     </a:clrScheme>
     <a:fontScheme name="Office">
       <a:majorFont>
-        <a:latin typeface="Calibri Light" panose="020F0302020204030204"/>
+        <a:latin typeface="Calibri"/>
         <a:ea typeface=""/>
         <a:cs typeface=""/>
-        <a:font script="Jpan" typeface="游ゴシック Light"/>
+        <a:font script="Jpan" typeface="ＭＳ Ｐゴシック"/>
         <a:font script="Hang" typeface="맑은 고딕"/>
-        <a:font script="Hans" typeface="等线 Light"/>
+        <a:font script="Hans" typeface="宋体"/>
         <a:font script="Hant" typeface="新細明體"/>
         <a:font script="Arab" typeface="Times New Roman"/>
         <a:font script="Hebr" typeface="Times New Roman"/>
@@ -8760,31 +9303,14 @@
         <a:font script="Viet" typeface="Times New Roman"/>
         <a:font script="Uigh" typeface="Microsoft Uighur"/>
         <a:font script="Geor" typeface="Sylfaen"/>
-        <a:font script="Armn" typeface="Arial"/>
-        <a:font script="Bugi" typeface="Leelawadee UI"/>
-        <a:font script="Bopo" typeface="Microsoft JhengHei"/>
-        <a:font script="Java" typeface="Javanese Text"/>
-        <a:font script="Lisu" typeface="Segoe UI"/>
-        <a:font script="Mymr" typeface="Myanmar Text"/>
-        <a:font script="Nkoo" typeface="Ebrima"/>
-        <a:font script="Olck" typeface="Nirmala UI"/>
-        <a:font script="Osma" typeface="Ebrima"/>
-        <a:font script="Phag" typeface="Phagspa"/>
-        <a:font script="Syrn" typeface="Estrangelo Edessa"/>
-        <a:font script="Syrj" typeface="Estrangelo Edessa"/>
-        <a:font script="Syre" typeface="Estrangelo Edessa"/>
-        <a:font script="Sora" typeface="Nirmala UI"/>
-        <a:font script="Tale" typeface="Microsoft Tai Le"/>
-        <a:font script="Talu" typeface="Microsoft New Tai Lue"/>
-        <a:font script="Tfng" typeface="Ebrima"/>
       </a:majorFont>
       <a:minorFont>
-        <a:latin typeface="Calibri" panose="020F0502020204030204"/>
+        <a:latin typeface="Calibri"/>
         <a:ea typeface=""/>
         <a:cs typeface=""/>
-        <a:font script="Jpan" typeface="游ゴシック"/>
+        <a:font script="Jpan" typeface="ＭＳ Ｐゴシック"/>
         <a:font script="Hang" typeface="맑은 고딕"/>
-        <a:font script="Hans" typeface="等线"/>
+        <a:font script="Hans" typeface="宋体"/>
         <a:font script="Hant" typeface="新細明體"/>
         <a:font script="Arab" typeface="Arial"/>
         <a:font script="Hebr" typeface="Arial"/>
@@ -8812,23 +9338,6 @@
         <a:font script="Viet" typeface="Arial"/>
         <a:font script="Uigh" typeface="Microsoft Uighur"/>
         <a:font script="Geor" typeface="Sylfaen"/>
-        <a:font script="Armn" typeface="Arial"/>
-        <a:font script="Bugi" typeface="Leelawadee UI"/>
-        <a:font script="Bopo" typeface="Microsoft JhengHei"/>
-        <a:font script="Java" typeface="Javanese Text"/>
-        <a:font script="Lisu" typeface="Segoe UI"/>
-        <a:font script="Mymr" typeface="Myanmar Text"/>
-        <a:font script="Nkoo" typeface="Ebrima"/>
-        <a:font script="Olck" typeface="Nirmala UI"/>
-        <a:font script="Osma" typeface="Ebrima"/>
-        <a:font script="Phag" typeface="Phagspa"/>
-        <a:font script="Syrn" typeface="Estrangelo Edessa"/>
-        <a:font script="Syrj" typeface="Estrangelo Edessa"/>
-        <a:font script="Syre" typeface="Estrangelo Edessa"/>
-        <a:font script="Sora" typeface="Nirmala UI"/>
-        <a:font script="Tale" typeface="Microsoft Tai Le"/>
-        <a:font script="Talu" typeface="Microsoft New Tai Lue"/>
-        <a:font script="Tfng" typeface="Ebrima"/>
       </a:minorFont>
     </a:fontScheme>
     <a:fmtScheme name="Office">
@@ -8840,131 +9349,160 @@
           <a:gsLst>
             <a:gs pos="0">
               <a:schemeClr val="phClr">
-                <a:lumMod val="110000"/>
-                <a:satMod val="105000"/>
-                <a:tint val="67000"/>
+                <a:tint val="50000"/>
+                <a:satMod val="300000"/>
               </a:schemeClr>
             </a:gs>
-            <a:gs pos="50000">
+            <a:gs pos="35000">
               <a:schemeClr val="phClr">
-                <a:lumMod val="105000"/>
-                <a:satMod val="103000"/>
-                <a:tint val="73000"/>
+                <a:tint val="37000"/>
+                <a:satMod val="300000"/>
               </a:schemeClr>
             </a:gs>
             <a:gs pos="100000">
               <a:schemeClr val="phClr">
-                <a:lumMod val="105000"/>
-                <a:satMod val="109000"/>
-                <a:tint val="81000"/>
+                <a:tint val="15000"/>
+                <a:satMod val="350000"/>
               </a:schemeClr>
             </a:gs>
           </a:gsLst>
-          <a:lin ang="5400000" scaled="0"/>
+          <a:lin ang="16200000" scaled="1"/>
         </a:gradFill>
         <a:gradFill rotWithShape="1">
           <a:gsLst>
             <a:gs pos="0">
               <a:schemeClr val="phClr">
-                <a:satMod val="103000"/>
-                <a:lumMod val="102000"/>
-                <a:tint val="94000"/>
+                <a:shade val="51000"/>
+                <a:satMod val="130000"/>
               </a:schemeClr>
             </a:gs>
-            <a:gs pos="50000">
+            <a:gs pos="80000">
               <a:schemeClr val="phClr">
-                <a:satMod val="110000"/>
-                <a:lumMod val="100000"/>
-                <a:shade val="100000"/>
+                <a:shade val="93000"/>
+                <a:satMod val="130000"/>
               </a:schemeClr>
             </a:gs>
             <a:gs pos="100000">
               <a:schemeClr val="phClr">
-                <a:lumMod val="99000"/>
-                <a:satMod val="120000"/>
-                <a:shade val="78000"/>
+                <a:shade val="94000"/>
+                <a:satMod val="135000"/>
               </a:schemeClr>
             </a:gs>
           </a:gsLst>
-          <a:lin ang="5400000" scaled="0"/>
+          <a:lin ang="16200000" scaled="0"/>
         </a:gradFill>
       </a:fillStyleLst>
       <a:lnStyleLst>
-        <a:ln w="6350" cap="flat" cmpd="sng" algn="ctr">
+        <a:ln w="9525" cap="flat" cmpd="sng" algn="ctr">
+          <a:solidFill>
+            <a:schemeClr val="phClr">
+              <a:shade val="95000"/>
+              <a:satMod val="105000"/>
+            </a:schemeClr>
+          </a:solidFill>
+          <a:prstDash val="solid"/>
+        </a:ln>
+        <a:ln w="25400" cap="flat" cmpd="sng" algn="ctr">
           <a:solidFill>
             <a:schemeClr val="phClr"/>
           </a:solidFill>
           <a:prstDash val="solid"/>
-          <a:miter lim="800000"/>
         </a:ln>
-        <a:ln w="12700" cap="flat" cmpd="sng" algn="ctr">
+        <a:ln w="38100" cap="flat" cmpd="sng" algn="ctr">
           <a:solidFill>
             <a:schemeClr val="phClr"/>
           </a:solidFill>
           <a:prstDash val="solid"/>
-          <a:miter lim="800000"/>
-        </a:ln>
-        <a:ln w="19050" cap="flat" cmpd="sng" algn="ctr">
-          <a:solidFill>
-            <a:schemeClr val="phClr"/>
-          </a:solidFill>
-          <a:prstDash val="solid"/>
-          <a:miter lim="800000"/>
         </a:ln>
       </a:lnStyleLst>
       <a:effectStyleLst>
         <a:effectStyle>
-          <a:effectLst/>
-        </a:effectStyle>
-        <a:effectStyle>
-          <a:effectLst/>
+          <a:effectLst>
+            <a:outerShdw blurRad="40000" dist="20000" dir="5400000" rotWithShape="0">
+              <a:srgbClr val="000000">
+                <a:alpha val="38000"/>
+              </a:srgbClr>
+            </a:outerShdw>
+          </a:effectLst>
         </a:effectStyle>
         <a:effectStyle>
           <a:effectLst>
-            <a:outerShdw blurRad="57150" dist="19050" dir="5400000" algn="ctr" rotWithShape="0">
+            <a:outerShdw blurRad="40000" dist="23000" dir="5400000" rotWithShape="0">
               <a:srgbClr val="000000">
-                <a:alpha val="63000"/>
+                <a:alpha val="35000"/>
               </a:srgbClr>
             </a:outerShdw>
           </a:effectLst>
+        </a:effectStyle>
+        <a:effectStyle>
+          <a:effectLst>
+            <a:outerShdw blurRad="40000" dist="23000" dir="5400000" rotWithShape="0">
+              <a:srgbClr val="000000">
+                <a:alpha val="35000"/>
+              </a:srgbClr>
+            </a:outerShdw>
+          </a:effectLst>
+          <a:scene3d>
+            <a:camera prst="orthographicFront">
+              <a:rot lat="0" lon="0" rev="0"/>
+            </a:camera>
+            <a:lightRig rig="threePt" dir="t">
+              <a:rot lat="0" lon="0" rev="1200000"/>
+            </a:lightRig>
+          </a:scene3d>
+          <a:sp3d>
+            <a:bevelT w="63500" h="25400"/>
+          </a:sp3d>
         </a:effectStyle>
       </a:effectStyleLst>
       <a:bgFillStyleLst>
         <a:solidFill>
           <a:schemeClr val="phClr"/>
         </a:solidFill>
-        <a:solidFill>
-          <a:schemeClr val="phClr">
-            <a:tint val="95000"/>
-            <a:satMod val="170000"/>
-          </a:schemeClr>
-        </a:solidFill>
         <a:gradFill rotWithShape="1">
           <a:gsLst>
             <a:gs pos="0">
               <a:schemeClr val="phClr">
-                <a:tint val="93000"/>
-                <a:satMod val="150000"/>
-                <a:shade val="98000"/>
-                <a:lumMod val="102000"/>
+                <a:tint val="40000"/>
+                <a:satMod val="350000"/>
               </a:schemeClr>
             </a:gs>
-            <a:gs pos="50000">
+            <a:gs pos="40000">
               <a:schemeClr val="phClr">
-                <a:tint val="98000"/>
-                <a:satMod val="130000"/>
-                <a:shade val="90000"/>
-                <a:lumMod val="103000"/>
+                <a:tint val="45000"/>
+                <a:shade val="99000"/>
+                <a:satMod val="350000"/>
               </a:schemeClr>
             </a:gs>
             <a:gs pos="100000">
               <a:schemeClr val="phClr">
-                <a:shade val="63000"/>
-                <a:satMod val="120000"/>
+                <a:shade val="20000"/>
+                <a:satMod val="255000"/>
               </a:schemeClr>
             </a:gs>
           </a:gsLst>
-          <a:lin ang="5400000" scaled="0"/>
+          <a:path path="circle">
+            <a:fillToRect l="50000" t="-80000" r="50000" b="180000"/>
+          </a:path>
+        </a:gradFill>
+        <a:gradFill rotWithShape="1">
+          <a:gsLst>
+            <a:gs pos="0">
+              <a:schemeClr val="phClr">
+                <a:tint val="80000"/>
+                <a:satMod val="300000"/>
+              </a:schemeClr>
+            </a:gs>
+            <a:gs pos="100000">
+              <a:schemeClr val="phClr">
+                <a:shade val="30000"/>
+                <a:satMod val="200000"/>
+              </a:schemeClr>
+            </a:gs>
+          </a:gsLst>
+          <a:path path="circle">
+            <a:fillToRect l="50000" t="50000" r="50000" b="50000"/>
+          </a:path>
         </a:gradFill>
       </a:bgFillStyleLst>
     </a:fmtScheme>
@@ -8973,7 +9511,7 @@
   <a:extraClrSchemeLst/>
   <a:extLst>
     <a:ext uri="{05A4C25C-085E-4340-85A3-A5531E510DB2}">
-      <thm15:themeFamily xmlns:thm15="http://schemas.microsoft.com/office/thememl/2012/main" name="Office Theme" id="{62F939B6-93AF-4DB8-9C6B-D6C7DFDC589F}" vid="{4A3C46E8-61CC-4603-A589-7422A47A8E4A}"/>
+      <thm15:themeFamily xmlns:thm15="http://schemas.microsoft.com/office/thememl/2012/main" name="696.potx" id="{39C6BC97-9267-4EEB-A1AF-58D21201F08D}" vid="{485BC204-C177-4108-8C25-7CCEC8E6887F}"/>
     </a:ext>
   </a:extLst>
 </a:theme>

--- a/Electronics 101.pptx
+++ b/Electronics 101.pptx
@@ -5,7 +5,7 @@
     <p:sldMasterId id="2147483660" r:id="rId1"/>
   </p:sldMasterIdLst>
   <p:notesMasterIdLst>
-    <p:notesMasterId r:id="rId35"/>
+    <p:notesMasterId r:id="rId43"/>
   </p:notesMasterIdLst>
   <p:sldIdLst>
     <p:sldId id="256" r:id="rId2"/>
@@ -24,23 +24,31 @@
     <p:sldId id="267" r:id="rId15"/>
     <p:sldId id="270" r:id="rId16"/>
     <p:sldId id="271" r:id="rId17"/>
-    <p:sldId id="272" r:id="rId18"/>
-    <p:sldId id="274" r:id="rId19"/>
-    <p:sldId id="273" r:id="rId20"/>
-    <p:sldId id="275" r:id="rId21"/>
-    <p:sldId id="283" r:id="rId22"/>
-    <p:sldId id="284" r:id="rId23"/>
-    <p:sldId id="285" r:id="rId24"/>
-    <p:sldId id="276" r:id="rId25"/>
-    <p:sldId id="277" r:id="rId26"/>
-    <p:sldId id="278" r:id="rId27"/>
-    <p:sldId id="279" r:id="rId28"/>
-    <p:sldId id="280" r:id="rId29"/>
-    <p:sldId id="281" r:id="rId30"/>
-    <p:sldId id="282" r:id="rId31"/>
-    <p:sldId id="286" r:id="rId32"/>
-    <p:sldId id="288" r:id="rId33"/>
-    <p:sldId id="287" r:id="rId34"/>
+    <p:sldId id="291" r:id="rId18"/>
+    <p:sldId id="292" r:id="rId19"/>
+    <p:sldId id="293" r:id="rId20"/>
+    <p:sldId id="294" r:id="rId21"/>
+    <p:sldId id="295" r:id="rId22"/>
+    <p:sldId id="296" r:id="rId23"/>
+    <p:sldId id="272" r:id="rId24"/>
+    <p:sldId id="274" r:id="rId25"/>
+    <p:sldId id="273" r:id="rId26"/>
+    <p:sldId id="275" r:id="rId27"/>
+    <p:sldId id="283" r:id="rId28"/>
+    <p:sldId id="284" r:id="rId29"/>
+    <p:sldId id="285" r:id="rId30"/>
+    <p:sldId id="276" r:id="rId31"/>
+    <p:sldId id="277" r:id="rId32"/>
+    <p:sldId id="278" r:id="rId33"/>
+    <p:sldId id="279" r:id="rId34"/>
+    <p:sldId id="280" r:id="rId35"/>
+    <p:sldId id="281" r:id="rId36"/>
+    <p:sldId id="282" r:id="rId37"/>
+    <p:sldId id="286" r:id="rId38"/>
+    <p:sldId id="288" r:id="rId39"/>
+    <p:sldId id="287" r:id="rId40"/>
+    <p:sldId id="289" r:id="rId41"/>
+    <p:sldId id="290" r:id="rId42"/>
   </p:sldIdLst>
   <p:sldSz cx="9144000" cy="6858000" type="screen4x3"/>
   <p:notesSz cx="6858000" cy="9144000"/>
@@ -9945,7 +9953,6 @@
               </a:p>
             </c:rich>
           </c:tx>
-          <c:layout/>
           <c:overlay val="0"/>
           <c:spPr>
             <a:noFill/>
@@ -10060,7 +10067,6 @@
               </a:p>
             </c:rich>
           </c:tx>
-          <c:layout/>
           <c:overlay val="0"/>
           <c:spPr>
             <a:noFill/>
@@ -21740,10 +21746,9 @@
           <a:lstStyle/>
           <a:p>
             <a:r>
-              <a:rPr lang="en-US" smtClean="0"/>
+              <a:rPr lang="en-US"/>
               <a:t>Click to edit Master title style</a:t>
             </a:r>
-            <a:endParaRPr lang="en-US"/>
           </a:p>
         </p:txBody>
       </p:sp>
@@ -21859,10 +21864,9 @@
           </a:lstStyle>
           <a:p>
             <a:r>
-              <a:rPr lang="en-US" smtClean="0"/>
+              <a:rPr lang="en-US"/>
               <a:t>Click to edit Master subtitle style</a:t>
             </a:r>
-            <a:endParaRPr lang="en-US"/>
           </a:p>
         </p:txBody>
       </p:sp>
@@ -21977,10 +21981,9 @@
           <a:lstStyle/>
           <a:p>
             <a:r>
-              <a:rPr lang="en-US" smtClean="0"/>
+              <a:rPr lang="en-US"/>
               <a:t>Click to edit Master title style</a:t>
             </a:r>
-            <a:endParaRPr lang="en-US"/>
           </a:p>
         </p:txBody>
       </p:sp>
@@ -22001,38 +22004,37 @@
           <a:p>
             <a:pPr lvl="0"/>
             <a:r>
-              <a:rPr lang="en-US" smtClean="0"/>
+              <a:rPr lang="en-US"/>
               <a:t>Edit Master text styles</a:t>
             </a:r>
           </a:p>
           <a:p>
             <a:pPr lvl="1"/>
             <a:r>
-              <a:rPr lang="en-US" smtClean="0"/>
+              <a:rPr lang="en-US"/>
               <a:t>Second level</a:t>
             </a:r>
           </a:p>
           <a:p>
             <a:pPr lvl="2"/>
             <a:r>
-              <a:rPr lang="en-US" smtClean="0"/>
+              <a:rPr lang="en-US"/>
               <a:t>Third level</a:t>
             </a:r>
           </a:p>
           <a:p>
             <a:pPr lvl="3"/>
             <a:r>
-              <a:rPr lang="en-US" smtClean="0"/>
+              <a:rPr lang="en-US"/>
               <a:t>Fourth level</a:t>
             </a:r>
           </a:p>
           <a:p>
             <a:pPr lvl="4"/>
             <a:r>
-              <a:rPr lang="en-US" smtClean="0"/>
+              <a:rPr lang="en-US"/>
               <a:t>Fifth level</a:t>
             </a:r>
-            <a:endParaRPr lang="en-US"/>
           </a:p>
         </p:txBody>
       </p:sp>
@@ -22152,10 +22154,9 @@
           <a:lstStyle/>
           <a:p>
             <a:r>
-              <a:rPr lang="en-US" smtClean="0"/>
+              <a:rPr lang="en-US"/>
               <a:t>Click to edit Master title style</a:t>
             </a:r>
-            <a:endParaRPr lang="en-US"/>
           </a:p>
         </p:txBody>
       </p:sp>
@@ -22181,38 +22182,37 @@
           <a:p>
             <a:pPr lvl="0"/>
             <a:r>
-              <a:rPr lang="en-US" smtClean="0"/>
+              <a:rPr lang="en-US"/>
               <a:t>Edit Master text styles</a:t>
             </a:r>
           </a:p>
           <a:p>
             <a:pPr lvl="1"/>
             <a:r>
-              <a:rPr lang="en-US" smtClean="0"/>
+              <a:rPr lang="en-US"/>
               <a:t>Second level</a:t>
             </a:r>
           </a:p>
           <a:p>
             <a:pPr lvl="2"/>
             <a:r>
-              <a:rPr lang="en-US" smtClean="0"/>
+              <a:rPr lang="en-US"/>
               <a:t>Third level</a:t>
             </a:r>
           </a:p>
           <a:p>
             <a:pPr lvl="3"/>
             <a:r>
-              <a:rPr lang="en-US" smtClean="0"/>
+              <a:rPr lang="en-US"/>
               <a:t>Fourth level</a:t>
             </a:r>
           </a:p>
           <a:p>
             <a:pPr lvl="4"/>
             <a:r>
-              <a:rPr lang="en-US" smtClean="0"/>
+              <a:rPr lang="en-US"/>
               <a:t>Fifth level</a:t>
             </a:r>
-            <a:endParaRPr lang="en-US"/>
           </a:p>
         </p:txBody>
       </p:sp>
@@ -22327,10 +22327,9 @@
           <a:lstStyle/>
           <a:p>
             <a:r>
-              <a:rPr lang="en-US" smtClean="0"/>
+              <a:rPr lang="en-US"/>
               <a:t>Click to edit Master title style</a:t>
             </a:r>
-            <a:endParaRPr lang="en-US"/>
           </a:p>
         </p:txBody>
       </p:sp>
@@ -22351,38 +22350,37 @@
           <a:p>
             <a:pPr lvl="0"/>
             <a:r>
-              <a:rPr lang="en-US" smtClean="0"/>
+              <a:rPr lang="en-US"/>
               <a:t>Edit Master text styles</a:t>
             </a:r>
           </a:p>
           <a:p>
             <a:pPr lvl="1"/>
             <a:r>
-              <a:rPr lang="en-US" smtClean="0"/>
+              <a:rPr lang="en-US"/>
               <a:t>Second level</a:t>
             </a:r>
           </a:p>
           <a:p>
             <a:pPr lvl="2"/>
             <a:r>
-              <a:rPr lang="en-US" smtClean="0"/>
+              <a:rPr lang="en-US"/>
               <a:t>Third level</a:t>
             </a:r>
           </a:p>
           <a:p>
             <a:pPr lvl="3"/>
             <a:r>
-              <a:rPr lang="en-US" smtClean="0"/>
+              <a:rPr lang="en-US"/>
               <a:t>Fourth level</a:t>
             </a:r>
           </a:p>
           <a:p>
             <a:pPr lvl="4"/>
             <a:r>
-              <a:rPr lang="en-US" smtClean="0"/>
+              <a:rPr lang="en-US"/>
               <a:t>Fifth level</a:t>
             </a:r>
-            <a:endParaRPr lang="en-US"/>
           </a:p>
         </p:txBody>
       </p:sp>
@@ -22506,10 +22504,9 @@
           </a:lstStyle>
           <a:p>
             <a:r>
-              <a:rPr lang="en-US" smtClean="0"/>
+              <a:rPr lang="en-US"/>
               <a:t>Click to edit Master title style</a:t>
             </a:r>
-            <a:endParaRPr lang="en-US"/>
           </a:p>
         </p:txBody>
       </p:sp>
@@ -22626,7 +22623,7 @@
           <a:p>
             <a:pPr lvl="0"/>
             <a:r>
-              <a:rPr lang="en-US" smtClean="0"/>
+              <a:rPr lang="en-US"/>
               <a:t>Edit Master text styles</a:t>
             </a:r>
           </a:p>
@@ -22743,10 +22740,9 @@
           <a:lstStyle/>
           <a:p>
             <a:r>
-              <a:rPr lang="en-US" smtClean="0"/>
+              <a:rPr lang="en-US"/>
               <a:t>Click to edit Master title style</a:t>
             </a:r>
-            <a:endParaRPr lang="en-US"/>
           </a:p>
         </p:txBody>
       </p:sp>
@@ -22800,38 +22796,37 @@
           <a:p>
             <a:pPr lvl="0"/>
             <a:r>
-              <a:rPr lang="en-US" smtClean="0"/>
+              <a:rPr lang="en-US"/>
               <a:t>Edit Master text styles</a:t>
             </a:r>
           </a:p>
           <a:p>
             <a:pPr lvl="1"/>
             <a:r>
-              <a:rPr lang="en-US" smtClean="0"/>
+              <a:rPr lang="en-US"/>
               <a:t>Second level</a:t>
             </a:r>
           </a:p>
           <a:p>
             <a:pPr lvl="2"/>
             <a:r>
-              <a:rPr lang="en-US" smtClean="0"/>
+              <a:rPr lang="en-US"/>
               <a:t>Third level</a:t>
             </a:r>
           </a:p>
           <a:p>
             <a:pPr lvl="3"/>
             <a:r>
-              <a:rPr lang="en-US" smtClean="0"/>
+              <a:rPr lang="en-US"/>
               <a:t>Fourth level</a:t>
             </a:r>
           </a:p>
           <a:p>
             <a:pPr lvl="4"/>
             <a:r>
-              <a:rPr lang="en-US" smtClean="0"/>
+              <a:rPr lang="en-US"/>
               <a:t>Fifth level</a:t>
             </a:r>
-            <a:endParaRPr lang="en-US"/>
           </a:p>
         </p:txBody>
       </p:sp>
@@ -22885,38 +22880,37 @@
           <a:p>
             <a:pPr lvl="0"/>
             <a:r>
-              <a:rPr lang="en-US" smtClean="0"/>
+              <a:rPr lang="en-US"/>
               <a:t>Edit Master text styles</a:t>
             </a:r>
           </a:p>
           <a:p>
             <a:pPr lvl="1"/>
             <a:r>
-              <a:rPr lang="en-US" smtClean="0"/>
+              <a:rPr lang="en-US"/>
               <a:t>Second level</a:t>
             </a:r>
           </a:p>
           <a:p>
             <a:pPr lvl="2"/>
             <a:r>
-              <a:rPr lang="en-US" smtClean="0"/>
+              <a:rPr lang="en-US"/>
               <a:t>Third level</a:t>
             </a:r>
           </a:p>
           <a:p>
             <a:pPr lvl="3"/>
             <a:r>
-              <a:rPr lang="en-US" smtClean="0"/>
+              <a:rPr lang="en-US"/>
               <a:t>Fourth level</a:t>
             </a:r>
           </a:p>
           <a:p>
             <a:pPr lvl="4"/>
             <a:r>
-              <a:rPr lang="en-US" smtClean="0"/>
+              <a:rPr lang="en-US"/>
               <a:t>Fifth level</a:t>
             </a:r>
-            <a:endParaRPr lang="en-US"/>
           </a:p>
         </p:txBody>
       </p:sp>
@@ -23035,10 +23029,9 @@
           </a:lstStyle>
           <a:p>
             <a:r>
-              <a:rPr lang="en-US" smtClean="0"/>
+              <a:rPr lang="en-US"/>
               <a:t>Click to edit Master title style</a:t>
             </a:r>
-            <a:endParaRPr lang="en-US"/>
           </a:p>
         </p:txBody>
       </p:sp>
@@ -23101,7 +23094,7 @@
           <a:p>
             <a:pPr lvl="0"/>
             <a:r>
-              <a:rPr lang="en-US" smtClean="0"/>
+              <a:rPr lang="en-US"/>
               <a:t>Edit Master text styles</a:t>
             </a:r>
           </a:p>
@@ -23157,38 +23150,37 @@
           <a:p>
             <a:pPr lvl="0"/>
             <a:r>
-              <a:rPr lang="en-US" smtClean="0"/>
+              <a:rPr lang="en-US"/>
               <a:t>Edit Master text styles</a:t>
             </a:r>
           </a:p>
           <a:p>
             <a:pPr lvl="1"/>
             <a:r>
-              <a:rPr lang="en-US" smtClean="0"/>
+              <a:rPr lang="en-US"/>
               <a:t>Second level</a:t>
             </a:r>
           </a:p>
           <a:p>
             <a:pPr lvl="2"/>
             <a:r>
-              <a:rPr lang="en-US" smtClean="0"/>
+              <a:rPr lang="en-US"/>
               <a:t>Third level</a:t>
             </a:r>
           </a:p>
           <a:p>
             <a:pPr lvl="3"/>
             <a:r>
-              <a:rPr lang="en-US" smtClean="0"/>
+              <a:rPr lang="en-US"/>
               <a:t>Fourth level</a:t>
             </a:r>
           </a:p>
           <a:p>
             <a:pPr lvl="4"/>
             <a:r>
-              <a:rPr lang="en-US" smtClean="0"/>
+              <a:rPr lang="en-US"/>
               <a:t>Fifth level</a:t>
             </a:r>
-            <a:endParaRPr lang="en-US"/>
           </a:p>
         </p:txBody>
       </p:sp>
@@ -23251,7 +23243,7 @@
           <a:p>
             <a:pPr lvl="0"/>
             <a:r>
-              <a:rPr lang="en-US" smtClean="0"/>
+              <a:rPr lang="en-US"/>
               <a:t>Edit Master text styles</a:t>
             </a:r>
           </a:p>
@@ -23307,38 +23299,37 @@
           <a:p>
             <a:pPr lvl="0"/>
             <a:r>
-              <a:rPr lang="en-US" smtClean="0"/>
+              <a:rPr lang="en-US"/>
               <a:t>Edit Master text styles</a:t>
             </a:r>
           </a:p>
           <a:p>
             <a:pPr lvl="1"/>
             <a:r>
-              <a:rPr lang="en-US" smtClean="0"/>
+              <a:rPr lang="en-US"/>
               <a:t>Second level</a:t>
             </a:r>
           </a:p>
           <a:p>
             <a:pPr lvl="2"/>
             <a:r>
-              <a:rPr lang="en-US" smtClean="0"/>
+              <a:rPr lang="en-US"/>
               <a:t>Third level</a:t>
             </a:r>
           </a:p>
           <a:p>
             <a:pPr lvl="3"/>
             <a:r>
-              <a:rPr lang="en-US" smtClean="0"/>
+              <a:rPr lang="en-US"/>
               <a:t>Fourth level</a:t>
             </a:r>
           </a:p>
           <a:p>
             <a:pPr lvl="4"/>
             <a:r>
-              <a:rPr lang="en-US" smtClean="0"/>
+              <a:rPr lang="en-US"/>
               <a:t>Fifth level</a:t>
             </a:r>
-            <a:endParaRPr lang="en-US"/>
           </a:p>
         </p:txBody>
       </p:sp>
@@ -23453,10 +23444,9 @@
           <a:lstStyle/>
           <a:p>
             <a:r>
-              <a:rPr lang="en-US" smtClean="0"/>
+              <a:rPr lang="en-US"/>
               <a:t>Click to edit Master title style</a:t>
             </a:r>
-            <a:endParaRPr lang="en-US"/>
           </a:p>
         </p:txBody>
       </p:sp>
@@ -23675,10 +23665,9 @@
           </a:lstStyle>
           <a:p>
             <a:r>
-              <a:rPr lang="en-US" smtClean="0"/>
+              <a:rPr lang="en-US"/>
               <a:t>Click to edit Master title style</a:t>
             </a:r>
-            <a:endParaRPr lang="en-US"/>
           </a:p>
         </p:txBody>
       </p:sp>
@@ -23732,38 +23721,37 @@
           <a:p>
             <a:pPr lvl="0"/>
             <a:r>
-              <a:rPr lang="en-US" smtClean="0"/>
+              <a:rPr lang="en-US"/>
               <a:t>Edit Master text styles</a:t>
             </a:r>
           </a:p>
           <a:p>
             <a:pPr lvl="1"/>
             <a:r>
-              <a:rPr lang="en-US" smtClean="0"/>
+              <a:rPr lang="en-US"/>
               <a:t>Second level</a:t>
             </a:r>
           </a:p>
           <a:p>
             <a:pPr lvl="2"/>
             <a:r>
-              <a:rPr lang="en-US" smtClean="0"/>
+              <a:rPr lang="en-US"/>
               <a:t>Third level</a:t>
             </a:r>
           </a:p>
           <a:p>
             <a:pPr lvl="3"/>
             <a:r>
-              <a:rPr lang="en-US" smtClean="0"/>
+              <a:rPr lang="en-US"/>
               <a:t>Fourth level</a:t>
             </a:r>
           </a:p>
           <a:p>
             <a:pPr lvl="4"/>
             <a:r>
-              <a:rPr lang="en-US" smtClean="0"/>
+              <a:rPr lang="en-US"/>
               <a:t>Fifth level</a:t>
             </a:r>
-            <a:endParaRPr lang="en-US"/>
           </a:p>
         </p:txBody>
       </p:sp>
@@ -23826,7 +23814,7 @@
           <a:p>
             <a:pPr lvl="0"/>
             <a:r>
-              <a:rPr lang="en-US" smtClean="0"/>
+              <a:rPr lang="en-US"/>
               <a:t>Edit Master text styles</a:t>
             </a:r>
           </a:p>
@@ -23952,10 +23940,9 @@
           </a:lstStyle>
           <a:p>
             <a:r>
-              <a:rPr lang="en-US" smtClean="0"/>
+              <a:rPr lang="en-US"/>
               <a:t>Click to edit Master title style</a:t>
             </a:r>
-            <a:endParaRPr lang="en-US"/>
           </a:p>
         </p:txBody>
       </p:sp>
@@ -24017,10 +24004,9 @@
           </a:lstStyle>
           <a:p>
             <a:r>
-              <a:rPr lang="en-US" smtClean="0"/>
+              <a:rPr lang="en-US"/>
               <a:t>Click icon to add picture</a:t>
             </a:r>
-            <a:endParaRPr lang="en-US"/>
           </a:p>
         </p:txBody>
       </p:sp>
@@ -24083,7 +24069,7 @@
           <a:p>
             <a:pPr lvl="0"/>
             <a:r>
-              <a:rPr lang="en-US" smtClean="0"/>
+              <a:rPr lang="en-US"/>
               <a:t>Edit Master text styles</a:t>
             </a:r>
           </a:p>
@@ -24218,7 +24204,7 @@
           <a:lstStyle/>
           <a:p>
             <a:r>
-              <a:rPr lang="en-US" smtClean="0"/>
+              <a:rPr lang="en-US"/>
               <a:t>Click to edit Master title style</a:t>
             </a:r>
             <a:endParaRPr lang="en-US" dirty="0"/>
@@ -24252,35 +24238,35 @@
           <a:p>
             <a:pPr lvl="0"/>
             <a:r>
-              <a:rPr lang="en-US" smtClean="0"/>
+              <a:rPr lang="en-US"/>
               <a:t>Edit Master text styles</a:t>
             </a:r>
           </a:p>
           <a:p>
             <a:pPr lvl="1"/>
             <a:r>
-              <a:rPr lang="en-US" smtClean="0"/>
+              <a:rPr lang="en-US"/>
               <a:t>Second level</a:t>
             </a:r>
           </a:p>
           <a:p>
             <a:pPr lvl="2"/>
             <a:r>
-              <a:rPr lang="en-US" smtClean="0"/>
+              <a:rPr lang="en-US"/>
               <a:t>Third level</a:t>
             </a:r>
           </a:p>
           <a:p>
             <a:pPr lvl="3"/>
             <a:r>
-              <a:rPr lang="en-US" smtClean="0"/>
+              <a:rPr lang="en-US"/>
               <a:t>Fourth level</a:t>
             </a:r>
           </a:p>
           <a:p>
             <a:pPr lvl="4"/>
             <a:r>
-              <a:rPr lang="en-US" smtClean="0"/>
+              <a:rPr lang="en-US"/>
               <a:t>Fifth level</a:t>
             </a:r>
             <a:endParaRPr lang="en-US" dirty="0"/>
@@ -24786,13 +24772,6 @@
   <p:clrMapOvr>
     <a:masterClrMapping/>
   </p:clrMapOvr>
-  <p:timing>
-    <p:tnLst>
-      <p:par>
-        <p:cTn id="1" dur="indefinite" restart="never" nodeType="tmRoot"/>
-      </p:par>
-    </p:tnLst>
-  </p:timing>
 </p:sld>
 </file>
 
@@ -24876,9 +24855,12 @@
             </a:r>
             <a:r>
               <a:rPr lang="en-US" i="1" dirty="0"/>
-              <a:t>V</a:t>
+              <a:t>V </a:t>
             </a:r>
-            <a:endParaRPr lang="en-US" dirty="0"/>
+            <a:r>
+              <a:rPr lang="en-US" dirty="0"/>
+              <a:t>(also occasionally U or E, in older documents)</a:t>
+            </a:r>
           </a:p>
           <a:p>
             <a:r>
@@ -24997,13 +24979,6 @@
   <p:clrMapOvr>
     <a:masterClrMapping/>
   </p:clrMapOvr>
-  <p:timing>
-    <p:tnLst>
-      <p:par>
-        <p:cTn id="1" dur="indefinite" restart="never" nodeType="tmRoot"/>
-      </p:par>
-    </p:tnLst>
-  </p:timing>
 </p:sld>
 </file>
 
@@ -25219,16 +25194,12 @@
           </a:bodyPr>
           <a:lstStyle/>
           <a:p>
-            <a:endParaRPr lang="en-US" dirty="0" smtClean="0"/>
+            <a:endParaRPr lang="en-US" dirty="0"/>
           </a:p>
           <a:p>
             <a:r>
-              <a:rPr lang="en-US" dirty="0" smtClean="0"/>
-              <a:t>12 </a:t>
-            </a:r>
-            <a:r>
               <a:rPr lang="en-US" dirty="0"/>
-              <a:t>V</a:t>
+              <a:t>12 V</a:t>
             </a:r>
           </a:p>
         </p:txBody>
@@ -25333,13 +25304,6 @@
   <p:clrMapOvr>
     <a:masterClrMapping/>
   </p:clrMapOvr>
-  <p:timing>
-    <p:tnLst>
-      <p:par>
-        <p:cTn id="1" dur="indefinite" restart="never" nodeType="tmRoot"/>
-      </p:par>
-    </p:tnLst>
-  </p:timing>
 </p:sld>
 </file>
 
@@ -25444,13 +25408,6 @@
   <p:clrMapOvr>
     <a:masterClrMapping/>
   </p:clrMapOvr>
-  <p:timing>
-    <p:tnLst>
-      <p:par>
-        <p:cTn id="1" dur="indefinite" restart="never" nodeType="tmRoot"/>
-      </p:par>
-    </p:tnLst>
-  </p:timing>
 </p:sld>
 </file>
 
@@ -25570,13 +25527,6 @@
   <p:clrMapOvr>
     <a:masterClrMapping/>
   </p:clrMapOvr>
-  <p:timing>
-    <p:tnLst>
-      <p:par>
-        <p:cTn id="1" dur="indefinite" restart="never" nodeType="tmRoot"/>
-      </p:par>
-    </p:tnLst>
-  </p:timing>
 </p:sld>
 </file>
 
@@ -26033,13 +25983,6 @@
   <p:clrMapOvr>
     <a:masterClrMapping/>
   </p:clrMapOvr>
-  <p:timing>
-    <p:tnLst>
-      <p:par>
-        <p:cTn id="1" dur="indefinite" restart="never" nodeType="tmRoot"/>
-      </p:par>
-    </p:tnLst>
-  </p:timing>
 </p:sld>
 </file>
 
@@ -26169,13 +26112,6 @@
   <p:clrMapOvr>
     <a:masterClrMapping/>
   </p:clrMapOvr>
-  <p:timing>
-    <p:tnLst>
-      <p:par>
-        <p:cTn id="1" dur="indefinite" restart="never" nodeType="tmRoot"/>
-      </p:par>
-    </p:tnLst>
-  </p:timing>
 </p:sld>
 </file>
 
@@ -26495,17 +26431,1012 @@
   <p:clrMapOvr>
     <a:masterClrMapping/>
   </p:clrMapOvr>
-  <p:timing>
-    <p:tnLst>
-      <p:par>
-        <p:cTn id="1" dur="indefinite" restart="never" nodeType="tmRoot"/>
-      </p:par>
-    </p:tnLst>
-  </p:timing>
 </p:sld>
 </file>
 
 <file path=ppt/slides/slide17.xml><?xml version="1.0" encoding="utf-8"?>
+<p:sld xmlns:a="http://schemas.openxmlformats.org/drawingml/2006/main" xmlns:r="http://schemas.openxmlformats.org/officeDocument/2006/relationships" xmlns:p="http://schemas.openxmlformats.org/presentationml/2006/main">
+  <p:cSld>
+    <p:spTree>
+      <p:nvGrpSpPr>
+        <p:cNvPr id="1" name=""/>
+        <p:cNvGrpSpPr/>
+        <p:nvPr/>
+      </p:nvGrpSpPr>
+      <p:grpSpPr>
+        <a:xfrm>
+          <a:off x="0" y="0"/>
+          <a:ext cx="0" cy="0"/>
+          <a:chOff x="0" y="0"/>
+          <a:chExt cx="0" cy="0"/>
+        </a:xfrm>
+      </p:grpSpPr>
+      <p:sp>
+        <p:nvSpPr>
+          <p:cNvPr id="2" name="Title 1">
+            <a:extLst>
+              <a:ext uri="{FF2B5EF4-FFF2-40B4-BE49-F238E27FC236}">
+                <a16:creationId xmlns:a16="http://schemas.microsoft.com/office/drawing/2014/main" id="{0454EF7B-0EDC-49F3-9706-AB735756782D}"/>
+              </a:ext>
+            </a:extLst>
+          </p:cNvPr>
+          <p:cNvSpPr>
+            <a:spLocks noGrp="1"/>
+          </p:cNvSpPr>
+          <p:nvPr>
+            <p:ph type="title"/>
+          </p:nvPr>
+        </p:nvSpPr>
+        <p:spPr/>
+        <p:txBody>
+          <a:bodyPr/>
+          <a:lstStyle/>
+          <a:p>
+            <a:r>
+              <a:rPr lang="en-US" dirty="0"/>
+              <a:t>Conductors &amp; Insulators</a:t>
+            </a:r>
+          </a:p>
+        </p:txBody>
+      </p:sp>
+      <p:sp>
+        <p:nvSpPr>
+          <p:cNvPr id="3" name="Content Placeholder 2">
+            <a:extLst>
+              <a:ext uri="{FF2B5EF4-FFF2-40B4-BE49-F238E27FC236}">
+                <a16:creationId xmlns:a16="http://schemas.microsoft.com/office/drawing/2014/main" id="{8D84A34D-A1F7-4FE4-9730-FBFF39AF091C}"/>
+              </a:ext>
+            </a:extLst>
+          </p:cNvPr>
+          <p:cNvSpPr>
+            <a:spLocks noGrp="1"/>
+          </p:cNvSpPr>
+          <p:nvPr>
+            <p:ph idx="1"/>
+          </p:nvPr>
+        </p:nvSpPr>
+        <p:spPr/>
+        <p:txBody>
+          <a:bodyPr>
+            <a:normAutofit/>
+          </a:bodyPr>
+          <a:lstStyle/>
+          <a:p>
+            <a:r>
+              <a:rPr lang="en-US" dirty="0"/>
+              <a:t>Conductors are materials through which current can easily flow</a:t>
+            </a:r>
+          </a:p>
+          <a:p>
+            <a:pPr lvl="1"/>
+            <a:r>
+              <a:rPr lang="en-US" dirty="0"/>
+              <a:t>Metals, saltwater, certain forms of carbon</a:t>
+            </a:r>
+          </a:p>
+          <a:p>
+            <a:r>
+              <a:rPr lang="en-US" dirty="0"/>
+              <a:t>Insulators do not allow current to flow through them*</a:t>
+            </a:r>
+          </a:p>
+          <a:p>
+            <a:pPr lvl="1"/>
+            <a:r>
+              <a:rPr lang="en-US" dirty="0"/>
+              <a:t>Rubber, wood, air…</a:t>
+            </a:r>
+          </a:p>
+          <a:p>
+            <a:pPr lvl="1"/>
+            <a:r>
+              <a:rPr lang="en-US" dirty="0"/>
+              <a:t>*Technically, they don’t allow </a:t>
+            </a:r>
+            <a:r>
+              <a:rPr lang="en-US" i="1" dirty="0"/>
+              <a:t>much</a:t>
+            </a:r>
+            <a:r>
+              <a:rPr lang="en-US" dirty="0"/>
+              <a:t> current to flow, i.e., they have high resistance</a:t>
+            </a:r>
+          </a:p>
+        </p:txBody>
+      </p:sp>
+    </p:spTree>
+    <p:extLst>
+      <p:ext uri="{BB962C8B-B14F-4D97-AF65-F5344CB8AC3E}">
+        <p14:creationId xmlns:p14="http://schemas.microsoft.com/office/powerpoint/2010/main" val="4072301746"/>
+      </p:ext>
+    </p:extLst>
+  </p:cSld>
+  <p:clrMapOvr>
+    <a:masterClrMapping/>
+  </p:clrMapOvr>
+</p:sld>
+</file>
+
+<file path=ppt/slides/slide18.xml><?xml version="1.0" encoding="utf-8"?>
+<p:sld xmlns:a="http://schemas.openxmlformats.org/drawingml/2006/main" xmlns:r="http://schemas.openxmlformats.org/officeDocument/2006/relationships" xmlns:p="http://schemas.openxmlformats.org/presentationml/2006/main">
+  <p:cSld>
+    <p:spTree>
+      <p:nvGrpSpPr>
+        <p:cNvPr id="1" name=""/>
+        <p:cNvGrpSpPr/>
+        <p:nvPr/>
+      </p:nvGrpSpPr>
+      <p:grpSpPr>
+        <a:xfrm>
+          <a:off x="0" y="0"/>
+          <a:ext cx="0" cy="0"/>
+          <a:chOff x="0" y="0"/>
+          <a:chExt cx="0" cy="0"/>
+        </a:xfrm>
+      </p:grpSpPr>
+      <p:sp>
+        <p:nvSpPr>
+          <p:cNvPr id="2" name="Title 1">
+            <a:extLst>
+              <a:ext uri="{FF2B5EF4-FFF2-40B4-BE49-F238E27FC236}">
+                <a16:creationId xmlns:a16="http://schemas.microsoft.com/office/drawing/2014/main" id="{2AEDF444-AD43-486D-BDAA-157FCE5DF74A}"/>
+              </a:ext>
+            </a:extLst>
+          </p:cNvPr>
+          <p:cNvSpPr>
+            <a:spLocks noGrp="1"/>
+          </p:cNvSpPr>
+          <p:nvPr>
+            <p:ph type="title"/>
+          </p:nvPr>
+        </p:nvSpPr>
+        <p:spPr/>
+        <p:txBody>
+          <a:bodyPr/>
+          <a:lstStyle/>
+          <a:p>
+            <a:r>
+              <a:rPr lang="en-US" dirty="0"/>
+              <a:t>Wires</a:t>
+            </a:r>
+          </a:p>
+        </p:txBody>
+      </p:sp>
+      <p:sp>
+        <p:nvSpPr>
+          <p:cNvPr id="3" name="Content Placeholder 2">
+            <a:extLst>
+              <a:ext uri="{FF2B5EF4-FFF2-40B4-BE49-F238E27FC236}">
+                <a16:creationId xmlns:a16="http://schemas.microsoft.com/office/drawing/2014/main" id="{E77D993E-9833-4421-B93C-35052CA8C3CD}"/>
+              </a:ext>
+            </a:extLst>
+          </p:cNvPr>
+          <p:cNvSpPr>
+            <a:spLocks noGrp="1"/>
+          </p:cNvSpPr>
+          <p:nvPr>
+            <p:ph idx="1"/>
+          </p:nvPr>
+        </p:nvSpPr>
+        <p:spPr/>
+        <p:txBody>
+          <a:bodyPr/>
+          <a:lstStyle/>
+          <a:p>
+            <a:r>
+              <a:rPr lang="en-US" dirty="0"/>
+              <a:t>Wires are how you make current go where you want it to</a:t>
+            </a:r>
+          </a:p>
+          <a:p>
+            <a:r>
+              <a:rPr lang="en-US" dirty="0"/>
+              <a:t>They’re generally made of a metal wire (solid) or several smaller wires twisted together (stranded)</a:t>
+            </a:r>
+          </a:p>
+          <a:p>
+            <a:r>
+              <a:rPr lang="en-US" dirty="0"/>
+              <a:t>Wires are usually coated in an insulator, to keep current from going where you don’t want it to</a:t>
+            </a:r>
+          </a:p>
+          <a:p>
+            <a:endParaRPr lang="en-US" dirty="0"/>
+          </a:p>
+        </p:txBody>
+      </p:sp>
+    </p:spTree>
+    <p:extLst>
+      <p:ext uri="{BB962C8B-B14F-4D97-AF65-F5344CB8AC3E}">
+        <p14:creationId xmlns:p14="http://schemas.microsoft.com/office/powerpoint/2010/main" val="4106520645"/>
+      </p:ext>
+    </p:extLst>
+  </p:cSld>
+  <p:clrMapOvr>
+    <a:masterClrMapping/>
+  </p:clrMapOvr>
+</p:sld>
+</file>
+
+<file path=ppt/slides/slide19.xml><?xml version="1.0" encoding="utf-8"?>
+<p:sld xmlns:a="http://schemas.openxmlformats.org/drawingml/2006/main" xmlns:r="http://schemas.openxmlformats.org/officeDocument/2006/relationships" xmlns:p="http://schemas.openxmlformats.org/presentationml/2006/main">
+  <p:cSld>
+    <p:spTree>
+      <p:nvGrpSpPr>
+        <p:cNvPr id="1" name=""/>
+        <p:cNvGrpSpPr/>
+        <p:nvPr/>
+      </p:nvGrpSpPr>
+      <p:grpSpPr>
+        <a:xfrm>
+          <a:off x="0" y="0"/>
+          <a:ext cx="0" cy="0"/>
+          <a:chOff x="0" y="0"/>
+          <a:chExt cx="0" cy="0"/>
+        </a:xfrm>
+      </p:grpSpPr>
+      <p:sp>
+        <p:nvSpPr>
+          <p:cNvPr id="2" name="Title 1">
+            <a:extLst>
+              <a:ext uri="{FF2B5EF4-FFF2-40B4-BE49-F238E27FC236}">
+                <a16:creationId xmlns:a16="http://schemas.microsoft.com/office/drawing/2014/main" id="{F730DA23-9A7B-4D05-803B-08403E83690E}"/>
+              </a:ext>
+            </a:extLst>
+          </p:cNvPr>
+          <p:cNvSpPr>
+            <a:spLocks noGrp="1"/>
+          </p:cNvSpPr>
+          <p:nvPr>
+            <p:ph type="title"/>
+          </p:nvPr>
+        </p:nvSpPr>
+        <p:spPr/>
+        <p:txBody>
+          <a:bodyPr/>
+          <a:lstStyle/>
+          <a:p>
+            <a:r>
+              <a:rPr lang="en-US" dirty="0"/>
+              <a:t>Schematics</a:t>
+            </a:r>
+          </a:p>
+        </p:txBody>
+      </p:sp>
+      <p:sp>
+        <p:nvSpPr>
+          <p:cNvPr id="3" name="Content Placeholder 2">
+            <a:extLst>
+              <a:ext uri="{FF2B5EF4-FFF2-40B4-BE49-F238E27FC236}">
+                <a16:creationId xmlns:a16="http://schemas.microsoft.com/office/drawing/2014/main" id="{9E8E02C8-640D-4A13-B01F-41846FC62510}"/>
+              </a:ext>
+            </a:extLst>
+          </p:cNvPr>
+          <p:cNvSpPr>
+            <a:spLocks noGrp="1"/>
+          </p:cNvSpPr>
+          <p:nvPr>
+            <p:ph idx="1"/>
+          </p:nvPr>
+        </p:nvSpPr>
+        <p:spPr>
+          <a:xfrm>
+            <a:off x="457200" y="1600202"/>
+            <a:ext cx="5179333" cy="4983160"/>
+          </a:xfrm>
+        </p:spPr>
+        <p:txBody>
+          <a:bodyPr>
+            <a:normAutofit lnSpcReduction="10000"/>
+          </a:bodyPr>
+          <a:lstStyle/>
+          <a:p>
+            <a:r>
+              <a:rPr lang="en-US" dirty="0"/>
+              <a:t>Schematics are a way of showing how a circuit is constructed</a:t>
+            </a:r>
+          </a:p>
+          <a:p>
+            <a:pPr lvl="1"/>
+            <a:r>
+              <a:rPr lang="en-US" dirty="0"/>
+              <a:t>Use standard symbols for components (resistors, capacitors, etc.)</a:t>
+            </a:r>
+          </a:p>
+          <a:p>
+            <a:pPr lvl="1"/>
+            <a:r>
+              <a:rPr lang="en-US" dirty="0"/>
+              <a:t>Are made up of components connected together by lines</a:t>
+            </a:r>
+          </a:p>
+          <a:p>
+            <a:pPr lvl="2"/>
+            <a:r>
+              <a:rPr lang="en-US" dirty="0"/>
+              <a:t>Lines are considered perfect conductors, i.e., zero resistance</a:t>
+            </a:r>
+          </a:p>
+        </p:txBody>
+      </p:sp>
+      <p:pic>
+        <p:nvPicPr>
+          <p:cNvPr id="2050" name="Picture 2" descr="https://upload.wikimedia.org/wikipedia/commons/8/80/Circuit_diagram_%E2%80%93_pictorial_and_schematic.png">
+            <a:extLst>
+              <a:ext uri="{FF2B5EF4-FFF2-40B4-BE49-F238E27FC236}">
+                <a16:creationId xmlns:a16="http://schemas.microsoft.com/office/drawing/2014/main" id="{E645D13E-59B2-434D-A7C6-32CBC8A441AF}"/>
+              </a:ext>
+            </a:extLst>
+          </p:cNvPr>
+          <p:cNvPicPr>
+            <a:picLocks noChangeAspect="1" noChangeArrowheads="1"/>
+          </p:cNvPicPr>
+          <p:nvPr/>
+        </p:nvPicPr>
+        <p:blipFill>
+          <a:blip r:embed="rId2">
+            <a:extLst>
+              <a:ext uri="{28A0092B-C50C-407E-A947-70E740481C1C}">
+                <a14:useLocalDpi xmlns:a14="http://schemas.microsoft.com/office/drawing/2010/main" val="0"/>
+              </a:ext>
+            </a:extLst>
+          </a:blip>
+          <a:srcRect/>
+          <a:stretch>
+            <a:fillRect/>
+          </a:stretch>
+        </p:blipFill>
+        <p:spPr bwMode="auto">
+          <a:xfrm>
+            <a:off x="5636533" y="1417638"/>
+            <a:ext cx="3365136" cy="4658768"/>
+          </a:xfrm>
+          <a:prstGeom prst="rect">
+            <a:avLst/>
+          </a:prstGeom>
+          <a:noFill/>
+          <a:extLst>
+            <a:ext uri="{909E8E84-426E-40DD-AFC4-6F175D3DCCD1}">
+              <a14:hiddenFill xmlns:a14="http://schemas.microsoft.com/office/drawing/2010/main">
+                <a:solidFill>
+                  <a:srgbClr val="FFFFFF"/>
+                </a:solidFill>
+              </a14:hiddenFill>
+            </a:ext>
+          </a:extLst>
+        </p:spPr>
+      </p:pic>
+    </p:spTree>
+    <p:extLst>
+      <p:ext uri="{BB962C8B-B14F-4D97-AF65-F5344CB8AC3E}">
+        <p14:creationId xmlns:p14="http://schemas.microsoft.com/office/powerpoint/2010/main" val="4016623576"/>
+      </p:ext>
+    </p:extLst>
+  </p:cSld>
+  <p:clrMapOvr>
+    <a:masterClrMapping/>
+  </p:clrMapOvr>
+</p:sld>
+</file>
+
+<file path=ppt/slides/slide2.xml><?xml version="1.0" encoding="utf-8"?>
+<p:sld xmlns:a="http://schemas.openxmlformats.org/drawingml/2006/main" xmlns:r="http://schemas.openxmlformats.org/officeDocument/2006/relationships" xmlns:p="http://schemas.openxmlformats.org/presentationml/2006/main">
+  <p:cSld>
+    <p:spTree>
+      <p:nvGrpSpPr>
+        <p:cNvPr id="1" name=""/>
+        <p:cNvGrpSpPr/>
+        <p:nvPr/>
+      </p:nvGrpSpPr>
+      <p:grpSpPr>
+        <a:xfrm>
+          <a:off x="0" y="0"/>
+          <a:ext cx="0" cy="0"/>
+          <a:chOff x="0" y="0"/>
+          <a:chExt cx="0" cy="0"/>
+        </a:xfrm>
+      </p:grpSpPr>
+      <p:sp>
+        <p:nvSpPr>
+          <p:cNvPr id="2" name="Title 1">
+            <a:extLst>
+              <a:ext uri="{FF2B5EF4-FFF2-40B4-BE49-F238E27FC236}">
+                <a16:creationId xmlns:a16="http://schemas.microsoft.com/office/drawing/2014/main" id="{4A4E1BC3-7067-42A7-86F2-0FAAE43314A6}"/>
+              </a:ext>
+            </a:extLst>
+          </p:cNvPr>
+          <p:cNvSpPr>
+            <a:spLocks noGrp="1"/>
+          </p:cNvSpPr>
+          <p:nvPr>
+            <p:ph type="title"/>
+          </p:nvPr>
+        </p:nvSpPr>
+        <p:spPr/>
+        <p:txBody>
+          <a:bodyPr/>
+          <a:lstStyle/>
+          <a:p>
+            <a:pPr algn="ctr"/>
+            <a:r>
+              <a:rPr lang="en-US" dirty="0"/>
+              <a:t>DISCLAIMER</a:t>
+            </a:r>
+          </a:p>
+        </p:txBody>
+      </p:sp>
+      <p:sp>
+        <p:nvSpPr>
+          <p:cNvPr id="3" name="Content Placeholder 2">
+            <a:extLst>
+              <a:ext uri="{FF2B5EF4-FFF2-40B4-BE49-F238E27FC236}">
+                <a16:creationId xmlns:a16="http://schemas.microsoft.com/office/drawing/2014/main" id="{2B349B59-1AEB-4309-B463-65F55B9BFD84}"/>
+              </a:ext>
+            </a:extLst>
+          </p:cNvPr>
+          <p:cNvSpPr>
+            <a:spLocks noGrp="1"/>
+          </p:cNvSpPr>
+          <p:nvPr>
+            <p:ph idx="1"/>
+          </p:nvPr>
+        </p:nvSpPr>
+        <p:spPr/>
+        <p:txBody>
+          <a:bodyPr>
+            <a:normAutofit fontScale="70000" lnSpcReduction="20000"/>
+          </a:bodyPr>
+          <a:lstStyle/>
+          <a:p>
+            <a:r>
+              <a:rPr lang="en-US" dirty="0"/>
+              <a:t>At first, we will look at a very small subset of electrical engineering</a:t>
+            </a:r>
+          </a:p>
+          <a:p>
+            <a:r>
+              <a:rPr lang="en-US" dirty="0"/>
+              <a:t>Specifically, for the time being, we’re focusing on steady-state circuits</a:t>
+            </a:r>
+          </a:p>
+          <a:p>
+            <a:pPr lvl="1"/>
+            <a:r>
+              <a:rPr lang="en-US" dirty="0"/>
+              <a:t>That is, everything stays the same over time; there are no pulses, for example, or sine waves, or signals</a:t>
+            </a:r>
+          </a:p>
+          <a:p>
+            <a:r>
+              <a:rPr lang="en-US" dirty="0"/>
+              <a:t>A lot of the things that I will say are </a:t>
+            </a:r>
+            <a:r>
+              <a:rPr lang="en-US" i="1" dirty="0"/>
+              <a:t>wrong</a:t>
+            </a:r>
+            <a:r>
+              <a:rPr lang="en-US" dirty="0"/>
+              <a:t> in the general sense</a:t>
+            </a:r>
+          </a:p>
+          <a:p>
+            <a:pPr lvl="1"/>
+            <a:r>
+              <a:rPr lang="en-US" dirty="0"/>
+              <a:t>For example, “electricity can’t pass through an insulator”</a:t>
+            </a:r>
+          </a:p>
+          <a:p>
+            <a:r>
+              <a:rPr lang="en-US" dirty="0"/>
+              <a:t>Understand that these things are </a:t>
+            </a:r>
+            <a:r>
+              <a:rPr lang="en-US" i="1" dirty="0"/>
+              <a:t>simplifications</a:t>
+            </a:r>
+            <a:r>
+              <a:rPr lang="en-US" dirty="0"/>
+              <a:t> that make electronics easier to understand under specific circumstances, but are not always true</a:t>
+            </a:r>
+          </a:p>
+          <a:p>
+            <a:r>
+              <a:rPr lang="en-US" dirty="0"/>
+              <a:t>I’ll make it clear when I’m saying something that is a real, no-shit physical law (it’ll be in </a:t>
+            </a:r>
+            <a:r>
+              <a:rPr lang="en-US" dirty="0">
+                <a:solidFill>
+                  <a:srgbClr val="FF0000"/>
+                </a:solidFill>
+              </a:rPr>
+              <a:t>red</a:t>
+            </a:r>
+            <a:r>
+              <a:rPr lang="en-US" dirty="0"/>
+              <a:t>)</a:t>
+            </a:r>
+          </a:p>
+        </p:txBody>
+      </p:sp>
+    </p:spTree>
+    <p:extLst>
+      <p:ext uri="{BB962C8B-B14F-4D97-AF65-F5344CB8AC3E}">
+        <p14:creationId xmlns:p14="http://schemas.microsoft.com/office/powerpoint/2010/main" val="2732836668"/>
+      </p:ext>
+    </p:extLst>
+  </p:cSld>
+  <p:clrMapOvr>
+    <a:masterClrMapping/>
+  </p:clrMapOvr>
+</p:sld>
+</file>
+
+<file path=ppt/slides/slide20.xml><?xml version="1.0" encoding="utf-8"?>
+<p:sld xmlns:a="http://schemas.openxmlformats.org/drawingml/2006/main" xmlns:r="http://schemas.openxmlformats.org/officeDocument/2006/relationships" xmlns:p="http://schemas.openxmlformats.org/presentationml/2006/main">
+  <p:cSld>
+    <p:spTree>
+      <p:nvGrpSpPr>
+        <p:cNvPr id="1" name=""/>
+        <p:cNvGrpSpPr/>
+        <p:nvPr/>
+      </p:nvGrpSpPr>
+      <p:grpSpPr>
+        <a:xfrm>
+          <a:off x="0" y="0"/>
+          <a:ext cx="0" cy="0"/>
+          <a:chOff x="0" y="0"/>
+          <a:chExt cx="0" cy="0"/>
+        </a:xfrm>
+      </p:grpSpPr>
+      <p:sp>
+        <p:nvSpPr>
+          <p:cNvPr id="2" name="Title 1">
+            <a:extLst>
+              <a:ext uri="{FF2B5EF4-FFF2-40B4-BE49-F238E27FC236}">
+                <a16:creationId xmlns:a16="http://schemas.microsoft.com/office/drawing/2014/main" id="{08E35170-8993-42A4-815B-F357787BDFC0}"/>
+              </a:ext>
+            </a:extLst>
+          </p:cNvPr>
+          <p:cNvSpPr>
+            <a:spLocks noGrp="1"/>
+          </p:cNvSpPr>
+          <p:nvPr>
+            <p:ph type="title"/>
+          </p:nvPr>
+        </p:nvSpPr>
+        <p:spPr/>
+        <p:txBody>
+          <a:bodyPr/>
+          <a:lstStyle/>
+          <a:p>
+            <a:r>
+              <a:rPr lang="en-US" dirty="0"/>
+              <a:t>Schematics</a:t>
+            </a:r>
+          </a:p>
+        </p:txBody>
+      </p:sp>
+      <p:pic>
+        <p:nvPicPr>
+          <p:cNvPr id="1026" name="Picture 2" descr="https://87e9b9ae-a-cbb9c62d-s-sites.googlegroups.com/a/mdarc.org/mdarc/resources/operating-aids/schematic-symbols/Schematic%20Symbols%20-%20ARRL.jpg?attachauth=ANoY7cpzax0z9fpTrDVhsunWfEgLsIStQg4QFzMH0-zL0WEfGFZCmR7552GmmX0LFCOdWs_NaM5m7GOqeuiijnUbqQKSFwhC5U_ore1sA75XzmEYXeuK8eKFkpzWQNzVnPolKyjrjDi2sDNzPb2VVY0SK4rHwfhIEd9FdDtmmy7ofL_FGdtcUe0YqD9HB-4x8lICoSttaNxDorP9OvLeOhxcxwGYqkP5SMhti992DXCLTgVO4ITBiLwHUpaWfN03R7EdhsQGrDt_gcfUUTWnakBxFQyMnbTqzA%3D%3D&amp;attredirects=0">
+            <a:extLst>
+              <a:ext uri="{FF2B5EF4-FFF2-40B4-BE49-F238E27FC236}">
+                <a16:creationId xmlns:a16="http://schemas.microsoft.com/office/drawing/2014/main" id="{43D68935-AE49-4D5B-929A-B79C01676EE7}"/>
+              </a:ext>
+            </a:extLst>
+          </p:cNvPr>
+          <p:cNvPicPr>
+            <a:picLocks noGrp="1" noChangeAspect="1" noChangeArrowheads="1"/>
+          </p:cNvPicPr>
+          <p:nvPr>
+            <p:ph idx="1"/>
+          </p:nvPr>
+        </p:nvPicPr>
+        <p:blipFill>
+          <a:blip r:embed="rId2">
+            <a:extLst>
+              <a:ext uri="{28A0092B-C50C-407E-A947-70E740481C1C}">
+                <a14:useLocalDpi xmlns:a14="http://schemas.microsoft.com/office/drawing/2010/main" val="0"/>
+              </a:ext>
+            </a:extLst>
+          </a:blip>
+          <a:srcRect/>
+          <a:stretch>
+            <a:fillRect/>
+          </a:stretch>
+        </p:blipFill>
+        <p:spPr bwMode="auto">
+          <a:xfrm>
+            <a:off x="687150" y="1104369"/>
+            <a:ext cx="7769699" cy="5697304"/>
+          </a:xfrm>
+          <a:prstGeom prst="rect">
+            <a:avLst/>
+          </a:prstGeom>
+          <a:noFill/>
+          <a:extLst>
+            <a:ext uri="{909E8E84-426E-40DD-AFC4-6F175D3DCCD1}">
+              <a14:hiddenFill xmlns:a14="http://schemas.microsoft.com/office/drawing/2010/main">
+                <a:solidFill>
+                  <a:srgbClr val="FFFFFF"/>
+                </a:solidFill>
+              </a14:hiddenFill>
+            </a:ext>
+          </a:extLst>
+        </p:spPr>
+      </p:pic>
+    </p:spTree>
+    <p:extLst>
+      <p:ext uri="{BB962C8B-B14F-4D97-AF65-F5344CB8AC3E}">
+        <p14:creationId xmlns:p14="http://schemas.microsoft.com/office/powerpoint/2010/main" val="1453870699"/>
+      </p:ext>
+    </p:extLst>
+  </p:cSld>
+  <p:clrMapOvr>
+    <a:masterClrMapping/>
+  </p:clrMapOvr>
+</p:sld>
+</file>
+
+<file path=ppt/slides/slide21.xml><?xml version="1.0" encoding="utf-8"?>
+<p:sld xmlns:a="http://schemas.openxmlformats.org/drawingml/2006/main" xmlns:r="http://schemas.openxmlformats.org/officeDocument/2006/relationships" xmlns:p="http://schemas.openxmlformats.org/presentationml/2006/main">
+  <p:cSld>
+    <p:spTree>
+      <p:nvGrpSpPr>
+        <p:cNvPr id="1" name=""/>
+        <p:cNvGrpSpPr/>
+        <p:nvPr/>
+      </p:nvGrpSpPr>
+      <p:grpSpPr>
+        <a:xfrm>
+          <a:off x="0" y="0"/>
+          <a:ext cx="0" cy="0"/>
+          <a:chOff x="0" y="0"/>
+          <a:chExt cx="0" cy="0"/>
+        </a:xfrm>
+      </p:grpSpPr>
+      <p:sp>
+        <p:nvSpPr>
+          <p:cNvPr id="2" name="Title 1">
+            <a:extLst>
+              <a:ext uri="{FF2B5EF4-FFF2-40B4-BE49-F238E27FC236}">
+                <a16:creationId xmlns:a16="http://schemas.microsoft.com/office/drawing/2014/main" id="{E2371417-AE89-4CDA-AB23-83967B21F10A}"/>
+              </a:ext>
+            </a:extLst>
+          </p:cNvPr>
+          <p:cNvSpPr>
+            <a:spLocks noGrp="1"/>
+          </p:cNvSpPr>
+          <p:nvPr>
+            <p:ph type="title"/>
+          </p:nvPr>
+        </p:nvSpPr>
+        <p:spPr/>
+        <p:txBody>
+          <a:bodyPr/>
+          <a:lstStyle/>
+          <a:p>
+            <a:r>
+              <a:rPr lang="en-US" dirty="0"/>
+              <a:t>Schematics</a:t>
+            </a:r>
+          </a:p>
+        </p:txBody>
+      </p:sp>
+      <p:pic>
+        <p:nvPicPr>
+          <p:cNvPr id="3074" name="Picture 2" descr="http://faculty.frostburg.edu/phys/latta/ee/6x2rcvr/schematic/6x2schematicfullres.jpg">
+            <a:extLst>
+              <a:ext uri="{FF2B5EF4-FFF2-40B4-BE49-F238E27FC236}">
+                <a16:creationId xmlns:a16="http://schemas.microsoft.com/office/drawing/2014/main" id="{829F0BD7-7EBD-46D5-B3EE-DE5B262364F8}"/>
+              </a:ext>
+            </a:extLst>
+          </p:cNvPr>
+          <p:cNvPicPr>
+            <a:picLocks noGrp="1" noChangeAspect="1" noChangeArrowheads="1"/>
+          </p:cNvPicPr>
+          <p:nvPr>
+            <p:ph idx="1"/>
+          </p:nvPr>
+        </p:nvPicPr>
+        <p:blipFill rotWithShape="1">
+          <a:blip r:embed="rId2">
+            <a:extLst>
+              <a:ext uri="{28A0092B-C50C-407E-A947-70E740481C1C}">
+                <a14:useLocalDpi xmlns:a14="http://schemas.microsoft.com/office/drawing/2010/main" val="0"/>
+              </a:ext>
+            </a:extLst>
+          </a:blip>
+          <a:srcRect l="2009" r="1312"/>
+          <a:stretch/>
+        </p:blipFill>
+        <p:spPr bwMode="auto">
+          <a:xfrm>
+            <a:off x="76759" y="1994263"/>
+            <a:ext cx="8990481" cy="4012181"/>
+          </a:xfrm>
+          <a:prstGeom prst="rect">
+            <a:avLst/>
+          </a:prstGeom>
+          <a:noFill/>
+          <a:extLst>
+            <a:ext uri="{909E8E84-426E-40DD-AFC4-6F175D3DCCD1}">
+              <a14:hiddenFill xmlns:a14="http://schemas.microsoft.com/office/drawing/2010/main">
+                <a:solidFill>
+                  <a:srgbClr val="FFFFFF"/>
+                </a:solidFill>
+              </a14:hiddenFill>
+            </a:ext>
+          </a:extLst>
+        </p:spPr>
+      </p:pic>
+    </p:spTree>
+    <p:extLst>
+      <p:ext uri="{BB962C8B-B14F-4D97-AF65-F5344CB8AC3E}">
+        <p14:creationId xmlns:p14="http://schemas.microsoft.com/office/powerpoint/2010/main" val="1130809653"/>
+      </p:ext>
+    </p:extLst>
+  </p:cSld>
+  <p:clrMapOvr>
+    <a:masterClrMapping/>
+  </p:clrMapOvr>
+</p:sld>
+</file>
+
+<file path=ppt/slides/slide22.xml><?xml version="1.0" encoding="utf-8"?>
+<p:sld xmlns:a="http://schemas.openxmlformats.org/drawingml/2006/main" xmlns:r="http://schemas.openxmlformats.org/officeDocument/2006/relationships" xmlns:p="http://schemas.openxmlformats.org/presentationml/2006/main">
+  <p:cSld>
+    <p:spTree>
+      <p:nvGrpSpPr>
+        <p:cNvPr id="1" name=""/>
+        <p:cNvGrpSpPr/>
+        <p:nvPr/>
+      </p:nvGrpSpPr>
+      <p:grpSpPr>
+        <a:xfrm>
+          <a:off x="0" y="0"/>
+          <a:ext cx="0" cy="0"/>
+          <a:chOff x="0" y="0"/>
+          <a:chExt cx="0" cy="0"/>
+        </a:xfrm>
+      </p:grpSpPr>
+      <p:sp>
+        <p:nvSpPr>
+          <p:cNvPr id="2" name="Title 1">
+            <a:extLst>
+              <a:ext uri="{FF2B5EF4-FFF2-40B4-BE49-F238E27FC236}">
+                <a16:creationId xmlns:a16="http://schemas.microsoft.com/office/drawing/2014/main" id="{97DB33D9-628F-4E6B-804F-D6FD94401FAB}"/>
+              </a:ext>
+            </a:extLst>
+          </p:cNvPr>
+          <p:cNvSpPr>
+            <a:spLocks noGrp="1"/>
+          </p:cNvSpPr>
+          <p:nvPr>
+            <p:ph type="title"/>
+          </p:nvPr>
+        </p:nvSpPr>
+        <p:spPr/>
+        <p:txBody>
+          <a:bodyPr/>
+          <a:lstStyle/>
+          <a:p>
+            <a:r>
+              <a:rPr lang="en-US" dirty="0"/>
+              <a:t>Schematics</a:t>
+            </a:r>
+          </a:p>
+        </p:txBody>
+      </p:sp>
+      <p:sp>
+        <p:nvSpPr>
+          <p:cNvPr id="3" name="Content Placeholder 2">
+            <a:extLst>
+              <a:ext uri="{FF2B5EF4-FFF2-40B4-BE49-F238E27FC236}">
+                <a16:creationId xmlns:a16="http://schemas.microsoft.com/office/drawing/2014/main" id="{87467815-6178-4969-807C-335C1F539A19}"/>
+              </a:ext>
+            </a:extLst>
+          </p:cNvPr>
+          <p:cNvSpPr>
+            <a:spLocks noGrp="1"/>
+          </p:cNvSpPr>
+          <p:nvPr>
+            <p:ph idx="1"/>
+          </p:nvPr>
+        </p:nvSpPr>
+        <p:spPr>
+          <a:xfrm>
+            <a:off x="457200" y="1600203"/>
+            <a:ext cx="8229600" cy="1828798"/>
+          </a:xfrm>
+        </p:spPr>
+        <p:txBody>
+          <a:bodyPr>
+            <a:normAutofit fontScale="92500" lnSpcReduction="10000"/>
+          </a:bodyPr>
+          <a:lstStyle/>
+          <a:p>
+            <a:r>
+              <a:rPr lang="en-US" dirty="0"/>
+              <a:t>Schematics are </a:t>
+            </a:r>
+            <a:r>
+              <a:rPr lang="en-US" i="1" dirty="0"/>
+              <a:t>logical</a:t>
+            </a:r>
+            <a:r>
+              <a:rPr lang="en-US" dirty="0"/>
+              <a:t> diagrams</a:t>
+            </a:r>
+          </a:p>
+          <a:p>
+            <a:pPr lvl="1"/>
+            <a:r>
+              <a:rPr lang="en-US" dirty="0"/>
+              <a:t>They tell you what things are connected together</a:t>
+            </a:r>
+          </a:p>
+          <a:p>
+            <a:pPr lvl="1"/>
+            <a:r>
+              <a:rPr lang="en-US" dirty="0"/>
+              <a:t>They </a:t>
+            </a:r>
+            <a:r>
+              <a:rPr lang="en-US" b="1" dirty="0"/>
+              <a:t>don’t</a:t>
+            </a:r>
+            <a:r>
+              <a:rPr lang="en-US" dirty="0"/>
+              <a:t> tell you how </a:t>
+            </a:r>
+          </a:p>
+          <a:p>
+            <a:pPr lvl="1"/>
+            <a:r>
+              <a:rPr lang="en-US" dirty="0"/>
+              <a:t>A schematic can be implemented in different ways</a:t>
+            </a:r>
+          </a:p>
+        </p:txBody>
+      </p:sp>
+      <p:pic>
+        <p:nvPicPr>
+          <p:cNvPr id="4" name="Picture 3">
+            <a:extLst>
+              <a:ext uri="{FF2B5EF4-FFF2-40B4-BE49-F238E27FC236}">
+                <a16:creationId xmlns:a16="http://schemas.microsoft.com/office/drawing/2014/main" id="{05C6208A-90A9-41D6-A18D-7643D2F74682}"/>
+              </a:ext>
+            </a:extLst>
+          </p:cNvPr>
+          <p:cNvPicPr>
+            <a:picLocks noChangeAspect="1"/>
+          </p:cNvPicPr>
+          <p:nvPr/>
+        </p:nvPicPr>
+        <p:blipFill>
+          <a:blip r:embed="rId2"/>
+          <a:stretch>
+            <a:fillRect/>
+          </a:stretch>
+        </p:blipFill>
+        <p:spPr>
+          <a:xfrm>
+            <a:off x="3196045" y="5257797"/>
+            <a:ext cx="2751909" cy="1484982"/>
+          </a:xfrm>
+          <a:prstGeom prst="rect">
+            <a:avLst/>
+          </a:prstGeom>
+        </p:spPr>
+      </p:pic>
+      <p:pic>
+        <p:nvPicPr>
+          <p:cNvPr id="6" name="Picture 5">
+            <a:extLst>
+              <a:ext uri="{FF2B5EF4-FFF2-40B4-BE49-F238E27FC236}">
+                <a16:creationId xmlns:a16="http://schemas.microsoft.com/office/drawing/2014/main" id="{4CEB683E-AD68-46D4-AC92-9B2DFF123BC6}"/>
+              </a:ext>
+            </a:extLst>
+          </p:cNvPr>
+          <p:cNvPicPr>
+            <a:picLocks noChangeAspect="1"/>
+          </p:cNvPicPr>
+          <p:nvPr/>
+        </p:nvPicPr>
+        <p:blipFill>
+          <a:blip r:embed="rId3"/>
+          <a:stretch>
+            <a:fillRect/>
+          </a:stretch>
+        </p:blipFill>
+        <p:spPr>
+          <a:xfrm>
+            <a:off x="153625" y="3545208"/>
+            <a:ext cx="2380570" cy="1596382"/>
+          </a:xfrm>
+          <a:prstGeom prst="rect">
+            <a:avLst/>
+          </a:prstGeom>
+        </p:spPr>
+      </p:pic>
+      <p:pic>
+        <p:nvPicPr>
+          <p:cNvPr id="7" name="Picture 6">
+            <a:extLst>
+              <a:ext uri="{FF2B5EF4-FFF2-40B4-BE49-F238E27FC236}">
+                <a16:creationId xmlns:a16="http://schemas.microsoft.com/office/drawing/2014/main" id="{0517A58A-B9D0-47A6-AA33-D36D7CC5F55E}"/>
+              </a:ext>
+            </a:extLst>
+          </p:cNvPr>
+          <p:cNvPicPr>
+            <a:picLocks noChangeAspect="1"/>
+          </p:cNvPicPr>
+          <p:nvPr/>
+        </p:nvPicPr>
+        <p:blipFill>
+          <a:blip r:embed="rId4"/>
+          <a:stretch>
+            <a:fillRect/>
+          </a:stretch>
+        </p:blipFill>
+        <p:spPr>
+          <a:xfrm>
+            <a:off x="3414583" y="3611566"/>
+            <a:ext cx="2314831" cy="1340301"/>
+          </a:xfrm>
+          <a:prstGeom prst="rect">
+            <a:avLst/>
+          </a:prstGeom>
+        </p:spPr>
+      </p:pic>
+      <p:pic>
+        <p:nvPicPr>
+          <p:cNvPr id="8" name="Picture 7">
+            <a:extLst>
+              <a:ext uri="{FF2B5EF4-FFF2-40B4-BE49-F238E27FC236}">
+                <a16:creationId xmlns:a16="http://schemas.microsoft.com/office/drawing/2014/main" id="{C62B7CBA-2612-499A-94DF-0062A07547C4}"/>
+              </a:ext>
+            </a:extLst>
+          </p:cNvPr>
+          <p:cNvPicPr>
+            <a:picLocks noChangeAspect="1"/>
+          </p:cNvPicPr>
+          <p:nvPr/>
+        </p:nvPicPr>
+        <p:blipFill>
+          <a:blip r:embed="rId5"/>
+          <a:stretch>
+            <a:fillRect/>
+          </a:stretch>
+        </p:blipFill>
+        <p:spPr>
+          <a:xfrm>
+            <a:off x="6368278" y="3545234"/>
+            <a:ext cx="2131287" cy="1472963"/>
+          </a:xfrm>
+          <a:prstGeom prst="rect">
+            <a:avLst/>
+          </a:prstGeom>
+        </p:spPr>
+      </p:pic>
+    </p:spTree>
+    <p:extLst>
+      <p:ext uri="{BB962C8B-B14F-4D97-AF65-F5344CB8AC3E}">
+        <p14:creationId xmlns:p14="http://schemas.microsoft.com/office/powerpoint/2010/main" val="2800420792"/>
+      </p:ext>
+    </p:extLst>
+  </p:cSld>
+  <p:clrMapOvr>
+    <a:masterClrMapping/>
+  </p:clrMapOvr>
+</p:sld>
+</file>
+
+<file path=ppt/slides/slide23.xml><?xml version="1.0" encoding="utf-8"?>
 <p:sld xmlns:a="http://schemas.openxmlformats.org/drawingml/2006/main" xmlns:r="http://schemas.openxmlformats.org/officeDocument/2006/relationships" xmlns:p="http://schemas.openxmlformats.org/presentationml/2006/main">
   <p:cSld>
     <p:spTree>
@@ -26576,29 +27507,13 @@
           <a:p>
             <a:r>
               <a:rPr lang="en-US" dirty="0"/>
-              <a:t>First law: The sum of currents entering </a:t>
-            </a:r>
-            <a:r>
-              <a:rPr lang="en-US" dirty="0" smtClean="0"/>
-              <a:t>a </a:t>
-            </a:r>
-            <a:r>
-              <a:rPr lang="en-US" dirty="0"/>
-              <a:t>junction must be zero</a:t>
+              <a:t>First law: The sum of currents entering a junction must be zero</a:t>
             </a:r>
           </a:p>
           <a:p>
             <a:r>
               <a:rPr lang="en-US" dirty="0"/>
-              <a:t>Second law: The sum of all voltage </a:t>
-            </a:r>
-            <a:r>
-              <a:rPr lang="en-US" dirty="0" smtClean="0"/>
-              <a:t>drops </a:t>
-            </a:r>
-            <a:r>
-              <a:rPr lang="en-US" dirty="0"/>
-              <a:t>around a loop must be zero</a:t>
+              <a:t>Second law: The sum of all voltage drops around a loop must be zero</a:t>
             </a:r>
           </a:p>
         </p:txBody>
@@ -26613,17 +27528,10 @@
   <p:clrMapOvr>
     <a:masterClrMapping/>
   </p:clrMapOvr>
-  <p:timing>
-    <p:tnLst>
-      <p:par>
-        <p:cTn id="1" dur="indefinite" restart="never" nodeType="tmRoot"/>
-      </p:par>
-    </p:tnLst>
-  </p:timing>
 </p:sld>
 </file>
 
-<file path=ppt/slides/slide18.xml><?xml version="1.0" encoding="utf-8"?>
+<file path=ppt/slides/slide24.xml><?xml version="1.0" encoding="utf-8"?>
 <p:sld xmlns:a="http://schemas.openxmlformats.org/drawingml/2006/main" xmlns:r="http://schemas.openxmlformats.org/officeDocument/2006/relationships" xmlns:p="http://schemas.openxmlformats.org/presentationml/2006/main">
   <p:cSld>
     <p:spTree>
@@ -27029,17 +27937,10 @@
   <p:clrMapOvr>
     <a:masterClrMapping/>
   </p:clrMapOvr>
-  <p:timing>
-    <p:tnLst>
-      <p:par>
-        <p:cTn id="1" dur="indefinite" restart="never" nodeType="tmRoot"/>
-      </p:par>
-    </p:tnLst>
-  </p:timing>
 </p:sld>
 </file>
 
-<file path=ppt/slides/slide19.xml><?xml version="1.0" encoding="utf-8"?>
+<file path=ppt/slides/slide25.xml><?xml version="1.0" encoding="utf-8"?>
 <p:sld xmlns:a="http://schemas.openxmlformats.org/drawingml/2006/main" xmlns:r="http://schemas.openxmlformats.org/officeDocument/2006/relationships" xmlns:p="http://schemas.openxmlformats.org/presentationml/2006/main">
   <p:cSld>
     <p:spTree>
@@ -27987,174 +28888,7 @@
 </p:sld>
 </file>
 
-<file path=ppt/slides/slide2.xml><?xml version="1.0" encoding="utf-8"?>
-<p:sld xmlns:a="http://schemas.openxmlformats.org/drawingml/2006/main" xmlns:r="http://schemas.openxmlformats.org/officeDocument/2006/relationships" xmlns:p="http://schemas.openxmlformats.org/presentationml/2006/main">
-  <p:cSld>
-    <p:spTree>
-      <p:nvGrpSpPr>
-        <p:cNvPr id="1" name=""/>
-        <p:cNvGrpSpPr/>
-        <p:nvPr/>
-      </p:nvGrpSpPr>
-      <p:grpSpPr>
-        <a:xfrm>
-          <a:off x="0" y="0"/>
-          <a:ext cx="0" cy="0"/>
-          <a:chOff x="0" y="0"/>
-          <a:chExt cx="0" cy="0"/>
-        </a:xfrm>
-      </p:grpSpPr>
-      <p:sp>
-        <p:nvSpPr>
-          <p:cNvPr id="2" name="Title 1">
-            <a:extLst>
-              <a:ext uri="{FF2B5EF4-FFF2-40B4-BE49-F238E27FC236}">
-                <a16:creationId xmlns:a16="http://schemas.microsoft.com/office/drawing/2014/main" id="{4A4E1BC3-7067-42A7-86F2-0FAAE43314A6}"/>
-              </a:ext>
-            </a:extLst>
-          </p:cNvPr>
-          <p:cNvSpPr>
-            <a:spLocks noGrp="1"/>
-          </p:cNvSpPr>
-          <p:nvPr>
-            <p:ph type="title"/>
-          </p:nvPr>
-        </p:nvSpPr>
-        <p:spPr/>
-        <p:txBody>
-          <a:bodyPr/>
-          <a:lstStyle/>
-          <a:p>
-            <a:pPr algn="ctr"/>
-            <a:r>
-              <a:rPr lang="en-US" dirty="0"/>
-              <a:t>DISCLAIMER</a:t>
-            </a:r>
-          </a:p>
-        </p:txBody>
-      </p:sp>
-      <p:sp>
-        <p:nvSpPr>
-          <p:cNvPr id="3" name="Content Placeholder 2">
-            <a:extLst>
-              <a:ext uri="{FF2B5EF4-FFF2-40B4-BE49-F238E27FC236}">
-                <a16:creationId xmlns:a16="http://schemas.microsoft.com/office/drawing/2014/main" id="{2B349B59-1AEB-4309-B463-65F55B9BFD84}"/>
-              </a:ext>
-            </a:extLst>
-          </p:cNvPr>
-          <p:cNvSpPr>
-            <a:spLocks noGrp="1"/>
-          </p:cNvSpPr>
-          <p:nvPr>
-            <p:ph idx="1"/>
-          </p:nvPr>
-        </p:nvSpPr>
-        <p:spPr/>
-        <p:txBody>
-          <a:bodyPr>
-            <a:normAutofit fontScale="70000" lnSpcReduction="20000"/>
-          </a:bodyPr>
-          <a:lstStyle/>
-          <a:p>
-            <a:r>
-              <a:rPr lang="en-US" dirty="0"/>
-              <a:t>At first, we will look at a very small subset of electrical engineering</a:t>
-            </a:r>
-          </a:p>
-          <a:p>
-            <a:r>
-              <a:rPr lang="en-US" dirty="0"/>
-              <a:t>Specifically, for the time being, we’re focusing on steady-state circuits</a:t>
-            </a:r>
-          </a:p>
-          <a:p>
-            <a:pPr lvl="1"/>
-            <a:r>
-              <a:rPr lang="en-US" dirty="0"/>
-              <a:t>That is, everything stays the same over time; there are no pulses, for example, or sine waves, or signals</a:t>
-            </a:r>
-          </a:p>
-          <a:p>
-            <a:r>
-              <a:rPr lang="en-US" dirty="0"/>
-              <a:t>A lot of the things that I will say are </a:t>
-            </a:r>
-            <a:r>
-              <a:rPr lang="en-US" i="1" dirty="0"/>
-              <a:t>wrong</a:t>
-            </a:r>
-            <a:r>
-              <a:rPr lang="en-US" dirty="0"/>
-              <a:t> in the general sense</a:t>
-            </a:r>
-          </a:p>
-          <a:p>
-            <a:pPr lvl="1"/>
-            <a:r>
-              <a:rPr lang="en-US" dirty="0"/>
-              <a:t>For example, “electricity can’t pass through an insulator”</a:t>
-            </a:r>
-          </a:p>
-          <a:p>
-            <a:r>
-              <a:rPr lang="en-US" dirty="0"/>
-              <a:t>Understand that these things are </a:t>
-            </a:r>
-            <a:r>
-              <a:rPr lang="en-US" i="1" dirty="0"/>
-              <a:t>simplifications</a:t>
-            </a:r>
-            <a:r>
-              <a:rPr lang="en-US" dirty="0"/>
-              <a:t> that make electronics easier to understand under specific circumstances, but are not always true</a:t>
-            </a:r>
-          </a:p>
-          <a:p>
-            <a:r>
-              <a:rPr lang="en-US" dirty="0"/>
-              <a:t>I’ll make it clear when I’m saying something that is a real, no-shit physical </a:t>
-            </a:r>
-            <a:r>
-              <a:rPr lang="en-US" dirty="0" smtClean="0"/>
-              <a:t>law (it’ll be in </a:t>
-            </a:r>
-            <a:r>
-              <a:rPr lang="en-US" dirty="0" smtClean="0">
-                <a:solidFill>
-                  <a:srgbClr val="FF0000"/>
-                </a:solidFill>
-              </a:rPr>
-              <a:t>red</a:t>
-            </a:r>
-            <a:r>
-              <a:rPr lang="en-US" dirty="0" smtClean="0"/>
-              <a:t>)</a:t>
-            </a:r>
-            <a:endParaRPr lang="en-US" dirty="0"/>
-          </a:p>
-        </p:txBody>
-      </p:sp>
-    </p:spTree>
-    <p:extLst>
-      <p:ext uri="{BB962C8B-B14F-4D97-AF65-F5344CB8AC3E}">
-        <p14:creationId xmlns:p14="http://schemas.microsoft.com/office/powerpoint/2010/main" val="2732836668"/>
-      </p:ext>
-    </p:extLst>
-  </p:cSld>
-  <p:clrMapOvr>
-    <a:masterClrMapping/>
-  </p:clrMapOvr>
-  <p:timing>
-    <p:tnLst>
-      <p:par>
-        <p:cTn id="1" dur="indefinite" restart="never" nodeType="tmRoot"/>
-      </p:par>
-    </p:tnLst>
-  </p:timing>
-</p:sld>
-</file>
-
-<file path=ppt/slides/slide20.xml><?xml version="1.0" encoding="utf-8"?>
+<file path=ppt/slides/slide26.xml><?xml version="1.0" encoding="utf-8"?>
 <p:sld xmlns:a="http://schemas.openxmlformats.org/drawingml/2006/main" xmlns:r="http://schemas.openxmlformats.org/officeDocument/2006/relationships" xmlns:p="http://schemas.openxmlformats.org/presentationml/2006/main">
   <p:cSld>
     <p:spTree>
@@ -28187,14 +28921,13 @@
           <a:lstStyle/>
           <a:p>
             <a:r>
-              <a:rPr lang="en-US" dirty="0" err="1" smtClean="0"/>
+              <a:rPr lang="en-US" dirty="0" err="1"/>
               <a:t>Kirchoff’s</a:t>
             </a:r>
             <a:r>
-              <a:rPr lang="en-US" dirty="0" smtClean="0"/>
+              <a:rPr lang="en-US" dirty="0"/>
               <a:t> Laws</a:t>
             </a:r>
-            <a:endParaRPr lang="en-US" dirty="0"/>
           </a:p>
         </p:txBody>
       </p:sp>
@@ -28214,10 +28947,9 @@
           <a:lstStyle/>
           <a:p>
             <a:r>
-              <a:rPr lang="en-US" dirty="0" smtClean="0"/>
+              <a:rPr lang="en-US" dirty="0"/>
               <a:t>Slightly more complex example:</a:t>
             </a:r>
-            <a:endParaRPr lang="en-US" dirty="0"/>
           </a:p>
         </p:txBody>
       </p:sp>
@@ -28251,8 +28983,8 @@
           </a:prstGeom>
         </p:spPr>
       </p:pic>
-      <mc:AlternateContent xmlns:mc="http://schemas.openxmlformats.org/markup-compatibility/2006">
-        <mc:Choice xmlns:a14="http://schemas.microsoft.com/office/drawing/2010/main" Requires="a14">
+      <mc:AlternateContent xmlns:mc="http://schemas.openxmlformats.org/markup-compatibility/2006" xmlns:a14="http://schemas.microsoft.com/office/drawing/2010/main">
+        <mc:Choice Requires="a14">
           <p:sp>
             <p:nvSpPr>
               <p:cNvPr id="5" name="TextBox 4"/>
@@ -28276,7 +29008,7 @@
               <a:lstStyle/>
               <a:p>
                 <a:r>
-                  <a:rPr lang="en-US" dirty="0" smtClean="0">
+                  <a:rPr lang="en-US" dirty="0">
                     <a:solidFill>
                       <a:schemeClr val="bg1"/>
                     </a:solidFill>
@@ -28347,7 +29079,7 @@
                   </m:oMath>
                 </a14:m>
                 <a:r>
-                  <a:rPr lang="en-US" dirty="0" smtClean="0">
+                  <a:rPr lang="en-US" dirty="0">
                     <a:solidFill>
                       <a:schemeClr val="bg1"/>
                     </a:solidFill>
@@ -28426,7 +29158,7 @@
             </p:txBody>
           </p:sp>
         </mc:Choice>
-        <mc:Fallback>
+        <mc:Fallback xmlns="">
           <p:sp>
             <p:nvSpPr>
               <p:cNvPr id="5" name="TextBox 4"/>
@@ -28475,17 +29207,10 @@
   <p:clrMapOvr>
     <a:masterClrMapping/>
   </p:clrMapOvr>
-  <p:timing>
-    <p:tnLst>
-      <p:par>
-        <p:cTn id="1" dur="indefinite" restart="never" nodeType="tmRoot"/>
-      </p:par>
-    </p:tnLst>
-  </p:timing>
 </p:sld>
 </file>
 
-<file path=ppt/slides/slide21.xml><?xml version="1.0" encoding="utf-8"?>
+<file path=ppt/slides/slide27.xml><?xml version="1.0" encoding="utf-8"?>
 <p:sld xmlns:a="http://schemas.openxmlformats.org/drawingml/2006/main" xmlns:r="http://schemas.openxmlformats.org/officeDocument/2006/relationships" xmlns:p="http://schemas.openxmlformats.org/presentationml/2006/main">
   <p:cSld>
     <p:spTree>
@@ -28518,14 +29243,13 @@
           <a:lstStyle/>
           <a:p>
             <a:r>
-              <a:rPr lang="en-US" dirty="0" err="1" smtClean="0"/>
+              <a:rPr lang="en-US" dirty="0" err="1"/>
               <a:t>Kirchoff’s</a:t>
             </a:r>
             <a:r>
-              <a:rPr lang="en-US" dirty="0" smtClean="0"/>
+              <a:rPr lang="en-US" dirty="0"/>
               <a:t> Laws</a:t>
             </a:r>
-            <a:endParaRPr lang="en-US" dirty="0"/>
           </a:p>
         </p:txBody>
       </p:sp>
@@ -28558,8 +29282,8 @@
           </a:xfrm>
         </p:spPr>
       </p:pic>
-      <mc:AlternateContent xmlns:mc="http://schemas.openxmlformats.org/markup-compatibility/2006">
-        <mc:Choice xmlns:a14="http://schemas.microsoft.com/office/drawing/2010/main" Requires="a14">
+      <mc:AlternateContent xmlns:mc="http://schemas.openxmlformats.org/markup-compatibility/2006" xmlns:a14="http://schemas.microsoft.com/office/drawing/2010/main">
+        <mc:Choice Requires="a14">
           <p:sp>
             <p:nvSpPr>
               <p:cNvPr id="5" name="TextBox 4"/>
@@ -28587,7 +29311,7 @@
                   <a:buChar char="•"/>
                 </a:pPr>
                 <a:r>
-                  <a:rPr lang="en-US" dirty="0" smtClean="0">
+                  <a:rPr lang="en-US" dirty="0">
                     <a:solidFill>
                       <a:schemeClr val="bg1"/>
                     </a:solidFill>
@@ -28595,7 +29319,7 @@
                   <a:t>From </a:t>
                 </a:r>
                 <a:r>
-                  <a:rPr lang="en-US" dirty="0" err="1" smtClean="0">
+                  <a:rPr lang="en-US" dirty="0" err="1">
                     <a:solidFill>
                       <a:schemeClr val="bg1"/>
                     </a:solidFill>
@@ -28603,7 +29327,7 @@
                   <a:t>Kirchoff’s</a:t>
                 </a:r>
                 <a:r>
-                  <a:rPr lang="en-US" dirty="0" smtClean="0">
+                  <a:rPr lang="en-US" dirty="0">
                     <a:solidFill>
                       <a:schemeClr val="bg1"/>
                     </a:solidFill>
@@ -28611,7 +29335,7 @@
                   <a:t> 2</a:t>
                 </a:r>
                 <a:r>
-                  <a:rPr lang="en-US" baseline="30000" dirty="0" smtClean="0">
+                  <a:rPr lang="en-US" baseline="30000" dirty="0">
                     <a:solidFill>
                       <a:schemeClr val="bg1"/>
                     </a:solidFill>
@@ -28619,7 +29343,7 @@
                   <a:t>nd</a:t>
                 </a:r>
                 <a:r>
-                  <a:rPr lang="en-US" dirty="0" smtClean="0">
+                  <a:rPr lang="en-US" dirty="0">
                     <a:solidFill>
                       <a:schemeClr val="bg1"/>
                     </a:solidFill>
@@ -28984,7 +29708,7 @@
                     </m:r>
                   </m:oMath>
                 </a14:m>
-                <a:endParaRPr lang="en-US" dirty="0" smtClean="0">
+                <a:endParaRPr lang="en-US" dirty="0">
                   <a:solidFill>
                     <a:schemeClr val="bg1"/>
                   </a:solidFill>
@@ -29438,7 +30162,7 @@
                     </m:r>
                   </m:oMath>
                 </a14:m>
-                <a:endParaRPr lang="en-US" b="0" dirty="0" smtClean="0">
+                <a:endParaRPr lang="en-US" b="0" dirty="0">
                   <a:solidFill>
                     <a:schemeClr val="bg1"/>
                   </a:solidFill>
@@ -29450,7 +30174,7 @@
                   <a:buChar char="•"/>
                 </a:pPr>
                 <a:r>
-                  <a:rPr lang="en-US" dirty="0" smtClean="0">
+                  <a:rPr lang="en-US" dirty="0">
                     <a:solidFill>
                       <a:schemeClr val="bg1"/>
                     </a:solidFill>
@@ -29539,7 +30263,7 @@
                   </m:oMath>
                 </a14:m>
                 <a:r>
-                  <a:rPr lang="en-US" dirty="0" smtClean="0">
+                  <a:rPr lang="en-US" dirty="0">
                     <a:solidFill>
                       <a:schemeClr val="bg1"/>
                     </a:solidFill>
@@ -29553,7 +30277,7 @@
                   <a:buChar char="•"/>
                 </a:pPr>
                 <a:r>
-                  <a:rPr lang="en-US" dirty="0" smtClean="0">
+                  <a:rPr lang="en-US" dirty="0">
                     <a:solidFill>
                       <a:schemeClr val="bg1"/>
                     </a:solidFill>
@@ -29985,7 +30709,7 @@
                   <a:buChar char="•"/>
                 </a:pPr>
                 <a:r>
-                  <a:rPr lang="en-US" dirty="0" smtClean="0">
+                  <a:rPr lang="en-US" dirty="0">
                     <a:solidFill>
                       <a:schemeClr val="bg1"/>
                     </a:solidFill>
@@ -30412,7 +31136,7 @@
                     </m:d>
                   </m:oMath>
                 </a14:m>
-                <a:endParaRPr lang="en-US" dirty="0" smtClean="0">
+                <a:endParaRPr lang="en-US" dirty="0">
                   <a:solidFill>
                     <a:schemeClr val="bg1"/>
                   </a:solidFill>
@@ -30424,7 +31148,7 @@
                   <a:buChar char="•"/>
                 </a:pPr>
                 <a:r>
-                  <a:rPr lang="en-US" dirty="0" smtClean="0">
+                  <a:rPr lang="en-US" dirty="0">
                     <a:solidFill>
                       <a:schemeClr val="bg1"/>
                     </a:solidFill>
@@ -30902,7 +31626,7 @@
                     </m:d>
                   </m:oMath>
                 </a14:m>
-                <a:endParaRPr lang="en-US" dirty="0" smtClean="0">
+                <a:endParaRPr lang="en-US" dirty="0">
                   <a:solidFill>
                     <a:schemeClr val="bg1"/>
                   </a:solidFill>
@@ -30914,7 +31638,7 @@
                   <a:buChar char="•"/>
                 </a:pPr>
                 <a:r>
-                  <a:rPr lang="en-US" dirty="0" smtClean="0">
+                  <a:rPr lang="en-US" dirty="0">
                     <a:solidFill>
                       <a:schemeClr val="bg1"/>
                     </a:solidFill>
@@ -31607,7 +32331,7 @@
                     </m:d>
                   </m:oMath>
                 </a14:m>
-                <a:endParaRPr lang="en-US" dirty="0" smtClean="0">
+                <a:endParaRPr lang="en-US" dirty="0">
                   <a:solidFill>
                     <a:schemeClr val="bg1"/>
                   </a:solidFill>
@@ -31619,7 +32343,7 @@
                   <a:buChar char="•"/>
                 </a:pPr>
                 <a:r>
-                  <a:rPr lang="en-US" b="0" dirty="0" smtClean="0">
+                  <a:rPr lang="en-US" b="0" dirty="0">
                     <a:solidFill>
                       <a:schemeClr val="bg1"/>
                     </a:solidFill>
@@ -31885,7 +32609,7 @@
                     </m:sSub>
                   </m:oMath>
                 </a14:m>
-                <a:endParaRPr lang="en-US" dirty="0" smtClean="0">
+                <a:endParaRPr lang="en-US" dirty="0">
                   <a:solidFill>
                     <a:schemeClr val="bg1"/>
                   </a:solidFill>
@@ -32001,7 +32725,7 @@
                     </m:r>
                   </m:oMath>
                 </a14:m>
-                <a:endParaRPr lang="en-US" dirty="0" smtClean="0">
+                <a:endParaRPr lang="en-US" dirty="0">
                   <a:solidFill>
                     <a:schemeClr val="bg1"/>
                   </a:solidFill>
@@ -32297,7 +33021,7 @@
                   </m:oMath>
                 </a14:m>
                 <a:r>
-                  <a:rPr lang="en-US" dirty="0" smtClean="0">
+                  <a:rPr lang="en-US" dirty="0">
                     <a:solidFill>
                       <a:schemeClr val="bg1"/>
                     </a:solidFill>
@@ -32343,7 +33067,7 @@
                   </m:oMath>
                 </a14:m>
                 <a:r>
-                  <a:rPr lang="en-US" dirty="0" smtClean="0">
+                  <a:rPr lang="en-US" dirty="0">
                     <a:solidFill>
                       <a:schemeClr val="bg1"/>
                     </a:solidFill>
@@ -32389,25 +33113,20 @@
                   </m:oMath>
                 </a14:m>
                 <a:r>
-                  <a:rPr lang="en-US" dirty="0" smtClean="0">
+                  <a:rPr lang="en-US" dirty="0">
                     <a:solidFill>
                       <a:schemeClr val="bg1"/>
                     </a:solidFill>
                   </a:rPr>
                   <a:t> direction)</a:t>
                 </a:r>
-                <a:endParaRPr lang="en-US" dirty="0">
-                  <a:solidFill>
-                    <a:schemeClr val="bg1"/>
-                  </a:solidFill>
-                </a:endParaRPr>
               </a:p>
               <a:p>
                 <a:pPr marL="285750" indent="-285750">
                   <a:buFont typeface="Arial" panose="020B0604020202020204" pitchFamily="34" charset="0"/>
                   <a:buChar char="•"/>
                 </a:pPr>
-                <a:endParaRPr lang="en-US" dirty="0" smtClean="0">
+                <a:endParaRPr lang="en-US" dirty="0">
                   <a:solidFill>
                     <a:schemeClr val="bg1"/>
                   </a:solidFill>
@@ -32416,7 +33135,7 @@
             </p:txBody>
           </p:sp>
         </mc:Choice>
-        <mc:Fallback>
+        <mc:Fallback xmlns="">
           <p:sp>
             <p:nvSpPr>
               <p:cNvPr id="5" name="TextBox 4"/>
@@ -33040,7 +33759,7 @@
 </p:sld>
 </file>
 
-<file path=ppt/slides/slide22.xml><?xml version="1.0" encoding="utf-8"?>
+<file path=ppt/slides/slide28.xml><?xml version="1.0" encoding="utf-8"?>
 <p:sld xmlns:a="http://schemas.openxmlformats.org/drawingml/2006/main" xmlns:r="http://schemas.openxmlformats.org/officeDocument/2006/relationships" xmlns:p="http://schemas.openxmlformats.org/presentationml/2006/main">
   <p:cSld>
     <p:spTree>
@@ -33073,14 +33792,13 @@
           <a:lstStyle/>
           <a:p>
             <a:r>
-              <a:rPr lang="en-US" dirty="0" err="1" smtClean="0"/>
+              <a:rPr lang="en-US" dirty="0" err="1"/>
               <a:t>Kirchoff’s</a:t>
             </a:r>
             <a:r>
-              <a:rPr lang="en-US" dirty="0" smtClean="0"/>
+              <a:rPr lang="en-US" dirty="0"/>
               <a:t> Laws</a:t>
             </a:r>
-            <a:endParaRPr lang="en-US" dirty="0"/>
           </a:p>
         </p:txBody>
       </p:sp>
@@ -33107,24 +33825,23 @@
           <a:lstStyle/>
           <a:p>
             <a:r>
-              <a:rPr lang="en-US" dirty="0" smtClean="0"/>
+              <a:rPr lang="en-US" dirty="0"/>
               <a:t>The specific loops you choose don’t matter!</a:t>
             </a:r>
           </a:p>
           <a:p>
             <a:r>
-              <a:rPr lang="en-US" dirty="0" smtClean="0"/>
+              <a:rPr lang="en-US" dirty="0"/>
               <a:t>Basically, </a:t>
             </a:r>
             <a:r>
-              <a:rPr lang="en-US" i="1" dirty="0" smtClean="0"/>
+              <a:rPr lang="en-US" i="1" dirty="0"/>
               <a:t>as long as each component and wire has at least one loop passing through it</a:t>
             </a:r>
             <a:r>
-              <a:rPr lang="en-US" dirty="0" smtClean="0"/>
+              <a:rPr lang="en-US" dirty="0"/>
               <a:t>, you can solve the circuit</a:t>
             </a:r>
-            <a:endParaRPr lang="en-US" dirty="0"/>
           </a:p>
         </p:txBody>
       </p:sp>
@@ -33347,7 +34064,7 @@
 </p:sld>
 </file>
 
-<file path=ppt/slides/slide23.xml><?xml version="1.0" encoding="utf-8"?>
+<file path=ppt/slides/slide29.xml><?xml version="1.0" encoding="utf-8"?>
 <p:sld xmlns:a="http://schemas.openxmlformats.org/drawingml/2006/main" xmlns:r="http://schemas.openxmlformats.org/officeDocument/2006/relationships" xmlns:p="http://schemas.openxmlformats.org/presentationml/2006/main">
   <p:cSld>
     <p:spTree>
@@ -33380,19 +34097,18 @@
           <a:lstStyle/>
           <a:p>
             <a:r>
-              <a:rPr lang="en-US" dirty="0" err="1" smtClean="0"/>
+              <a:rPr lang="en-US" dirty="0" err="1"/>
               <a:t>Kirchoff’s</a:t>
             </a:r>
             <a:r>
-              <a:rPr lang="en-US" dirty="0" smtClean="0"/>
+              <a:rPr lang="en-US" dirty="0"/>
               <a:t> Laws</a:t>
             </a:r>
-            <a:endParaRPr lang="en-US" dirty="0"/>
           </a:p>
         </p:txBody>
       </p:sp>
-      <mc:AlternateContent xmlns:mc="http://schemas.openxmlformats.org/markup-compatibility/2006">
-        <mc:Choice xmlns:a14="http://schemas.microsoft.com/office/drawing/2010/main" Requires="a14">
+      <mc:AlternateContent xmlns:mc="http://schemas.openxmlformats.org/markup-compatibility/2006" xmlns:a14="http://schemas.microsoft.com/office/drawing/2010/main">
+        <mc:Choice Requires="a14">
           <p:sp>
             <p:nvSpPr>
               <p:cNvPr id="5" name="TextBox 4"/>
@@ -33420,7 +34136,7 @@
                   <a:buChar char="•"/>
                 </a:pPr>
                 <a:r>
-                  <a:rPr lang="en-US" dirty="0" smtClean="0">
+                  <a:rPr lang="en-US" dirty="0">
                     <a:solidFill>
                       <a:schemeClr val="bg1"/>
                     </a:solidFill>
@@ -33428,7 +34144,7 @@
                   <a:t>From </a:t>
                 </a:r>
                 <a:r>
-                  <a:rPr lang="en-US" dirty="0" err="1" smtClean="0">
+                  <a:rPr lang="en-US" dirty="0" err="1">
                     <a:solidFill>
                       <a:schemeClr val="bg1"/>
                     </a:solidFill>
@@ -33436,7 +34152,7 @@
                   <a:t>Kirchoff’s</a:t>
                 </a:r>
                 <a:r>
-                  <a:rPr lang="en-US" dirty="0" smtClean="0">
+                  <a:rPr lang="en-US" dirty="0">
                     <a:solidFill>
                       <a:schemeClr val="bg1"/>
                     </a:solidFill>
@@ -33444,7 +34160,7 @@
                   <a:t> 2</a:t>
                 </a:r>
                 <a:r>
-                  <a:rPr lang="en-US" baseline="30000" dirty="0" smtClean="0">
+                  <a:rPr lang="en-US" baseline="30000" dirty="0">
                     <a:solidFill>
                       <a:schemeClr val="bg1"/>
                     </a:solidFill>
@@ -33452,7 +34168,7 @@
                   <a:t>nd</a:t>
                 </a:r>
                 <a:r>
-                  <a:rPr lang="en-US" dirty="0" smtClean="0">
+                  <a:rPr lang="en-US" dirty="0">
                     <a:solidFill>
                       <a:schemeClr val="bg1"/>
                     </a:solidFill>
@@ -33855,7 +34571,7 @@
                     </m:r>
                   </m:oMath>
                 </a14:m>
-                <a:endParaRPr lang="en-US" dirty="0" smtClean="0">
+                <a:endParaRPr lang="en-US" dirty="0">
                   <a:solidFill>
                     <a:schemeClr val="bg1"/>
                   </a:solidFill>
@@ -34196,16 +34912,7 @@
                                 </a:solidFill>
                                 <a:latin typeface="Cambria Math" panose="02040503050406030204" pitchFamily="18" charset="0"/>
                               </a:rPr>
-                              <m:t>ℓ</m:t>
-                            </m:r>
-                            <m:r>
-                              <a:rPr lang="en-US" i="1">
-                                <a:solidFill>
-                                  <a:schemeClr val="bg1"/>
-                                </a:solidFill>
-                                <a:latin typeface="Cambria Math" panose="02040503050406030204" pitchFamily="18" charset="0"/>
-                              </a:rPr>
-                              <m:t>2</m:t>
+                              <m:t>ℓ2</m:t>
                             </m:r>
                           </m:sub>
                         </m:sSub>
@@ -34296,16 +35003,7 @@
                                 </a:solidFill>
                                 <a:latin typeface="Cambria Math" panose="02040503050406030204" pitchFamily="18" charset="0"/>
                               </a:rPr>
-                              <m:t>ℓ</m:t>
-                            </m:r>
-                            <m:r>
-                              <a:rPr lang="en-US" i="1">
-                                <a:solidFill>
-                                  <a:schemeClr val="bg1"/>
-                                </a:solidFill>
-                                <a:latin typeface="Cambria Math" panose="02040503050406030204" pitchFamily="18" charset="0"/>
-                              </a:rPr>
-                              <m:t>2</m:t>
+                              <m:t>ℓ2</m:t>
                             </m:r>
                           </m:sub>
                         </m:sSub>
@@ -34465,7 +35163,7 @@
                     </m:r>
                   </m:oMath>
                 </a14:m>
-                <a:endParaRPr lang="en-US" dirty="0" smtClean="0">
+                <a:endParaRPr lang="en-US" dirty="0">
                   <a:solidFill>
                     <a:schemeClr val="bg1"/>
                   </a:solidFill>
@@ -34477,7 +35175,7 @@
                   <a:buChar char="•"/>
                 </a:pPr>
                 <a:r>
-                  <a:rPr lang="en-US" dirty="0" smtClean="0">
+                  <a:rPr lang="en-US" dirty="0">
                     <a:solidFill>
                       <a:schemeClr val="bg1"/>
                     </a:solidFill>
@@ -34566,7 +35264,7 @@
                   </m:oMath>
                 </a14:m>
                 <a:r>
-                  <a:rPr lang="en-US" dirty="0" smtClean="0">
+                  <a:rPr lang="en-US" dirty="0">
                     <a:solidFill>
                       <a:schemeClr val="bg1"/>
                     </a:solidFill>
@@ -34580,7 +35278,7 @@
                   <a:buChar char="•"/>
                 </a:pPr>
                 <a:r>
-                  <a:rPr lang="en-US" dirty="0" smtClean="0">
+                  <a:rPr lang="en-US" dirty="0">
                     <a:solidFill>
                       <a:schemeClr val="bg1"/>
                     </a:solidFill>
@@ -35034,7 +35732,7 @@
                   </m:oMath>
                 </a14:m>
                 <a:r>
-                  <a:rPr lang="en-US" dirty="0" smtClean="0">
+                  <a:rPr lang="en-US" dirty="0">
                     <a:solidFill>
                       <a:schemeClr val="accent2">
                         <a:lumMod val="60000"/>
@@ -35044,14 +35742,6 @@
                   </a:rPr>
                   <a:t>)</a:t>
                 </a:r>
-                <a:endParaRPr lang="en-US" dirty="0">
-                  <a:solidFill>
-                    <a:schemeClr val="accent2">
-                      <a:lumMod val="60000"/>
-                      <a:lumOff val="40000"/>
-                    </a:schemeClr>
-                  </a:solidFill>
-                </a:endParaRPr>
               </a:p>
               <a:p>
                 <a:pPr marL="285750" indent="-285750">
@@ -35059,7 +35749,7 @@
                   <a:buChar char="•"/>
                 </a:pPr>
                 <a:r>
-                  <a:rPr lang="en-US" dirty="0" smtClean="0">
+                  <a:rPr lang="en-US" dirty="0">
                     <a:solidFill>
                       <a:schemeClr val="bg1"/>
                     </a:solidFill>
@@ -35153,16 +35843,7 @@
                                 </a:solidFill>
                                 <a:latin typeface="Cambria Math" panose="02040503050406030204" pitchFamily="18" charset="0"/>
                               </a:rPr>
-                              <m:t>ℓ</m:t>
-                            </m:r>
-                            <m:r>
-                              <a:rPr lang="en-US" i="1">
-                                <a:solidFill>
-                                  <a:srgbClr val="D8DD09"/>
-                                </a:solidFill>
-                                <a:latin typeface="Cambria Math" panose="02040503050406030204" pitchFamily="18" charset="0"/>
-                              </a:rPr>
-                              <m:t>2</m:t>
+                              <m:t>ℓ2</m:t>
                             </m:r>
                           </m:sub>
                         </m:sSub>
@@ -35708,7 +36389,7 @@
                     </m:r>
                   </m:oMath>
                 </a14:m>
-                <a:endParaRPr lang="en-US" dirty="0" smtClean="0">
+                <a:endParaRPr lang="en-US" dirty="0">
                   <a:solidFill>
                     <a:schemeClr val="accent2">
                       <a:lumMod val="60000"/>
@@ -35723,7 +36404,7 @@
                   <a:buChar char="•"/>
                 </a:pPr>
                 <a:r>
-                  <a:rPr lang="en-US" dirty="0" smtClean="0">
+                  <a:rPr lang="en-US" dirty="0">
                     <a:solidFill>
                       <a:schemeClr val="bg1"/>
                     </a:solidFill>
@@ -36495,7 +37176,7 @@
                     </m:d>
                   </m:oMath>
                 </a14:m>
-                <a:endParaRPr lang="en-US" dirty="0" smtClean="0">
+                <a:endParaRPr lang="en-US" dirty="0">
                   <a:solidFill>
                     <a:schemeClr val="bg1"/>
                   </a:solidFill>
@@ -36507,7 +37188,7 @@
                   <a:buChar char="•"/>
                 </a:pPr>
                 <a:r>
-                  <a:rPr lang="en-US" b="0" dirty="0" smtClean="0">
+                  <a:rPr lang="en-US" b="0" dirty="0">
                     <a:solidFill>
                       <a:schemeClr val="bg1"/>
                     </a:solidFill>
@@ -36825,7 +37506,7 @@
                     </m:d>
                   </m:oMath>
                 </a14:m>
-                <a:endParaRPr lang="en-US" dirty="0" smtClean="0">
+                <a:endParaRPr lang="en-US" dirty="0">
                   <a:solidFill>
                     <a:schemeClr val="bg1"/>
                   </a:solidFill>
@@ -36941,7 +37622,7 @@
                     </m:r>
                   </m:oMath>
                 </a14:m>
-                <a:endParaRPr lang="en-US" dirty="0" smtClean="0">
+                <a:endParaRPr lang="en-US" dirty="0">
                   <a:solidFill>
                     <a:schemeClr val="bg1"/>
                   </a:solidFill>
@@ -37243,7 +37924,7 @@
                   <a:buFont typeface="Arial" panose="020B0604020202020204" pitchFamily="34" charset="0"/>
                   <a:buChar char="•"/>
                 </a:pPr>
-                <a:endParaRPr lang="en-US" dirty="0" smtClean="0">
+                <a:endParaRPr lang="en-US" dirty="0">
                   <a:solidFill>
                     <a:schemeClr val="bg1"/>
                   </a:solidFill>
@@ -37252,7 +37933,7 @@
             </p:txBody>
           </p:sp>
         </mc:Choice>
-        <mc:Fallback>
+        <mc:Fallback xmlns="">
           <p:sp>
             <p:nvSpPr>
               <p:cNvPr id="5" name="TextBox 4"/>
@@ -37857,7 +38538,99 @@
 </p:sld>
 </file>
 
-<file path=ppt/slides/slide24.xml><?xml version="1.0" encoding="utf-8"?>
+<file path=ppt/slides/slide3.xml><?xml version="1.0" encoding="utf-8"?>
+<p:sld xmlns:a="http://schemas.openxmlformats.org/drawingml/2006/main" xmlns:r="http://schemas.openxmlformats.org/officeDocument/2006/relationships" xmlns:p="http://schemas.openxmlformats.org/presentationml/2006/main">
+  <p:cSld>
+    <p:spTree>
+      <p:nvGrpSpPr>
+        <p:cNvPr id="1" name=""/>
+        <p:cNvGrpSpPr/>
+        <p:nvPr/>
+      </p:nvGrpSpPr>
+      <p:grpSpPr>
+        <a:xfrm>
+          <a:off x="0" y="0"/>
+          <a:ext cx="0" cy="0"/>
+          <a:chOff x="0" y="0"/>
+          <a:chExt cx="0" cy="0"/>
+        </a:xfrm>
+      </p:grpSpPr>
+      <p:sp>
+        <p:nvSpPr>
+          <p:cNvPr id="2" name="Title 1">
+            <a:extLst>
+              <a:ext uri="{FF2B5EF4-FFF2-40B4-BE49-F238E27FC236}">
+                <a16:creationId xmlns:a16="http://schemas.microsoft.com/office/drawing/2014/main" id="{EA115F0C-0A02-4800-8D42-A54270204A2F}"/>
+              </a:ext>
+            </a:extLst>
+          </p:cNvPr>
+          <p:cNvSpPr>
+            <a:spLocks noGrp="1"/>
+          </p:cNvSpPr>
+          <p:nvPr>
+            <p:ph type="title"/>
+          </p:nvPr>
+        </p:nvSpPr>
+        <p:spPr/>
+        <p:txBody>
+          <a:bodyPr/>
+          <a:lstStyle/>
+          <a:p>
+            <a:r>
+              <a:rPr lang="en-US" dirty="0"/>
+              <a:t>The “Water Analogy”</a:t>
+            </a:r>
+          </a:p>
+        </p:txBody>
+      </p:sp>
+      <p:sp>
+        <p:nvSpPr>
+          <p:cNvPr id="3" name="Content Placeholder 2">
+            <a:extLst>
+              <a:ext uri="{FF2B5EF4-FFF2-40B4-BE49-F238E27FC236}">
+                <a16:creationId xmlns:a16="http://schemas.microsoft.com/office/drawing/2014/main" id="{F78E9F47-ABB9-47F0-AB08-8BD5D5D596FF}"/>
+              </a:ext>
+            </a:extLst>
+          </p:cNvPr>
+          <p:cNvSpPr>
+            <a:spLocks noGrp="1"/>
+          </p:cNvSpPr>
+          <p:nvPr>
+            <p:ph idx="1"/>
+          </p:nvPr>
+        </p:nvSpPr>
+        <p:spPr/>
+        <p:txBody>
+          <a:bodyPr/>
+          <a:lstStyle/>
+          <a:p>
+            <a:r>
+              <a:rPr lang="en-US" dirty="0"/>
+              <a:t>Often, I’ll compare electrical processes and components to flowing water, pipes, etc.</a:t>
+            </a:r>
+          </a:p>
+          <a:p>
+            <a:r>
+              <a:rPr lang="en-US" dirty="0"/>
+              <a:t>Again, these are approximations that are intended to help give an intuitive understanding of electricity, but that shouldn’t be taken too far</a:t>
+            </a:r>
+          </a:p>
+        </p:txBody>
+      </p:sp>
+    </p:spTree>
+    <p:extLst>
+      <p:ext uri="{BB962C8B-B14F-4D97-AF65-F5344CB8AC3E}">
+        <p14:creationId xmlns:p14="http://schemas.microsoft.com/office/powerpoint/2010/main" val="2663411272"/>
+      </p:ext>
+    </p:extLst>
+  </p:cSld>
+  <p:clrMapOvr>
+    <a:masterClrMapping/>
+  </p:clrMapOvr>
+</p:sld>
+</file>
+
+<file path=ppt/slides/slide30.xml><?xml version="1.0" encoding="utf-8"?>
 <p:sld xmlns:a="http://schemas.openxmlformats.org/drawingml/2006/main" xmlns:r="http://schemas.openxmlformats.org/officeDocument/2006/relationships" xmlns:p="http://schemas.openxmlformats.org/presentationml/2006/main">
   <p:cSld>
     <p:spTree>
@@ -37890,10 +38663,9 @@
           <a:lstStyle/>
           <a:p>
             <a:r>
-              <a:rPr lang="en-US" dirty="0" smtClean="0"/>
+              <a:rPr lang="en-US" dirty="0"/>
               <a:t>Power</a:t>
             </a:r>
-            <a:endParaRPr lang="en-US" dirty="0"/>
           </a:p>
         </p:txBody>
       </p:sp>
@@ -37915,68 +38687,67 @@
           <a:lstStyle/>
           <a:p>
             <a:r>
-              <a:rPr lang="en-US" dirty="0" smtClean="0"/>
+              <a:rPr lang="en-US" dirty="0"/>
               <a:t>“Energy per time”</a:t>
             </a:r>
           </a:p>
           <a:p>
             <a:r>
-              <a:rPr lang="en-US" dirty="0" smtClean="0"/>
+              <a:rPr lang="en-US" dirty="0"/>
               <a:t>For example, water has a specific heat of ~1055 J lbm</a:t>
             </a:r>
             <a:r>
-              <a:rPr lang="en-US" baseline="30000" dirty="0" smtClean="0"/>
+              <a:rPr lang="en-US" baseline="30000" dirty="0"/>
               <a:t>-1 </a:t>
             </a:r>
             <a:r>
-              <a:rPr lang="en-US" dirty="0" smtClean="0"/>
+              <a:rPr lang="en-US" dirty="0"/>
               <a:t>°F</a:t>
             </a:r>
             <a:r>
-              <a:rPr lang="en-US" baseline="30000" dirty="0" smtClean="0"/>
+              <a:rPr lang="en-US" baseline="30000" dirty="0"/>
               <a:t>-1</a:t>
             </a:r>
           </a:p>
           <a:p>
             <a:pPr lvl="1"/>
             <a:r>
-              <a:rPr lang="en-US" dirty="0" smtClean="0"/>
+              <a:rPr lang="en-US" dirty="0"/>
               <a:t>In other words, you need 1055 joules of energy to heat up a pound of water by 1 degree Fahrenheit</a:t>
             </a:r>
           </a:p>
           <a:p>
             <a:r>
-              <a:rPr lang="en-US" dirty="0" smtClean="0"/>
+              <a:rPr lang="en-US" dirty="0"/>
               <a:t>Power is measured in </a:t>
             </a:r>
             <a:r>
-              <a:rPr lang="en-US" i="1" dirty="0" smtClean="0"/>
+              <a:rPr lang="en-US" i="1" dirty="0"/>
               <a:t>watts</a:t>
             </a:r>
             <a:r>
-              <a:rPr lang="en-US" dirty="0" smtClean="0"/>
+              <a:rPr lang="en-US" dirty="0"/>
               <a:t> (1 joule per second)</a:t>
             </a:r>
           </a:p>
           <a:p>
             <a:pPr lvl="1"/>
             <a:r>
-              <a:rPr lang="en-US" dirty="0" smtClean="0"/>
+              <a:rPr lang="en-US" dirty="0"/>
               <a:t>Less commonly, horsepower or BTU per hour</a:t>
             </a:r>
           </a:p>
           <a:p>
             <a:r>
-              <a:rPr lang="en-US" dirty="0" smtClean="0"/>
+              <a:rPr lang="en-US" dirty="0"/>
               <a:t>If you have a heater that can put out 1 W, it will take you 1055 seconds to heat up a pound of water by 1 °F</a:t>
             </a:r>
           </a:p>
           <a:p>
             <a:r>
-              <a:rPr lang="en-US" dirty="0" smtClean="0"/>
+              <a:rPr lang="en-US" dirty="0"/>
               <a:t>Likewise, a 100 W heater will do it in ~10.5 seconds</a:t>
             </a:r>
-            <a:endParaRPr lang="en-US" dirty="0"/>
           </a:p>
         </p:txBody>
       </p:sp>
@@ -37990,17 +38761,10 @@
   <p:clrMapOvr>
     <a:masterClrMapping/>
   </p:clrMapOvr>
-  <p:timing>
-    <p:tnLst>
-      <p:par>
-        <p:cTn id="1" dur="indefinite" restart="never" nodeType="tmRoot"/>
-      </p:par>
-    </p:tnLst>
-  </p:timing>
 </p:sld>
 </file>
 
-<file path=ppt/slides/slide25.xml><?xml version="1.0" encoding="utf-8"?>
+<file path=ppt/slides/slide31.xml><?xml version="1.0" encoding="utf-8"?>
 <p:sld xmlns:a="http://schemas.openxmlformats.org/drawingml/2006/main" xmlns:r="http://schemas.openxmlformats.org/officeDocument/2006/relationships" xmlns:p="http://schemas.openxmlformats.org/presentationml/2006/main">
   <p:cSld>
     <p:spTree>
@@ -38033,10 +38797,9 @@
           <a:lstStyle/>
           <a:p>
             <a:r>
-              <a:rPr lang="en-US" dirty="0" smtClean="0"/>
+              <a:rPr lang="en-US" dirty="0"/>
               <a:t>Power</a:t>
             </a:r>
-            <a:endParaRPr lang="en-US" dirty="0"/>
           </a:p>
         </p:txBody>
       </p:sp>
@@ -38058,7 +38821,7 @@
               <a:lstStyle/>
               <a:p>
                 <a:r>
-                  <a:rPr lang="en-US" dirty="0" smtClean="0"/>
+                  <a:rPr lang="en-US" dirty="0"/>
                   <a:t>In electrical terms, power is the product of voltage and current</a:t>
                 </a:r>
               </a:p>
@@ -38099,13 +38862,13 @@
                     </m:r>
                   </m:oMath>
                 </a14:m>
-                <a:endParaRPr lang="en-US" b="0" dirty="0" smtClean="0">
+                <a:endParaRPr lang="en-US" b="0" dirty="0">
                   <a:ea typeface="Cambria Math" panose="02040503050406030204" pitchFamily="18" charset="0"/>
                 </a:endParaRPr>
               </a:p>
               <a:p>
                 <a:r>
-                  <a:rPr lang="en-US" dirty="0" smtClean="0"/>
+                  <a:rPr lang="en-US" dirty="0"/>
                   <a:t>Commonly formulated as </a:t>
                 </a:r>
                 <a14:m>
@@ -38162,12 +38925,12 @@
                     </m:r>
                   </m:oMath>
                 </a14:m>
-                <a:endParaRPr lang="en-US" b="0" dirty="0" smtClean="0"/>
+                <a:endParaRPr lang="en-US" b="0" dirty="0"/>
               </a:p>
               <a:p>
                 <a:pPr lvl="1"/>
                 <a:r>
-                  <a:rPr lang="en-US" dirty="0" smtClean="0"/>
+                  <a:rPr lang="en-US" dirty="0"/>
                   <a:t>Easily found by combining </a:t>
                 </a:r>
                 <a14:m>
@@ -38207,14 +38970,11 @@
                   </m:oMath>
                 </a14:m>
                 <a:r>
-                  <a:rPr lang="en-US" dirty="0" smtClean="0">
+                  <a:rPr lang="en-US" dirty="0">
                     <a:ea typeface="Cambria Math" panose="02040503050406030204" pitchFamily="18" charset="0"/>
                   </a:rPr>
                   <a:t> with Ohm’s Law</a:t>
                 </a:r>
-                <a:endParaRPr lang="en-US" dirty="0">
-                  <a:ea typeface="Cambria Math" panose="02040503050406030204" pitchFamily="18" charset="0"/>
-                </a:endParaRPr>
               </a:p>
             </p:txBody>
           </p:sp>
@@ -38263,17 +39023,10 @@
   <p:clrMapOvr>
     <a:masterClrMapping/>
   </p:clrMapOvr>
-  <p:timing>
-    <p:tnLst>
-      <p:par>
-        <p:cTn id="1" dur="indefinite" restart="never" nodeType="tmRoot"/>
-      </p:par>
-    </p:tnLst>
-  </p:timing>
 </p:sld>
 </file>
 
-<file path=ppt/slides/slide26.xml><?xml version="1.0" encoding="utf-8"?>
+<file path=ppt/slides/slide32.xml><?xml version="1.0" encoding="utf-8"?>
 <p:sld xmlns:a="http://schemas.openxmlformats.org/drawingml/2006/main" xmlns:r="http://schemas.openxmlformats.org/officeDocument/2006/relationships" xmlns:p="http://schemas.openxmlformats.org/presentationml/2006/main">
   <p:cSld>
     <p:spTree>
@@ -38306,10 +39059,9 @@
           <a:lstStyle/>
           <a:p>
             <a:r>
-              <a:rPr lang="en-US" dirty="0" smtClean="0"/>
+              <a:rPr lang="en-US" dirty="0"/>
               <a:t>Power</a:t>
             </a:r>
-            <a:endParaRPr lang="en-US" dirty="0"/>
           </a:p>
         </p:txBody>
       </p:sp>
@@ -38329,62 +39081,61 @@
           <a:lstStyle/>
           <a:p>
             <a:r>
-              <a:rPr lang="en-US" dirty="0" smtClean="0"/>
+              <a:rPr lang="en-US" dirty="0"/>
               <a:t>Power is a </a:t>
             </a:r>
             <a:r>
-              <a:rPr lang="en-US" i="1" dirty="0" smtClean="0"/>
+              <a:rPr lang="en-US" i="1" dirty="0"/>
               <a:t>signed </a:t>
             </a:r>
             <a:r>
-              <a:rPr lang="en-US" dirty="0" smtClean="0"/>
+              <a:rPr lang="en-US" dirty="0"/>
               <a:t>quantity; it can be positive or negative</a:t>
             </a:r>
           </a:p>
           <a:p>
             <a:r>
-              <a:rPr lang="en-US" dirty="0" smtClean="0"/>
+              <a:rPr lang="en-US" dirty="0"/>
               <a:t>By convention, things which </a:t>
             </a:r>
             <a:r>
-              <a:rPr lang="en-US" i="1" dirty="0" smtClean="0"/>
+              <a:rPr lang="en-US" i="1" dirty="0"/>
               <a:t>dissipate</a:t>
             </a:r>
             <a:r>
-              <a:rPr lang="en-US" dirty="0" smtClean="0"/>
+              <a:rPr lang="en-US" dirty="0"/>
               <a:t> power (heaters, motors, etc.) have </a:t>
             </a:r>
             <a:r>
-              <a:rPr lang="en-US" i="1" dirty="0" smtClean="0"/>
+              <a:rPr lang="en-US" i="1" dirty="0"/>
               <a:t>positive </a:t>
             </a:r>
             <a:r>
-              <a:rPr lang="en-US" dirty="0" smtClean="0"/>
+              <a:rPr lang="en-US" dirty="0"/>
               <a:t>power</a:t>
             </a:r>
           </a:p>
           <a:p>
             <a:r>
-              <a:rPr lang="en-US" dirty="0" smtClean="0"/>
+              <a:rPr lang="en-US" dirty="0"/>
               <a:t>Things which </a:t>
             </a:r>
             <a:r>
-              <a:rPr lang="en-US" i="1" dirty="0" smtClean="0"/>
+              <a:rPr lang="en-US" i="1" dirty="0"/>
               <a:t>supply</a:t>
             </a:r>
             <a:r>
-              <a:rPr lang="en-US" dirty="0" smtClean="0"/>
+              <a:rPr lang="en-US" dirty="0"/>
               <a:t> power (batteries, generators) have </a:t>
             </a:r>
             <a:r>
-              <a:rPr lang="en-US" i="1" dirty="0" smtClean="0"/>
+              <a:rPr lang="en-US" i="1" dirty="0"/>
               <a:t>negative </a:t>
             </a:r>
             <a:r>
-              <a:rPr lang="en-US" dirty="0" smtClean="0"/>
+              <a:rPr lang="en-US" dirty="0"/>
               <a:t>power</a:t>
             </a:r>
-            <a:endParaRPr lang="en-US" dirty="0"/>
           </a:p>
         </p:txBody>
       </p:sp>
@@ -38398,17 +39149,10 @@
   <p:clrMapOvr>
     <a:masterClrMapping/>
   </p:clrMapOvr>
-  <p:timing>
-    <p:tnLst>
-      <p:par>
-        <p:cTn id="1" dur="indefinite" restart="never" nodeType="tmRoot"/>
-      </p:par>
-    </p:tnLst>
-  </p:timing>
 </p:sld>
 </file>
 
-<file path=ppt/slides/slide27.xml><?xml version="1.0" encoding="utf-8"?>
+<file path=ppt/slides/slide33.xml><?xml version="1.0" encoding="utf-8"?>
 <p:sld xmlns:a="http://schemas.openxmlformats.org/drawingml/2006/main" xmlns:r="http://schemas.openxmlformats.org/officeDocument/2006/relationships" xmlns:p="http://schemas.openxmlformats.org/presentationml/2006/main">
   <p:cSld>
     <p:spTree>
@@ -38441,10 +39185,9 @@
           <a:lstStyle/>
           <a:p>
             <a:r>
-              <a:rPr lang="en-US" dirty="0" smtClean="0"/>
+              <a:rPr lang="en-US" dirty="0"/>
               <a:t>Power</a:t>
             </a:r>
-            <a:endParaRPr lang="en-US" dirty="0"/>
           </a:p>
         </p:txBody>
       </p:sp>
@@ -38462,61 +39205,61 @@
             </p:nvSpPr>
             <p:spPr>
               <a:xfrm>
-                <a:off x="124691" y="1600203"/>
-                <a:ext cx="8944494" cy="3728256"/>
+                <a:off x="124691" y="1600202"/>
+                <a:ext cx="8944494" cy="3964575"/>
               </a:xfrm>
             </p:spPr>
             <p:txBody>
               <a:bodyPr>
-                <a:normAutofit fontScale="70000" lnSpcReduction="20000"/>
+                <a:normAutofit fontScale="77500" lnSpcReduction="20000"/>
               </a:bodyPr>
               <a:lstStyle/>
               <a:p>
                 <a:r>
-                  <a:rPr lang="en-US" dirty="0" smtClean="0"/>
+                  <a:rPr lang="en-US" dirty="0"/>
                   <a:t>Power is important for two reasons</a:t>
                 </a:r>
               </a:p>
               <a:p>
                 <a:pPr lvl="1"/>
                 <a:r>
-                  <a:rPr lang="en-US" dirty="0" smtClean="0"/>
+                  <a:rPr lang="en-US" dirty="0"/>
                   <a:t>Conservation of energy</a:t>
                 </a:r>
               </a:p>
               <a:p>
                 <a:pPr lvl="2"/>
                 <a:r>
-                  <a:rPr lang="en-US" dirty="0" smtClean="0"/>
+                  <a:rPr lang="en-US" dirty="0"/>
                   <a:t>DC/DC converters are used to convert electricity at one voltage to another voltage</a:t>
                 </a:r>
               </a:p>
               <a:p>
                 <a:pPr lvl="2"/>
                 <a:r>
-                  <a:rPr lang="en-US" dirty="0" smtClean="0"/>
+                  <a:rPr lang="en-US" dirty="0"/>
                   <a:t>If you have 1 A at 12 V (12 W) going into a 12-&gt;5 DC/DC converter, you can get no more than 2.4 A at 5 V (12 W) out of it</a:t>
                 </a:r>
               </a:p>
               <a:p>
                 <a:pPr lvl="1"/>
                 <a:r>
-                  <a:rPr lang="en-US" dirty="0" smtClean="0"/>
+                  <a:rPr lang="en-US" dirty="0"/>
                   <a:t>Most components have power limits</a:t>
                 </a:r>
               </a:p>
               <a:p>
                 <a:pPr lvl="2"/>
                 <a:r>
-                  <a:rPr lang="en-US" dirty="0" smtClean="0"/>
+                  <a:rPr lang="en-US" dirty="0"/>
                   <a:t>A 10 </a:t>
                 </a:r>
                 <a:r>
-                  <a:rPr lang="el-GR" dirty="0" smtClean="0"/>
+                  <a:rPr lang="el-GR" dirty="0"/>
                   <a:t>Ω</a:t>
                 </a:r>
                 <a:r>
-                  <a:rPr lang="en-US" dirty="0" smtClean="0"/>
+                  <a:rPr lang="en-US" dirty="0"/>
                   <a:t> resistor rated at 0.25 W could handle ~160 mA </a:t>
                 </a:r>
                 <a14:m>
@@ -38623,12 +39366,12 @@
                     </m:d>
                   </m:oMath>
                 </a14:m>
-                <a:endParaRPr lang="en-US" dirty="0" smtClean="0"/>
+                <a:endParaRPr lang="en-US" dirty="0"/>
               </a:p>
               <a:p>
                 <a:pPr lvl="2"/>
                 <a:r>
-                  <a:rPr lang="en-US" dirty="0" smtClean="0"/>
+                  <a:rPr lang="en-US" dirty="0"/>
                   <a:t>If you try to run an amp through it, it will burn up </a:t>
                 </a:r>
                 <a14:m>
@@ -38715,15 +39458,14 @@
                     </m:d>
                   </m:oMath>
                 </a14:m>
-                <a:endParaRPr lang="en-US" dirty="0" smtClean="0"/>
+                <a:endParaRPr lang="en-US" dirty="0"/>
               </a:p>
               <a:p>
                 <a:pPr lvl="2"/>
                 <a:r>
-                  <a:rPr lang="en-US" dirty="0" smtClean="0"/>
+                  <a:rPr lang="en-US" dirty="0"/>
                   <a:t>In most cases, this is a thermal constraint; dissipating more heat requires a higher temperature, and components have maximum temperatures</a:t>
                 </a:r>
-                <a:endParaRPr lang="en-US" dirty="0"/>
               </a:p>
             </p:txBody>
           </p:sp>
@@ -38741,13 +39483,13 @@
             </p:nvSpPr>
             <p:spPr>
               <a:xfrm>
-                <a:off x="124691" y="1600203"/>
-                <a:ext cx="8944494" cy="3728256"/>
+                <a:off x="124691" y="1600202"/>
+                <a:ext cx="8944494" cy="3964575"/>
               </a:xfrm>
               <a:blipFill>
                 <a:blip r:embed="rId2"/>
                 <a:stretch>
-                  <a:fillRect l="-749" t="-2782"/>
+                  <a:fillRect l="-954" t="-2923" b="-1385"/>
                 </a:stretch>
               </a:blipFill>
             </p:spPr>
@@ -38776,17 +39518,10 @@
   <p:clrMapOvr>
     <a:masterClrMapping/>
   </p:clrMapOvr>
-  <p:timing>
-    <p:tnLst>
-      <p:par>
-        <p:cTn id="1" dur="indefinite" restart="never" nodeType="tmRoot"/>
-      </p:par>
-    </p:tnLst>
-  </p:timing>
 </p:sld>
 </file>
 
-<file path=ppt/slides/slide28.xml><?xml version="1.0" encoding="utf-8"?>
+<file path=ppt/slides/slide34.xml><?xml version="1.0" encoding="utf-8"?>
 <p:sld xmlns:a="http://schemas.openxmlformats.org/drawingml/2006/main" xmlns:r="http://schemas.openxmlformats.org/officeDocument/2006/relationships" xmlns:p="http://schemas.openxmlformats.org/presentationml/2006/main">
   <p:cSld>
     <p:spTree>
@@ -38819,10 +39554,9 @@
           <a:lstStyle/>
           <a:p>
             <a:r>
-              <a:rPr lang="en-US" dirty="0" smtClean="0"/>
+              <a:rPr lang="en-US" dirty="0"/>
               <a:t>I-V Plots</a:t>
             </a:r>
-            <a:endParaRPr lang="en-US" dirty="0"/>
           </a:p>
         </p:txBody>
       </p:sp>
@@ -38849,62 +39583,61 @@
           <a:lstStyle/>
           <a:p>
             <a:r>
-              <a:rPr lang="en-US" dirty="0" smtClean="0"/>
+              <a:rPr lang="en-US" dirty="0"/>
               <a:t>Plots of current vs. voltage</a:t>
             </a:r>
           </a:p>
           <a:p>
             <a:r>
-              <a:rPr lang="en-US" dirty="0" smtClean="0"/>
+              <a:rPr lang="en-US" dirty="0"/>
               <a:t>Current is considered </a:t>
             </a:r>
             <a:r>
-              <a:rPr lang="en-US" i="1" dirty="0" smtClean="0"/>
+              <a:rPr lang="en-US" i="1" dirty="0"/>
               <a:t>positive </a:t>
             </a:r>
             <a:r>
-              <a:rPr lang="en-US" dirty="0" smtClean="0"/>
+              <a:rPr lang="en-US" dirty="0"/>
               <a:t>if it flows </a:t>
             </a:r>
             <a:r>
-              <a:rPr lang="en-US" i="1" dirty="0" smtClean="0"/>
+              <a:rPr lang="en-US" i="1" dirty="0"/>
               <a:t>from</a:t>
             </a:r>
             <a:r>
-              <a:rPr lang="en-US" dirty="0" smtClean="0"/>
+              <a:rPr lang="en-US" dirty="0"/>
               <a:t> the positive pole of a component </a:t>
             </a:r>
             <a:r>
-              <a:rPr lang="en-US" i="1" dirty="0" smtClean="0"/>
+              <a:rPr lang="en-US" i="1" dirty="0"/>
               <a:t>to </a:t>
             </a:r>
             <a:r>
-              <a:rPr lang="en-US" dirty="0" smtClean="0"/>
+              <a:rPr lang="en-US" dirty="0"/>
               <a:t>the negative pole</a:t>
             </a:r>
           </a:p>
           <a:p>
             <a:r>
-              <a:rPr lang="en-US" dirty="0" smtClean="0"/>
+              <a:rPr lang="en-US" dirty="0"/>
               <a:t>In this circuit, the battery is seeing </a:t>
             </a:r>
             <a:r>
-              <a:rPr lang="en-US" i="1" dirty="0" smtClean="0"/>
+              <a:rPr lang="en-US" i="1" dirty="0"/>
               <a:t>negative </a:t>
             </a:r>
             <a:r>
-              <a:rPr lang="en-US" dirty="0" smtClean="0"/>
+              <a:rPr lang="en-US" dirty="0"/>
               <a:t>current, and the resistor is seeing </a:t>
             </a:r>
             <a:r>
-              <a:rPr lang="en-US" i="1" dirty="0" smtClean="0"/>
+              <a:rPr lang="en-US" i="1" dirty="0"/>
               <a:t>positive</a:t>
             </a:r>
             <a:r>
-              <a:rPr lang="en-US" dirty="0" smtClean="0"/>
+              <a:rPr lang="en-US" dirty="0"/>
               <a:t> current</a:t>
             </a:r>
-            <a:endParaRPr lang="en-US" dirty="0"/>
           </a:p>
         </p:txBody>
       </p:sp>
@@ -39016,10 +39749,9 @@
             <a:lstStyle/>
             <a:p>
               <a:r>
-                <a:rPr lang="en-US" dirty="0" smtClean="0"/>
+                <a:rPr lang="en-US" dirty="0"/>
                 <a:t>-</a:t>
               </a:r>
-              <a:endParaRPr lang="en-US" dirty="0"/>
             </a:p>
           </p:txBody>
         </p:sp>
@@ -39034,17 +39766,10 @@
   <p:clrMapOvr>
     <a:masterClrMapping/>
   </p:clrMapOvr>
-  <p:timing>
-    <p:tnLst>
-      <p:par>
-        <p:cTn id="1" dur="indefinite" restart="never" nodeType="tmRoot"/>
-      </p:par>
-    </p:tnLst>
-  </p:timing>
 </p:sld>
 </file>
 
-<file path=ppt/slides/slide29.xml><?xml version="1.0" encoding="utf-8"?>
+<file path=ppt/slides/slide35.xml><?xml version="1.0" encoding="utf-8"?>
 <p:sld xmlns:a="http://schemas.openxmlformats.org/drawingml/2006/main" xmlns:r="http://schemas.openxmlformats.org/officeDocument/2006/relationships" xmlns:p="http://schemas.openxmlformats.org/presentationml/2006/main">
   <p:cSld>
     <p:spTree>
@@ -39077,10 +39802,9 @@
           <a:lstStyle/>
           <a:p>
             <a:r>
-              <a:rPr lang="en-US" dirty="0" smtClean="0"/>
+              <a:rPr lang="en-US" dirty="0"/>
               <a:t>I-V Plots</a:t>
             </a:r>
-            <a:endParaRPr lang="en-US" dirty="0"/>
           </a:p>
         </p:txBody>
       </p:sp>
@@ -39119,116 +39843,10 @@
   <p:clrMapOvr>
     <a:masterClrMapping/>
   </p:clrMapOvr>
-  <p:timing>
-    <p:tnLst>
-      <p:par>
-        <p:cTn id="1" dur="indefinite" restart="never" nodeType="tmRoot"/>
-      </p:par>
-    </p:tnLst>
-  </p:timing>
 </p:sld>
 </file>
 
-<file path=ppt/slides/slide3.xml><?xml version="1.0" encoding="utf-8"?>
-<p:sld xmlns:a="http://schemas.openxmlformats.org/drawingml/2006/main" xmlns:r="http://schemas.openxmlformats.org/officeDocument/2006/relationships" xmlns:p="http://schemas.openxmlformats.org/presentationml/2006/main">
-  <p:cSld>
-    <p:spTree>
-      <p:nvGrpSpPr>
-        <p:cNvPr id="1" name=""/>
-        <p:cNvGrpSpPr/>
-        <p:nvPr/>
-      </p:nvGrpSpPr>
-      <p:grpSpPr>
-        <a:xfrm>
-          <a:off x="0" y="0"/>
-          <a:ext cx="0" cy="0"/>
-          <a:chOff x="0" y="0"/>
-          <a:chExt cx="0" cy="0"/>
-        </a:xfrm>
-      </p:grpSpPr>
-      <p:sp>
-        <p:nvSpPr>
-          <p:cNvPr id="2" name="Title 1">
-            <a:extLst>
-              <a:ext uri="{FF2B5EF4-FFF2-40B4-BE49-F238E27FC236}">
-                <a16:creationId xmlns:a16="http://schemas.microsoft.com/office/drawing/2014/main" id="{EA115F0C-0A02-4800-8D42-A54270204A2F}"/>
-              </a:ext>
-            </a:extLst>
-          </p:cNvPr>
-          <p:cNvSpPr>
-            <a:spLocks noGrp="1"/>
-          </p:cNvSpPr>
-          <p:nvPr>
-            <p:ph type="title"/>
-          </p:nvPr>
-        </p:nvSpPr>
-        <p:spPr/>
-        <p:txBody>
-          <a:bodyPr/>
-          <a:lstStyle/>
-          <a:p>
-            <a:r>
-              <a:rPr lang="en-US" dirty="0"/>
-              <a:t>The “Water Analogy”</a:t>
-            </a:r>
-          </a:p>
-        </p:txBody>
-      </p:sp>
-      <p:sp>
-        <p:nvSpPr>
-          <p:cNvPr id="3" name="Content Placeholder 2">
-            <a:extLst>
-              <a:ext uri="{FF2B5EF4-FFF2-40B4-BE49-F238E27FC236}">
-                <a16:creationId xmlns:a16="http://schemas.microsoft.com/office/drawing/2014/main" id="{F78E9F47-ABB9-47F0-AB08-8BD5D5D596FF}"/>
-              </a:ext>
-            </a:extLst>
-          </p:cNvPr>
-          <p:cNvSpPr>
-            <a:spLocks noGrp="1"/>
-          </p:cNvSpPr>
-          <p:nvPr>
-            <p:ph idx="1"/>
-          </p:nvPr>
-        </p:nvSpPr>
-        <p:spPr/>
-        <p:txBody>
-          <a:bodyPr/>
-          <a:lstStyle/>
-          <a:p>
-            <a:r>
-              <a:rPr lang="en-US" dirty="0"/>
-              <a:t>Often, I’ll compare electrical processes and components to flowing water, pipes, etc.</a:t>
-            </a:r>
-          </a:p>
-          <a:p>
-            <a:r>
-              <a:rPr lang="en-US" dirty="0"/>
-              <a:t>Again, these are approximations that are intended to help give an intuitive understanding of electricity, but that shouldn’t be taken too far</a:t>
-            </a:r>
-          </a:p>
-        </p:txBody>
-      </p:sp>
-    </p:spTree>
-    <p:extLst>
-      <p:ext uri="{BB962C8B-B14F-4D97-AF65-F5344CB8AC3E}">
-        <p14:creationId xmlns:p14="http://schemas.microsoft.com/office/powerpoint/2010/main" val="2663411272"/>
-      </p:ext>
-    </p:extLst>
-  </p:cSld>
-  <p:clrMapOvr>
-    <a:masterClrMapping/>
-  </p:clrMapOvr>
-  <p:timing>
-    <p:tnLst>
-      <p:par>
-        <p:cTn id="1" dur="indefinite" restart="never" nodeType="tmRoot"/>
-      </p:par>
-    </p:tnLst>
-  </p:timing>
-</p:sld>
-</file>
-
-<file path=ppt/slides/slide30.xml><?xml version="1.0" encoding="utf-8"?>
+<file path=ppt/slides/slide36.xml><?xml version="1.0" encoding="utf-8"?>
 <p:sld xmlns:a="http://schemas.openxmlformats.org/drawingml/2006/main" xmlns:r="http://schemas.openxmlformats.org/officeDocument/2006/relationships" xmlns:p="http://schemas.openxmlformats.org/presentationml/2006/main">
   <p:cSld>
     <p:spTree>
@@ -39261,10 +39879,9 @@
           <a:lstStyle/>
           <a:p>
             <a:r>
-              <a:rPr lang="en-US" dirty="0" smtClean="0"/>
+              <a:rPr lang="en-US" dirty="0"/>
               <a:t>I-V Plots</a:t>
             </a:r>
-            <a:endParaRPr lang="en-US" dirty="0"/>
           </a:p>
         </p:txBody>
       </p:sp>
@@ -39316,18 +39933,13 @@
           <a:lstStyle/>
           <a:p>
             <a:r>
-              <a:rPr lang="en-US" dirty="0" smtClean="0">
+              <a:rPr lang="en-US" dirty="0">
                 <a:solidFill>
                   <a:schemeClr val="bg1"/>
                 </a:solidFill>
               </a:rPr>
               <a:t>Remember: P=IV</a:t>
             </a:r>
-            <a:endParaRPr lang="en-US" dirty="0">
-              <a:solidFill>
-                <a:schemeClr val="bg1"/>
-              </a:solidFill>
-            </a:endParaRPr>
           </a:p>
         </p:txBody>
       </p:sp>
@@ -39341,17 +39953,10 @@
   <p:clrMapOvr>
     <a:masterClrMapping/>
   </p:clrMapOvr>
-  <p:timing>
-    <p:tnLst>
-      <p:par>
-        <p:cTn id="1" dur="indefinite" restart="never" nodeType="tmRoot"/>
-      </p:par>
-    </p:tnLst>
-  </p:timing>
 </p:sld>
 </file>
 
-<file path=ppt/slides/slide31.xml><?xml version="1.0" encoding="utf-8"?>
+<file path=ppt/slides/slide37.xml><?xml version="1.0" encoding="utf-8"?>
 <p:sld xmlns:a="http://schemas.openxmlformats.org/drawingml/2006/main" xmlns:r="http://schemas.openxmlformats.org/officeDocument/2006/relationships" xmlns:p="http://schemas.openxmlformats.org/presentationml/2006/main">
   <p:cSld>
     <p:spTree>
@@ -39384,10 +39989,9 @@
           <a:lstStyle/>
           <a:p>
             <a:r>
-              <a:rPr lang="en-US" dirty="0" smtClean="0"/>
+              <a:rPr lang="en-US" dirty="0"/>
               <a:t>LED</a:t>
             </a:r>
-            <a:endParaRPr lang="en-US" dirty="0"/>
           </a:p>
         </p:txBody>
       </p:sp>
@@ -39414,18 +40018,13 @@
           <a:lstStyle/>
           <a:p>
             <a:r>
-              <a:rPr lang="en-US" dirty="0" smtClean="0">
+              <a:rPr lang="en-US" dirty="0">
                 <a:solidFill>
                   <a:schemeClr val="bg1"/>
                 </a:solidFill>
               </a:rPr>
               <a:t>Typical I-V plot for a high-power LED</a:t>
             </a:r>
-            <a:endParaRPr lang="en-US" dirty="0">
-              <a:solidFill>
-                <a:schemeClr val="bg1"/>
-              </a:solidFill>
-            </a:endParaRPr>
           </a:p>
         </p:txBody>
       </p:sp>
@@ -39454,6 +40053,91 @@
           </a:graphicData>
         </a:graphic>
       </p:graphicFrame>
+      <p:sp>
+        <p:nvSpPr>
+          <p:cNvPr id="3" name="TextBox 2">
+            <a:extLst>
+              <a:ext uri="{FF2B5EF4-FFF2-40B4-BE49-F238E27FC236}">
+                <a16:creationId xmlns:a16="http://schemas.microsoft.com/office/drawing/2014/main" id="{CE2BC0E3-8063-42FE-A502-0D8E3A274348}"/>
+              </a:ext>
+            </a:extLst>
+          </p:cNvPr>
+          <p:cNvSpPr txBox="1"/>
+          <p:nvPr/>
+        </p:nvSpPr>
+        <p:spPr>
+          <a:xfrm>
+            <a:off x="0" y="2322567"/>
+            <a:ext cx="1454331" cy="738664"/>
+          </a:xfrm>
+          <a:prstGeom prst="rect">
+            <a:avLst/>
+          </a:prstGeom>
+          <a:noFill/>
+        </p:spPr>
+        <p:txBody>
+          <a:bodyPr wrap="square" rtlCol="0">
+            <a:spAutoFit/>
+          </a:bodyPr>
+          <a:lstStyle/>
+          <a:p>
+            <a:r>
+              <a:rPr lang="en-US" sz="1400" dirty="0">
+                <a:solidFill>
+                  <a:schemeClr val="bg1"/>
+                </a:solidFill>
+              </a:rPr>
+              <a:t>Maximum current specified by datasheet</a:t>
+            </a:r>
+          </a:p>
+        </p:txBody>
+      </p:sp>
+      <p:cxnSp>
+        <p:nvCxnSpPr>
+          <p:cNvPr id="6" name="Connector: Curved 5">
+            <a:extLst>
+              <a:ext uri="{FF2B5EF4-FFF2-40B4-BE49-F238E27FC236}">
+                <a16:creationId xmlns:a16="http://schemas.microsoft.com/office/drawing/2014/main" id="{6F838431-A8A8-4E03-BC2B-459B2B3403DF}"/>
+              </a:ext>
+            </a:extLst>
+          </p:cNvPr>
+          <p:cNvCxnSpPr>
+            <a:cxnSpLocks/>
+          </p:cNvCxnSpPr>
+          <p:nvPr/>
+        </p:nvCxnSpPr>
+        <p:spPr>
+          <a:xfrm flipV="1">
+            <a:off x="449680" y="1715589"/>
+            <a:ext cx="1004651" cy="606978"/>
+          </a:xfrm>
+          <a:prstGeom prst="curvedConnector3">
+            <a:avLst>
+              <a:gd name="adj1" fmla="val 50000"/>
+            </a:avLst>
+          </a:prstGeom>
+          <a:ln>
+            <a:solidFill>
+              <a:schemeClr val="bg1"/>
+            </a:solidFill>
+            <a:tailEnd type="triangle"/>
+          </a:ln>
+        </p:spPr>
+        <p:style>
+          <a:lnRef idx="1">
+            <a:schemeClr val="accent1"/>
+          </a:lnRef>
+          <a:fillRef idx="0">
+            <a:schemeClr val="accent1"/>
+          </a:fillRef>
+          <a:effectRef idx="0">
+            <a:schemeClr val="accent1"/>
+          </a:effectRef>
+          <a:fontRef idx="minor">
+            <a:schemeClr val="tx1"/>
+          </a:fontRef>
+        </p:style>
+      </p:cxnSp>
     </p:spTree>
     <p:extLst>
       <p:ext uri="{BB962C8B-B14F-4D97-AF65-F5344CB8AC3E}">
@@ -39464,17 +40148,10 @@
   <p:clrMapOvr>
     <a:masterClrMapping/>
   </p:clrMapOvr>
-  <p:timing>
-    <p:tnLst>
-      <p:par>
-        <p:cTn id="1" dur="indefinite" restart="never" nodeType="tmRoot"/>
-      </p:par>
-    </p:tnLst>
-  </p:timing>
 </p:sld>
 </file>
 
-<file path=ppt/slides/slide32.xml><?xml version="1.0" encoding="utf-8"?>
+<file path=ppt/slides/slide38.xml><?xml version="1.0" encoding="utf-8"?>
 <p:sld xmlns:a="http://schemas.openxmlformats.org/drawingml/2006/main" xmlns:r="http://schemas.openxmlformats.org/officeDocument/2006/relationships" xmlns:p="http://schemas.openxmlformats.org/presentationml/2006/main">
   <p:cSld>
     <p:spTree>
@@ -39507,10 +40184,9 @@
           <a:lstStyle/>
           <a:p>
             <a:r>
-              <a:rPr lang="en-US" dirty="0" smtClean="0"/>
+              <a:rPr lang="en-US" dirty="0"/>
               <a:t>LED</a:t>
             </a:r>
-            <a:endParaRPr lang="en-US" dirty="0"/>
           </a:p>
         </p:txBody>
       </p:sp>
@@ -39524,44 +40200,75 @@
             <p:ph idx="1"/>
           </p:nvPr>
         </p:nvSpPr>
-        <p:spPr/>
+        <p:spPr>
+          <a:xfrm>
+            <a:off x="457200" y="1600202"/>
+            <a:ext cx="8229600" cy="5114107"/>
+          </a:xfrm>
+        </p:spPr>
         <p:txBody>
           <a:bodyPr>
-            <a:normAutofit lnSpcReduction="10000"/>
+            <a:normAutofit fontScale="85000" lnSpcReduction="20000"/>
           </a:bodyPr>
           <a:lstStyle/>
           <a:p>
             <a:r>
-              <a:rPr lang="en-US" dirty="0" smtClean="0"/>
+              <a:rPr lang="en-US" dirty="0"/>
               <a:t>Generally, we want to squeeze as much light as we can out of an LED, without burning it up</a:t>
             </a:r>
           </a:p>
           <a:p>
             <a:r>
-              <a:rPr lang="en-US" dirty="0" smtClean="0"/>
-              <a:t>Therefore, we want to keep the operating point close to the current limit, but not over it</a:t>
+              <a:rPr lang="en-US" dirty="0"/>
+              <a:t>The power supplied to the LED must be dissipated</a:t>
+            </a:r>
+          </a:p>
+          <a:p>
+            <a:pPr lvl="1"/>
+            <a:r>
+              <a:rPr lang="en-US" dirty="0"/>
+              <a:t>More power requires higher temperature to dissipate</a:t>
+            </a:r>
+          </a:p>
+          <a:p>
+            <a:pPr lvl="1"/>
+            <a:r>
+              <a:rPr lang="en-US" dirty="0"/>
+              <a:t>Excess power increases the thermal equilibrium of the diode past the maximum temperature</a:t>
+            </a:r>
+          </a:p>
+          <a:p>
+            <a:pPr lvl="1"/>
+            <a:r>
+              <a:rPr lang="en-US" dirty="0"/>
+              <a:t>This kills the diode</a:t>
             </a:r>
           </a:p>
           <a:p>
             <a:r>
-              <a:rPr lang="en-US" dirty="0" smtClean="0"/>
+              <a:rPr lang="en-US" dirty="0"/>
+              <a:t>Therefore, we want to keep the operating point close to the power limit, but not over it</a:t>
+            </a:r>
+          </a:p>
+          <a:p>
+            <a:r>
+              <a:rPr lang="en-US" dirty="0"/>
               <a:t>To achieve this, we can:</a:t>
             </a:r>
           </a:p>
           <a:p>
             <a:pPr lvl="1"/>
             <a:r>
-              <a:rPr lang="en-US" dirty="0" smtClean="0"/>
+              <a:rPr lang="en-US" dirty="0"/>
               <a:t>Use a power supply that tries to maintain a specified voltage (voltage source)</a:t>
             </a:r>
           </a:p>
           <a:p>
             <a:pPr lvl="1"/>
             <a:r>
-              <a:rPr lang="en-US" dirty="0" smtClean="0"/>
+              <a:rPr lang="en-US" dirty="0"/>
               <a:t>Use a power supply that tries to maintain a specified current (current source)</a:t>
             </a:r>
-            <a:endParaRPr lang="en-US" dirty="0"/>
           </a:p>
         </p:txBody>
       </p:sp>
@@ -39575,17 +40282,10 @@
   <p:clrMapOvr>
     <a:masterClrMapping/>
   </p:clrMapOvr>
-  <p:timing>
-    <p:tnLst>
-      <p:par>
-        <p:cTn id="1" dur="indefinite" restart="never" nodeType="tmRoot"/>
-      </p:par>
-    </p:tnLst>
-  </p:timing>
 </p:sld>
 </file>
 
-<file path=ppt/slides/slide33.xml><?xml version="1.0" encoding="utf-8"?>
+<file path=ppt/slides/slide39.xml><?xml version="1.0" encoding="utf-8"?>
 <p:sld xmlns:a="http://schemas.openxmlformats.org/drawingml/2006/main" xmlns:r="http://schemas.openxmlformats.org/officeDocument/2006/relationships" xmlns:p="http://schemas.openxmlformats.org/presentationml/2006/main">
   <p:cSld>
     <p:spTree>
@@ -39618,10 +40318,9 @@
           <a:lstStyle/>
           <a:p>
             <a:r>
-              <a:rPr lang="en-US" dirty="0" smtClean="0"/>
+              <a:rPr lang="en-US" dirty="0"/>
               <a:t>LED</a:t>
             </a:r>
-            <a:endParaRPr lang="en-US" dirty="0"/>
           </a:p>
         </p:txBody>
       </p:sp>
@@ -39673,21 +40372,21 @@
           <a:lstStyle/>
           <a:p>
             <a:r>
-              <a:rPr lang="en-US" dirty="0" smtClean="0"/>
+              <a:rPr lang="en-US" dirty="0"/>
               <a:t>To stay in this section of the curve, we can either:</a:t>
             </a:r>
           </a:p>
           <a:p>
             <a:pPr lvl="1"/>
             <a:r>
-              <a:rPr lang="en-US" dirty="0" smtClean="0"/>
+              <a:rPr lang="en-US" dirty="0"/>
               <a:t>Maintain voltage between 3.177 V and 3.200 V, OR</a:t>
             </a:r>
           </a:p>
           <a:p>
             <a:pPr lvl="1"/>
             <a:r>
-              <a:rPr lang="en-US" dirty="0" smtClean="0"/>
+              <a:rPr lang="en-US" dirty="0"/>
               <a:t>Maintain current between 0.944 A and 1.000 A</a:t>
             </a:r>
           </a:p>
@@ -39853,51 +40552,27 @@
           </a:lstStyle>
           <a:p>
             <a:r>
-              <a:rPr lang="en-US" dirty="0" smtClean="0"/>
-              <a:t>Voltage control requires PS accuracy </a:t>
-            </a:r>
-            <a:r>
               <a:rPr lang="en-US" dirty="0"/>
-              <a:t>of </a:t>
-            </a:r>
-            <a:r>
-              <a:rPr lang="en-US" dirty="0" smtClean="0"/>
-              <a:t>0.7%</a:t>
-            </a:r>
-          </a:p>
-          <a:p>
-            <a:r>
-              <a:rPr lang="en-US" dirty="0" smtClean="0"/>
-              <a:t>Current control requires PS accuracy </a:t>
-            </a:r>
-            <a:r>
-              <a:rPr lang="en-US" dirty="0"/>
-              <a:t>of </a:t>
-            </a:r>
-            <a:r>
-              <a:rPr lang="en-US" dirty="0" smtClean="0"/>
-              <a:t>5.6%</a:t>
+              <a:t>Voltage control requires PS accuracy of 0.7%</a:t>
             </a:r>
           </a:p>
           <a:p>
             <a:r>
               <a:rPr lang="en-US" dirty="0"/>
-              <a:t>This is why constant-current power supplies are usually used to drive large </a:t>
+              <a:t>Current control requires PS accuracy of 5.6%</a:t>
             </a:r>
+          </a:p>
+          <a:p>
             <a:r>
-              <a:rPr lang="en-US" dirty="0" smtClean="0"/>
-              <a:t>LEDs</a:t>
+              <a:rPr lang="en-US" dirty="0"/>
+              <a:t>This is why constant-current power supplies are usually used to drive large LEDs</a:t>
             </a:r>
           </a:p>
           <a:p>
             <a:pPr lvl="1"/>
             <a:r>
               <a:rPr lang="en-US" dirty="0"/>
-              <a:t>Current control requires less accuracy than voltage </a:t>
-            </a:r>
-            <a:r>
-              <a:rPr lang="en-US" dirty="0" smtClean="0"/>
-              <a:t>control</a:t>
+              <a:t>Current control requires less accuracy than voltage control</a:t>
             </a:r>
           </a:p>
         </p:txBody>
@@ -39912,13 +40587,6 @@
   <p:clrMapOvr>
     <a:masterClrMapping/>
   </p:clrMapOvr>
-  <p:timing>
-    <p:tnLst>
-      <p:par>
-        <p:cTn id="1" dur="indefinite" restart="never" nodeType="tmRoot"/>
-      </p:par>
-    </p:tnLst>
-  </p:timing>
 </p:sld>
 </file>
 
@@ -40056,13 +40724,169 @@
   <p:clrMapOvr>
     <a:masterClrMapping/>
   </p:clrMapOvr>
-  <p:timing>
-    <p:tnLst>
-      <p:par>
-        <p:cTn id="1" dur="indefinite" restart="never" nodeType="tmRoot"/>
-      </p:par>
-    </p:tnLst>
-  </p:timing>
+</p:sld>
+</file>
+
+<file path=ppt/slides/slide40.xml><?xml version="1.0" encoding="utf-8"?>
+<p:sld xmlns:a="http://schemas.openxmlformats.org/drawingml/2006/main" xmlns:r="http://schemas.openxmlformats.org/officeDocument/2006/relationships" xmlns:p="http://schemas.openxmlformats.org/presentationml/2006/main">
+  <p:cSld>
+    <p:spTree>
+      <p:nvGrpSpPr>
+        <p:cNvPr id="1" name=""/>
+        <p:cNvGrpSpPr/>
+        <p:nvPr/>
+      </p:nvGrpSpPr>
+      <p:grpSpPr>
+        <a:xfrm>
+          <a:off x="0" y="0"/>
+          <a:ext cx="0" cy="0"/>
+          <a:chOff x="0" y="0"/>
+          <a:chExt cx="0" cy="0"/>
+        </a:xfrm>
+      </p:grpSpPr>
+      <p:sp>
+        <p:nvSpPr>
+          <p:cNvPr id="5" name="Title 4">
+            <a:extLst>
+              <a:ext uri="{FF2B5EF4-FFF2-40B4-BE49-F238E27FC236}">
+                <a16:creationId xmlns:a16="http://schemas.microsoft.com/office/drawing/2014/main" id="{233FDCB3-5A2D-4E14-AC29-0DB3F4F9CD58}"/>
+              </a:ext>
+            </a:extLst>
+          </p:cNvPr>
+          <p:cNvSpPr>
+            <a:spLocks noGrp="1"/>
+          </p:cNvSpPr>
+          <p:nvPr>
+            <p:ph type="title"/>
+          </p:nvPr>
+        </p:nvSpPr>
+        <p:spPr/>
+        <p:txBody>
+          <a:bodyPr/>
+          <a:lstStyle/>
+          <a:p>
+            <a:r>
+              <a:rPr lang="en-US" dirty="0"/>
+              <a:t>The Trouble With Sources</a:t>
+            </a:r>
+          </a:p>
+        </p:txBody>
+      </p:sp>
+      <p:sp>
+        <p:nvSpPr>
+          <p:cNvPr id="6" name="Content Placeholder 5">
+            <a:extLst>
+              <a:ext uri="{FF2B5EF4-FFF2-40B4-BE49-F238E27FC236}">
+                <a16:creationId xmlns:a16="http://schemas.microsoft.com/office/drawing/2014/main" id="{46F5CB7B-D530-4788-A689-72E9D52E71AD}"/>
+              </a:ext>
+            </a:extLst>
+          </p:cNvPr>
+          <p:cNvSpPr>
+            <a:spLocks noGrp="1"/>
+          </p:cNvSpPr>
+          <p:nvPr>
+            <p:ph idx="1"/>
+          </p:nvPr>
+        </p:nvSpPr>
+        <p:spPr/>
+        <p:txBody>
+          <a:bodyPr/>
+          <a:lstStyle/>
+          <a:p>
+            <a:endParaRPr lang="en-US"/>
+          </a:p>
+        </p:txBody>
+      </p:sp>
+    </p:spTree>
+    <p:extLst>
+      <p:ext uri="{BB962C8B-B14F-4D97-AF65-F5344CB8AC3E}">
+        <p14:creationId xmlns:p14="http://schemas.microsoft.com/office/powerpoint/2010/main" val="2299049736"/>
+      </p:ext>
+    </p:extLst>
+  </p:cSld>
+  <p:clrMapOvr>
+    <a:masterClrMapping/>
+  </p:clrMapOvr>
+</p:sld>
+</file>
+
+<file path=ppt/slides/slide41.xml><?xml version="1.0" encoding="utf-8"?>
+<p:sld xmlns:a="http://schemas.openxmlformats.org/drawingml/2006/main" xmlns:r="http://schemas.openxmlformats.org/officeDocument/2006/relationships" xmlns:p="http://schemas.openxmlformats.org/presentationml/2006/main">
+  <p:cSld>
+    <p:spTree>
+      <p:nvGrpSpPr>
+        <p:cNvPr id="1" name=""/>
+        <p:cNvGrpSpPr/>
+        <p:nvPr/>
+      </p:nvGrpSpPr>
+      <p:grpSpPr>
+        <a:xfrm>
+          <a:off x="0" y="0"/>
+          <a:ext cx="0" cy="0"/>
+          <a:chOff x="0" y="0"/>
+          <a:chExt cx="0" cy="0"/>
+        </a:xfrm>
+      </p:grpSpPr>
+      <p:sp>
+        <p:nvSpPr>
+          <p:cNvPr id="2" name="Title 1">
+            <a:extLst>
+              <a:ext uri="{FF2B5EF4-FFF2-40B4-BE49-F238E27FC236}">
+                <a16:creationId xmlns:a16="http://schemas.microsoft.com/office/drawing/2014/main" id="{E9C110BE-3739-4D82-BCC4-5D15A4E7D52D}"/>
+              </a:ext>
+            </a:extLst>
+          </p:cNvPr>
+          <p:cNvSpPr>
+            <a:spLocks noGrp="1"/>
+          </p:cNvSpPr>
+          <p:nvPr>
+            <p:ph type="title"/>
+          </p:nvPr>
+        </p:nvSpPr>
+        <p:spPr/>
+        <p:txBody>
+          <a:bodyPr/>
+          <a:lstStyle/>
+          <a:p>
+            <a:endParaRPr lang="en-US" dirty="0"/>
+          </a:p>
+        </p:txBody>
+      </p:sp>
+      <p:sp>
+        <p:nvSpPr>
+          <p:cNvPr id="3" name="Content Placeholder 2">
+            <a:extLst>
+              <a:ext uri="{FF2B5EF4-FFF2-40B4-BE49-F238E27FC236}">
+                <a16:creationId xmlns:a16="http://schemas.microsoft.com/office/drawing/2014/main" id="{162B254E-736E-4FD9-B355-657FDD8BC765}"/>
+              </a:ext>
+            </a:extLst>
+          </p:cNvPr>
+          <p:cNvSpPr>
+            <a:spLocks noGrp="1"/>
+          </p:cNvSpPr>
+          <p:nvPr>
+            <p:ph idx="1"/>
+          </p:nvPr>
+        </p:nvSpPr>
+        <p:spPr/>
+        <p:txBody>
+          <a:bodyPr/>
+          <a:lstStyle/>
+          <a:p>
+            <a:endParaRPr lang="en-US"/>
+          </a:p>
+        </p:txBody>
+      </p:sp>
+    </p:spTree>
+    <p:extLst>
+      <p:ext uri="{BB962C8B-B14F-4D97-AF65-F5344CB8AC3E}">
+        <p14:creationId xmlns:p14="http://schemas.microsoft.com/office/powerpoint/2010/main" val="2990996252"/>
+      </p:ext>
+    </p:extLst>
+  </p:cSld>
+  <p:clrMapOvr>
+    <a:masterClrMapping/>
+  </p:clrMapOvr>
 </p:sld>
 </file>
 
@@ -40111,8 +40935,8 @@
           </a:p>
         </p:txBody>
       </p:sp>
-      <mc:AlternateContent xmlns:mc="http://schemas.openxmlformats.org/markup-compatibility/2006">
-        <mc:Choice xmlns:a14="http://schemas.microsoft.com/office/drawing/2010/main" Requires="a14">
+      <mc:AlternateContent xmlns:mc="http://schemas.openxmlformats.org/markup-compatibility/2006" xmlns:a14="http://schemas.microsoft.com/office/drawing/2010/main">
+        <mc:Choice Requires="a14">
           <p:sp>
             <p:nvSpPr>
               <p:cNvPr id="3" name="Content Placeholder 2">
@@ -40142,7 +40966,7 @@
               <a:lstStyle/>
               <a:p>
                 <a:r>
-                  <a:rPr lang="en-US" dirty="0" smtClean="0"/>
+                  <a:rPr lang="en-US" dirty="0"/>
                   <a:t>“Opposite charges attract; like charges repel”</a:t>
                 </a:r>
               </a:p>
@@ -40462,14 +41286,9 @@
                   </m:oMath>
                 </a14:m>
                 <a:r>
-                  <a:rPr lang="en-US" dirty="0" smtClean="0"/>
-                  <a:t> </a:t>
+                  <a:rPr lang="en-US" dirty="0"/>
+                  <a:t> is “Coulomb’s constant”, </a:t>
                 </a:r>
-                <a:r>
-                  <a:rPr lang="en-US" dirty="0"/>
-                  <a:t>is “Coulomb’s constant”, </a:t>
-                </a:r>
-                <a:endParaRPr lang="en-US" dirty="0" smtClean="0"/>
               </a:p>
               <a:p>
                 <a:pPr marL="0" indent="0">
@@ -40598,7 +41417,7 @@
             </p:txBody>
           </p:sp>
         </mc:Choice>
-        <mc:Fallback>
+        <mc:Fallback xmlns="">
           <p:sp>
             <p:nvSpPr>
               <p:cNvPr id="3" name="Content Placeholder 2">
@@ -40676,13 +41495,6 @@
   <p:clrMapOvr>
     <a:masterClrMapping/>
   </p:clrMapOvr>
-  <p:timing>
-    <p:tnLst>
-      <p:par>
-        <p:cTn id="1" dur="indefinite" restart="never" nodeType="tmRoot"/>
-      </p:par>
-    </p:tnLst>
-  </p:timing>
 </p:sld>
 </file>
 
@@ -40747,14 +41559,54 @@
             <p:ph idx="1"/>
           </p:nvPr>
         </p:nvSpPr>
-        <p:spPr/>
+        <p:spPr>
+          <a:xfrm>
+            <a:off x="216527" y="1600202"/>
+            <a:ext cx="6305775" cy="4983160"/>
+          </a:xfrm>
+        </p:spPr>
         <p:txBody>
-          <a:bodyPr/>
+          <a:bodyPr>
+            <a:normAutofit fontScale="85000" lnSpcReduction="10000"/>
+          </a:bodyPr>
           <a:lstStyle/>
           <a:p>
             <a:r>
               <a:rPr lang="en-US" dirty="0"/>
               <a:t>This leads directly to the concept of the “electrometer”</a:t>
+            </a:r>
+          </a:p>
+          <a:p>
+            <a:r>
+              <a:rPr lang="en-US" dirty="0"/>
+              <a:t>One of the first electrical instruments</a:t>
+            </a:r>
+          </a:p>
+          <a:p>
+            <a:r>
+              <a:rPr lang="en-US" dirty="0"/>
+              <a:t>When electric charge is applied to the plate at the top of the electrometer, it’s conducted to the two leaves</a:t>
+            </a:r>
+          </a:p>
+          <a:p>
+            <a:pPr lvl="1"/>
+            <a:r>
+              <a:rPr lang="en-US" dirty="0"/>
+              <a:t>Since they’re charged the same, they repel</a:t>
+            </a:r>
+          </a:p>
+          <a:p>
+            <a:pPr lvl="1"/>
+            <a:r>
+              <a:rPr lang="en-US" dirty="0"/>
+              <a:t>Note that this is independent of the polarity of the charge applied to the plate</a:t>
+            </a:r>
+          </a:p>
+          <a:p>
+            <a:pPr lvl="1"/>
+            <a:r>
+              <a:rPr lang="en-US" dirty="0"/>
+              <a:t>Therefore, it can’t determine the polarity of a charge, just its magnitude</a:t>
             </a:r>
           </a:p>
           <a:p>
@@ -40794,7 +41646,7 @@
         </p:blipFill>
         <p:spPr bwMode="auto">
           <a:xfrm>
-            <a:off x="4014234" y="2380319"/>
+            <a:off x="6522302" y="2476114"/>
             <a:ext cx="2483548" cy="4249081"/>
           </a:xfrm>
           <a:prstGeom prst="rect">
@@ -40822,13 +41674,6 @@
   <p:clrMapOvr>
     <a:masterClrMapping/>
   </p:clrMapOvr>
-  <p:timing>
-    <p:tnLst>
-      <p:par>
-        <p:cTn id="1" dur="indefinite" restart="never" nodeType="tmRoot"/>
-      </p:par>
-    </p:tnLst>
-  </p:timing>
 </p:sld>
 </file>
 
@@ -40996,13 +41841,6 @@
   <p:clrMapOvr>
     <a:masterClrMapping/>
   </p:clrMapOvr>
-  <p:timing>
-    <p:tnLst>
-      <p:par>
-        <p:cTn id="1" dur="indefinite" restart="never" nodeType="tmRoot"/>
-      </p:par>
-    </p:tnLst>
-  </p:timing>
 </p:sld>
 </file>
 
@@ -41137,13 +41975,6 @@
   <p:clrMapOvr>
     <a:masterClrMapping/>
   </p:clrMapOvr>
-  <p:timing>
-    <p:tnLst>
-      <p:par>
-        <p:cTn id="1" dur="indefinite" restart="never" nodeType="tmRoot"/>
-      </p:par>
-    </p:tnLst>
-  </p:timing>
 </p:sld>
 </file>
 
@@ -41407,13 +42238,6 @@
   <p:clrMapOvr>
     <a:masterClrMapping/>
   </p:clrMapOvr>
-  <p:timing>
-    <p:tnLst>
-      <p:par>
-        <p:cTn id="1" dur="indefinite" restart="never" nodeType="tmRoot"/>
-      </p:par>
-    </p:tnLst>
-  </p:timing>
 </p:sld>
 </file>
 

--- a/Electronics 101.pptx
+++ b/Electronics 101.pptx
@@ -5,7 +5,7 @@
     <p:sldMasterId id="2147483660" r:id="rId1"/>
   </p:sldMasterIdLst>
   <p:notesMasterIdLst>
-    <p:notesMasterId r:id="rId43"/>
+    <p:notesMasterId r:id="rId48"/>
   </p:notesMasterIdLst>
   <p:sldIdLst>
     <p:sldId id="256" r:id="rId2"/>
@@ -49,6 +49,11 @@
     <p:sldId id="287" r:id="rId40"/>
     <p:sldId id="289" r:id="rId41"/>
     <p:sldId id="290" r:id="rId42"/>
+    <p:sldId id="297" r:id="rId43"/>
+    <p:sldId id="298" r:id="rId44"/>
+    <p:sldId id="299" r:id="rId45"/>
+    <p:sldId id="300" r:id="rId46"/>
+    <p:sldId id="301" r:id="rId47"/>
   </p:sldIdLst>
   <p:sldSz cx="9144000" cy="6858000" type="screen4x3"/>
   <p:notesSz cx="6858000" cy="9144000"/>
@@ -148,6 +153,80 @@
     </a:lvl9pPr>
   </p:defaultTextStyle>
   <p:extLst>
+    <p:ext uri="{521415D9-36F7-43E2-AB2F-B90AF26B5E84}">
+      <p14:sectionLst xmlns:p14="http://schemas.microsoft.com/office/powerpoint/2010/main">
+        <p14:section name="Default Section" id="{C39538D5-5273-411D-9E9D-5787E22B10F8}">
+          <p14:sldIdLst>
+            <p14:sldId id="256"/>
+            <p14:sldId id="257"/>
+            <p14:sldId id="258"/>
+          </p14:sldIdLst>
+        </p14:section>
+        <p14:section name="C, V, I, R" id="{E3AE6CD7-D0DC-45DC-AA1D-F90C7F027D30}">
+          <p14:sldIdLst>
+            <p14:sldId id="259"/>
+            <p14:sldId id="260"/>
+            <p14:sldId id="261"/>
+            <p14:sldId id="263"/>
+            <p14:sldId id="262"/>
+            <p14:sldId id="269"/>
+            <p14:sldId id="264"/>
+            <p14:sldId id="265"/>
+            <p14:sldId id="266"/>
+            <p14:sldId id="268"/>
+            <p14:sldId id="267"/>
+            <p14:sldId id="270"/>
+            <p14:sldId id="271"/>
+          </p14:sldIdLst>
+        </p14:section>
+        <p14:section name="Schematics" id="{44D0808D-B728-4D3E-A100-6D4CE2ED2A8C}">
+          <p14:sldIdLst>
+            <p14:sldId id="291"/>
+            <p14:sldId id="292"/>
+            <p14:sldId id="293"/>
+            <p14:sldId id="294"/>
+            <p14:sldId id="295"/>
+            <p14:sldId id="296"/>
+          </p14:sldIdLst>
+        </p14:section>
+        <p14:section name="Kirchoff's Laws" id="{AC7E1139-1846-4A87-9E66-B56D9A677790}">
+          <p14:sldIdLst>
+            <p14:sldId id="272"/>
+            <p14:sldId id="274"/>
+            <p14:sldId id="273"/>
+            <p14:sldId id="275"/>
+            <p14:sldId id="283"/>
+            <p14:sldId id="284"/>
+            <p14:sldId id="285"/>
+          </p14:sldIdLst>
+        </p14:section>
+        <p14:section name="Power" id="{2F3ECD20-A228-4BE4-A73F-D613321219AB}">
+          <p14:sldIdLst>
+            <p14:sldId id="276"/>
+            <p14:sldId id="277"/>
+            <p14:sldId id="278"/>
+            <p14:sldId id="279"/>
+            <p14:sldId id="280"/>
+            <p14:sldId id="281"/>
+            <p14:sldId id="282"/>
+            <p14:sldId id="286"/>
+            <p14:sldId id="288"/>
+            <p14:sldId id="287"/>
+          </p14:sldIdLst>
+        </p14:section>
+        <p14:section name="Sources" id="{6C6B8968-F43D-42F3-B7EB-BE5DE69AB83F}">
+          <p14:sldIdLst>
+            <p14:sldId id="289"/>
+            <p14:sldId id="290"/>
+            <p14:sldId id="297"/>
+            <p14:sldId id="298"/>
+            <p14:sldId id="299"/>
+            <p14:sldId id="300"/>
+            <p14:sldId id="301"/>
+          </p14:sldIdLst>
+        </p14:section>
+      </p14:sectionLst>
+    </p:ext>
     <p:ext uri="{EFAFB233-063F-42B5-8137-9DF3F51BA10A}">
       <p15:sldGuideLst xmlns:p15="http://schemas.microsoft.com/office/powerpoint/2012/main"/>
     </p:ext>
@@ -9953,6 +10032,7 @@
               </a:p>
             </c:rich>
           </c:tx>
+          <c:layout/>
           <c:overlay val="0"/>
           <c:spPr>
             <a:noFill/>
@@ -10067,6 +10147,7 @@
               </a:p>
             </c:rich>
           </c:tx>
+          <c:layout/>
           <c:overlay val="0"/>
           <c:spPr>
             <a:noFill/>
@@ -21441,7 +21522,7 @@
           <a:p>
             <a:fld id="{60E188FA-EECA-4DFD-91D1-D4BBF2A86176}" type="datetimeFigureOut">
               <a:rPr lang="en-US" smtClean="0"/>
-              <a:t>8/25/2018</a:t>
+              <a:t>9/13/2018</a:t>
             </a:fld>
             <a:endParaRPr lang="en-US"/>
           </a:p>
@@ -21887,7 +21968,7 @@
           <a:p>
             <a:fld id="{23A0FAE5-E8A8-4C94-B105-9978F51B0953}" type="datetimeFigureOut">
               <a:rPr lang="en-US" smtClean="0"/>
-              <a:t>8/25/2018</a:t>
+              <a:t>9/13/2018</a:t>
             </a:fld>
             <a:endParaRPr lang="en-US"/>
           </a:p>
@@ -22055,7 +22136,7 @@
           <a:p>
             <a:fld id="{23A0FAE5-E8A8-4C94-B105-9978F51B0953}" type="datetimeFigureOut">
               <a:rPr lang="en-US" smtClean="0"/>
-              <a:t>8/25/2018</a:t>
+              <a:t>9/13/2018</a:t>
             </a:fld>
             <a:endParaRPr lang="en-US"/>
           </a:p>
@@ -22233,7 +22314,7 @@
           <a:p>
             <a:fld id="{23A0FAE5-E8A8-4C94-B105-9978F51B0953}" type="datetimeFigureOut">
               <a:rPr lang="en-US" smtClean="0"/>
-              <a:t>8/25/2018</a:t>
+              <a:t>9/13/2018</a:t>
             </a:fld>
             <a:endParaRPr lang="en-US"/>
           </a:p>
@@ -22401,7 +22482,7 @@
           <a:p>
             <a:fld id="{23A0FAE5-E8A8-4C94-B105-9978F51B0953}" type="datetimeFigureOut">
               <a:rPr lang="en-US" smtClean="0"/>
-              <a:t>8/25/2018</a:t>
+              <a:t>9/13/2018</a:t>
             </a:fld>
             <a:endParaRPr lang="en-US"/>
           </a:p>
@@ -22646,7 +22727,7 @@
           <a:p>
             <a:fld id="{23A0FAE5-E8A8-4C94-B105-9978F51B0953}" type="datetimeFigureOut">
               <a:rPr lang="en-US" smtClean="0"/>
-              <a:t>8/25/2018</a:t>
+              <a:t>9/13/2018</a:t>
             </a:fld>
             <a:endParaRPr lang="en-US"/>
           </a:p>
@@ -22931,7 +23012,7 @@
           <a:p>
             <a:fld id="{23A0FAE5-E8A8-4C94-B105-9978F51B0953}" type="datetimeFigureOut">
               <a:rPr lang="en-US" smtClean="0"/>
-              <a:t>8/25/2018</a:t>
+              <a:t>9/13/2018</a:t>
             </a:fld>
             <a:endParaRPr lang="en-US"/>
           </a:p>
@@ -23350,7 +23431,7 @@
           <a:p>
             <a:fld id="{23A0FAE5-E8A8-4C94-B105-9978F51B0953}" type="datetimeFigureOut">
               <a:rPr lang="en-US" smtClean="0"/>
-              <a:t>8/25/2018</a:t>
+              <a:t>9/13/2018</a:t>
             </a:fld>
             <a:endParaRPr lang="en-US"/>
           </a:p>
@@ -23467,7 +23548,7 @@
           <a:p>
             <a:fld id="{23A0FAE5-E8A8-4C94-B105-9978F51B0953}" type="datetimeFigureOut">
               <a:rPr lang="en-US" smtClean="0"/>
-              <a:t>8/25/2018</a:t>
+              <a:t>9/13/2018</a:t>
             </a:fld>
             <a:endParaRPr lang="en-US"/>
           </a:p>
@@ -23562,7 +23643,7 @@
           <a:p>
             <a:fld id="{23A0FAE5-E8A8-4C94-B105-9978F51B0953}" type="datetimeFigureOut">
               <a:rPr lang="en-US" smtClean="0"/>
-              <a:t>8/25/2018</a:t>
+              <a:t>9/13/2018</a:t>
             </a:fld>
             <a:endParaRPr lang="en-US"/>
           </a:p>
@@ -23837,7 +23918,7 @@
           <a:p>
             <a:fld id="{23A0FAE5-E8A8-4C94-B105-9978F51B0953}" type="datetimeFigureOut">
               <a:rPr lang="en-US" smtClean="0"/>
-              <a:t>8/25/2018</a:t>
+              <a:t>9/13/2018</a:t>
             </a:fld>
             <a:endParaRPr lang="en-US"/>
           </a:p>
@@ -24092,7 +24173,7 @@
           <a:p>
             <a:fld id="{23A0FAE5-E8A8-4C94-B105-9978F51B0953}" type="datetimeFigureOut">
               <a:rPr lang="en-US" smtClean="0"/>
-              <a:t>8/25/2018</a:t>
+              <a:t>9/13/2018</a:t>
             </a:fld>
             <a:endParaRPr lang="en-US"/>
           </a:p>
@@ -24306,7 +24387,7 @@
           <a:p>
             <a:fld id="{23A0FAE5-E8A8-4C94-B105-9978F51B0953}" type="datetimeFigureOut">
               <a:rPr lang="en-US" smtClean="0"/>
-              <a:t>8/25/2018</a:t>
+              <a:t>9/13/2018</a:t>
             </a:fld>
             <a:endParaRPr lang="en-US"/>
           </a:p>
@@ -24772,6 +24853,13 @@
   <p:clrMapOvr>
     <a:masterClrMapping/>
   </p:clrMapOvr>
+  <p:timing>
+    <p:tnLst>
+      <p:par>
+        <p:cTn id="1" dur="indefinite" restart="never" nodeType="tmRoot"/>
+      </p:par>
+    </p:tnLst>
+  </p:timing>
 </p:sld>
 </file>
 
@@ -24979,6 +25067,13 @@
   <p:clrMapOvr>
     <a:masterClrMapping/>
   </p:clrMapOvr>
+  <p:timing>
+    <p:tnLst>
+      <p:par>
+        <p:cTn id="1" dur="indefinite" restart="never" nodeType="tmRoot"/>
+      </p:par>
+    </p:tnLst>
+  </p:timing>
 </p:sld>
 </file>
 
@@ -25304,6 +25399,13 @@
   <p:clrMapOvr>
     <a:masterClrMapping/>
   </p:clrMapOvr>
+  <p:timing>
+    <p:tnLst>
+      <p:par>
+        <p:cTn id="1" dur="indefinite" restart="never" nodeType="tmRoot"/>
+      </p:par>
+    </p:tnLst>
+  </p:timing>
 </p:sld>
 </file>
 
@@ -25408,6 +25510,13 @@
   <p:clrMapOvr>
     <a:masterClrMapping/>
   </p:clrMapOvr>
+  <p:timing>
+    <p:tnLst>
+      <p:par>
+        <p:cTn id="1" dur="indefinite" restart="never" nodeType="tmRoot"/>
+      </p:par>
+    </p:tnLst>
+  </p:timing>
 </p:sld>
 </file>
 
@@ -25527,6 +25636,13 @@
   <p:clrMapOvr>
     <a:masterClrMapping/>
   </p:clrMapOvr>
+  <p:timing>
+    <p:tnLst>
+      <p:par>
+        <p:cTn id="1" dur="indefinite" restart="never" nodeType="tmRoot"/>
+      </p:par>
+    </p:tnLst>
+  </p:timing>
 </p:sld>
 </file>
 
@@ -25983,6 +26099,13 @@
   <p:clrMapOvr>
     <a:masterClrMapping/>
   </p:clrMapOvr>
+  <p:timing>
+    <p:tnLst>
+      <p:par>
+        <p:cTn id="1" dur="indefinite" restart="never" nodeType="tmRoot"/>
+      </p:par>
+    </p:tnLst>
+  </p:timing>
 </p:sld>
 </file>
 
@@ -26112,6 +26235,13 @@
   <p:clrMapOvr>
     <a:masterClrMapping/>
   </p:clrMapOvr>
+  <p:timing>
+    <p:tnLst>
+      <p:par>
+        <p:cTn id="1" dur="indefinite" restart="never" nodeType="tmRoot"/>
+      </p:par>
+    </p:tnLst>
+  </p:timing>
 </p:sld>
 </file>
 
@@ -26431,6 +26561,13 @@
   <p:clrMapOvr>
     <a:masterClrMapping/>
   </p:clrMapOvr>
+  <p:timing>
+    <p:tnLst>
+      <p:par>
+        <p:cTn id="1" dur="indefinite" restart="never" nodeType="tmRoot"/>
+      </p:par>
+    </p:tnLst>
+  </p:timing>
 </p:sld>
 </file>
 
@@ -26554,6 +26691,13 @@
   <p:clrMapOvr>
     <a:masterClrMapping/>
   </p:clrMapOvr>
+  <p:timing>
+    <p:tnLst>
+      <p:par>
+        <p:cTn id="1" dur="indefinite" restart="never" nodeType="tmRoot"/>
+      </p:par>
+    </p:tnLst>
+  </p:timing>
 </p:sld>
 </file>
 
@@ -26655,6 +26799,13 @@
   <p:clrMapOvr>
     <a:masterClrMapping/>
   </p:clrMapOvr>
+  <p:timing>
+    <p:tnLst>
+      <p:par>
+        <p:cTn id="1" dur="indefinite" restart="never" nodeType="tmRoot"/>
+      </p:par>
+    </p:tnLst>
+  </p:timing>
 </p:sld>
 </file>
 
@@ -26816,6 +26967,13 @@
   <p:clrMapOvr>
     <a:masterClrMapping/>
   </p:clrMapOvr>
+  <p:timing>
+    <p:tnLst>
+      <p:par>
+        <p:cTn id="1" dur="indefinite" restart="never" nodeType="tmRoot"/>
+      </p:par>
+    </p:tnLst>
+  </p:timing>
 </p:sld>
 </file>
 
@@ -26971,6 +27129,13 @@
   <p:clrMapOvr>
     <a:masterClrMapping/>
   </p:clrMapOvr>
+  <p:timing>
+    <p:tnLst>
+      <p:par>
+        <p:cTn id="1" dur="indefinite" restart="never" nodeType="tmRoot"/>
+      </p:par>
+    </p:tnLst>
+  </p:timing>
 </p:sld>
 </file>
 
@@ -27078,6 +27243,13 @@
   <p:clrMapOvr>
     <a:masterClrMapping/>
   </p:clrMapOvr>
+  <p:timing>
+    <p:tnLst>
+      <p:par>
+        <p:cTn id="1" dur="indefinite" restart="never" nodeType="tmRoot"/>
+      </p:par>
+    </p:tnLst>
+  </p:timing>
 </p:sld>
 </file>
 
@@ -27183,6 +27355,13 @@
   <p:clrMapOvr>
     <a:masterClrMapping/>
   </p:clrMapOvr>
+  <p:timing>
+    <p:tnLst>
+      <p:par>
+        <p:cTn id="1" dur="indefinite" restart="never" nodeType="tmRoot"/>
+      </p:par>
+    </p:tnLst>
+  </p:timing>
 </p:sld>
 </file>
 
@@ -27325,7 +27504,7 @@
         </p:blipFill>
         <p:spPr>
           <a:xfrm>
-            <a:off x="3196045" y="5257797"/>
+            <a:off x="3383278" y="3501071"/>
             <a:ext cx="2751909" cy="1484982"/>
           </a:xfrm>
           <a:prstGeom prst="rect">
@@ -27355,7 +27534,7 @@
         </p:blipFill>
         <p:spPr>
           <a:xfrm>
-            <a:off x="153625" y="3545208"/>
+            <a:off x="340860" y="5058124"/>
             <a:ext cx="2380570" cy="1596382"/>
           </a:xfrm>
           <a:prstGeom prst="rect">
@@ -27385,7 +27564,7 @@
         </p:blipFill>
         <p:spPr>
           <a:xfrm>
-            <a:off x="3414583" y="3611566"/>
+            <a:off x="3601818" y="5124482"/>
             <a:ext cx="2314831" cy="1340301"/>
           </a:xfrm>
           <a:prstGeom prst="rect">
@@ -27415,7 +27594,7 @@
         </p:blipFill>
         <p:spPr>
           <a:xfrm>
-            <a:off x="6368278" y="3545234"/>
+            <a:off x="6555513" y="5058150"/>
             <a:ext cx="2131287" cy="1472963"/>
           </a:xfrm>
           <a:prstGeom prst="rect">
@@ -27433,6 +27612,13 @@
   <p:clrMapOvr>
     <a:masterClrMapping/>
   </p:clrMapOvr>
+  <p:timing>
+    <p:tnLst>
+      <p:par>
+        <p:cTn id="1" dur="indefinite" restart="never" nodeType="tmRoot"/>
+      </p:par>
+    </p:tnLst>
+  </p:timing>
 </p:sld>
 </file>
 
@@ -27528,6 +27714,13 @@
   <p:clrMapOvr>
     <a:masterClrMapping/>
   </p:clrMapOvr>
+  <p:timing>
+    <p:tnLst>
+      <p:par>
+        <p:cTn id="1" dur="indefinite" restart="never" nodeType="tmRoot"/>
+      </p:par>
+    </p:tnLst>
+  </p:timing>
 </p:sld>
 </file>
 
@@ -27937,6 +28130,13 @@
   <p:clrMapOvr>
     <a:masterClrMapping/>
   </p:clrMapOvr>
+  <p:timing>
+    <p:tnLst>
+      <p:par>
+        <p:cTn id="1" dur="indefinite" restart="never" nodeType="tmRoot"/>
+      </p:par>
+    </p:tnLst>
+  </p:timing>
 </p:sld>
 </file>
 
@@ -29207,6 +29407,13 @@
   <p:clrMapOvr>
     <a:masterClrMapping/>
   </p:clrMapOvr>
+  <p:timing>
+    <p:tnLst>
+      <p:par>
+        <p:cTn id="1" dur="indefinite" restart="never" nodeType="tmRoot"/>
+      </p:par>
+    </p:tnLst>
+  </p:timing>
 </p:sld>
 </file>
 
@@ -38627,6 +38834,13 @@
   <p:clrMapOvr>
     <a:masterClrMapping/>
   </p:clrMapOvr>
+  <p:timing>
+    <p:tnLst>
+      <p:par>
+        <p:cTn id="1" dur="indefinite" restart="never" nodeType="tmRoot"/>
+      </p:par>
+    </p:tnLst>
+  </p:timing>
 </p:sld>
 </file>
 
@@ -38761,6 +38975,13 @@
   <p:clrMapOvr>
     <a:masterClrMapping/>
   </p:clrMapOvr>
+  <p:timing>
+    <p:tnLst>
+      <p:par>
+        <p:cTn id="1" dur="indefinite" restart="never" nodeType="tmRoot"/>
+      </p:par>
+    </p:tnLst>
+  </p:timing>
 </p:sld>
 </file>
 
@@ -38830,24 +39051,36 @@
                   <m:oMath xmlns:m="http://schemas.openxmlformats.org/officeDocument/2006/math">
                     <m:r>
                       <a:rPr lang="en-US" b="0" i="1" smtClean="0">
+                        <a:solidFill>
+                          <a:srgbClr val="FF0000"/>
+                        </a:solidFill>
                         <a:latin typeface="Cambria Math" panose="02040503050406030204" pitchFamily="18" charset="0"/>
                       </a:rPr>
                       <m:t>𝑃</m:t>
                     </m:r>
                     <m:r>
                       <a:rPr lang="en-US" b="0" i="1" smtClean="0">
+                        <a:solidFill>
+                          <a:srgbClr val="FF0000"/>
+                        </a:solidFill>
                         <a:latin typeface="Cambria Math" panose="02040503050406030204" pitchFamily="18" charset="0"/>
                       </a:rPr>
                       <m:t>=</m:t>
                     </m:r>
                     <m:r>
                       <a:rPr lang="en-US" b="0" i="1" smtClean="0">
+                        <a:solidFill>
+                          <a:srgbClr val="FF0000"/>
+                        </a:solidFill>
                         <a:latin typeface="Cambria Math" panose="02040503050406030204" pitchFamily="18" charset="0"/>
                       </a:rPr>
                       <m:t>𝐼</m:t>
                     </m:r>
                     <m:r>
                       <a:rPr lang="en-US" b="0" i="1" smtClean="0">
+                        <a:solidFill>
+                          <a:srgbClr val="FF0000"/>
+                        </a:solidFill>
                         <a:latin typeface="Cambria Math" panose="02040503050406030204" pitchFamily="18" charset="0"/>
                         <a:ea typeface="Cambria Math" panose="02040503050406030204" pitchFamily="18" charset="0"/>
                       </a:rPr>
@@ -38855,6 +39088,9 @@
                     </m:r>
                     <m:r>
                       <a:rPr lang="en-US" b="0" i="1" smtClean="0">
+                        <a:solidFill>
+                          <a:srgbClr val="FF0000"/>
+                        </a:solidFill>
                         <a:latin typeface="Cambria Math" panose="02040503050406030204" pitchFamily="18" charset="0"/>
                         <a:ea typeface="Cambria Math" panose="02040503050406030204" pitchFamily="18" charset="0"/>
                       </a:rPr>
@@ -38863,6 +39099,9 @@
                   </m:oMath>
                 </a14:m>
                 <a:endParaRPr lang="en-US" b="0" dirty="0">
+                  <a:solidFill>
+                    <a:srgbClr val="FF0000"/>
+                  </a:solidFill>
                   <a:ea typeface="Cambria Math" panose="02040503050406030204" pitchFamily="18" charset="0"/>
                 </a:endParaRPr>
               </a:p>
@@ -38994,7 +39233,7 @@
               <a:blipFill>
                 <a:blip r:embed="rId2"/>
                 <a:stretch>
-                  <a:fillRect l="-1278" t="-1752" r="-278"/>
+                  <a:fillRect l="-1704" t="-1752"/>
                 </a:stretch>
               </a:blipFill>
             </p:spPr>
@@ -39023,6 +39262,13 @@
   <p:clrMapOvr>
     <a:masterClrMapping/>
   </p:clrMapOvr>
+  <p:timing>
+    <p:tnLst>
+      <p:par>
+        <p:cTn id="1" dur="indefinite" restart="never" nodeType="tmRoot"/>
+      </p:par>
+    </p:tnLst>
+  </p:timing>
 </p:sld>
 </file>
 
@@ -39149,6 +39395,13 @@
   <p:clrMapOvr>
     <a:masterClrMapping/>
   </p:clrMapOvr>
+  <p:timing>
+    <p:tnLst>
+      <p:par>
+        <p:cTn id="1" dur="indefinite" restart="never" nodeType="tmRoot"/>
+      </p:par>
+    </p:tnLst>
+  </p:timing>
 </p:sld>
 </file>
 
@@ -39191,8 +39444,8 @@
           </a:p>
         </p:txBody>
       </p:sp>
-      <mc:AlternateContent xmlns:mc="http://schemas.openxmlformats.org/markup-compatibility/2006">
-        <mc:Choice xmlns:a14="http://schemas.microsoft.com/office/drawing/2010/main" Requires="a14">
+      <mc:AlternateContent xmlns:mc="http://schemas.openxmlformats.org/markup-compatibility/2006" xmlns:a14="http://schemas.microsoft.com/office/drawing/2010/main">
+        <mc:Choice Requires="a14">
           <p:sp>
             <p:nvSpPr>
               <p:cNvPr id="3" name="Content Placeholder 2"/>
@@ -39470,7 +39723,7 @@
             </p:txBody>
           </p:sp>
         </mc:Choice>
-        <mc:Fallback>
+        <mc:Fallback xmlns="">
           <p:sp>
             <p:nvSpPr>
               <p:cNvPr id="3" name="Content Placeholder 2"/>
@@ -39518,6 +39771,13 @@
   <p:clrMapOvr>
     <a:masterClrMapping/>
   </p:clrMapOvr>
+  <p:timing>
+    <p:tnLst>
+      <p:par>
+        <p:cTn id="1" dur="indefinite" restart="never" nodeType="tmRoot"/>
+      </p:par>
+    </p:tnLst>
+  </p:timing>
 </p:sld>
 </file>
 
@@ -39766,6 +40026,13 @@
   <p:clrMapOvr>
     <a:masterClrMapping/>
   </p:clrMapOvr>
+  <p:timing>
+    <p:tnLst>
+      <p:par>
+        <p:cTn id="1" dur="indefinite" restart="never" nodeType="tmRoot"/>
+      </p:par>
+    </p:tnLst>
+  </p:timing>
 </p:sld>
 </file>
 
@@ -39843,6 +40110,13 @@
   <p:clrMapOvr>
     <a:masterClrMapping/>
   </p:clrMapOvr>
+  <p:timing>
+    <p:tnLst>
+      <p:par>
+        <p:cTn id="1" dur="indefinite" restart="never" nodeType="tmRoot"/>
+      </p:par>
+    </p:tnLst>
+  </p:timing>
 </p:sld>
 </file>
 
@@ -39953,6 +40227,13 @@
   <p:clrMapOvr>
     <a:masterClrMapping/>
   </p:clrMapOvr>
+  <p:timing>
+    <p:tnLst>
+      <p:par>
+        <p:cTn id="1" dur="indefinite" restart="never" nodeType="tmRoot"/>
+      </p:par>
+    </p:tnLst>
+  </p:timing>
 </p:sld>
 </file>
 
@@ -40148,6 +40429,13 @@
   <p:clrMapOvr>
     <a:masterClrMapping/>
   </p:clrMapOvr>
+  <p:timing>
+    <p:tnLst>
+      <p:par>
+        <p:cTn id="1" dur="indefinite" restart="never" nodeType="tmRoot"/>
+      </p:par>
+    </p:tnLst>
+  </p:timing>
 </p:sld>
 </file>
 
@@ -40282,6 +40570,13 @@
   <p:clrMapOvr>
     <a:masterClrMapping/>
   </p:clrMapOvr>
+  <p:timing>
+    <p:tnLst>
+      <p:par>
+        <p:cTn id="1" dur="indefinite" restart="never" nodeType="tmRoot"/>
+      </p:par>
+    </p:tnLst>
+  </p:timing>
 </p:sld>
 </file>
 
@@ -40587,6 +40882,13 @@
   <p:clrMapOvr>
     <a:masterClrMapping/>
   </p:clrMapOvr>
+  <p:timing>
+    <p:tnLst>
+      <p:par>
+        <p:cTn id="1" dur="indefinite" restart="never" nodeType="tmRoot"/>
+      </p:par>
+    </p:tnLst>
+  </p:timing>
 </p:sld>
 </file>
 
@@ -40724,6 +41026,13 @@
   <p:clrMapOvr>
     <a:masterClrMapping/>
   </p:clrMapOvr>
+  <p:timing>
+    <p:tnLst>
+      <p:par>
+        <p:cTn id="1" dur="indefinite" restart="never" nodeType="tmRoot"/>
+      </p:par>
+    </p:tnLst>
+  </p:timing>
 </p:sld>
 </file>
 
@@ -40788,15 +41097,400 @@
             <p:ph idx="1"/>
           </p:nvPr>
         </p:nvSpPr>
-        <p:spPr/>
+        <p:spPr>
+          <a:xfrm>
+            <a:off x="457200" y="1600203"/>
+            <a:ext cx="8229600" cy="3295994"/>
+          </a:xfrm>
+        </p:spPr>
         <p:txBody>
           <a:bodyPr/>
           <a:lstStyle/>
           <a:p>
-            <a:endParaRPr lang="en-US"/>
+            <a:r>
+              <a:rPr lang="en-US" dirty="0" smtClean="0"/>
+              <a:t>We’ve previously discussed constant-voltage and constant-current sources</a:t>
+            </a:r>
+          </a:p>
+          <a:p>
+            <a:r>
+              <a:rPr lang="en-US" dirty="0" smtClean="0"/>
+              <a:t>Unfortunately, under certain circumstances, these sources are not well-behaved</a:t>
+            </a:r>
+            <a:endParaRPr lang="en-US" dirty="0"/>
           </a:p>
         </p:txBody>
       </p:sp>
+      <p:grpSp>
+        <p:nvGrpSpPr>
+          <p:cNvPr id="17" name="Group 16"/>
+          <p:cNvGrpSpPr/>
+          <p:nvPr/>
+        </p:nvGrpSpPr>
+        <p:grpSpPr>
+          <a:xfrm>
+            <a:off x="4794309" y="5336552"/>
+            <a:ext cx="1119032" cy="1132533"/>
+            <a:chOff x="4794309" y="5336552"/>
+            <a:chExt cx="1119032" cy="1132533"/>
+          </a:xfrm>
+        </p:grpSpPr>
+        <p:sp>
+          <p:nvSpPr>
+            <p:cNvPr id="9" name="Rectangle 8"/>
+            <p:cNvSpPr/>
+            <p:nvPr/>
+          </p:nvSpPr>
+          <p:spPr>
+            <a:xfrm>
+              <a:off x="4794310" y="5336552"/>
+              <a:ext cx="1119031" cy="1132533"/>
+            </a:xfrm>
+            <a:prstGeom prst="rect">
+              <a:avLst/>
+            </a:prstGeom>
+            <a:solidFill>
+              <a:schemeClr val="bg1"/>
+            </a:solidFill>
+            <a:ln>
+              <a:noFill/>
+            </a:ln>
+          </p:spPr>
+          <p:style>
+            <a:lnRef idx="2">
+              <a:schemeClr val="accent1">
+                <a:shade val="50000"/>
+              </a:schemeClr>
+            </a:lnRef>
+            <a:fillRef idx="1">
+              <a:schemeClr val="accent1"/>
+            </a:fillRef>
+            <a:effectRef idx="0">
+              <a:schemeClr val="accent1"/>
+            </a:effectRef>
+            <a:fontRef idx="minor">
+              <a:schemeClr val="lt1"/>
+            </a:fontRef>
+          </p:style>
+          <p:txBody>
+            <a:bodyPr rtlCol="0" anchor="ctr"/>
+            <a:lstStyle/>
+            <a:p>
+              <a:pPr algn="ctr"/>
+              <a:endParaRPr lang="en-US"/>
+            </a:p>
+          </p:txBody>
+        </p:sp>
+        <p:sp>
+          <p:nvSpPr>
+            <p:cNvPr id="10" name="TextBox 9"/>
+            <p:cNvSpPr txBox="1"/>
+            <p:nvPr/>
+          </p:nvSpPr>
+          <p:spPr>
+            <a:xfrm>
+              <a:off x="5425707" y="5732292"/>
+              <a:ext cx="487634" cy="369332"/>
+            </a:xfrm>
+            <a:prstGeom prst="rect">
+              <a:avLst/>
+            </a:prstGeom>
+            <a:noFill/>
+          </p:spPr>
+          <p:txBody>
+            <a:bodyPr wrap="none" rtlCol="0">
+              <a:spAutoFit/>
+            </a:bodyPr>
+            <a:lstStyle/>
+            <a:p>
+              <a:r>
+                <a:rPr lang="en-US" dirty="0"/>
+                <a:t>1 A</a:t>
+              </a:r>
+            </a:p>
+          </p:txBody>
+        </p:sp>
+        <p:pic>
+          <p:nvPicPr>
+            <p:cNvPr id="11" name="Picture 10"/>
+            <p:cNvPicPr>
+              <a:picLocks noChangeAspect="1"/>
+            </p:cNvPicPr>
+            <p:nvPr/>
+          </p:nvPicPr>
+          <p:blipFill>
+            <a:blip r:embed="rId2"/>
+            <a:stretch>
+              <a:fillRect/>
+            </a:stretch>
+          </p:blipFill>
+          <p:spPr>
+            <a:xfrm>
+              <a:off x="4794309" y="5606352"/>
+              <a:ext cx="631399" cy="621215"/>
+            </a:xfrm>
+            <a:prstGeom prst="rect">
+              <a:avLst/>
+            </a:prstGeom>
+          </p:spPr>
+        </p:pic>
+        <p:cxnSp>
+          <p:nvCxnSpPr>
+            <p:cNvPr id="12" name="Straight Connector 11"/>
+            <p:cNvCxnSpPr/>
+            <p:nvPr/>
+          </p:nvCxnSpPr>
+          <p:spPr>
+            <a:xfrm>
+              <a:off x="5110007" y="5336553"/>
+              <a:ext cx="0" cy="269799"/>
+            </a:xfrm>
+            <a:prstGeom prst="line">
+              <a:avLst/>
+            </a:prstGeom>
+            <a:ln w="38100">
+              <a:solidFill>
+                <a:schemeClr val="tx1"/>
+              </a:solidFill>
+            </a:ln>
+          </p:spPr>
+          <p:style>
+            <a:lnRef idx="1">
+              <a:schemeClr val="accent1"/>
+            </a:lnRef>
+            <a:fillRef idx="0">
+              <a:schemeClr val="accent1"/>
+            </a:fillRef>
+            <a:effectRef idx="0">
+              <a:schemeClr val="accent1"/>
+            </a:effectRef>
+            <a:fontRef idx="minor">
+              <a:schemeClr val="tx1"/>
+            </a:fontRef>
+          </p:style>
+        </p:cxnSp>
+        <p:cxnSp>
+          <p:nvCxnSpPr>
+            <p:cNvPr id="13" name="Straight Connector 12"/>
+            <p:cNvCxnSpPr/>
+            <p:nvPr/>
+          </p:nvCxnSpPr>
+          <p:spPr>
+            <a:xfrm>
+              <a:off x="5110007" y="6199286"/>
+              <a:ext cx="0" cy="269799"/>
+            </a:xfrm>
+            <a:prstGeom prst="line">
+              <a:avLst/>
+            </a:prstGeom>
+            <a:ln w="38100">
+              <a:solidFill>
+                <a:schemeClr val="tx1"/>
+              </a:solidFill>
+            </a:ln>
+          </p:spPr>
+          <p:style>
+            <a:lnRef idx="1">
+              <a:schemeClr val="accent1"/>
+            </a:lnRef>
+            <a:fillRef idx="0">
+              <a:schemeClr val="accent1"/>
+            </a:fillRef>
+            <a:effectRef idx="0">
+              <a:schemeClr val="accent1"/>
+            </a:effectRef>
+            <a:fontRef idx="minor">
+              <a:schemeClr val="tx1"/>
+            </a:fontRef>
+          </p:style>
+        </p:cxnSp>
+      </p:grpSp>
+      <p:grpSp>
+        <p:nvGrpSpPr>
+          <p:cNvPr id="3" name="Group 2"/>
+          <p:cNvGrpSpPr/>
+          <p:nvPr/>
+        </p:nvGrpSpPr>
+        <p:grpSpPr>
+          <a:xfrm>
+            <a:off x="2282693" y="5312947"/>
+            <a:ext cx="1256598" cy="1156137"/>
+            <a:chOff x="2282693" y="5312947"/>
+            <a:chExt cx="1256598" cy="1156137"/>
+          </a:xfrm>
+        </p:grpSpPr>
+        <p:sp>
+          <p:nvSpPr>
+            <p:cNvPr id="14" name="Rectangle 13"/>
+            <p:cNvSpPr/>
+            <p:nvPr/>
+          </p:nvSpPr>
+          <p:spPr>
+            <a:xfrm>
+              <a:off x="2282693" y="5336551"/>
+              <a:ext cx="1256598" cy="1132533"/>
+            </a:xfrm>
+            <a:prstGeom prst="rect">
+              <a:avLst/>
+            </a:prstGeom>
+            <a:solidFill>
+              <a:schemeClr val="bg1"/>
+            </a:solidFill>
+            <a:ln>
+              <a:noFill/>
+            </a:ln>
+          </p:spPr>
+          <p:style>
+            <a:lnRef idx="2">
+              <a:schemeClr val="accent1">
+                <a:shade val="50000"/>
+              </a:schemeClr>
+            </a:lnRef>
+            <a:fillRef idx="1">
+              <a:schemeClr val="accent1"/>
+            </a:fillRef>
+            <a:effectRef idx="0">
+              <a:schemeClr val="accent1"/>
+            </a:effectRef>
+            <a:fontRef idx="minor">
+              <a:schemeClr val="lt1"/>
+            </a:fontRef>
+          </p:style>
+          <p:txBody>
+            <a:bodyPr rtlCol="0" anchor="ctr"/>
+            <a:lstStyle/>
+            <a:p>
+              <a:pPr algn="ctr"/>
+              <a:endParaRPr lang="en-US"/>
+            </a:p>
+          </p:txBody>
+        </p:sp>
+        <p:pic>
+          <p:nvPicPr>
+            <p:cNvPr id="4" name="Picture 3"/>
+            <p:cNvPicPr>
+              <a:picLocks noChangeAspect="1"/>
+            </p:cNvPicPr>
+            <p:nvPr/>
+          </p:nvPicPr>
+          <p:blipFill>
+            <a:blip r:embed="rId3"/>
+            <a:stretch>
+              <a:fillRect/>
+            </a:stretch>
+          </p:blipFill>
+          <p:spPr>
+            <a:xfrm>
+              <a:off x="2282694" y="5582747"/>
+              <a:ext cx="659044" cy="643227"/>
+            </a:xfrm>
+            <a:prstGeom prst="rect">
+              <a:avLst/>
+            </a:prstGeom>
+          </p:spPr>
+        </p:pic>
+        <p:sp>
+          <p:nvSpPr>
+            <p:cNvPr id="7" name="TextBox 6"/>
+            <p:cNvSpPr txBox="1"/>
+            <p:nvPr/>
+          </p:nvSpPr>
+          <p:spPr>
+            <a:xfrm>
+              <a:off x="2933493" y="5711593"/>
+              <a:ext cx="603050" cy="410730"/>
+            </a:xfrm>
+            <a:prstGeom prst="rect">
+              <a:avLst/>
+            </a:prstGeom>
+            <a:solidFill>
+              <a:schemeClr val="bg1"/>
+            </a:solidFill>
+          </p:spPr>
+          <p:txBody>
+            <a:bodyPr wrap="none" rtlCol="0">
+              <a:noAutofit/>
+            </a:bodyPr>
+            <a:lstStyle/>
+            <a:p>
+              <a:r>
+                <a:rPr lang="en-US" dirty="0"/>
+                <a:t>12 V</a:t>
+              </a:r>
+            </a:p>
+          </p:txBody>
+        </p:sp>
+        <p:cxnSp>
+          <p:nvCxnSpPr>
+            <p:cNvPr id="15" name="Straight Connector 14"/>
+            <p:cNvCxnSpPr/>
+            <p:nvPr/>
+          </p:nvCxnSpPr>
+          <p:spPr>
+            <a:xfrm>
+              <a:off x="2613868" y="5312947"/>
+              <a:ext cx="0" cy="269799"/>
+            </a:xfrm>
+            <a:prstGeom prst="line">
+              <a:avLst/>
+            </a:prstGeom>
+            <a:ln w="38100">
+              <a:solidFill>
+                <a:schemeClr val="tx1"/>
+              </a:solidFill>
+            </a:ln>
+          </p:spPr>
+          <p:style>
+            <a:lnRef idx="1">
+              <a:schemeClr val="accent1"/>
+            </a:lnRef>
+            <a:fillRef idx="0">
+              <a:schemeClr val="accent1"/>
+            </a:fillRef>
+            <a:effectRef idx="0">
+              <a:schemeClr val="accent1"/>
+            </a:effectRef>
+            <a:fontRef idx="minor">
+              <a:schemeClr val="tx1"/>
+            </a:fontRef>
+          </p:style>
+        </p:cxnSp>
+        <p:cxnSp>
+          <p:nvCxnSpPr>
+            <p:cNvPr id="16" name="Straight Connector 15"/>
+            <p:cNvCxnSpPr/>
+            <p:nvPr/>
+          </p:nvCxnSpPr>
+          <p:spPr>
+            <a:xfrm>
+              <a:off x="2605105" y="6199285"/>
+              <a:ext cx="0" cy="269799"/>
+            </a:xfrm>
+            <a:prstGeom prst="line">
+              <a:avLst/>
+            </a:prstGeom>
+            <a:ln w="38100">
+              <a:solidFill>
+                <a:schemeClr val="tx1"/>
+              </a:solidFill>
+            </a:ln>
+          </p:spPr>
+          <p:style>
+            <a:lnRef idx="1">
+              <a:schemeClr val="accent1"/>
+            </a:lnRef>
+            <a:fillRef idx="0">
+              <a:schemeClr val="accent1"/>
+            </a:fillRef>
+            <a:effectRef idx="0">
+              <a:schemeClr val="accent1"/>
+            </a:effectRef>
+            <a:fontRef idx="minor">
+              <a:schemeClr val="tx1"/>
+            </a:fontRef>
+          </p:style>
+        </p:cxnSp>
+      </p:grpSp>
     </p:spTree>
     <p:extLst>
       <p:ext uri="{BB962C8B-B14F-4D97-AF65-F5344CB8AC3E}">
@@ -40807,6 +41501,13 @@
   <p:clrMapOvr>
     <a:masterClrMapping/>
   </p:clrMapOvr>
+  <p:timing>
+    <p:tnLst>
+      <p:par>
+        <p:cTn id="1" dur="indefinite" restart="never" nodeType="tmRoot"/>
+      </p:par>
+    </p:tnLst>
+  </p:timing>
 </p:sld>
 </file>
 
@@ -40848,16 +41549,514 @@
           <a:bodyPr/>
           <a:lstStyle/>
           <a:p>
+            <a:r>
+              <a:rPr lang="en-US" dirty="0" smtClean="0"/>
+              <a:t>CV Source – Pathological Case</a:t>
+            </a:r>
             <a:endParaRPr lang="en-US" dirty="0"/>
           </a:p>
         </p:txBody>
       </p:sp>
+      <mc:AlternateContent xmlns:mc="http://schemas.openxmlformats.org/markup-compatibility/2006">
+        <mc:Choice xmlns:a14="http://schemas.microsoft.com/office/drawing/2010/main" Requires="a14">
+          <p:sp>
+            <p:nvSpPr>
+              <p:cNvPr id="3" name="Content Placeholder 2">
+                <a:extLst>
+                  <a:ext uri="{FF2B5EF4-FFF2-40B4-BE49-F238E27FC236}">
+                    <a16:creationId xmlns:a16="http://schemas.microsoft.com/office/drawing/2014/main" id="{162B254E-736E-4FD9-B355-657FDD8BC765}"/>
+                  </a:ext>
+                </a:extLst>
+              </p:cNvPr>
+              <p:cNvSpPr>
+                <a:spLocks noGrp="1"/>
+              </p:cNvSpPr>
+              <p:nvPr>
+                <p:ph idx="1"/>
+              </p:nvPr>
+            </p:nvSpPr>
+            <p:spPr/>
+            <p:txBody>
+              <a:bodyPr/>
+              <a:lstStyle/>
+              <a:p>
+                <a:r>
+                  <a:rPr lang="en-US" dirty="0" smtClean="0"/>
+                  <a:t>In this case, we have a short-circuited voltage source</a:t>
+                </a:r>
+              </a:p>
+              <a:p>
+                <a:pPr lvl="1"/>
+                <a:r>
+                  <a:rPr lang="en-US" dirty="0" smtClean="0"/>
+                  <a:t>That is, 0 resistance between the terminals</a:t>
+                </a:r>
+              </a:p>
+              <a:p>
+                <a:r>
+                  <a:rPr lang="en-US" dirty="0" smtClean="0"/>
+                  <a:t>However, there is 12 V between the terminals by definition</a:t>
+                </a:r>
+              </a:p>
+              <a:p>
+                <a14:m>
+                  <m:oMath xmlns:m="http://schemas.openxmlformats.org/officeDocument/2006/math">
+                    <m:r>
+                      <a:rPr lang="en-US" b="0" i="1" smtClean="0">
+                        <a:latin typeface="Cambria Math" panose="02040503050406030204" pitchFamily="18" charset="0"/>
+                      </a:rPr>
+                      <m:t>𝐼</m:t>
+                    </m:r>
+                    <m:r>
+                      <a:rPr lang="en-US" b="0" i="1" smtClean="0">
+                        <a:latin typeface="Cambria Math" panose="02040503050406030204" pitchFamily="18" charset="0"/>
+                      </a:rPr>
+                      <m:t>=</m:t>
+                    </m:r>
+                    <m:f>
+                      <m:fPr>
+                        <m:ctrlPr>
+                          <a:rPr lang="en-US" b="0" i="1" smtClean="0">
+                            <a:latin typeface="Cambria Math" panose="02040503050406030204" pitchFamily="18" charset="0"/>
+                          </a:rPr>
+                        </m:ctrlPr>
+                      </m:fPr>
+                      <m:num>
+                        <m:r>
+                          <a:rPr lang="en-US" b="0" i="1" smtClean="0">
+                            <a:latin typeface="Cambria Math" panose="02040503050406030204" pitchFamily="18" charset="0"/>
+                          </a:rPr>
+                          <m:t>𝑉</m:t>
+                        </m:r>
+                      </m:num>
+                      <m:den>
+                        <m:r>
+                          <a:rPr lang="en-US" b="0" i="1" smtClean="0">
+                            <a:latin typeface="Cambria Math" panose="02040503050406030204" pitchFamily="18" charset="0"/>
+                          </a:rPr>
+                          <m:t>𝑅</m:t>
+                        </m:r>
+                      </m:den>
+                    </m:f>
+                    <m:r>
+                      <a:rPr lang="en-US" b="0" i="1" smtClean="0">
+                        <a:latin typeface="Cambria Math" panose="02040503050406030204" pitchFamily="18" charset="0"/>
+                      </a:rPr>
+                      <m:t>=</m:t>
+                    </m:r>
+                    <m:f>
+                      <m:fPr>
+                        <m:ctrlPr>
+                          <a:rPr lang="en-US" b="0" i="1" smtClean="0">
+                            <a:latin typeface="Cambria Math" panose="02040503050406030204" pitchFamily="18" charset="0"/>
+                          </a:rPr>
+                        </m:ctrlPr>
+                      </m:fPr>
+                      <m:num>
+                        <m:r>
+                          <a:rPr lang="en-US" b="0" i="1" smtClean="0">
+                            <a:latin typeface="Cambria Math" panose="02040503050406030204" pitchFamily="18" charset="0"/>
+                          </a:rPr>
+                          <m:t>12</m:t>
+                        </m:r>
+                      </m:num>
+                      <m:den>
+                        <m:r>
+                          <a:rPr lang="en-US" b="0" i="1" smtClean="0">
+                            <a:latin typeface="Cambria Math" panose="02040503050406030204" pitchFamily="18" charset="0"/>
+                          </a:rPr>
+                          <m:t>0</m:t>
+                        </m:r>
+                      </m:den>
+                    </m:f>
+                  </m:oMath>
+                </a14:m>
+                <a:endParaRPr lang="en-US" dirty="0" smtClean="0"/>
+              </a:p>
+              <a:p>
+                <a:r>
+                  <a:rPr lang="en-US" dirty="0" smtClean="0"/>
+                  <a:t>Infinite current is a bad sign</a:t>
+                </a:r>
+                <a:endParaRPr lang="en-US" dirty="0"/>
+              </a:p>
+            </p:txBody>
+          </p:sp>
+        </mc:Choice>
+        <mc:Fallback>
+          <p:sp>
+            <p:nvSpPr>
+              <p:cNvPr id="3" name="Content Placeholder 2">
+                <a:extLst>
+                  <a:ext uri="{FF2B5EF4-FFF2-40B4-BE49-F238E27FC236}">
+                    <a16:creationId xmlns:a16="http://schemas.microsoft.com/office/drawing/2014/main" id="{162B254E-736E-4FD9-B355-657FDD8BC765}"/>
+                  </a:ext>
+                </a:extLst>
+              </p:cNvPr>
+              <p:cNvSpPr>
+                <a:spLocks noGrp="1" noRot="1" noChangeAspect="1" noMove="1" noResize="1" noEditPoints="1" noAdjustHandles="1" noChangeArrowheads="1" noChangeShapeType="1" noTextEdit="1"/>
+              </p:cNvSpPr>
+              <p:nvPr>
+                <p:ph idx="1"/>
+              </p:nvPr>
+            </p:nvSpPr>
+            <p:spPr>
+              <a:blipFill>
+                <a:blip r:embed="rId2"/>
+                <a:stretch>
+                  <a:fillRect l="-1704" t="-1752" r="-889"/>
+                </a:stretch>
+              </a:blipFill>
+            </p:spPr>
+            <p:txBody>
+              <a:bodyPr/>
+              <a:lstStyle/>
+              <a:p>
+                <a:r>
+                  <a:rPr lang="en-US">
+                    <a:noFill/>
+                  </a:rPr>
+                  <a:t> </a:t>
+                </a:r>
+              </a:p>
+            </p:txBody>
+          </p:sp>
+        </mc:Fallback>
+      </mc:AlternateContent>
+      <p:grpSp>
+        <p:nvGrpSpPr>
+          <p:cNvPr id="19" name="Group 18"/>
+          <p:cNvGrpSpPr/>
+          <p:nvPr/>
+        </p:nvGrpSpPr>
+        <p:grpSpPr>
+          <a:xfrm>
+            <a:off x="6425738" y="4181302"/>
+            <a:ext cx="1745674" cy="1812175"/>
+            <a:chOff x="4073236" y="4164676"/>
+            <a:chExt cx="1745674" cy="1812175"/>
+          </a:xfrm>
+        </p:grpSpPr>
+        <p:sp>
+          <p:nvSpPr>
+            <p:cNvPr id="5" name="Rectangle 4"/>
+            <p:cNvSpPr/>
+            <p:nvPr/>
+          </p:nvSpPr>
+          <p:spPr>
+            <a:xfrm>
+              <a:off x="4073236" y="4164676"/>
+              <a:ext cx="1745674" cy="1812175"/>
+            </a:xfrm>
+            <a:prstGeom prst="rect">
+              <a:avLst/>
+            </a:prstGeom>
+            <a:solidFill>
+              <a:schemeClr val="bg1"/>
+            </a:solidFill>
+            <a:ln>
+              <a:noFill/>
+            </a:ln>
+          </p:spPr>
+          <p:style>
+            <a:lnRef idx="2">
+              <a:schemeClr val="accent1">
+                <a:shade val="50000"/>
+              </a:schemeClr>
+            </a:lnRef>
+            <a:fillRef idx="1">
+              <a:schemeClr val="accent1"/>
+            </a:fillRef>
+            <a:effectRef idx="0">
+              <a:schemeClr val="accent1"/>
+            </a:effectRef>
+            <a:fontRef idx="minor">
+              <a:schemeClr val="lt1"/>
+            </a:fontRef>
+          </p:style>
+          <p:txBody>
+            <a:bodyPr rtlCol="0" anchor="ctr"/>
+            <a:lstStyle/>
+            <a:p>
+              <a:pPr algn="ctr"/>
+              <a:endParaRPr lang="en-US"/>
+            </a:p>
+          </p:txBody>
+        </p:sp>
+        <p:pic>
+          <p:nvPicPr>
+            <p:cNvPr id="6" name="Picture 5"/>
+            <p:cNvPicPr>
+              <a:picLocks noChangeAspect="1"/>
+            </p:cNvPicPr>
+            <p:nvPr/>
+          </p:nvPicPr>
+          <p:blipFill>
+            <a:blip r:embed="rId3"/>
+            <a:stretch>
+              <a:fillRect/>
+            </a:stretch>
+          </p:blipFill>
+          <p:spPr>
+            <a:xfrm>
+              <a:off x="4153057" y="4751474"/>
+              <a:ext cx="659044" cy="643227"/>
+            </a:xfrm>
+            <a:prstGeom prst="rect">
+              <a:avLst/>
+            </a:prstGeom>
+          </p:spPr>
+        </p:pic>
+        <p:sp>
+          <p:nvSpPr>
+            <p:cNvPr id="7" name="TextBox 6"/>
+            <p:cNvSpPr txBox="1"/>
+            <p:nvPr/>
+          </p:nvSpPr>
+          <p:spPr>
+            <a:xfrm>
+              <a:off x="4803856" y="4880320"/>
+              <a:ext cx="603050" cy="410730"/>
+            </a:xfrm>
+            <a:prstGeom prst="rect">
+              <a:avLst/>
+            </a:prstGeom>
+            <a:solidFill>
+              <a:schemeClr val="bg1"/>
+            </a:solidFill>
+          </p:spPr>
+          <p:txBody>
+            <a:bodyPr wrap="none" rtlCol="0">
+              <a:noAutofit/>
+            </a:bodyPr>
+            <a:lstStyle/>
+            <a:p>
+              <a:r>
+                <a:rPr lang="en-US" dirty="0"/>
+                <a:t>12 V</a:t>
+              </a:r>
+            </a:p>
+          </p:txBody>
+        </p:sp>
+        <p:cxnSp>
+          <p:nvCxnSpPr>
+            <p:cNvPr id="8" name="Straight Connector 7"/>
+            <p:cNvCxnSpPr/>
+            <p:nvPr/>
+          </p:nvCxnSpPr>
+          <p:spPr>
+            <a:xfrm>
+              <a:off x="4484231" y="4481674"/>
+              <a:ext cx="0" cy="269799"/>
+            </a:xfrm>
+            <a:prstGeom prst="line">
+              <a:avLst/>
+            </a:prstGeom>
+            <a:ln w="38100">
+              <a:solidFill>
+                <a:schemeClr val="tx1"/>
+              </a:solidFill>
+            </a:ln>
+          </p:spPr>
+          <p:style>
+            <a:lnRef idx="1">
+              <a:schemeClr val="accent1"/>
+            </a:lnRef>
+            <a:fillRef idx="0">
+              <a:schemeClr val="accent1"/>
+            </a:fillRef>
+            <a:effectRef idx="0">
+              <a:schemeClr val="accent1"/>
+            </a:effectRef>
+            <a:fontRef idx="minor">
+              <a:schemeClr val="tx1"/>
+            </a:fontRef>
+          </p:style>
+        </p:cxnSp>
+        <p:cxnSp>
+          <p:nvCxnSpPr>
+            <p:cNvPr id="9" name="Straight Connector 8"/>
+            <p:cNvCxnSpPr/>
+            <p:nvPr/>
+          </p:nvCxnSpPr>
+          <p:spPr>
+            <a:xfrm>
+              <a:off x="4475468" y="5368012"/>
+              <a:ext cx="0" cy="269799"/>
+            </a:xfrm>
+            <a:prstGeom prst="line">
+              <a:avLst/>
+            </a:prstGeom>
+            <a:ln w="38100">
+              <a:solidFill>
+                <a:schemeClr val="tx1"/>
+              </a:solidFill>
+            </a:ln>
+          </p:spPr>
+          <p:style>
+            <a:lnRef idx="1">
+              <a:schemeClr val="accent1"/>
+            </a:lnRef>
+            <a:fillRef idx="0">
+              <a:schemeClr val="accent1"/>
+            </a:fillRef>
+            <a:effectRef idx="0">
+              <a:schemeClr val="accent1"/>
+            </a:effectRef>
+            <a:fontRef idx="minor">
+              <a:schemeClr val="tx1"/>
+            </a:fontRef>
+          </p:style>
+        </p:cxnSp>
+        <p:cxnSp>
+          <p:nvCxnSpPr>
+            <p:cNvPr id="10" name="Straight Connector 9"/>
+            <p:cNvCxnSpPr/>
+            <p:nvPr/>
+          </p:nvCxnSpPr>
+          <p:spPr>
+            <a:xfrm>
+              <a:off x="4475468" y="4481674"/>
+              <a:ext cx="1152248" cy="0"/>
+            </a:xfrm>
+            <a:prstGeom prst="line">
+              <a:avLst/>
+            </a:prstGeom>
+            <a:ln w="38100">
+              <a:solidFill>
+                <a:schemeClr val="tx1"/>
+              </a:solidFill>
+            </a:ln>
+          </p:spPr>
+          <p:style>
+            <a:lnRef idx="1">
+              <a:schemeClr val="accent1"/>
+            </a:lnRef>
+            <a:fillRef idx="0">
+              <a:schemeClr val="accent1"/>
+            </a:fillRef>
+            <a:effectRef idx="0">
+              <a:schemeClr val="accent1"/>
+            </a:effectRef>
+            <a:fontRef idx="minor">
+              <a:schemeClr val="tx1"/>
+            </a:fontRef>
+          </p:style>
+        </p:cxnSp>
+        <p:cxnSp>
+          <p:nvCxnSpPr>
+            <p:cNvPr id="13" name="Straight Connector 12"/>
+            <p:cNvCxnSpPr/>
+            <p:nvPr/>
+          </p:nvCxnSpPr>
+          <p:spPr>
+            <a:xfrm>
+              <a:off x="5619403" y="4473361"/>
+              <a:ext cx="8313" cy="1156137"/>
+            </a:xfrm>
+            <a:prstGeom prst="line">
+              <a:avLst/>
+            </a:prstGeom>
+            <a:ln w="38100">
+              <a:solidFill>
+                <a:schemeClr val="tx1"/>
+              </a:solidFill>
+            </a:ln>
+          </p:spPr>
+          <p:style>
+            <a:lnRef idx="1">
+              <a:schemeClr val="accent1"/>
+            </a:lnRef>
+            <a:fillRef idx="0">
+              <a:schemeClr val="accent1"/>
+            </a:fillRef>
+            <a:effectRef idx="0">
+              <a:schemeClr val="accent1"/>
+            </a:effectRef>
+            <a:fontRef idx="minor">
+              <a:schemeClr val="tx1"/>
+            </a:fontRef>
+          </p:style>
+        </p:cxnSp>
+        <p:cxnSp>
+          <p:nvCxnSpPr>
+            <p:cNvPr id="14" name="Straight Connector 13"/>
+            <p:cNvCxnSpPr/>
+            <p:nvPr/>
+          </p:nvCxnSpPr>
+          <p:spPr>
+            <a:xfrm>
+              <a:off x="4467155" y="5629498"/>
+              <a:ext cx="1160561" cy="8313"/>
+            </a:xfrm>
+            <a:prstGeom prst="line">
+              <a:avLst/>
+            </a:prstGeom>
+            <a:ln w="38100">
+              <a:solidFill>
+                <a:schemeClr val="tx1"/>
+              </a:solidFill>
+            </a:ln>
+          </p:spPr>
+          <p:style>
+            <a:lnRef idx="1">
+              <a:schemeClr val="accent1"/>
+            </a:lnRef>
+            <a:fillRef idx="0">
+              <a:schemeClr val="accent1"/>
+            </a:fillRef>
+            <a:effectRef idx="0">
+              <a:schemeClr val="accent1"/>
+            </a:effectRef>
+            <a:fontRef idx="minor">
+              <a:schemeClr val="tx1"/>
+            </a:fontRef>
+          </p:style>
+        </p:cxnSp>
+      </p:grpSp>
+    </p:spTree>
+    <p:extLst>
+      <p:ext uri="{BB962C8B-B14F-4D97-AF65-F5344CB8AC3E}">
+        <p14:creationId xmlns:p14="http://schemas.microsoft.com/office/powerpoint/2010/main" val="2990996252"/>
+      </p:ext>
+    </p:extLst>
+  </p:cSld>
+  <p:clrMapOvr>
+    <a:masterClrMapping/>
+  </p:clrMapOvr>
+  <p:timing>
+    <p:tnLst>
+      <p:par>
+        <p:cTn id="1" dur="indefinite" restart="never" nodeType="tmRoot"/>
+      </p:par>
+    </p:tnLst>
+  </p:timing>
+</p:sld>
+</file>
+
+<file path=ppt/slides/slide42.xml><?xml version="1.0" encoding="utf-8"?>
+<p:sld xmlns:a="http://schemas.openxmlformats.org/drawingml/2006/main" xmlns:r="http://schemas.openxmlformats.org/officeDocument/2006/relationships" xmlns:p="http://schemas.openxmlformats.org/presentationml/2006/main">
+  <p:cSld>
+    <p:spTree>
+      <p:nvGrpSpPr>
+        <p:cNvPr id="1" name=""/>
+        <p:cNvGrpSpPr/>
+        <p:nvPr/>
+      </p:nvGrpSpPr>
+      <p:grpSpPr>
+        <a:xfrm>
+          <a:off x="0" y="0"/>
+          <a:ext cx="0" cy="0"/>
+          <a:chOff x="0" y="0"/>
+          <a:chExt cx="0" cy="0"/>
+        </a:xfrm>
+      </p:grpSpPr>
       <p:sp>
         <p:nvSpPr>
-          <p:cNvPr id="3" name="Content Placeholder 2">
+          <p:cNvPr id="2" name="Title 1">
             <a:extLst>
               <a:ext uri="{FF2B5EF4-FFF2-40B4-BE49-F238E27FC236}">
-                <a16:creationId xmlns:a16="http://schemas.microsoft.com/office/drawing/2014/main" id="{162B254E-736E-4FD9-B355-657FDD8BC765}"/>
+                <a16:creationId xmlns:a16="http://schemas.microsoft.com/office/drawing/2014/main" id="{E9C110BE-3739-4D82-BCC4-5D15A4E7D52D}"/>
               </a:ext>
             </a:extLst>
           </p:cNvPr>
@@ -40865,7 +42064,7 @@
             <a:spLocks noGrp="1"/>
           </p:cNvSpPr>
           <p:nvPr>
-            <p:ph idx="1"/>
+            <p:ph type="title"/>
           </p:nvPr>
         </p:nvSpPr>
         <p:spPr/>
@@ -40873,14 +42072,1029 @@
           <a:bodyPr/>
           <a:lstStyle/>
           <a:p>
-            <a:endParaRPr lang="en-US"/>
+            <a:r>
+              <a:rPr lang="en-US" dirty="0" smtClean="0"/>
+              <a:t>CC Source – Pathological Case</a:t>
+            </a:r>
+            <a:endParaRPr lang="en-US" dirty="0"/>
+          </a:p>
+        </p:txBody>
+      </p:sp>
+      <mc:AlternateContent xmlns:mc="http://schemas.openxmlformats.org/markup-compatibility/2006">
+        <mc:Choice xmlns:a14="http://schemas.microsoft.com/office/drawing/2010/main" Requires="a14">
+          <p:sp>
+            <p:nvSpPr>
+              <p:cNvPr id="3" name="Content Placeholder 2">
+                <a:extLst>
+                  <a:ext uri="{FF2B5EF4-FFF2-40B4-BE49-F238E27FC236}">
+                    <a16:creationId xmlns:a16="http://schemas.microsoft.com/office/drawing/2014/main" id="{162B254E-736E-4FD9-B355-657FDD8BC765}"/>
+                  </a:ext>
+                </a:extLst>
+              </p:cNvPr>
+              <p:cNvSpPr>
+                <a:spLocks noGrp="1"/>
+              </p:cNvSpPr>
+              <p:nvPr>
+                <p:ph idx="1"/>
+              </p:nvPr>
+            </p:nvSpPr>
+            <p:spPr/>
+            <p:txBody>
+              <a:bodyPr/>
+              <a:lstStyle/>
+              <a:p>
+                <a:r>
+                  <a:rPr lang="en-US" dirty="0" smtClean="0"/>
+                  <a:t>In this case, we have an open current source</a:t>
+                </a:r>
+              </a:p>
+              <a:p>
+                <a:pPr lvl="1"/>
+                <a:r>
+                  <a:rPr lang="en-US" dirty="0" smtClean="0"/>
+                  <a:t>That is, no current can flow between the terminals</a:t>
+                </a:r>
+              </a:p>
+              <a:p>
+                <a:r>
+                  <a:rPr lang="en-US" dirty="0" smtClean="0"/>
+                  <a:t>However, there is 1 A flowing by definition</a:t>
+                </a:r>
+              </a:p>
+              <a:p>
+                <a14:m>
+                  <m:oMath xmlns:m="http://schemas.openxmlformats.org/officeDocument/2006/math">
+                    <m:r>
+                      <a:rPr lang="en-US" b="0" i="1" smtClean="0">
+                        <a:latin typeface="Cambria Math" panose="02040503050406030204" pitchFamily="18" charset="0"/>
+                      </a:rPr>
+                      <m:t>𝑉</m:t>
+                    </m:r>
+                    <m:r>
+                      <a:rPr lang="en-US" b="0" i="1" smtClean="0">
+                        <a:latin typeface="Cambria Math" panose="02040503050406030204" pitchFamily="18" charset="0"/>
+                      </a:rPr>
+                      <m:t>=</m:t>
+                    </m:r>
+                    <m:r>
+                      <a:rPr lang="en-US" b="0" i="1" smtClean="0">
+                        <a:latin typeface="Cambria Math" panose="02040503050406030204" pitchFamily="18" charset="0"/>
+                      </a:rPr>
+                      <m:t>𝐼𝑅</m:t>
+                    </m:r>
+                    <m:r>
+                      <a:rPr lang="en-US" b="0" i="1" smtClean="0">
+                        <a:latin typeface="Cambria Math" panose="02040503050406030204" pitchFamily="18" charset="0"/>
+                      </a:rPr>
+                      <m:t>=1∙∞</m:t>
+                    </m:r>
+                  </m:oMath>
+                </a14:m>
+                <a:endParaRPr lang="en-US" dirty="0" smtClean="0"/>
+              </a:p>
+              <a:p>
+                <a:r>
+                  <a:rPr lang="en-US" dirty="0" smtClean="0"/>
+                  <a:t>Infinite voltage is also a bad sign</a:t>
+                </a:r>
+                <a:endParaRPr lang="en-US" dirty="0"/>
+              </a:p>
+            </p:txBody>
+          </p:sp>
+        </mc:Choice>
+        <mc:Fallback>
+          <p:sp>
+            <p:nvSpPr>
+              <p:cNvPr id="3" name="Content Placeholder 2">
+                <a:extLst>
+                  <a:ext uri="{FF2B5EF4-FFF2-40B4-BE49-F238E27FC236}">
+                    <a16:creationId xmlns:a16="http://schemas.microsoft.com/office/drawing/2014/main" id="{162B254E-736E-4FD9-B355-657FDD8BC765}"/>
+                  </a:ext>
+                </a:extLst>
+              </p:cNvPr>
+              <p:cNvSpPr>
+                <a:spLocks noGrp="1" noRot="1" noChangeAspect="1" noMove="1" noResize="1" noEditPoints="1" noAdjustHandles="1" noChangeArrowheads="1" noChangeShapeType="1" noTextEdit="1"/>
+              </p:cNvSpPr>
+              <p:nvPr>
+                <p:ph idx="1"/>
+              </p:nvPr>
+            </p:nvSpPr>
+            <p:spPr>
+              <a:blipFill>
+                <a:blip r:embed="rId2"/>
+                <a:stretch>
+                  <a:fillRect l="-1704" t="-1752" r="-1037"/>
+                </a:stretch>
+              </a:blipFill>
+            </p:spPr>
+            <p:txBody>
+              <a:bodyPr/>
+              <a:lstStyle/>
+              <a:p>
+                <a:r>
+                  <a:rPr lang="en-US">
+                    <a:noFill/>
+                  </a:rPr>
+                  <a:t> </a:t>
+                </a:r>
+              </a:p>
+            </p:txBody>
+          </p:sp>
+        </mc:Fallback>
+      </mc:AlternateContent>
+      <p:grpSp>
+        <p:nvGrpSpPr>
+          <p:cNvPr id="4" name="Group 3"/>
+          <p:cNvGrpSpPr/>
+          <p:nvPr/>
+        </p:nvGrpSpPr>
+        <p:grpSpPr>
+          <a:xfrm>
+            <a:off x="6625243" y="4605251"/>
+            <a:ext cx="1745674" cy="1812175"/>
+            <a:chOff x="6425738" y="4181302"/>
+            <a:chExt cx="1745674" cy="1812175"/>
+          </a:xfrm>
+        </p:grpSpPr>
+        <p:sp>
+          <p:nvSpPr>
+            <p:cNvPr id="5" name="Rectangle 4"/>
+            <p:cNvSpPr/>
+            <p:nvPr/>
+          </p:nvSpPr>
+          <p:spPr>
+            <a:xfrm>
+              <a:off x="6425738" y="4181302"/>
+              <a:ext cx="1745674" cy="1812175"/>
+            </a:xfrm>
+            <a:prstGeom prst="rect">
+              <a:avLst/>
+            </a:prstGeom>
+            <a:solidFill>
+              <a:schemeClr val="bg1"/>
+            </a:solidFill>
+            <a:ln>
+              <a:noFill/>
+            </a:ln>
+          </p:spPr>
+          <p:style>
+            <a:lnRef idx="2">
+              <a:schemeClr val="accent1">
+                <a:shade val="50000"/>
+              </a:schemeClr>
+            </a:lnRef>
+            <a:fillRef idx="1">
+              <a:schemeClr val="accent1"/>
+            </a:fillRef>
+            <a:effectRef idx="0">
+              <a:schemeClr val="accent1"/>
+            </a:effectRef>
+            <a:fontRef idx="minor">
+              <a:schemeClr val="lt1"/>
+            </a:fontRef>
+          </p:style>
+          <p:txBody>
+            <a:bodyPr rtlCol="0" anchor="ctr"/>
+            <a:lstStyle/>
+            <a:p>
+              <a:pPr algn="ctr"/>
+              <a:endParaRPr lang="en-US"/>
+            </a:p>
+          </p:txBody>
+        </p:sp>
+        <p:grpSp>
+          <p:nvGrpSpPr>
+            <p:cNvPr id="15" name="Group 14"/>
+            <p:cNvGrpSpPr/>
+            <p:nvPr/>
+          </p:nvGrpSpPr>
+          <p:grpSpPr>
+            <a:xfrm>
+              <a:off x="6531669" y="4521122"/>
+              <a:ext cx="1119032" cy="1132533"/>
+              <a:chOff x="4794309" y="5336552"/>
+              <a:chExt cx="1119032" cy="1132533"/>
+            </a:xfrm>
+          </p:grpSpPr>
+          <p:sp>
+            <p:nvSpPr>
+              <p:cNvPr id="16" name="Rectangle 15"/>
+              <p:cNvSpPr/>
+              <p:nvPr/>
+            </p:nvSpPr>
+            <p:spPr>
+              <a:xfrm>
+                <a:off x="4794310" y="5336552"/>
+                <a:ext cx="1119031" cy="1132533"/>
+              </a:xfrm>
+              <a:prstGeom prst="rect">
+                <a:avLst/>
+              </a:prstGeom>
+              <a:solidFill>
+                <a:schemeClr val="bg1"/>
+              </a:solidFill>
+              <a:ln>
+                <a:noFill/>
+              </a:ln>
+            </p:spPr>
+            <p:style>
+              <a:lnRef idx="2">
+                <a:schemeClr val="accent1">
+                  <a:shade val="50000"/>
+                </a:schemeClr>
+              </a:lnRef>
+              <a:fillRef idx="1">
+                <a:schemeClr val="accent1"/>
+              </a:fillRef>
+              <a:effectRef idx="0">
+                <a:schemeClr val="accent1"/>
+              </a:effectRef>
+              <a:fontRef idx="minor">
+                <a:schemeClr val="lt1"/>
+              </a:fontRef>
+            </p:style>
+            <p:txBody>
+              <a:bodyPr rtlCol="0" anchor="ctr"/>
+              <a:lstStyle/>
+              <a:p>
+                <a:pPr algn="ctr"/>
+                <a:endParaRPr lang="en-US"/>
+              </a:p>
+            </p:txBody>
+          </p:sp>
+          <p:sp>
+            <p:nvSpPr>
+              <p:cNvPr id="17" name="TextBox 16"/>
+              <p:cNvSpPr txBox="1"/>
+              <p:nvPr/>
+            </p:nvSpPr>
+            <p:spPr>
+              <a:xfrm>
+                <a:off x="5425707" y="5732292"/>
+                <a:ext cx="487634" cy="369332"/>
+              </a:xfrm>
+              <a:prstGeom prst="rect">
+                <a:avLst/>
+              </a:prstGeom>
+              <a:noFill/>
+            </p:spPr>
+            <p:txBody>
+              <a:bodyPr wrap="none" rtlCol="0">
+                <a:spAutoFit/>
+              </a:bodyPr>
+              <a:lstStyle/>
+              <a:p>
+                <a:r>
+                  <a:rPr lang="en-US" dirty="0"/>
+                  <a:t>1 A</a:t>
+                </a:r>
+              </a:p>
+            </p:txBody>
+          </p:sp>
+          <p:pic>
+            <p:nvPicPr>
+              <p:cNvPr id="18" name="Picture 17"/>
+              <p:cNvPicPr>
+                <a:picLocks noChangeAspect="1"/>
+              </p:cNvPicPr>
+              <p:nvPr/>
+            </p:nvPicPr>
+            <p:blipFill>
+              <a:blip r:embed="rId3"/>
+              <a:stretch>
+                <a:fillRect/>
+              </a:stretch>
+            </p:blipFill>
+            <p:spPr>
+              <a:xfrm>
+                <a:off x="4794309" y="5606352"/>
+                <a:ext cx="631399" cy="621215"/>
+              </a:xfrm>
+              <a:prstGeom prst="rect">
+                <a:avLst/>
+              </a:prstGeom>
+            </p:spPr>
+          </p:pic>
+          <p:cxnSp>
+            <p:nvCxnSpPr>
+              <p:cNvPr id="20" name="Straight Connector 19"/>
+              <p:cNvCxnSpPr/>
+              <p:nvPr/>
+            </p:nvCxnSpPr>
+            <p:spPr>
+              <a:xfrm>
+                <a:off x="5110007" y="5336553"/>
+                <a:ext cx="0" cy="269799"/>
+              </a:xfrm>
+              <a:prstGeom prst="line">
+                <a:avLst/>
+              </a:prstGeom>
+              <a:ln w="38100">
+                <a:solidFill>
+                  <a:schemeClr val="tx1"/>
+                </a:solidFill>
+              </a:ln>
+            </p:spPr>
+            <p:style>
+              <a:lnRef idx="1">
+                <a:schemeClr val="accent1"/>
+              </a:lnRef>
+              <a:fillRef idx="0">
+                <a:schemeClr val="accent1"/>
+              </a:fillRef>
+              <a:effectRef idx="0">
+                <a:schemeClr val="accent1"/>
+              </a:effectRef>
+              <a:fontRef idx="minor">
+                <a:schemeClr val="tx1"/>
+              </a:fontRef>
+            </p:style>
+          </p:cxnSp>
+          <p:cxnSp>
+            <p:nvCxnSpPr>
+              <p:cNvPr id="21" name="Straight Connector 20"/>
+              <p:cNvCxnSpPr/>
+              <p:nvPr/>
+            </p:nvCxnSpPr>
+            <p:spPr>
+              <a:xfrm>
+                <a:off x="5110007" y="6199286"/>
+                <a:ext cx="0" cy="269799"/>
+              </a:xfrm>
+              <a:prstGeom prst="line">
+                <a:avLst/>
+              </a:prstGeom>
+              <a:ln w="38100">
+                <a:solidFill>
+                  <a:schemeClr val="tx1"/>
+                </a:solidFill>
+              </a:ln>
+            </p:spPr>
+            <p:style>
+              <a:lnRef idx="1">
+                <a:schemeClr val="accent1"/>
+              </a:lnRef>
+              <a:fillRef idx="0">
+                <a:schemeClr val="accent1"/>
+              </a:fillRef>
+              <a:effectRef idx="0">
+                <a:schemeClr val="accent1"/>
+              </a:effectRef>
+              <a:fontRef idx="minor">
+                <a:schemeClr val="tx1"/>
+              </a:fontRef>
+            </p:style>
+          </p:cxnSp>
+        </p:grpSp>
+      </p:grpSp>
+    </p:spTree>
+    <p:extLst>
+      <p:ext uri="{BB962C8B-B14F-4D97-AF65-F5344CB8AC3E}">
+        <p14:creationId xmlns:p14="http://schemas.microsoft.com/office/powerpoint/2010/main" val="2030337549"/>
+      </p:ext>
+    </p:extLst>
+  </p:cSld>
+  <p:clrMapOvr>
+    <a:masterClrMapping/>
+  </p:clrMapOvr>
+  <p:timing>
+    <p:tnLst>
+      <p:par>
+        <p:cTn id="1" dur="indefinite" restart="never" nodeType="tmRoot"/>
+      </p:par>
+    </p:tnLst>
+  </p:timing>
+</p:sld>
+</file>
+
+<file path=ppt/slides/slide43.xml><?xml version="1.0" encoding="utf-8"?>
+<p:sld xmlns:a="http://schemas.openxmlformats.org/drawingml/2006/main" xmlns:r="http://schemas.openxmlformats.org/officeDocument/2006/relationships" xmlns:p="http://schemas.openxmlformats.org/presentationml/2006/main">
+  <p:cSld>
+    <p:spTree>
+      <p:nvGrpSpPr>
+        <p:cNvPr id="1" name=""/>
+        <p:cNvGrpSpPr/>
+        <p:nvPr/>
+      </p:nvGrpSpPr>
+      <p:grpSpPr>
+        <a:xfrm>
+          <a:off x="0" y="0"/>
+          <a:ext cx="0" cy="0"/>
+          <a:chOff x="0" y="0"/>
+          <a:chExt cx="0" cy="0"/>
+        </a:xfrm>
+      </p:grpSpPr>
+      <p:sp>
+        <p:nvSpPr>
+          <p:cNvPr id="2" name="Title 1"/>
+          <p:cNvSpPr>
+            <a:spLocks noGrp="1"/>
+          </p:cNvSpPr>
+          <p:nvPr>
+            <p:ph type="title"/>
+          </p:nvPr>
+        </p:nvSpPr>
+        <p:spPr/>
+        <p:txBody>
+          <a:bodyPr/>
+          <a:lstStyle/>
+          <a:p>
+            <a:r>
+              <a:rPr lang="en-US" dirty="0" smtClean="0"/>
+              <a:t>Improving Sources</a:t>
+            </a:r>
+            <a:endParaRPr lang="en-US" dirty="0"/>
+          </a:p>
+        </p:txBody>
+      </p:sp>
+      <p:sp>
+        <p:nvSpPr>
+          <p:cNvPr id="3" name="Content Placeholder 2"/>
+          <p:cNvSpPr>
+            <a:spLocks noGrp="1"/>
+          </p:cNvSpPr>
+          <p:nvPr>
+            <p:ph idx="1"/>
+          </p:nvPr>
+        </p:nvSpPr>
+        <p:spPr>
+          <a:xfrm>
+            <a:off x="457200" y="1600203"/>
+            <a:ext cx="8229600" cy="2788918"/>
+          </a:xfrm>
+        </p:spPr>
+        <p:txBody>
+          <a:bodyPr>
+            <a:normAutofit fontScale="85000" lnSpcReduction="10000"/>
+          </a:bodyPr>
+          <a:lstStyle/>
+          <a:p>
+            <a:r>
+              <a:rPr lang="en-US" dirty="0" smtClean="0"/>
+              <a:t>In both cases, the sources can be made more realistic through the addition of resistors</a:t>
+            </a:r>
+          </a:p>
+          <a:p>
+            <a:r>
+              <a:rPr lang="en-US" dirty="0" smtClean="0"/>
+              <a:t>The voltage source gets an internal</a:t>
+            </a:r>
+            <a:r>
+              <a:rPr lang="en-US" i="1" dirty="0" smtClean="0"/>
+              <a:t> </a:t>
+            </a:r>
+            <a:r>
+              <a:rPr lang="en-US" dirty="0" smtClean="0"/>
+              <a:t>series resistor that limits current when shorted</a:t>
+            </a:r>
+          </a:p>
+          <a:p>
+            <a:r>
+              <a:rPr lang="en-US" dirty="0" smtClean="0"/>
+              <a:t>The current source gets an internal parallel resistor that gives the current somewhere to go when shorted</a:t>
+            </a:r>
+            <a:endParaRPr lang="en-US" dirty="0"/>
+          </a:p>
+        </p:txBody>
+      </p:sp>
+      <p:pic>
+        <p:nvPicPr>
+          <p:cNvPr id="5" name="Picture 4"/>
+          <p:cNvPicPr>
+            <a:picLocks noChangeAspect="1"/>
+          </p:cNvPicPr>
+          <p:nvPr/>
+        </p:nvPicPr>
+        <p:blipFill>
+          <a:blip r:embed="rId2">
+            <a:extLst>
+              <a:ext uri="{28A0092B-C50C-407E-A947-70E740481C1C}">
+                <a14:useLocalDpi xmlns:a14="http://schemas.microsoft.com/office/drawing/2010/main" val="0"/>
+              </a:ext>
+            </a:extLst>
+          </a:blip>
+          <a:stretch>
+            <a:fillRect/>
+          </a:stretch>
+        </p:blipFill>
+        <p:spPr>
+          <a:xfrm>
+            <a:off x="1422602" y="4535285"/>
+            <a:ext cx="962025" cy="2209800"/>
+          </a:xfrm>
+          <a:prstGeom prst="rect">
+            <a:avLst/>
+          </a:prstGeom>
+        </p:spPr>
+      </p:pic>
+      <p:pic>
+        <p:nvPicPr>
+          <p:cNvPr id="6" name="Picture 5"/>
+          <p:cNvPicPr>
+            <a:picLocks noChangeAspect="1"/>
+          </p:cNvPicPr>
+          <p:nvPr/>
+        </p:nvPicPr>
+        <p:blipFill>
+          <a:blip r:embed="rId3">
+            <a:extLst>
+              <a:ext uri="{28A0092B-C50C-407E-A947-70E740481C1C}">
+                <a14:useLocalDpi xmlns:a14="http://schemas.microsoft.com/office/drawing/2010/main" val="0"/>
+              </a:ext>
+            </a:extLst>
+          </a:blip>
+          <a:stretch>
+            <a:fillRect/>
+          </a:stretch>
+        </p:blipFill>
+        <p:spPr>
+          <a:xfrm>
+            <a:off x="4742064" y="4773410"/>
+            <a:ext cx="1733550" cy="1733550"/>
+          </a:xfrm>
+          <a:prstGeom prst="rect">
+            <a:avLst/>
+          </a:prstGeom>
+        </p:spPr>
+      </p:pic>
+    </p:spTree>
+    <p:extLst>
+      <p:ext uri="{BB962C8B-B14F-4D97-AF65-F5344CB8AC3E}">
+        <p14:creationId xmlns:p14="http://schemas.microsoft.com/office/powerpoint/2010/main" val="4287520984"/>
+      </p:ext>
+    </p:extLst>
+  </p:cSld>
+  <p:clrMapOvr>
+    <a:masterClrMapping/>
+  </p:clrMapOvr>
+</p:sld>
+</file>
+
+<file path=ppt/slides/slide44.xml><?xml version="1.0" encoding="utf-8"?>
+<p:sld xmlns:a="http://schemas.openxmlformats.org/drawingml/2006/main" xmlns:r="http://schemas.openxmlformats.org/officeDocument/2006/relationships" xmlns:p="http://schemas.openxmlformats.org/presentationml/2006/main">
+  <p:cSld>
+    <p:spTree>
+      <p:nvGrpSpPr>
+        <p:cNvPr id="1" name=""/>
+        <p:cNvGrpSpPr/>
+        <p:nvPr/>
+      </p:nvGrpSpPr>
+      <p:grpSpPr>
+        <a:xfrm>
+          <a:off x="0" y="0"/>
+          <a:ext cx="0" cy="0"/>
+          <a:chOff x="0" y="0"/>
+          <a:chExt cx="0" cy="0"/>
+        </a:xfrm>
+      </p:grpSpPr>
+      <p:sp>
+        <p:nvSpPr>
+          <p:cNvPr id="2" name="Title 1"/>
+          <p:cNvSpPr>
+            <a:spLocks noGrp="1"/>
+          </p:cNvSpPr>
+          <p:nvPr>
+            <p:ph type="title"/>
+          </p:nvPr>
+        </p:nvSpPr>
+        <p:spPr/>
+        <p:txBody>
+          <a:bodyPr/>
+          <a:lstStyle/>
+          <a:p>
+            <a:r>
+              <a:rPr lang="en-US" dirty="0" smtClean="0"/>
+              <a:t>Improving Sources</a:t>
+            </a:r>
+            <a:endParaRPr lang="en-US" dirty="0"/>
+          </a:p>
+        </p:txBody>
+      </p:sp>
+      <p:sp>
+        <p:nvSpPr>
+          <p:cNvPr id="3" name="Content Placeholder 2"/>
+          <p:cNvSpPr>
+            <a:spLocks noGrp="1"/>
+          </p:cNvSpPr>
+          <p:nvPr>
+            <p:ph idx="1"/>
+          </p:nvPr>
+        </p:nvSpPr>
+        <p:spPr>
+          <a:xfrm>
+            <a:off x="457200" y="1600203"/>
+            <a:ext cx="8229600" cy="2788918"/>
+          </a:xfrm>
+        </p:spPr>
+        <p:txBody>
+          <a:bodyPr>
+            <a:normAutofit fontScale="85000" lnSpcReduction="10000"/>
+          </a:bodyPr>
+          <a:lstStyle/>
+          <a:p>
+            <a:r>
+              <a:rPr lang="en-US" dirty="0" smtClean="0"/>
+              <a:t>Both sources can now be characterized with a finite </a:t>
+            </a:r>
+            <a:r>
+              <a:rPr lang="en-US" i="1" dirty="0" smtClean="0"/>
+              <a:t>open-circuit voltage</a:t>
+            </a:r>
+            <a:r>
+              <a:rPr lang="en-US" dirty="0" smtClean="0"/>
+              <a:t> and a finite </a:t>
+            </a:r>
+            <a:r>
+              <a:rPr lang="en-US" i="1" dirty="0" smtClean="0"/>
+              <a:t>short-circuit current</a:t>
+            </a:r>
+          </a:p>
+          <a:p>
+            <a:r>
+              <a:rPr lang="en-US" dirty="0" smtClean="0"/>
+              <a:t>In fact, by correctly choosing the values of the source and the resistor, you can replace a CC source with a CV source that behaves the same (and vice-versa)</a:t>
+            </a:r>
+          </a:p>
+          <a:p>
+            <a:pPr lvl="1"/>
+            <a:r>
+              <a:rPr lang="en-US" dirty="0" smtClean="0"/>
+              <a:t>These are known as </a:t>
+            </a:r>
+            <a:r>
+              <a:rPr lang="en-US" dirty="0" err="1" smtClean="0"/>
+              <a:t>Thévenin’s</a:t>
+            </a:r>
+            <a:r>
+              <a:rPr lang="en-US" dirty="0" smtClean="0"/>
+              <a:t> Theorem and Norton’s Theorem, respectively</a:t>
+            </a:r>
+            <a:endParaRPr lang="en-US" dirty="0"/>
+          </a:p>
+        </p:txBody>
+      </p:sp>
+      <p:pic>
+        <p:nvPicPr>
+          <p:cNvPr id="5" name="Picture 4"/>
+          <p:cNvPicPr>
+            <a:picLocks noChangeAspect="1"/>
+          </p:cNvPicPr>
+          <p:nvPr/>
+        </p:nvPicPr>
+        <p:blipFill>
+          <a:blip r:embed="rId2">
+            <a:extLst>
+              <a:ext uri="{28A0092B-C50C-407E-A947-70E740481C1C}">
+                <a14:useLocalDpi xmlns:a14="http://schemas.microsoft.com/office/drawing/2010/main" val="0"/>
+              </a:ext>
+            </a:extLst>
+          </a:blip>
+          <a:stretch>
+            <a:fillRect/>
+          </a:stretch>
+        </p:blipFill>
+        <p:spPr>
+          <a:xfrm>
+            <a:off x="1422602" y="4535285"/>
+            <a:ext cx="962025" cy="2209800"/>
+          </a:xfrm>
+          <a:prstGeom prst="rect">
+            <a:avLst/>
+          </a:prstGeom>
+        </p:spPr>
+      </p:pic>
+      <p:pic>
+        <p:nvPicPr>
+          <p:cNvPr id="6" name="Picture 5"/>
+          <p:cNvPicPr>
+            <a:picLocks noChangeAspect="1"/>
+          </p:cNvPicPr>
+          <p:nvPr/>
+        </p:nvPicPr>
+        <p:blipFill>
+          <a:blip r:embed="rId3">
+            <a:extLst>
+              <a:ext uri="{28A0092B-C50C-407E-A947-70E740481C1C}">
+                <a14:useLocalDpi xmlns:a14="http://schemas.microsoft.com/office/drawing/2010/main" val="0"/>
+              </a:ext>
+            </a:extLst>
+          </a:blip>
+          <a:stretch>
+            <a:fillRect/>
+          </a:stretch>
+        </p:blipFill>
+        <p:spPr>
+          <a:xfrm>
+            <a:off x="4742064" y="4773410"/>
+            <a:ext cx="1733550" cy="1733550"/>
+          </a:xfrm>
+          <a:prstGeom prst="rect">
+            <a:avLst/>
+          </a:prstGeom>
+        </p:spPr>
+      </p:pic>
+    </p:spTree>
+    <p:extLst>
+      <p:ext uri="{BB962C8B-B14F-4D97-AF65-F5344CB8AC3E}">
+        <p14:creationId xmlns:p14="http://schemas.microsoft.com/office/powerpoint/2010/main" val="2909026872"/>
+      </p:ext>
+    </p:extLst>
+  </p:cSld>
+  <p:clrMapOvr>
+    <a:masterClrMapping/>
+  </p:clrMapOvr>
+</p:sld>
+</file>
+
+<file path=ppt/slides/slide45.xml><?xml version="1.0" encoding="utf-8"?>
+<p:sld xmlns:a="http://schemas.openxmlformats.org/drawingml/2006/main" xmlns:r="http://schemas.openxmlformats.org/officeDocument/2006/relationships" xmlns:p="http://schemas.openxmlformats.org/presentationml/2006/main">
+  <p:cSld>
+    <p:spTree>
+      <p:nvGrpSpPr>
+        <p:cNvPr id="1" name=""/>
+        <p:cNvGrpSpPr/>
+        <p:nvPr/>
+      </p:nvGrpSpPr>
+      <p:grpSpPr>
+        <a:xfrm>
+          <a:off x="0" y="0"/>
+          <a:ext cx="0" cy="0"/>
+          <a:chOff x="0" y="0"/>
+          <a:chExt cx="0" cy="0"/>
+        </a:xfrm>
+      </p:grpSpPr>
+      <p:sp>
+        <p:nvSpPr>
+          <p:cNvPr id="2" name="Title 1"/>
+          <p:cNvSpPr>
+            <a:spLocks noGrp="1"/>
+          </p:cNvSpPr>
+          <p:nvPr>
+            <p:ph type="title"/>
+          </p:nvPr>
+        </p:nvSpPr>
+        <p:spPr/>
+        <p:txBody>
+          <a:bodyPr/>
+          <a:lstStyle/>
+          <a:p>
+            <a:r>
+              <a:rPr lang="en-US" dirty="0" smtClean="0"/>
+              <a:t>Batteries</a:t>
+            </a:r>
+            <a:endParaRPr lang="en-US" dirty="0"/>
+          </a:p>
+        </p:txBody>
+      </p:sp>
+      <p:sp>
+        <p:nvSpPr>
+          <p:cNvPr id="3" name="Content Placeholder 2"/>
+          <p:cNvSpPr>
+            <a:spLocks noGrp="1"/>
+          </p:cNvSpPr>
+          <p:nvPr>
+            <p:ph idx="1"/>
+          </p:nvPr>
+        </p:nvSpPr>
+        <p:spPr>
+          <a:xfrm>
+            <a:off x="457200" y="1600202"/>
+            <a:ext cx="8229600" cy="4825536"/>
+          </a:xfrm>
+        </p:spPr>
+        <p:txBody>
+          <a:bodyPr>
+            <a:normAutofit fontScale="92500" lnSpcReduction="10000"/>
+          </a:bodyPr>
+          <a:lstStyle/>
+          <a:p>
+            <a:r>
+              <a:rPr lang="en-US" b="1" dirty="0" smtClean="0"/>
+              <a:t>In the short term</a:t>
+            </a:r>
+            <a:r>
+              <a:rPr lang="en-US" dirty="0" smtClean="0"/>
+              <a:t>, you can think of batteries as voltage sources with series resistors</a:t>
+            </a:r>
+          </a:p>
+          <a:p>
+            <a:pPr lvl="1"/>
+            <a:r>
+              <a:rPr lang="en-US" dirty="0" smtClean="0"/>
+              <a:t>That is, the more current you pull, the lower the voltage will be</a:t>
+            </a:r>
+          </a:p>
+          <a:p>
+            <a:r>
+              <a:rPr lang="en-US" dirty="0" smtClean="0"/>
+              <a:t>However, batteries have limited capacity</a:t>
+            </a:r>
+          </a:p>
+          <a:p>
+            <a:pPr lvl="1"/>
+            <a:r>
+              <a:rPr lang="en-US" dirty="0" smtClean="0"/>
+              <a:t>Often expressed as </a:t>
+            </a:r>
+            <a:r>
+              <a:rPr lang="en-US" dirty="0" err="1" smtClean="0"/>
+              <a:t>A∙h</a:t>
+            </a:r>
+            <a:r>
+              <a:rPr lang="en-US" dirty="0" smtClean="0"/>
+              <a:t> or </a:t>
+            </a:r>
+            <a:r>
+              <a:rPr lang="en-US" dirty="0" err="1" smtClean="0"/>
+              <a:t>W∙h</a:t>
+            </a:r>
+            <a:endParaRPr lang="en-US" dirty="0" smtClean="0"/>
+          </a:p>
+          <a:p>
+            <a:pPr lvl="1"/>
+            <a:r>
+              <a:rPr lang="en-US" dirty="0" smtClean="0"/>
+              <a:t>A 1 </a:t>
+            </a:r>
+            <a:r>
+              <a:rPr lang="en-US" dirty="0" err="1" smtClean="0"/>
+              <a:t>A∙h</a:t>
+            </a:r>
+            <a:r>
+              <a:rPr lang="en-US" dirty="0" smtClean="0"/>
+              <a:t> battery can supply an amp for an hour before the voltage drops below some threshold</a:t>
+            </a:r>
+          </a:p>
+          <a:p>
+            <a:pPr lvl="1"/>
+            <a:r>
+              <a:rPr lang="en-US" dirty="0" smtClean="0"/>
+              <a:t>FRC batteries are 18 </a:t>
+            </a:r>
+            <a:r>
+              <a:rPr lang="en-US" dirty="0" err="1" smtClean="0"/>
+              <a:t>A∙h</a:t>
+            </a:r>
+            <a:endParaRPr lang="en-US" dirty="0" smtClean="0"/>
+          </a:p>
+          <a:p>
+            <a:pPr lvl="2"/>
+            <a:r>
+              <a:rPr lang="en-US" dirty="0" smtClean="0"/>
+              <a:t>So it would seem that you could draw more than 400 A for the duration of an FRC match</a:t>
+            </a:r>
+            <a:endParaRPr lang="en-US" dirty="0"/>
           </a:p>
         </p:txBody>
       </p:sp>
     </p:spTree>
     <p:extLst>
       <p:ext uri="{BB962C8B-B14F-4D97-AF65-F5344CB8AC3E}">
-        <p14:creationId xmlns:p14="http://schemas.microsoft.com/office/powerpoint/2010/main" val="2990996252"/>
+        <p14:creationId xmlns:p14="http://schemas.microsoft.com/office/powerpoint/2010/main" val="313601131"/>
+      </p:ext>
+    </p:extLst>
+  </p:cSld>
+  <p:clrMapOvr>
+    <a:masterClrMapping/>
+  </p:clrMapOvr>
+</p:sld>
+</file>
+
+<file path=ppt/slides/slide46.xml><?xml version="1.0" encoding="utf-8"?>
+<p:sld xmlns:a="http://schemas.openxmlformats.org/drawingml/2006/main" xmlns:r="http://schemas.openxmlformats.org/officeDocument/2006/relationships" xmlns:p="http://schemas.openxmlformats.org/presentationml/2006/main">
+  <p:cSld>
+    <p:spTree>
+      <p:nvGrpSpPr>
+        <p:cNvPr id="1" name=""/>
+        <p:cNvGrpSpPr/>
+        <p:nvPr/>
+      </p:nvGrpSpPr>
+      <p:grpSpPr>
+        <a:xfrm>
+          <a:off x="0" y="0"/>
+          <a:ext cx="0" cy="0"/>
+          <a:chOff x="0" y="0"/>
+          <a:chExt cx="0" cy="0"/>
+        </a:xfrm>
+      </p:grpSpPr>
+      <p:sp>
+        <p:nvSpPr>
+          <p:cNvPr id="2" name="Title 1"/>
+          <p:cNvSpPr>
+            <a:spLocks noGrp="1"/>
+          </p:cNvSpPr>
+          <p:nvPr>
+            <p:ph type="title"/>
+          </p:nvPr>
+        </p:nvSpPr>
+        <p:spPr/>
+        <p:txBody>
+          <a:bodyPr/>
+          <a:lstStyle/>
+          <a:p>
+            <a:r>
+              <a:rPr lang="en-US" dirty="0" smtClean="0"/>
+              <a:t>Batteries</a:t>
+            </a:r>
+            <a:endParaRPr lang="en-US" dirty="0"/>
+          </a:p>
+        </p:txBody>
+      </p:sp>
+      <p:sp>
+        <p:nvSpPr>
+          <p:cNvPr id="3" name="Content Placeholder 2"/>
+          <p:cNvSpPr>
+            <a:spLocks noGrp="1"/>
+          </p:cNvSpPr>
+          <p:nvPr>
+            <p:ph idx="1"/>
+          </p:nvPr>
+        </p:nvSpPr>
+        <p:spPr>
+          <a:xfrm>
+            <a:off x="457200" y="1600203"/>
+            <a:ext cx="8229600" cy="1650074"/>
+          </a:xfrm>
+        </p:spPr>
+        <p:txBody>
+          <a:bodyPr>
+            <a:normAutofit fontScale="92500" lnSpcReduction="20000"/>
+          </a:bodyPr>
+          <a:lstStyle/>
+          <a:p>
+            <a:r>
+              <a:rPr lang="en-US" dirty="0" smtClean="0"/>
+              <a:t>Plots are labelled as CA, Capacity in Amps (18, in this case)</a:t>
+            </a:r>
+          </a:p>
+          <a:p>
+            <a:r>
+              <a:rPr lang="en-US" dirty="0" smtClean="0"/>
+              <a:t>Note that the </a:t>
+            </a:r>
+            <a:r>
+              <a:rPr lang="en-US" i="1" dirty="0" smtClean="0"/>
+              <a:t>capacity</a:t>
+            </a:r>
+            <a:r>
+              <a:rPr lang="en-US" dirty="0" smtClean="0"/>
+              <a:t> of the battery is lower the faster you use it up</a:t>
+            </a:r>
+            <a:endParaRPr lang="en-US" dirty="0"/>
+          </a:p>
+        </p:txBody>
+      </p:sp>
+      <p:pic>
+        <p:nvPicPr>
+          <p:cNvPr id="4" name="Picture 3"/>
+          <p:cNvPicPr>
+            <a:picLocks noChangeAspect="1"/>
+          </p:cNvPicPr>
+          <p:nvPr/>
+        </p:nvPicPr>
+        <p:blipFill rotWithShape="1">
+          <a:blip r:embed="rId2"/>
+          <a:srcRect l="18066" r="10069"/>
+          <a:stretch/>
+        </p:blipFill>
+        <p:spPr>
+          <a:xfrm>
+            <a:off x="108066" y="3308465"/>
+            <a:ext cx="3834470" cy="3465108"/>
+          </a:xfrm>
+          <a:prstGeom prst="rect">
+            <a:avLst/>
+          </a:prstGeom>
+        </p:spPr>
+      </p:pic>
+      <p:pic>
+        <p:nvPicPr>
+          <p:cNvPr id="5" name="Picture 4"/>
+          <p:cNvPicPr>
+            <a:picLocks noChangeAspect="1"/>
+          </p:cNvPicPr>
+          <p:nvPr/>
+        </p:nvPicPr>
+        <p:blipFill>
+          <a:blip r:embed="rId3"/>
+          <a:stretch>
+            <a:fillRect/>
+          </a:stretch>
+        </p:blipFill>
+        <p:spPr>
+          <a:xfrm>
+            <a:off x="4104364" y="3308465"/>
+            <a:ext cx="4931570" cy="3465108"/>
+          </a:xfrm>
+          <a:prstGeom prst="rect">
+            <a:avLst/>
+          </a:prstGeom>
+        </p:spPr>
+      </p:pic>
+    </p:spTree>
+    <p:extLst>
+      <p:ext uri="{BB962C8B-B14F-4D97-AF65-F5344CB8AC3E}">
+        <p14:creationId xmlns:p14="http://schemas.microsoft.com/office/powerpoint/2010/main" val="2197942909"/>
       </p:ext>
     </p:extLst>
   </p:cSld>
@@ -41495,6 +43709,13 @@
   <p:clrMapOvr>
     <a:masterClrMapping/>
   </p:clrMapOvr>
+  <p:timing>
+    <p:tnLst>
+      <p:par>
+        <p:cTn id="1" dur="indefinite" restart="never" nodeType="tmRoot"/>
+      </p:par>
+    </p:tnLst>
+  </p:timing>
 </p:sld>
 </file>
 
@@ -41674,6 +43895,13 @@
   <p:clrMapOvr>
     <a:masterClrMapping/>
   </p:clrMapOvr>
+  <p:timing>
+    <p:tnLst>
+      <p:par>
+        <p:cTn id="1" dur="indefinite" restart="never" nodeType="tmRoot"/>
+      </p:par>
+    </p:tnLst>
+  </p:timing>
 </p:sld>
 </file>
 
@@ -41841,6 +44069,13 @@
   <p:clrMapOvr>
     <a:masterClrMapping/>
   </p:clrMapOvr>
+  <p:timing>
+    <p:tnLst>
+      <p:par>
+        <p:cTn id="1" dur="indefinite" restart="never" nodeType="tmRoot"/>
+      </p:par>
+    </p:tnLst>
+  </p:timing>
 </p:sld>
 </file>
 
@@ -41975,6 +44210,13 @@
   <p:clrMapOvr>
     <a:masterClrMapping/>
   </p:clrMapOvr>
+  <p:timing>
+    <p:tnLst>
+      <p:par>
+        <p:cTn id="1" dur="indefinite" restart="never" nodeType="tmRoot"/>
+      </p:par>
+    </p:tnLst>
+  </p:timing>
 </p:sld>
 </file>
 
@@ -42059,175 +44301,190 @@
           </a:p>
         </p:txBody>
       </p:sp>
-      <p:sp>
-        <p:nvSpPr>
-          <p:cNvPr id="8" name="Rectangle 7"/>
-          <p:cNvSpPr/>
+      <p:grpSp>
+        <p:nvGrpSpPr>
+          <p:cNvPr id="9" name="Group 8"/>
+          <p:cNvGrpSpPr/>
           <p:nvPr/>
-        </p:nvSpPr>
-        <p:spPr>
+        </p:nvGrpSpPr>
+        <p:grpSpPr>
           <a:xfrm>
-            <a:off x="2175801" y="2298333"/>
-            <a:ext cx="1119031" cy="1132533"/>
+            <a:off x="2175800" y="2298333"/>
+            <a:ext cx="1119032" cy="1132533"/>
+            <a:chOff x="2175800" y="2298333"/>
+            <a:chExt cx="1119032" cy="1132533"/>
           </a:xfrm>
-          <a:prstGeom prst="rect">
-            <a:avLst/>
-          </a:prstGeom>
-          <a:solidFill>
-            <a:schemeClr val="bg1"/>
-          </a:solidFill>
-          <a:ln>
+        </p:grpSpPr>
+        <p:sp>
+          <p:nvSpPr>
+            <p:cNvPr id="8" name="Rectangle 7"/>
+            <p:cNvSpPr/>
+            <p:nvPr/>
+          </p:nvSpPr>
+          <p:spPr>
+            <a:xfrm>
+              <a:off x="2175801" y="2298333"/>
+              <a:ext cx="1119031" cy="1132533"/>
+            </a:xfrm>
+            <a:prstGeom prst="rect">
+              <a:avLst/>
+            </a:prstGeom>
+            <a:solidFill>
+              <a:schemeClr val="bg1"/>
+            </a:solidFill>
+            <a:ln>
+              <a:noFill/>
+            </a:ln>
+          </p:spPr>
+          <p:style>
+            <a:lnRef idx="2">
+              <a:schemeClr val="accent1">
+                <a:shade val="50000"/>
+              </a:schemeClr>
+            </a:lnRef>
+            <a:fillRef idx="1">
+              <a:schemeClr val="accent1"/>
+            </a:fillRef>
+            <a:effectRef idx="0">
+              <a:schemeClr val="accent1"/>
+            </a:effectRef>
+            <a:fontRef idx="minor">
+              <a:schemeClr val="lt1"/>
+            </a:fontRef>
+          </p:style>
+          <p:txBody>
+            <a:bodyPr rtlCol="0" anchor="ctr"/>
+            <a:lstStyle/>
+            <a:p>
+              <a:pPr algn="ctr"/>
+              <a:endParaRPr lang="en-US"/>
+            </a:p>
+          </p:txBody>
+        </p:sp>
+        <p:sp>
+          <p:nvSpPr>
+            <p:cNvPr id="7" name="TextBox 6"/>
+            <p:cNvSpPr txBox="1"/>
+            <p:nvPr/>
+          </p:nvSpPr>
+          <p:spPr>
+            <a:xfrm>
+              <a:off x="2807198" y="2694073"/>
+              <a:ext cx="487634" cy="369332"/>
+            </a:xfrm>
+            <a:prstGeom prst="rect">
+              <a:avLst/>
+            </a:prstGeom>
             <a:noFill/>
-          </a:ln>
-        </p:spPr>
-        <p:style>
-          <a:lnRef idx="2">
-            <a:schemeClr val="accent1">
-              <a:shade val="50000"/>
-            </a:schemeClr>
-          </a:lnRef>
-          <a:fillRef idx="1">
-            <a:schemeClr val="accent1"/>
-          </a:fillRef>
-          <a:effectRef idx="0">
-            <a:schemeClr val="accent1"/>
-          </a:effectRef>
-          <a:fontRef idx="minor">
-            <a:schemeClr val="lt1"/>
-          </a:fontRef>
-        </p:style>
-        <p:txBody>
-          <a:bodyPr rtlCol="0" anchor="ctr"/>
-          <a:lstStyle/>
-          <a:p>
-            <a:pPr algn="ctr"/>
-            <a:endParaRPr lang="en-US"/>
-          </a:p>
-        </p:txBody>
-      </p:sp>
-      <p:sp>
-        <p:nvSpPr>
-          <p:cNvPr id="7" name="TextBox 6"/>
-          <p:cNvSpPr txBox="1"/>
-          <p:nvPr/>
-        </p:nvSpPr>
-        <p:spPr>
-          <a:xfrm>
-            <a:off x="2807198" y="2694073"/>
-            <a:ext cx="487634" cy="369332"/>
-          </a:xfrm>
-          <a:prstGeom prst="rect">
-            <a:avLst/>
-          </a:prstGeom>
-          <a:noFill/>
-        </p:spPr>
-        <p:txBody>
-          <a:bodyPr wrap="none" rtlCol="0">
-            <a:spAutoFit/>
-          </a:bodyPr>
-          <a:lstStyle/>
-          <a:p>
-            <a:r>
-              <a:rPr lang="en-US" dirty="0"/>
-              <a:t>1 A</a:t>
-            </a:r>
-          </a:p>
-        </p:txBody>
-      </p:sp>
-      <p:pic>
-        <p:nvPicPr>
-          <p:cNvPr id="4" name="Picture 3"/>
-          <p:cNvPicPr>
-            <a:picLocks noChangeAspect="1"/>
-          </p:cNvPicPr>
-          <p:nvPr/>
-        </p:nvPicPr>
-        <p:blipFill>
-          <a:blip r:embed="rId2"/>
-          <a:stretch>
-            <a:fillRect/>
-          </a:stretch>
-        </p:blipFill>
-        <p:spPr>
-          <a:xfrm>
-            <a:off x="2175800" y="2568133"/>
-            <a:ext cx="631399" cy="621215"/>
-          </a:xfrm>
-          <a:prstGeom prst="rect">
-            <a:avLst/>
-          </a:prstGeom>
-        </p:spPr>
-      </p:pic>
-      <p:cxnSp>
-        <p:nvCxnSpPr>
-          <p:cNvPr id="5" name="Straight Connector 4"/>
-          <p:cNvCxnSpPr/>
-          <p:nvPr/>
-        </p:nvCxnSpPr>
-        <p:spPr>
-          <a:xfrm>
-            <a:off x="2491498" y="2298334"/>
-            <a:ext cx="0" cy="269799"/>
-          </a:xfrm>
-          <a:prstGeom prst="line">
-            <a:avLst/>
-          </a:prstGeom>
-          <a:ln w="38100">
-            <a:solidFill>
+          </p:spPr>
+          <p:txBody>
+            <a:bodyPr wrap="none" rtlCol="0">
+              <a:spAutoFit/>
+            </a:bodyPr>
+            <a:lstStyle/>
+            <a:p>
+              <a:r>
+                <a:rPr lang="en-US" dirty="0"/>
+                <a:t>1 A</a:t>
+              </a:r>
+            </a:p>
+          </p:txBody>
+        </p:sp>
+        <p:pic>
+          <p:nvPicPr>
+            <p:cNvPr id="4" name="Picture 3"/>
+            <p:cNvPicPr>
+              <a:picLocks noChangeAspect="1"/>
+            </p:cNvPicPr>
+            <p:nvPr/>
+          </p:nvPicPr>
+          <p:blipFill>
+            <a:blip r:embed="rId2"/>
+            <a:stretch>
+              <a:fillRect/>
+            </a:stretch>
+          </p:blipFill>
+          <p:spPr>
+            <a:xfrm>
+              <a:off x="2175800" y="2568133"/>
+              <a:ext cx="631399" cy="621215"/>
+            </a:xfrm>
+            <a:prstGeom prst="rect">
+              <a:avLst/>
+            </a:prstGeom>
+          </p:spPr>
+        </p:pic>
+        <p:cxnSp>
+          <p:nvCxnSpPr>
+            <p:cNvPr id="5" name="Straight Connector 4"/>
+            <p:cNvCxnSpPr/>
+            <p:nvPr/>
+          </p:nvCxnSpPr>
+          <p:spPr>
+            <a:xfrm>
+              <a:off x="2491498" y="2298334"/>
+              <a:ext cx="0" cy="269799"/>
+            </a:xfrm>
+            <a:prstGeom prst="line">
+              <a:avLst/>
+            </a:prstGeom>
+            <a:ln w="38100">
+              <a:solidFill>
+                <a:schemeClr val="tx1"/>
+              </a:solidFill>
+            </a:ln>
+          </p:spPr>
+          <p:style>
+            <a:lnRef idx="1">
+              <a:schemeClr val="accent1"/>
+            </a:lnRef>
+            <a:fillRef idx="0">
+              <a:schemeClr val="accent1"/>
+            </a:fillRef>
+            <a:effectRef idx="0">
+              <a:schemeClr val="accent1"/>
+            </a:effectRef>
+            <a:fontRef idx="minor">
               <a:schemeClr val="tx1"/>
-            </a:solidFill>
-          </a:ln>
-        </p:spPr>
-        <p:style>
-          <a:lnRef idx="1">
-            <a:schemeClr val="accent1"/>
-          </a:lnRef>
-          <a:fillRef idx="0">
-            <a:schemeClr val="accent1"/>
-          </a:fillRef>
-          <a:effectRef idx="0">
-            <a:schemeClr val="accent1"/>
-          </a:effectRef>
-          <a:fontRef idx="minor">
-            <a:schemeClr val="tx1"/>
-          </a:fontRef>
-        </p:style>
-      </p:cxnSp>
-      <p:cxnSp>
-        <p:nvCxnSpPr>
-          <p:cNvPr id="6" name="Straight Connector 5"/>
-          <p:cNvCxnSpPr/>
-          <p:nvPr/>
-        </p:nvCxnSpPr>
-        <p:spPr>
-          <a:xfrm>
-            <a:off x="2491498" y="3161067"/>
-            <a:ext cx="0" cy="269799"/>
-          </a:xfrm>
-          <a:prstGeom prst="line">
-            <a:avLst/>
-          </a:prstGeom>
-          <a:ln w="38100">
-            <a:solidFill>
+            </a:fontRef>
+          </p:style>
+        </p:cxnSp>
+        <p:cxnSp>
+          <p:nvCxnSpPr>
+            <p:cNvPr id="6" name="Straight Connector 5"/>
+            <p:cNvCxnSpPr/>
+            <p:nvPr/>
+          </p:nvCxnSpPr>
+          <p:spPr>
+            <a:xfrm>
+              <a:off x="2491498" y="3161067"/>
+              <a:ext cx="0" cy="269799"/>
+            </a:xfrm>
+            <a:prstGeom prst="line">
+              <a:avLst/>
+            </a:prstGeom>
+            <a:ln w="38100">
+              <a:solidFill>
+                <a:schemeClr val="tx1"/>
+              </a:solidFill>
+            </a:ln>
+          </p:spPr>
+          <p:style>
+            <a:lnRef idx="1">
+              <a:schemeClr val="accent1"/>
+            </a:lnRef>
+            <a:fillRef idx="0">
+              <a:schemeClr val="accent1"/>
+            </a:fillRef>
+            <a:effectRef idx="0">
+              <a:schemeClr val="accent1"/>
+            </a:effectRef>
+            <a:fontRef idx="minor">
               <a:schemeClr val="tx1"/>
-            </a:solidFill>
-          </a:ln>
-        </p:spPr>
-        <p:style>
-          <a:lnRef idx="1">
-            <a:schemeClr val="accent1"/>
-          </a:lnRef>
-          <a:fillRef idx="0">
-            <a:schemeClr val="accent1"/>
-          </a:fillRef>
-          <a:effectRef idx="0">
-            <a:schemeClr val="accent1"/>
-          </a:effectRef>
-          <a:fontRef idx="minor">
-            <a:schemeClr val="tx1"/>
-          </a:fontRef>
-        </p:style>
-      </p:cxnSp>
+            </a:fontRef>
+          </p:style>
+        </p:cxnSp>
+      </p:grpSp>
     </p:spTree>
     <p:extLst>
       <p:ext uri="{BB962C8B-B14F-4D97-AF65-F5344CB8AC3E}">
@@ -42238,6 +44495,13 @@
   <p:clrMapOvr>
     <a:masterClrMapping/>
   </p:clrMapOvr>
+  <p:timing>
+    <p:tnLst>
+      <p:par>
+        <p:cTn id="1" dur="indefinite" restart="never" nodeType="tmRoot"/>
+      </p:par>
+    </p:tnLst>
+  </p:timing>
 </p:sld>
 </file>
 
